--- a/9001_Praesentation/Praesentation.pptx
+++ b/9001_Praesentation/Praesentation.pptx
@@ -4,14 +4,28 @@
   <p:sldMasterIdLst>
     <p:sldMasterId id="2147483696" r:id="rId1"/>
   </p:sldMasterIdLst>
+  <p:notesMasterIdLst>
+    <p:notesMasterId r:id="rId20"/>
+  </p:notesMasterIdLst>
   <p:sldIdLst>
     <p:sldId id="256" r:id="rId2"/>
     <p:sldId id="257" r:id="rId3"/>
     <p:sldId id="258" r:id="rId4"/>
-    <p:sldId id="259" r:id="rId5"/>
-    <p:sldId id="260" r:id="rId6"/>
-    <p:sldId id="261" r:id="rId7"/>
-    <p:sldId id="262" r:id="rId8"/>
+    <p:sldId id="263" r:id="rId5"/>
+    <p:sldId id="264" r:id="rId6"/>
+    <p:sldId id="265" r:id="rId7"/>
+    <p:sldId id="266" r:id="rId8"/>
+    <p:sldId id="269" r:id="rId9"/>
+    <p:sldId id="259" r:id="rId10"/>
+    <p:sldId id="260" r:id="rId11"/>
+    <p:sldId id="268" r:id="rId12"/>
+    <p:sldId id="267" r:id="rId13"/>
+    <p:sldId id="261" r:id="rId14"/>
+    <p:sldId id="273" r:id="rId15"/>
+    <p:sldId id="270" r:id="rId16"/>
+    <p:sldId id="272" r:id="rId17"/>
+    <p:sldId id="271" r:id="rId18"/>
+    <p:sldId id="262" r:id="rId19"/>
   </p:sldIdLst>
   <p:sldSz cx="9144000" cy="6858000" type="screen4x3"/>
   <p:notesSz cx="6858000" cy="9144000"/>
@@ -143,6 +157,2711 @@
 </p:presentation>
 </file>
 
+<file path=ppt/notesMasters/notesMaster1.xml><?xml version="1.0" encoding="utf-8"?>
+<p:notesMaster xmlns:a="http://schemas.openxmlformats.org/drawingml/2006/main" xmlns:r="http://schemas.openxmlformats.org/officeDocument/2006/relationships" xmlns:p="http://schemas.openxmlformats.org/presentationml/2006/main">
+  <p:cSld>
+    <p:bg>
+      <p:bgRef idx="1001">
+        <a:schemeClr val="bg1"/>
+      </p:bgRef>
+    </p:bg>
+    <p:spTree>
+      <p:nvGrpSpPr>
+        <p:cNvPr id="1" name=""/>
+        <p:cNvGrpSpPr/>
+        <p:nvPr/>
+      </p:nvGrpSpPr>
+      <p:grpSpPr>
+        <a:xfrm>
+          <a:off x="0" y="0"/>
+          <a:ext cx="0" cy="0"/>
+          <a:chOff x="0" y="0"/>
+          <a:chExt cx="0" cy="0"/>
+        </a:xfrm>
+      </p:grpSpPr>
+      <p:sp>
+        <p:nvSpPr>
+          <p:cNvPr id="2" name="Header Placeholder 1"/>
+          <p:cNvSpPr>
+            <a:spLocks noGrp="1"/>
+          </p:cNvSpPr>
+          <p:nvPr>
+            <p:ph type="hdr" sz="quarter"/>
+          </p:nvPr>
+        </p:nvSpPr>
+        <p:spPr>
+          <a:xfrm>
+            <a:off x="0" y="0"/>
+            <a:ext cx="2971800" cy="457200"/>
+          </a:xfrm>
+          <a:prstGeom prst="rect">
+            <a:avLst/>
+          </a:prstGeom>
+        </p:spPr>
+        <p:txBody>
+          <a:bodyPr vert="horz" lIns="91440" tIns="45720" rIns="91440" bIns="45720" rtlCol="0"/>
+          <a:lstStyle>
+            <a:lvl1pPr algn="l">
+              <a:defRPr sz="1200"/>
+            </a:lvl1pPr>
+          </a:lstStyle>
+          <a:p>
+            <a:endParaRPr lang="en-US"/>
+          </a:p>
+        </p:txBody>
+      </p:sp>
+      <p:sp>
+        <p:nvSpPr>
+          <p:cNvPr id="3" name="Date Placeholder 2"/>
+          <p:cNvSpPr>
+            <a:spLocks noGrp="1"/>
+          </p:cNvSpPr>
+          <p:nvPr>
+            <p:ph type="dt" idx="1"/>
+          </p:nvPr>
+        </p:nvSpPr>
+        <p:spPr>
+          <a:xfrm>
+            <a:off x="3884613" y="0"/>
+            <a:ext cx="2971800" cy="457200"/>
+          </a:xfrm>
+          <a:prstGeom prst="rect">
+            <a:avLst/>
+          </a:prstGeom>
+        </p:spPr>
+        <p:txBody>
+          <a:bodyPr vert="horz" lIns="91440" tIns="45720" rIns="91440" bIns="45720" rtlCol="0"/>
+          <a:lstStyle>
+            <a:lvl1pPr algn="r">
+              <a:defRPr sz="1200"/>
+            </a:lvl1pPr>
+          </a:lstStyle>
+          <a:p>
+            <a:fld id="{831B083F-09BF-2249-A576-FD88D29AF165}" type="datetimeFigureOut">
+              <a:rPr lang="en-US" smtClean="0"/>
+              <a:t>13.01.15</a:t>
+            </a:fld>
+            <a:endParaRPr lang="en-US"/>
+          </a:p>
+        </p:txBody>
+      </p:sp>
+      <p:sp>
+        <p:nvSpPr>
+          <p:cNvPr id="4" name="Slide Image Placeholder 3"/>
+          <p:cNvSpPr>
+            <a:spLocks noGrp="1" noRot="1" noChangeAspect="1"/>
+          </p:cNvSpPr>
+          <p:nvPr>
+            <p:ph type="sldImg" idx="2"/>
+          </p:nvPr>
+        </p:nvSpPr>
+        <p:spPr>
+          <a:xfrm>
+            <a:off x="1143000" y="685800"/>
+            <a:ext cx="4572000" cy="3429000"/>
+          </a:xfrm>
+          <a:prstGeom prst="rect">
+            <a:avLst/>
+          </a:prstGeom>
+          <a:noFill/>
+          <a:ln w="12700">
+            <a:solidFill>
+              <a:prstClr val="black"/>
+            </a:solidFill>
+          </a:ln>
+        </p:spPr>
+        <p:txBody>
+          <a:bodyPr vert="horz" lIns="91440" tIns="45720" rIns="91440" bIns="45720" rtlCol="0" anchor="ctr"/>
+          <a:lstStyle/>
+          <a:p>
+            <a:endParaRPr lang="en-US"/>
+          </a:p>
+        </p:txBody>
+      </p:sp>
+      <p:sp>
+        <p:nvSpPr>
+          <p:cNvPr id="5" name="Notes Placeholder 4"/>
+          <p:cNvSpPr>
+            <a:spLocks noGrp="1"/>
+          </p:cNvSpPr>
+          <p:nvPr>
+            <p:ph type="body" sz="quarter" idx="3"/>
+          </p:nvPr>
+        </p:nvSpPr>
+        <p:spPr>
+          <a:xfrm>
+            <a:off x="685800" y="4343400"/>
+            <a:ext cx="5486400" cy="4114800"/>
+          </a:xfrm>
+          <a:prstGeom prst="rect">
+            <a:avLst/>
+          </a:prstGeom>
+        </p:spPr>
+        <p:txBody>
+          <a:bodyPr vert="horz" lIns="91440" tIns="45720" rIns="91440" bIns="45720" rtlCol="0"/>
+          <a:lstStyle/>
+          <a:p>
+            <a:pPr lvl="0"/>
+            <a:r>
+              <a:rPr lang="de-CH" smtClean="0"/>
+              <a:t>Click to edit Master text styles</a:t>
+            </a:r>
+          </a:p>
+          <a:p>
+            <a:pPr lvl="1"/>
+            <a:r>
+              <a:rPr lang="de-CH" smtClean="0"/>
+              <a:t>Second level</a:t>
+            </a:r>
+          </a:p>
+          <a:p>
+            <a:pPr lvl="2"/>
+            <a:r>
+              <a:rPr lang="de-CH" smtClean="0"/>
+              <a:t>Third level</a:t>
+            </a:r>
+          </a:p>
+          <a:p>
+            <a:pPr lvl="3"/>
+            <a:r>
+              <a:rPr lang="de-CH" smtClean="0"/>
+              <a:t>Fourth level</a:t>
+            </a:r>
+          </a:p>
+          <a:p>
+            <a:pPr lvl="4"/>
+            <a:r>
+              <a:rPr lang="de-CH" smtClean="0"/>
+              <a:t>Fifth level</a:t>
+            </a:r>
+            <a:endParaRPr lang="en-US"/>
+          </a:p>
+        </p:txBody>
+      </p:sp>
+      <p:sp>
+        <p:nvSpPr>
+          <p:cNvPr id="6" name="Footer Placeholder 5"/>
+          <p:cNvSpPr>
+            <a:spLocks noGrp="1"/>
+          </p:cNvSpPr>
+          <p:nvPr>
+            <p:ph type="ftr" sz="quarter" idx="4"/>
+          </p:nvPr>
+        </p:nvSpPr>
+        <p:spPr>
+          <a:xfrm>
+            <a:off x="0" y="8685213"/>
+            <a:ext cx="2971800" cy="457200"/>
+          </a:xfrm>
+          <a:prstGeom prst="rect">
+            <a:avLst/>
+          </a:prstGeom>
+        </p:spPr>
+        <p:txBody>
+          <a:bodyPr vert="horz" lIns="91440" tIns="45720" rIns="91440" bIns="45720" rtlCol="0" anchor="b"/>
+          <a:lstStyle>
+            <a:lvl1pPr algn="l">
+              <a:defRPr sz="1200"/>
+            </a:lvl1pPr>
+          </a:lstStyle>
+          <a:p>
+            <a:endParaRPr lang="en-US"/>
+          </a:p>
+        </p:txBody>
+      </p:sp>
+      <p:sp>
+        <p:nvSpPr>
+          <p:cNvPr id="7" name="Slide Number Placeholder 6"/>
+          <p:cNvSpPr>
+            <a:spLocks noGrp="1"/>
+          </p:cNvSpPr>
+          <p:nvPr>
+            <p:ph type="sldNum" sz="quarter" idx="5"/>
+          </p:nvPr>
+        </p:nvSpPr>
+        <p:spPr>
+          <a:xfrm>
+            <a:off x="3884613" y="8685213"/>
+            <a:ext cx="2971800" cy="457200"/>
+          </a:xfrm>
+          <a:prstGeom prst="rect">
+            <a:avLst/>
+          </a:prstGeom>
+        </p:spPr>
+        <p:txBody>
+          <a:bodyPr vert="horz" lIns="91440" tIns="45720" rIns="91440" bIns="45720" rtlCol="0" anchor="b"/>
+          <a:lstStyle>
+            <a:lvl1pPr algn="r">
+              <a:defRPr sz="1200"/>
+            </a:lvl1pPr>
+          </a:lstStyle>
+          <a:p>
+            <a:fld id="{E7AE4CB0-9792-D74D-9E49-F892F9A51ADF}" type="slidenum">
+              <a:rPr lang="en-US" smtClean="0"/>
+              <a:t>‹#›</a:t>
+            </a:fld>
+            <a:endParaRPr lang="en-US"/>
+          </a:p>
+        </p:txBody>
+      </p:sp>
+    </p:spTree>
+    <p:extLst>
+      <p:ext uri="{BB962C8B-B14F-4D97-AF65-F5344CB8AC3E}">
+        <p14:creationId xmlns:p14="http://schemas.microsoft.com/office/powerpoint/2010/main" val="1386822135"/>
+      </p:ext>
+    </p:extLst>
+  </p:cSld>
+  <p:clrMap bg1="lt1" tx1="dk1" bg2="lt2" tx2="dk2" accent1="accent1" accent2="accent2" accent3="accent3" accent4="accent4" accent5="accent5" accent6="accent6" hlink="hlink" folHlink="folHlink"/>
+  <p:notesStyle>
+    <a:lvl1pPr marL="0" algn="l" defTabSz="457200" rtl="0" eaLnBrk="1" latinLnBrk="0" hangingPunct="1">
+      <a:defRPr sz="1200" kern="1200">
+        <a:solidFill>
+          <a:schemeClr val="tx1"/>
+        </a:solidFill>
+        <a:latin typeface="+mn-lt"/>
+        <a:ea typeface="+mn-ea"/>
+        <a:cs typeface="+mn-cs"/>
+      </a:defRPr>
+    </a:lvl1pPr>
+    <a:lvl2pPr marL="457200" algn="l" defTabSz="457200" rtl="0" eaLnBrk="1" latinLnBrk="0" hangingPunct="1">
+      <a:defRPr sz="1200" kern="1200">
+        <a:solidFill>
+          <a:schemeClr val="tx1"/>
+        </a:solidFill>
+        <a:latin typeface="+mn-lt"/>
+        <a:ea typeface="+mn-ea"/>
+        <a:cs typeface="+mn-cs"/>
+      </a:defRPr>
+    </a:lvl2pPr>
+    <a:lvl3pPr marL="914400" algn="l" defTabSz="457200" rtl="0" eaLnBrk="1" latinLnBrk="0" hangingPunct="1">
+      <a:defRPr sz="1200" kern="1200">
+        <a:solidFill>
+          <a:schemeClr val="tx1"/>
+        </a:solidFill>
+        <a:latin typeface="+mn-lt"/>
+        <a:ea typeface="+mn-ea"/>
+        <a:cs typeface="+mn-cs"/>
+      </a:defRPr>
+    </a:lvl3pPr>
+    <a:lvl4pPr marL="1371600" algn="l" defTabSz="457200" rtl="0" eaLnBrk="1" latinLnBrk="0" hangingPunct="1">
+      <a:defRPr sz="1200" kern="1200">
+        <a:solidFill>
+          <a:schemeClr val="tx1"/>
+        </a:solidFill>
+        <a:latin typeface="+mn-lt"/>
+        <a:ea typeface="+mn-ea"/>
+        <a:cs typeface="+mn-cs"/>
+      </a:defRPr>
+    </a:lvl4pPr>
+    <a:lvl5pPr marL="1828800" algn="l" defTabSz="457200" rtl="0" eaLnBrk="1" latinLnBrk="0" hangingPunct="1">
+      <a:defRPr sz="1200" kern="1200">
+        <a:solidFill>
+          <a:schemeClr val="tx1"/>
+        </a:solidFill>
+        <a:latin typeface="+mn-lt"/>
+        <a:ea typeface="+mn-ea"/>
+        <a:cs typeface="+mn-cs"/>
+      </a:defRPr>
+    </a:lvl5pPr>
+    <a:lvl6pPr marL="2286000" algn="l" defTabSz="457200" rtl="0" eaLnBrk="1" latinLnBrk="0" hangingPunct="1">
+      <a:defRPr sz="1200" kern="1200">
+        <a:solidFill>
+          <a:schemeClr val="tx1"/>
+        </a:solidFill>
+        <a:latin typeface="+mn-lt"/>
+        <a:ea typeface="+mn-ea"/>
+        <a:cs typeface="+mn-cs"/>
+      </a:defRPr>
+    </a:lvl6pPr>
+    <a:lvl7pPr marL="2743200" algn="l" defTabSz="457200" rtl="0" eaLnBrk="1" latinLnBrk="0" hangingPunct="1">
+      <a:defRPr sz="1200" kern="1200">
+        <a:solidFill>
+          <a:schemeClr val="tx1"/>
+        </a:solidFill>
+        <a:latin typeface="+mn-lt"/>
+        <a:ea typeface="+mn-ea"/>
+        <a:cs typeface="+mn-cs"/>
+      </a:defRPr>
+    </a:lvl7pPr>
+    <a:lvl8pPr marL="3200400" algn="l" defTabSz="457200" rtl="0" eaLnBrk="1" latinLnBrk="0" hangingPunct="1">
+      <a:defRPr sz="1200" kern="1200">
+        <a:solidFill>
+          <a:schemeClr val="tx1"/>
+        </a:solidFill>
+        <a:latin typeface="+mn-lt"/>
+        <a:ea typeface="+mn-ea"/>
+        <a:cs typeface="+mn-cs"/>
+      </a:defRPr>
+    </a:lvl8pPr>
+    <a:lvl9pPr marL="3657600" algn="l" defTabSz="457200" rtl="0" eaLnBrk="1" latinLnBrk="0" hangingPunct="1">
+      <a:defRPr sz="1200" kern="1200">
+        <a:solidFill>
+          <a:schemeClr val="tx1"/>
+        </a:solidFill>
+        <a:latin typeface="+mn-lt"/>
+        <a:ea typeface="+mn-ea"/>
+        <a:cs typeface="+mn-cs"/>
+      </a:defRPr>
+    </a:lvl9pPr>
+  </p:notesStyle>
+</p:notesMaster>
+</file>
+
+<file path=ppt/notesSlides/notesSlide1.xml><?xml version="1.0" encoding="utf-8"?>
+<p:notes xmlns:a="http://schemas.openxmlformats.org/drawingml/2006/main" xmlns:r="http://schemas.openxmlformats.org/officeDocument/2006/relationships" xmlns:p="http://schemas.openxmlformats.org/presentationml/2006/main">
+  <p:cSld>
+    <p:spTree>
+      <p:nvGrpSpPr>
+        <p:cNvPr id="1" name=""/>
+        <p:cNvGrpSpPr/>
+        <p:nvPr/>
+      </p:nvGrpSpPr>
+      <p:grpSpPr>
+        <a:xfrm>
+          <a:off x="0" y="0"/>
+          <a:ext cx="0" cy="0"/>
+          <a:chOff x="0" y="0"/>
+          <a:chExt cx="0" cy="0"/>
+        </a:xfrm>
+      </p:grpSpPr>
+      <p:sp>
+        <p:nvSpPr>
+          <p:cNvPr id="2" name="Slide Image Placeholder 1"/>
+          <p:cNvSpPr>
+            <a:spLocks noGrp="1" noRot="1" noChangeAspect="1"/>
+          </p:cNvSpPr>
+          <p:nvPr>
+            <p:ph type="sldImg"/>
+          </p:nvPr>
+        </p:nvSpPr>
+        <p:spPr/>
+      </p:sp>
+      <p:sp>
+        <p:nvSpPr>
+          <p:cNvPr id="3" name="Notes Placeholder 2"/>
+          <p:cNvSpPr>
+            <a:spLocks noGrp="1"/>
+          </p:cNvSpPr>
+          <p:nvPr>
+            <p:ph type="body" idx="1"/>
+          </p:nvPr>
+        </p:nvSpPr>
+        <p:spPr/>
+        <p:txBody>
+          <a:bodyPr/>
+          <a:lstStyle/>
+          <a:p>
+            <a:r>
+              <a:rPr lang="en-US" dirty="0" err="1" smtClean="0"/>
+              <a:t>Gebirgshydrologie</a:t>
+            </a:r>
+            <a:r>
+              <a:rPr lang="en-US" baseline="0" dirty="0" smtClean="0"/>
+              <a:t> </a:t>
+            </a:r>
+            <a:r>
+              <a:rPr lang="en-US" baseline="0" dirty="0" err="1" smtClean="0"/>
+              <a:t>braucht</a:t>
+            </a:r>
+            <a:r>
+              <a:rPr lang="en-US" baseline="0" dirty="0" smtClean="0"/>
+              <a:t> </a:t>
+            </a:r>
+            <a:r>
+              <a:rPr lang="en-US" baseline="0" dirty="0" err="1" smtClean="0"/>
+              <a:t>Daten</a:t>
+            </a:r>
+            <a:r>
+              <a:rPr lang="en-US" baseline="0" dirty="0" smtClean="0"/>
+              <a:t> </a:t>
+            </a:r>
+            <a:r>
+              <a:rPr lang="en-US" baseline="0" dirty="0" err="1" smtClean="0"/>
+              <a:t>über</a:t>
+            </a:r>
+            <a:r>
+              <a:rPr lang="en-US" baseline="0" dirty="0" smtClean="0"/>
+              <a:t> </a:t>
+            </a:r>
+            <a:r>
+              <a:rPr lang="en-US" baseline="0" dirty="0" err="1" smtClean="0"/>
+              <a:t>Geschiebetransport</a:t>
+            </a:r>
+            <a:r>
+              <a:rPr lang="en-US" baseline="0" dirty="0" smtClean="0"/>
+              <a:t>.</a:t>
+            </a:r>
+          </a:p>
+          <a:p>
+            <a:r>
+              <a:rPr lang="en-US" baseline="0" dirty="0" err="1" smtClean="0"/>
+              <a:t>Korngrösse</a:t>
+            </a:r>
+            <a:r>
+              <a:rPr lang="en-US" baseline="0" dirty="0" smtClean="0"/>
+              <a:t>, </a:t>
+            </a:r>
+            <a:r>
+              <a:rPr lang="en-US" baseline="0" dirty="0" err="1" smtClean="0"/>
+              <a:t>Anzahl</a:t>
+            </a:r>
+            <a:r>
+              <a:rPr lang="en-US" baseline="0" dirty="0" smtClean="0"/>
+              <a:t>, </a:t>
+            </a:r>
+            <a:r>
+              <a:rPr lang="en-US" baseline="0" dirty="0" err="1" smtClean="0"/>
+              <a:t>evtl</a:t>
+            </a:r>
+            <a:r>
+              <a:rPr lang="en-US" baseline="0" dirty="0" smtClean="0"/>
+              <a:t>. </a:t>
+            </a:r>
+            <a:r>
+              <a:rPr lang="en-US" baseline="0" dirty="0" err="1" smtClean="0"/>
+              <a:t>Geschwindigkeit</a:t>
+            </a:r>
+            <a:r>
+              <a:rPr lang="en-US" baseline="0" dirty="0" smtClean="0"/>
+              <a:t> und </a:t>
+            </a:r>
+            <a:r>
+              <a:rPr lang="en-US" baseline="0" dirty="0" err="1" smtClean="0"/>
+              <a:t>Transportmodus</a:t>
+            </a:r>
+            <a:r>
+              <a:rPr lang="en-US" baseline="0" dirty="0" smtClean="0"/>
+              <a:t> (</a:t>
+            </a:r>
+            <a:r>
+              <a:rPr lang="en-US" baseline="0" dirty="0" err="1" smtClean="0"/>
+              <a:t>Rollen</a:t>
+            </a:r>
+            <a:r>
+              <a:rPr lang="en-US" baseline="0" dirty="0" smtClean="0"/>
+              <a:t>, </a:t>
+            </a:r>
+            <a:r>
+              <a:rPr lang="en-US" baseline="0" dirty="0" err="1" smtClean="0"/>
+              <a:t>Springen</a:t>
+            </a:r>
+            <a:r>
+              <a:rPr lang="en-US" baseline="0" dirty="0" smtClean="0"/>
+              <a:t>, </a:t>
+            </a:r>
+            <a:r>
+              <a:rPr lang="en-US" baseline="0" dirty="0" err="1" smtClean="0"/>
+              <a:t>Rutschen</a:t>
+            </a:r>
+            <a:r>
+              <a:rPr lang="en-US" baseline="0" dirty="0" smtClean="0"/>
+              <a:t>), </a:t>
+            </a:r>
+            <a:r>
+              <a:rPr lang="en-US" baseline="0" dirty="0" err="1" smtClean="0"/>
+              <a:t>allenfalls</a:t>
+            </a:r>
+            <a:r>
+              <a:rPr lang="en-US" baseline="0" dirty="0" smtClean="0"/>
+              <a:t> </a:t>
+            </a:r>
+            <a:r>
+              <a:rPr lang="en-US" baseline="0" dirty="0" err="1" smtClean="0"/>
+              <a:t>sogar</a:t>
+            </a:r>
+            <a:r>
+              <a:rPr lang="en-US" baseline="0" dirty="0" smtClean="0"/>
+              <a:t> </a:t>
+            </a:r>
+            <a:r>
+              <a:rPr lang="en-US" baseline="0" dirty="0" err="1" smtClean="0"/>
+              <a:t>Aussagen</a:t>
+            </a:r>
+            <a:r>
+              <a:rPr lang="en-US" baseline="0" dirty="0" smtClean="0"/>
+              <a:t> </a:t>
+            </a:r>
+            <a:r>
+              <a:rPr lang="en-US" baseline="0" dirty="0" err="1" smtClean="0"/>
+              <a:t>über</a:t>
+            </a:r>
+            <a:r>
+              <a:rPr lang="en-US" baseline="0" dirty="0" smtClean="0"/>
+              <a:t> Form </a:t>
+            </a:r>
+            <a:r>
+              <a:rPr lang="en-US" baseline="0" dirty="0" err="1" smtClean="0"/>
+              <a:t>möglich</a:t>
+            </a:r>
+            <a:r>
+              <a:rPr lang="en-US" baseline="0" dirty="0" smtClean="0"/>
+              <a:t>?</a:t>
+            </a:r>
+          </a:p>
+          <a:p>
+            <a:r>
+              <a:rPr lang="en-US" baseline="0" dirty="0" err="1" smtClean="0"/>
+              <a:t>Ereignisse</a:t>
+            </a:r>
+            <a:r>
+              <a:rPr lang="en-US" baseline="0" dirty="0" smtClean="0"/>
+              <a:t> </a:t>
+            </a:r>
+            <a:r>
+              <a:rPr lang="en-US" baseline="0" dirty="0" err="1" smtClean="0"/>
+              <a:t>mit</a:t>
+            </a:r>
+            <a:r>
+              <a:rPr lang="en-US" baseline="0" dirty="0" smtClean="0"/>
+              <a:t> </a:t>
+            </a:r>
+            <a:r>
+              <a:rPr lang="en-US" baseline="0" dirty="0" err="1" smtClean="0"/>
+              <a:t>viel</a:t>
+            </a:r>
+            <a:r>
+              <a:rPr lang="en-US" baseline="0" dirty="0" smtClean="0"/>
+              <a:t> Transport </a:t>
+            </a:r>
+            <a:r>
+              <a:rPr lang="en-US" baseline="0" dirty="0" err="1" smtClean="0"/>
+              <a:t>treten</a:t>
+            </a:r>
+            <a:r>
+              <a:rPr lang="en-US" baseline="0" dirty="0" smtClean="0"/>
+              <a:t> </a:t>
+            </a:r>
+            <a:r>
+              <a:rPr lang="en-US" baseline="0" dirty="0" err="1" smtClean="0"/>
+              <a:t>selten</a:t>
+            </a:r>
+            <a:r>
+              <a:rPr lang="en-US" baseline="0" dirty="0" smtClean="0"/>
+              <a:t> auf und </a:t>
+            </a:r>
+            <a:r>
+              <a:rPr lang="en-US" baseline="0" dirty="0" err="1" smtClean="0"/>
+              <a:t>dauern</a:t>
+            </a:r>
+            <a:r>
+              <a:rPr lang="en-US" baseline="0" dirty="0" smtClean="0"/>
+              <a:t> </a:t>
+            </a:r>
+            <a:r>
+              <a:rPr lang="en-US" baseline="0" dirty="0" err="1" smtClean="0"/>
+              <a:t>dann</a:t>
+            </a:r>
+            <a:r>
+              <a:rPr lang="en-US" baseline="0" dirty="0" smtClean="0"/>
+              <a:t> </a:t>
+            </a:r>
+            <a:r>
+              <a:rPr lang="en-US" baseline="0" dirty="0" err="1" smtClean="0"/>
+              <a:t>bis</a:t>
+            </a:r>
+            <a:r>
+              <a:rPr lang="en-US" baseline="0" dirty="0" smtClean="0"/>
+              <a:t> </a:t>
+            </a:r>
+            <a:r>
+              <a:rPr lang="en-US" baseline="0" dirty="0" err="1" smtClean="0"/>
+              <a:t>zu</a:t>
+            </a:r>
+            <a:r>
+              <a:rPr lang="en-US" baseline="0" dirty="0" smtClean="0"/>
+              <a:t> </a:t>
+            </a:r>
+            <a:r>
+              <a:rPr lang="en-US" baseline="0" dirty="0" err="1" smtClean="0"/>
+              <a:t>einigen</a:t>
+            </a:r>
+            <a:r>
+              <a:rPr lang="en-US" baseline="0" dirty="0" smtClean="0"/>
+              <a:t> </a:t>
+            </a:r>
+            <a:r>
+              <a:rPr lang="en-US" baseline="0" dirty="0" err="1" smtClean="0"/>
+              <a:t>zehn</a:t>
+            </a:r>
+            <a:r>
+              <a:rPr lang="en-US" baseline="0" dirty="0" smtClean="0"/>
+              <a:t> </a:t>
+            </a:r>
+            <a:r>
+              <a:rPr lang="en-US" baseline="0" dirty="0" err="1" smtClean="0"/>
+              <a:t>Stunden</a:t>
+            </a:r>
+            <a:r>
+              <a:rPr lang="en-US" baseline="0" dirty="0" smtClean="0"/>
+              <a:t>.</a:t>
+            </a:r>
+          </a:p>
+          <a:p>
+            <a:endParaRPr lang="en-US" baseline="0" dirty="0" smtClean="0"/>
+          </a:p>
+          <a:p>
+            <a:r>
+              <a:rPr lang="en-US" baseline="0" dirty="0" err="1" smtClean="0"/>
+              <a:t>Messzeiten</a:t>
+            </a:r>
+            <a:r>
+              <a:rPr lang="en-US" baseline="0" dirty="0" smtClean="0"/>
+              <a:t> von </a:t>
+            </a:r>
+            <a:r>
+              <a:rPr lang="en-US" baseline="0" dirty="0" err="1" smtClean="0"/>
+              <a:t>einigen</a:t>
+            </a:r>
+            <a:r>
+              <a:rPr lang="en-US" baseline="0" dirty="0" smtClean="0"/>
+              <a:t> </a:t>
+            </a:r>
+            <a:r>
+              <a:rPr lang="en-US" baseline="0" dirty="0" err="1" smtClean="0"/>
+              <a:t>Wochen</a:t>
+            </a:r>
+            <a:r>
+              <a:rPr lang="en-US" baseline="0" dirty="0" smtClean="0"/>
+              <a:t> </a:t>
+            </a:r>
+            <a:r>
+              <a:rPr lang="en-US" baseline="0" dirty="0" err="1" smtClean="0"/>
+              <a:t>bis</a:t>
+            </a:r>
+            <a:r>
+              <a:rPr lang="en-US" baseline="0" dirty="0" smtClean="0"/>
+              <a:t> </a:t>
+            </a:r>
+            <a:r>
+              <a:rPr lang="en-US" baseline="0" dirty="0" err="1" smtClean="0"/>
+              <a:t>Monaten</a:t>
+            </a:r>
+            <a:r>
+              <a:rPr lang="en-US" baseline="0" dirty="0" smtClean="0"/>
+              <a:t> </a:t>
+            </a:r>
+            <a:r>
+              <a:rPr lang="en-US" baseline="0" dirty="0" err="1" smtClean="0"/>
+              <a:t>sind</a:t>
+            </a:r>
+            <a:r>
+              <a:rPr lang="en-US" baseline="0" dirty="0" smtClean="0"/>
+              <a:t> also </a:t>
+            </a:r>
+            <a:r>
+              <a:rPr lang="en-US" baseline="0" dirty="0" err="1" smtClean="0"/>
+              <a:t>gefordert</a:t>
+            </a:r>
+            <a:r>
+              <a:rPr lang="en-US" baseline="0" dirty="0" smtClean="0"/>
+              <a:t>.</a:t>
+            </a:r>
+          </a:p>
+          <a:p>
+            <a:endParaRPr lang="en-US" baseline="0" dirty="0" smtClean="0"/>
+          </a:p>
+          <a:p>
+            <a:r>
+              <a:rPr lang="en-US" baseline="0" dirty="0" err="1" smtClean="0"/>
+              <a:t>Messstation</a:t>
+            </a:r>
+            <a:r>
+              <a:rPr lang="en-US" baseline="0" dirty="0" smtClean="0"/>
+              <a:t> </a:t>
+            </a:r>
+            <a:r>
+              <a:rPr lang="en-US" baseline="0" dirty="0" err="1" smtClean="0"/>
+              <a:t>müssen</a:t>
+            </a:r>
+            <a:r>
+              <a:rPr lang="en-US" baseline="0" dirty="0" smtClean="0"/>
+              <a:t> also </a:t>
+            </a:r>
+            <a:r>
+              <a:rPr lang="en-US" baseline="0" dirty="0" err="1" smtClean="0"/>
+              <a:t>über</a:t>
+            </a:r>
+            <a:r>
+              <a:rPr lang="en-US" baseline="0" dirty="0" smtClean="0"/>
+              <a:t> </a:t>
+            </a:r>
+            <a:r>
+              <a:rPr lang="en-US" baseline="0" dirty="0" err="1" smtClean="0"/>
+              <a:t>lange</a:t>
+            </a:r>
+            <a:r>
+              <a:rPr lang="en-US" baseline="0" dirty="0" smtClean="0"/>
+              <a:t> </a:t>
+            </a:r>
+            <a:r>
+              <a:rPr lang="en-US" baseline="0" dirty="0" err="1" smtClean="0"/>
+              <a:t>Zeit</a:t>
+            </a:r>
+            <a:r>
+              <a:rPr lang="en-US" baseline="0" dirty="0" smtClean="0"/>
+              <a:t> </a:t>
+            </a:r>
+            <a:r>
+              <a:rPr lang="en-US" baseline="0" dirty="0" err="1" smtClean="0"/>
+              <a:t>autark</a:t>
+            </a:r>
+            <a:r>
+              <a:rPr lang="en-US" baseline="0" dirty="0" smtClean="0"/>
+              <a:t> </a:t>
+            </a:r>
+            <a:r>
+              <a:rPr lang="en-US" baseline="0" dirty="0" err="1" smtClean="0"/>
+              <a:t>betrieben</a:t>
+            </a:r>
+            <a:r>
+              <a:rPr lang="en-US" baseline="0" dirty="0" smtClean="0"/>
+              <a:t> </a:t>
+            </a:r>
+            <a:r>
+              <a:rPr lang="en-US" baseline="0" dirty="0" err="1" smtClean="0"/>
+              <a:t>werden</a:t>
+            </a:r>
+            <a:r>
+              <a:rPr lang="en-US" baseline="0" dirty="0" smtClean="0"/>
+              <a:t> </a:t>
+            </a:r>
+            <a:r>
+              <a:rPr lang="en-US" baseline="0" dirty="0" err="1" smtClean="0"/>
+              <a:t>können</a:t>
+            </a:r>
+            <a:r>
+              <a:rPr lang="en-US" baseline="0" dirty="0" smtClean="0"/>
+              <a:t> und </a:t>
+            </a:r>
+            <a:r>
+              <a:rPr lang="en-US" baseline="0" dirty="0" err="1" smtClean="0"/>
+              <a:t>möglichst</a:t>
+            </a:r>
+            <a:r>
+              <a:rPr lang="en-US" baseline="0" dirty="0" smtClean="0"/>
+              <a:t> </a:t>
+            </a:r>
+            <a:r>
+              <a:rPr lang="en-US" baseline="0" dirty="0" err="1" smtClean="0"/>
+              <a:t>nur</a:t>
+            </a:r>
+            <a:r>
+              <a:rPr lang="en-US" baseline="0" dirty="0" smtClean="0"/>
+              <a:t> </a:t>
+            </a:r>
+            <a:r>
+              <a:rPr lang="en-US" baseline="0" dirty="0" err="1" smtClean="0"/>
+              <a:t>interessante</a:t>
+            </a:r>
+            <a:r>
+              <a:rPr lang="en-US" baseline="0" dirty="0" smtClean="0"/>
+              <a:t> </a:t>
+            </a:r>
+            <a:r>
+              <a:rPr lang="en-US" baseline="0" dirty="0" err="1" smtClean="0"/>
+              <a:t>Daten</a:t>
+            </a:r>
+            <a:r>
+              <a:rPr lang="en-US" baseline="0" dirty="0" smtClean="0"/>
+              <a:t> </a:t>
+            </a:r>
+            <a:r>
+              <a:rPr lang="en-US" baseline="0" dirty="0" err="1" smtClean="0"/>
+              <a:t>aufzeichnen</a:t>
+            </a:r>
+            <a:r>
+              <a:rPr lang="en-US" baseline="0" dirty="0" smtClean="0"/>
+              <a:t>, </a:t>
+            </a:r>
+            <a:r>
+              <a:rPr lang="en-US" baseline="0" dirty="0" err="1" smtClean="0"/>
+              <a:t>damit</a:t>
+            </a:r>
+            <a:r>
+              <a:rPr lang="en-US" baseline="0" dirty="0" smtClean="0"/>
+              <a:t> </a:t>
+            </a:r>
+            <a:r>
+              <a:rPr lang="en-US" baseline="0" dirty="0" err="1" smtClean="0"/>
+              <a:t>bei</a:t>
+            </a:r>
+            <a:r>
+              <a:rPr lang="en-US" baseline="0" dirty="0" smtClean="0"/>
+              <a:t> </a:t>
+            </a:r>
+            <a:r>
+              <a:rPr lang="en-US" baseline="0" dirty="0" err="1" smtClean="0"/>
+              <a:t>intensiven</a:t>
+            </a:r>
+            <a:r>
+              <a:rPr lang="en-US" baseline="0" dirty="0" smtClean="0"/>
+              <a:t> </a:t>
+            </a:r>
+            <a:r>
+              <a:rPr lang="en-US" baseline="0" dirty="0" err="1" smtClean="0"/>
+              <a:t>Ereignissen</a:t>
+            </a:r>
+            <a:r>
+              <a:rPr lang="en-US" baseline="0" dirty="0" smtClean="0"/>
+              <a:t> </a:t>
+            </a:r>
+            <a:r>
+              <a:rPr lang="en-US" baseline="0" dirty="0" err="1" smtClean="0"/>
+              <a:t>Speicherplatz</a:t>
+            </a:r>
+            <a:r>
+              <a:rPr lang="en-US" baseline="0" dirty="0" smtClean="0"/>
+              <a:t> </a:t>
+            </a:r>
+            <a:r>
+              <a:rPr lang="en-US" baseline="0" dirty="0" err="1" smtClean="0"/>
+              <a:t>vorhanden</a:t>
+            </a:r>
+            <a:r>
+              <a:rPr lang="en-US" baseline="0" dirty="0" smtClean="0"/>
+              <a:t> </a:t>
+            </a:r>
+            <a:r>
+              <a:rPr lang="en-US" baseline="0" dirty="0" err="1" smtClean="0"/>
+              <a:t>ist</a:t>
+            </a:r>
+            <a:endParaRPr lang="en-US" baseline="0" dirty="0" smtClean="0"/>
+          </a:p>
+        </p:txBody>
+      </p:sp>
+      <p:sp>
+        <p:nvSpPr>
+          <p:cNvPr id="4" name="Slide Number Placeholder 3"/>
+          <p:cNvSpPr>
+            <a:spLocks noGrp="1"/>
+          </p:cNvSpPr>
+          <p:nvPr>
+            <p:ph type="sldNum" sz="quarter" idx="10"/>
+          </p:nvPr>
+        </p:nvSpPr>
+        <p:spPr/>
+        <p:txBody>
+          <a:bodyPr/>
+          <a:lstStyle/>
+          <a:p>
+            <a:fld id="{E7AE4CB0-9792-D74D-9E49-F892F9A51ADF}" type="slidenum">
+              <a:rPr lang="en-US" smtClean="0"/>
+              <a:t>3</a:t>
+            </a:fld>
+            <a:endParaRPr lang="en-US"/>
+          </a:p>
+        </p:txBody>
+      </p:sp>
+    </p:spTree>
+    <p:extLst>
+      <p:ext uri="{BB962C8B-B14F-4D97-AF65-F5344CB8AC3E}">
+        <p14:creationId xmlns:p14="http://schemas.microsoft.com/office/powerpoint/2010/main" val="2611121099"/>
+      </p:ext>
+    </p:extLst>
+  </p:cSld>
+  <p:clrMapOvr>
+    <a:masterClrMapping/>
+  </p:clrMapOvr>
+</p:notes>
+</file>
+
+<file path=ppt/notesSlides/notesSlide2.xml><?xml version="1.0" encoding="utf-8"?>
+<p:notes xmlns:a="http://schemas.openxmlformats.org/drawingml/2006/main" xmlns:r="http://schemas.openxmlformats.org/officeDocument/2006/relationships" xmlns:p="http://schemas.openxmlformats.org/presentationml/2006/main">
+  <p:cSld>
+    <p:spTree>
+      <p:nvGrpSpPr>
+        <p:cNvPr id="1" name=""/>
+        <p:cNvGrpSpPr/>
+        <p:nvPr/>
+      </p:nvGrpSpPr>
+      <p:grpSpPr>
+        <a:xfrm>
+          <a:off x="0" y="0"/>
+          <a:ext cx="0" cy="0"/>
+          <a:chOff x="0" y="0"/>
+          <a:chExt cx="0" cy="0"/>
+        </a:xfrm>
+      </p:grpSpPr>
+      <p:sp>
+        <p:nvSpPr>
+          <p:cNvPr id="2" name="Slide Image Placeholder 1"/>
+          <p:cNvSpPr>
+            <a:spLocks noGrp="1" noRot="1" noChangeAspect="1"/>
+          </p:cNvSpPr>
+          <p:nvPr>
+            <p:ph type="sldImg"/>
+          </p:nvPr>
+        </p:nvSpPr>
+        <p:spPr/>
+      </p:sp>
+      <p:sp>
+        <p:nvSpPr>
+          <p:cNvPr id="3" name="Notes Placeholder 2"/>
+          <p:cNvSpPr>
+            <a:spLocks noGrp="1"/>
+          </p:cNvSpPr>
+          <p:nvPr>
+            <p:ph type="body" idx="1"/>
+          </p:nvPr>
+        </p:nvSpPr>
+        <p:spPr/>
+        <p:txBody>
+          <a:bodyPr/>
+          <a:lstStyle/>
+          <a:p>
+            <a:r>
+              <a:rPr lang="en-US" dirty="0" smtClean="0"/>
+              <a:t>Geophone </a:t>
+            </a:r>
+            <a:r>
+              <a:rPr lang="en-US" dirty="0" err="1" smtClean="0"/>
+              <a:t>recht</a:t>
+            </a:r>
+            <a:r>
+              <a:rPr lang="en-US" baseline="0" dirty="0" smtClean="0"/>
+              <a:t> gross, </a:t>
+            </a:r>
+            <a:r>
+              <a:rPr lang="en-US" baseline="0" dirty="0" err="1" smtClean="0"/>
+              <a:t>brauchen</a:t>
+            </a:r>
+            <a:r>
+              <a:rPr lang="en-US" baseline="0" dirty="0" smtClean="0"/>
+              <a:t> </a:t>
+            </a:r>
+            <a:r>
+              <a:rPr lang="en-US" baseline="0" dirty="0" err="1" smtClean="0"/>
+              <a:t>aufwändige</a:t>
+            </a:r>
+            <a:r>
+              <a:rPr lang="en-US" baseline="0" dirty="0" smtClean="0"/>
+              <a:t> </a:t>
+            </a:r>
+            <a:r>
+              <a:rPr lang="en-US" baseline="0" dirty="0" err="1" smtClean="0"/>
+              <a:t>Konstruktion</a:t>
+            </a:r>
+            <a:r>
+              <a:rPr lang="en-US" baseline="0" dirty="0" smtClean="0"/>
+              <a:t>.</a:t>
+            </a:r>
+          </a:p>
+          <a:p>
+            <a:r>
+              <a:rPr lang="en-US" baseline="0" dirty="0" err="1" smtClean="0"/>
+              <a:t>Jedes</a:t>
+            </a:r>
+            <a:r>
+              <a:rPr lang="en-US" baseline="0" dirty="0" smtClean="0"/>
+              <a:t> </a:t>
+            </a:r>
+            <a:r>
+              <a:rPr lang="en-US" baseline="0" dirty="0" err="1" smtClean="0"/>
+              <a:t>Geophon</a:t>
+            </a:r>
+            <a:r>
+              <a:rPr lang="en-US" baseline="0" dirty="0" smtClean="0"/>
+              <a:t> hat </a:t>
+            </a:r>
+            <a:r>
+              <a:rPr lang="en-US" baseline="0" dirty="0" err="1" smtClean="0"/>
+              <a:t>eigenes</a:t>
+            </a:r>
+            <a:r>
+              <a:rPr lang="en-US" baseline="0" dirty="0" smtClean="0"/>
+              <a:t> </a:t>
+            </a:r>
+            <a:r>
+              <a:rPr lang="en-US" baseline="0" dirty="0" err="1" smtClean="0"/>
+              <a:t>Kabel</a:t>
+            </a:r>
+            <a:r>
+              <a:rPr lang="en-US" baseline="0" dirty="0" smtClean="0"/>
+              <a:t> </a:t>
+            </a:r>
+            <a:r>
+              <a:rPr lang="en-US" baseline="0" dirty="0" err="1" smtClean="0"/>
+              <a:t>zum</a:t>
+            </a:r>
+            <a:r>
+              <a:rPr lang="en-US" baseline="0" dirty="0" smtClean="0"/>
+              <a:t> </a:t>
+            </a:r>
+            <a:r>
+              <a:rPr lang="en-US" baseline="0" dirty="0" err="1" smtClean="0"/>
+              <a:t>Rechner</a:t>
+            </a:r>
+            <a:r>
+              <a:rPr lang="en-US" baseline="0" dirty="0" smtClean="0"/>
+              <a:t>.</a:t>
+            </a:r>
+          </a:p>
+          <a:p>
+            <a:endParaRPr lang="en-US" baseline="0" dirty="0" smtClean="0"/>
+          </a:p>
+          <a:p>
+            <a:r>
+              <a:rPr lang="en-US" baseline="0" dirty="0" err="1" smtClean="0"/>
+              <a:t>Rechner</a:t>
+            </a:r>
+            <a:r>
+              <a:rPr lang="en-US" baseline="0" dirty="0" smtClean="0"/>
+              <a:t> </a:t>
+            </a:r>
+            <a:r>
+              <a:rPr lang="en-US" baseline="0" dirty="0" err="1" smtClean="0"/>
+              <a:t>braucht</a:t>
+            </a:r>
+            <a:r>
+              <a:rPr lang="en-US" baseline="0" dirty="0" smtClean="0"/>
+              <a:t> pro </a:t>
+            </a:r>
+            <a:r>
+              <a:rPr lang="en-US" baseline="0" dirty="0" err="1" smtClean="0"/>
+              <a:t>Geophon</a:t>
+            </a:r>
+            <a:r>
+              <a:rPr lang="en-US" baseline="0" dirty="0" smtClean="0"/>
+              <a:t> </a:t>
+            </a:r>
+            <a:r>
+              <a:rPr lang="en-US" baseline="0" dirty="0" err="1" smtClean="0"/>
+              <a:t>einen</a:t>
+            </a:r>
+            <a:r>
+              <a:rPr lang="en-US" baseline="0" dirty="0" smtClean="0"/>
+              <a:t> </a:t>
+            </a:r>
+            <a:r>
+              <a:rPr lang="en-US" baseline="0" dirty="0" err="1" smtClean="0"/>
+              <a:t>Eingang</a:t>
+            </a:r>
+            <a:endParaRPr lang="en-US" baseline="0" dirty="0" smtClean="0"/>
+          </a:p>
+          <a:p>
+            <a:endParaRPr lang="en-US" baseline="0" dirty="0" smtClean="0"/>
+          </a:p>
+          <a:p>
+            <a:r>
+              <a:rPr lang="en-US" baseline="0" dirty="0" smtClean="0"/>
+              <a:t>Hilbert Transformation </a:t>
+            </a:r>
+            <a:r>
+              <a:rPr lang="en-US" baseline="0" dirty="0" err="1" smtClean="0"/>
+              <a:t>ist</a:t>
+            </a:r>
+            <a:r>
+              <a:rPr lang="en-US" baseline="0" dirty="0" smtClean="0"/>
+              <a:t> </a:t>
+            </a:r>
+            <a:r>
+              <a:rPr lang="en-US" baseline="0" dirty="0" err="1" smtClean="0"/>
+              <a:t>aufwändig</a:t>
+            </a:r>
+            <a:r>
+              <a:rPr lang="en-US" baseline="0" dirty="0" smtClean="0"/>
+              <a:t>, </a:t>
+            </a:r>
+            <a:r>
+              <a:rPr lang="en-US" baseline="0" dirty="0" err="1" smtClean="0"/>
+              <a:t>mehrere</a:t>
+            </a:r>
+            <a:r>
+              <a:rPr lang="en-US" baseline="0" dirty="0" smtClean="0"/>
+              <a:t> </a:t>
+            </a:r>
+            <a:r>
+              <a:rPr lang="en-US" baseline="0" dirty="0" err="1" smtClean="0"/>
+              <a:t>Multiplikationen</a:t>
+            </a:r>
+            <a:r>
+              <a:rPr lang="en-US" baseline="0" dirty="0" smtClean="0"/>
+              <a:t> pro </a:t>
+            </a:r>
+            <a:r>
+              <a:rPr lang="en-US" baseline="0" dirty="0" err="1" smtClean="0"/>
+              <a:t>Messwert</a:t>
+            </a:r>
+            <a:r>
+              <a:rPr lang="en-US" baseline="0" dirty="0" smtClean="0"/>
+              <a:t> </a:t>
+            </a:r>
+            <a:r>
+              <a:rPr lang="en-US" baseline="0" dirty="0" err="1" smtClean="0"/>
+              <a:t>nötig</a:t>
+            </a:r>
+            <a:r>
+              <a:rPr lang="en-US" baseline="0" dirty="0" smtClean="0"/>
+              <a:t>.</a:t>
+            </a:r>
+          </a:p>
+          <a:p>
+            <a:endParaRPr lang="en-US" baseline="0" dirty="0" smtClean="0"/>
+          </a:p>
+          <a:p>
+            <a:r>
+              <a:rPr lang="en-US" baseline="0" dirty="0" err="1" smtClean="0"/>
+              <a:t>Datenmenge</a:t>
+            </a:r>
+            <a:r>
+              <a:rPr lang="en-US" baseline="0" dirty="0" smtClean="0"/>
+              <a:t> </a:t>
+            </a:r>
+            <a:r>
+              <a:rPr lang="en-US" baseline="0" dirty="0" err="1" smtClean="0"/>
+              <a:t>wird</a:t>
+            </a:r>
+            <a:r>
+              <a:rPr lang="en-US" baseline="0" dirty="0" smtClean="0"/>
+              <a:t> </a:t>
+            </a:r>
+            <a:r>
+              <a:rPr lang="en-US" baseline="0" dirty="0" err="1" smtClean="0"/>
+              <a:t>extrem</a:t>
+            </a:r>
+            <a:r>
+              <a:rPr lang="en-US" baseline="0" dirty="0" smtClean="0"/>
+              <a:t> </a:t>
+            </a:r>
+            <a:r>
+              <a:rPr lang="en-US" baseline="0" dirty="0" err="1" smtClean="0"/>
+              <a:t>reduziert</a:t>
+            </a:r>
+            <a:r>
+              <a:rPr lang="en-US" baseline="0" dirty="0" smtClean="0"/>
+              <a:t>, um </a:t>
+            </a:r>
+            <a:r>
+              <a:rPr lang="en-US" baseline="0" dirty="0" err="1" smtClean="0"/>
+              <a:t>lange</a:t>
+            </a:r>
+            <a:r>
+              <a:rPr lang="en-US" baseline="0" dirty="0" smtClean="0"/>
+              <a:t> </a:t>
+            </a:r>
+            <a:r>
+              <a:rPr lang="en-US" baseline="0" dirty="0" err="1" smtClean="0"/>
+              <a:t>Laufzeiten</a:t>
+            </a:r>
+            <a:r>
+              <a:rPr lang="en-US" baseline="0" dirty="0" smtClean="0"/>
+              <a:t> </a:t>
+            </a:r>
+            <a:r>
+              <a:rPr lang="en-US" baseline="0" dirty="0" err="1" smtClean="0"/>
+              <a:t>zu</a:t>
+            </a:r>
+            <a:r>
+              <a:rPr lang="en-US" baseline="0" dirty="0" smtClean="0"/>
+              <a:t> </a:t>
+            </a:r>
+            <a:r>
+              <a:rPr lang="en-US" baseline="0" dirty="0" err="1" smtClean="0"/>
+              <a:t>ermöglichen</a:t>
+            </a:r>
+            <a:r>
+              <a:rPr lang="en-US" baseline="0" dirty="0" smtClean="0"/>
+              <a:t>: </a:t>
+            </a:r>
+            <a:endParaRPr lang="en-US" dirty="0"/>
+          </a:p>
+        </p:txBody>
+      </p:sp>
+      <p:sp>
+        <p:nvSpPr>
+          <p:cNvPr id="4" name="Slide Number Placeholder 3"/>
+          <p:cNvSpPr>
+            <a:spLocks noGrp="1"/>
+          </p:cNvSpPr>
+          <p:nvPr>
+            <p:ph type="sldNum" sz="quarter" idx="10"/>
+          </p:nvPr>
+        </p:nvSpPr>
+        <p:spPr/>
+        <p:txBody>
+          <a:bodyPr/>
+          <a:lstStyle/>
+          <a:p>
+            <a:fld id="{E7AE4CB0-9792-D74D-9E49-F892F9A51ADF}" type="slidenum">
+              <a:rPr lang="en-US" smtClean="0"/>
+              <a:t>4</a:t>
+            </a:fld>
+            <a:endParaRPr lang="en-US"/>
+          </a:p>
+        </p:txBody>
+      </p:sp>
+    </p:spTree>
+    <p:extLst>
+      <p:ext uri="{BB962C8B-B14F-4D97-AF65-F5344CB8AC3E}">
+        <p14:creationId xmlns:p14="http://schemas.microsoft.com/office/powerpoint/2010/main" val="4185288573"/>
+      </p:ext>
+    </p:extLst>
+  </p:cSld>
+  <p:clrMapOvr>
+    <a:masterClrMapping/>
+  </p:clrMapOvr>
+</p:notes>
+</file>
+
+<file path=ppt/notesSlides/notesSlide3.xml><?xml version="1.0" encoding="utf-8"?>
+<p:notes xmlns:a="http://schemas.openxmlformats.org/drawingml/2006/main" xmlns:r="http://schemas.openxmlformats.org/officeDocument/2006/relationships" xmlns:p="http://schemas.openxmlformats.org/presentationml/2006/main">
+  <p:cSld>
+    <p:spTree>
+      <p:nvGrpSpPr>
+        <p:cNvPr id="1" name=""/>
+        <p:cNvGrpSpPr/>
+        <p:nvPr/>
+      </p:nvGrpSpPr>
+      <p:grpSpPr>
+        <a:xfrm>
+          <a:off x="0" y="0"/>
+          <a:ext cx="0" cy="0"/>
+          <a:chOff x="0" y="0"/>
+          <a:chExt cx="0" cy="0"/>
+        </a:xfrm>
+      </p:grpSpPr>
+      <p:sp>
+        <p:nvSpPr>
+          <p:cNvPr id="2" name="Slide Image Placeholder 1"/>
+          <p:cNvSpPr>
+            <a:spLocks noGrp="1" noRot="1" noChangeAspect="1"/>
+          </p:cNvSpPr>
+          <p:nvPr>
+            <p:ph type="sldImg"/>
+          </p:nvPr>
+        </p:nvSpPr>
+        <p:spPr/>
+      </p:sp>
+      <p:sp>
+        <p:nvSpPr>
+          <p:cNvPr id="3" name="Notes Placeholder 2"/>
+          <p:cNvSpPr>
+            <a:spLocks noGrp="1"/>
+          </p:cNvSpPr>
+          <p:nvPr>
+            <p:ph type="body" idx="1"/>
+          </p:nvPr>
+        </p:nvSpPr>
+        <p:spPr/>
+        <p:txBody>
+          <a:bodyPr/>
+          <a:lstStyle/>
+          <a:p>
+            <a:r>
+              <a:rPr lang="en-US" dirty="0" err="1" smtClean="0"/>
+              <a:t>Betonkonstruktion</a:t>
+            </a:r>
+            <a:r>
+              <a:rPr lang="en-US" dirty="0" smtClean="0"/>
+              <a:t> </a:t>
+            </a:r>
+            <a:r>
+              <a:rPr lang="en-US" dirty="0" err="1" smtClean="0"/>
+              <a:t>mit</a:t>
+            </a:r>
+            <a:r>
+              <a:rPr lang="en-US" dirty="0" smtClean="0"/>
+              <a:t> </a:t>
+            </a:r>
+            <a:r>
+              <a:rPr lang="en-US" dirty="0" err="1" smtClean="0"/>
+              <a:t>Stahlplatten</a:t>
+            </a:r>
+            <a:r>
+              <a:rPr lang="en-US" baseline="0" dirty="0" smtClean="0"/>
+              <a:t> </a:t>
+            </a:r>
+          </a:p>
+          <a:p>
+            <a:r>
+              <a:rPr lang="en-US" sz="1200" kern="1200" dirty="0" smtClean="0">
+                <a:solidFill>
+                  <a:schemeClr val="tx1"/>
+                </a:solidFill>
+                <a:latin typeface="+mn-lt"/>
+                <a:ea typeface="+mn-ea"/>
+                <a:cs typeface="+mn-cs"/>
+              </a:rPr>
+              <a:t>492 x 358 x 15 </a:t>
+            </a:r>
+            <a:r>
+              <a:rPr lang="en-US" sz="1200" kern="1200" dirty="0" err="1" smtClean="0">
+                <a:solidFill>
+                  <a:schemeClr val="tx1"/>
+                </a:solidFill>
+                <a:latin typeface="+mn-lt"/>
+                <a:ea typeface="+mn-ea"/>
+                <a:cs typeface="+mn-cs"/>
+              </a:rPr>
+              <a:t>sie</a:t>
+            </a:r>
+            <a:r>
+              <a:rPr lang="en-US" sz="1200" kern="1200" dirty="0" smtClean="0">
+                <a:solidFill>
+                  <a:schemeClr val="tx1"/>
+                </a:solidFill>
+                <a:latin typeface="+mn-lt"/>
+                <a:ea typeface="+mn-ea"/>
+                <a:cs typeface="+mn-cs"/>
+              </a:rPr>
+              <a:t> </a:t>
+            </a:r>
+            <a:r>
+              <a:rPr lang="en-US" sz="1200" kern="1200" dirty="0" err="1" smtClean="0">
+                <a:solidFill>
+                  <a:schemeClr val="tx1"/>
+                </a:solidFill>
+                <a:latin typeface="+mn-lt"/>
+                <a:ea typeface="+mn-ea"/>
+                <a:cs typeface="+mn-cs"/>
+              </a:rPr>
+              <a:t>ist</a:t>
+            </a:r>
+            <a:r>
+              <a:rPr lang="en-US" sz="1200" kern="1200" dirty="0" smtClean="0">
+                <a:solidFill>
+                  <a:schemeClr val="tx1"/>
+                </a:solidFill>
+                <a:latin typeface="+mn-lt"/>
+                <a:ea typeface="+mn-ea"/>
+                <a:cs typeface="+mn-cs"/>
+              </a:rPr>
+              <a:t> auf </a:t>
+            </a:r>
+            <a:r>
+              <a:rPr lang="en-US" sz="1200" kern="1200" dirty="0" err="1" smtClean="0">
+                <a:solidFill>
+                  <a:schemeClr val="tx1"/>
+                </a:solidFill>
+                <a:latin typeface="+mn-lt"/>
+                <a:ea typeface="+mn-ea"/>
+                <a:cs typeface="+mn-cs"/>
+              </a:rPr>
+              <a:t>einem</a:t>
+            </a:r>
+            <a:r>
+              <a:rPr lang="en-US" sz="1200" kern="1200" dirty="0" smtClean="0">
+                <a:solidFill>
+                  <a:schemeClr val="tx1"/>
+                </a:solidFill>
+                <a:latin typeface="+mn-lt"/>
+                <a:ea typeface="+mn-ea"/>
+                <a:cs typeface="+mn-cs"/>
+              </a:rPr>
+              <a:t> Elastomer, 20mm dick  c.a. shore 60 </a:t>
+            </a:r>
+            <a:r>
+              <a:rPr lang="en-US" sz="1200" kern="1200" dirty="0" err="1" smtClean="0">
+                <a:solidFill>
+                  <a:schemeClr val="tx1"/>
+                </a:solidFill>
+                <a:latin typeface="+mn-lt"/>
+                <a:ea typeface="+mn-ea"/>
+                <a:cs typeface="+mn-cs"/>
+              </a:rPr>
+              <a:t>gelagert</a:t>
+            </a:r>
+            <a:endParaRPr lang="en-US" dirty="0" smtClean="0"/>
+          </a:p>
+          <a:p>
+            <a:endParaRPr lang="en-US" dirty="0"/>
+          </a:p>
+        </p:txBody>
+      </p:sp>
+      <p:sp>
+        <p:nvSpPr>
+          <p:cNvPr id="4" name="Slide Number Placeholder 3"/>
+          <p:cNvSpPr>
+            <a:spLocks noGrp="1"/>
+          </p:cNvSpPr>
+          <p:nvPr>
+            <p:ph type="sldNum" sz="quarter" idx="10"/>
+          </p:nvPr>
+        </p:nvSpPr>
+        <p:spPr/>
+        <p:txBody>
+          <a:bodyPr/>
+          <a:lstStyle/>
+          <a:p>
+            <a:fld id="{E7AE4CB0-9792-D74D-9E49-F892F9A51ADF}" type="slidenum">
+              <a:rPr lang="en-US" smtClean="0"/>
+              <a:t>5</a:t>
+            </a:fld>
+            <a:endParaRPr lang="en-US"/>
+          </a:p>
+        </p:txBody>
+      </p:sp>
+    </p:spTree>
+    <p:extLst>
+      <p:ext uri="{BB962C8B-B14F-4D97-AF65-F5344CB8AC3E}">
+        <p14:creationId xmlns:p14="http://schemas.microsoft.com/office/powerpoint/2010/main" val="608425475"/>
+      </p:ext>
+    </p:extLst>
+  </p:cSld>
+  <p:clrMapOvr>
+    <a:masterClrMapping/>
+  </p:clrMapOvr>
+</p:notes>
+</file>
+
+<file path=ppt/notesSlides/notesSlide4.xml><?xml version="1.0" encoding="utf-8"?>
+<p:notes xmlns:a="http://schemas.openxmlformats.org/drawingml/2006/main" xmlns:r="http://schemas.openxmlformats.org/officeDocument/2006/relationships" xmlns:p="http://schemas.openxmlformats.org/presentationml/2006/main">
+  <p:cSld>
+    <p:spTree>
+      <p:nvGrpSpPr>
+        <p:cNvPr id="1" name=""/>
+        <p:cNvGrpSpPr/>
+        <p:nvPr/>
+      </p:nvGrpSpPr>
+      <p:grpSpPr>
+        <a:xfrm>
+          <a:off x="0" y="0"/>
+          <a:ext cx="0" cy="0"/>
+          <a:chOff x="0" y="0"/>
+          <a:chExt cx="0" cy="0"/>
+        </a:xfrm>
+      </p:grpSpPr>
+      <p:sp>
+        <p:nvSpPr>
+          <p:cNvPr id="2" name="Slide Image Placeholder 1"/>
+          <p:cNvSpPr>
+            <a:spLocks noGrp="1" noRot="1" noChangeAspect="1"/>
+          </p:cNvSpPr>
+          <p:nvPr>
+            <p:ph type="sldImg"/>
+          </p:nvPr>
+        </p:nvSpPr>
+        <p:spPr/>
+      </p:sp>
+      <p:sp>
+        <p:nvSpPr>
+          <p:cNvPr id="3" name="Notes Placeholder 2"/>
+          <p:cNvSpPr>
+            <a:spLocks noGrp="1"/>
+          </p:cNvSpPr>
+          <p:nvPr>
+            <p:ph type="body" idx="1"/>
+          </p:nvPr>
+        </p:nvSpPr>
+        <p:spPr/>
+        <p:txBody>
+          <a:bodyPr/>
+          <a:lstStyle/>
+          <a:p>
+            <a:r>
+              <a:rPr lang="en-US" dirty="0" smtClean="0"/>
+              <a:t>Geophone in der </a:t>
+            </a:r>
+            <a:r>
+              <a:rPr lang="en-US" dirty="0" err="1" smtClean="0"/>
+              <a:t>bestehenden</a:t>
+            </a:r>
+            <a:r>
+              <a:rPr lang="en-US" dirty="0" smtClean="0"/>
+              <a:t> </a:t>
+            </a:r>
+            <a:r>
+              <a:rPr lang="en-US" dirty="0" err="1" smtClean="0"/>
+              <a:t>Konstruktion</a:t>
+            </a:r>
+            <a:endParaRPr lang="en-US" dirty="0"/>
+          </a:p>
+        </p:txBody>
+      </p:sp>
+      <p:sp>
+        <p:nvSpPr>
+          <p:cNvPr id="4" name="Slide Number Placeholder 3"/>
+          <p:cNvSpPr>
+            <a:spLocks noGrp="1"/>
+          </p:cNvSpPr>
+          <p:nvPr>
+            <p:ph type="sldNum" sz="quarter" idx="10"/>
+          </p:nvPr>
+        </p:nvSpPr>
+        <p:spPr/>
+        <p:txBody>
+          <a:bodyPr/>
+          <a:lstStyle/>
+          <a:p>
+            <a:fld id="{E7AE4CB0-9792-D74D-9E49-F892F9A51ADF}" type="slidenum">
+              <a:rPr lang="en-US" smtClean="0"/>
+              <a:t>6</a:t>
+            </a:fld>
+            <a:endParaRPr lang="en-US"/>
+          </a:p>
+        </p:txBody>
+      </p:sp>
+    </p:spTree>
+    <p:extLst>
+      <p:ext uri="{BB962C8B-B14F-4D97-AF65-F5344CB8AC3E}">
+        <p14:creationId xmlns:p14="http://schemas.microsoft.com/office/powerpoint/2010/main" val="3273823602"/>
+      </p:ext>
+    </p:extLst>
+  </p:cSld>
+  <p:clrMapOvr>
+    <a:masterClrMapping/>
+  </p:clrMapOvr>
+</p:notes>
+</file>
+
+<file path=ppt/notesSlides/notesSlide5.xml><?xml version="1.0" encoding="utf-8"?>
+<p:notes xmlns:a="http://schemas.openxmlformats.org/drawingml/2006/main" xmlns:r="http://schemas.openxmlformats.org/officeDocument/2006/relationships" xmlns:p="http://schemas.openxmlformats.org/presentationml/2006/main">
+  <p:cSld>
+    <p:spTree>
+      <p:nvGrpSpPr>
+        <p:cNvPr id="1" name=""/>
+        <p:cNvGrpSpPr/>
+        <p:nvPr/>
+      </p:nvGrpSpPr>
+      <p:grpSpPr>
+        <a:xfrm>
+          <a:off x="0" y="0"/>
+          <a:ext cx="0" cy="0"/>
+          <a:chOff x="0" y="0"/>
+          <a:chExt cx="0" cy="0"/>
+        </a:xfrm>
+      </p:grpSpPr>
+      <p:sp>
+        <p:nvSpPr>
+          <p:cNvPr id="2" name="Slide Image Placeholder 1"/>
+          <p:cNvSpPr>
+            <a:spLocks noGrp="1" noRot="1" noChangeAspect="1"/>
+          </p:cNvSpPr>
+          <p:nvPr>
+            <p:ph type="sldImg"/>
+          </p:nvPr>
+        </p:nvSpPr>
+        <p:spPr/>
+      </p:sp>
+      <p:sp>
+        <p:nvSpPr>
+          <p:cNvPr id="3" name="Notes Placeholder 2"/>
+          <p:cNvSpPr>
+            <a:spLocks noGrp="1"/>
+          </p:cNvSpPr>
+          <p:nvPr>
+            <p:ph type="body" idx="1"/>
+          </p:nvPr>
+        </p:nvSpPr>
+        <p:spPr/>
+        <p:txBody>
+          <a:bodyPr/>
+          <a:lstStyle/>
+          <a:p>
+            <a:r>
+              <a:rPr lang="en-US" dirty="0" smtClean="0"/>
+              <a:t>Embedded PC</a:t>
+            </a:r>
+            <a:endParaRPr lang="en-US" dirty="0"/>
+          </a:p>
+        </p:txBody>
+      </p:sp>
+      <p:sp>
+        <p:nvSpPr>
+          <p:cNvPr id="4" name="Slide Number Placeholder 3"/>
+          <p:cNvSpPr>
+            <a:spLocks noGrp="1"/>
+          </p:cNvSpPr>
+          <p:nvPr>
+            <p:ph type="sldNum" sz="quarter" idx="10"/>
+          </p:nvPr>
+        </p:nvSpPr>
+        <p:spPr/>
+        <p:txBody>
+          <a:bodyPr/>
+          <a:lstStyle/>
+          <a:p>
+            <a:fld id="{E7AE4CB0-9792-D74D-9E49-F892F9A51ADF}" type="slidenum">
+              <a:rPr lang="en-US" smtClean="0"/>
+              <a:t>7</a:t>
+            </a:fld>
+            <a:endParaRPr lang="en-US"/>
+          </a:p>
+        </p:txBody>
+      </p:sp>
+    </p:spTree>
+    <p:extLst>
+      <p:ext uri="{BB962C8B-B14F-4D97-AF65-F5344CB8AC3E}">
+        <p14:creationId xmlns:p14="http://schemas.microsoft.com/office/powerpoint/2010/main" val="3566003467"/>
+      </p:ext>
+    </p:extLst>
+  </p:cSld>
+  <p:clrMapOvr>
+    <a:masterClrMapping/>
+  </p:clrMapOvr>
+</p:notes>
+</file>
+
+<file path=ppt/notesSlides/notesSlide6.xml><?xml version="1.0" encoding="utf-8"?>
+<p:notes xmlns:a="http://schemas.openxmlformats.org/drawingml/2006/main" xmlns:r="http://schemas.openxmlformats.org/officeDocument/2006/relationships" xmlns:p="http://schemas.openxmlformats.org/presentationml/2006/main">
+  <p:cSld>
+    <p:spTree>
+      <p:nvGrpSpPr>
+        <p:cNvPr id="1" name=""/>
+        <p:cNvGrpSpPr/>
+        <p:nvPr/>
+      </p:nvGrpSpPr>
+      <p:grpSpPr>
+        <a:xfrm>
+          <a:off x="0" y="0"/>
+          <a:ext cx="0" cy="0"/>
+          <a:chOff x="0" y="0"/>
+          <a:chExt cx="0" cy="0"/>
+        </a:xfrm>
+      </p:grpSpPr>
+      <p:sp>
+        <p:nvSpPr>
+          <p:cNvPr id="2" name="Slide Image Placeholder 1"/>
+          <p:cNvSpPr>
+            <a:spLocks noGrp="1" noRot="1" noChangeAspect="1"/>
+          </p:cNvSpPr>
+          <p:nvPr>
+            <p:ph type="sldImg"/>
+          </p:nvPr>
+        </p:nvSpPr>
+        <p:spPr/>
+      </p:sp>
+      <p:sp>
+        <p:nvSpPr>
+          <p:cNvPr id="3" name="Notes Placeholder 2"/>
+          <p:cNvSpPr>
+            <a:spLocks noGrp="1"/>
+          </p:cNvSpPr>
+          <p:nvPr>
+            <p:ph type="body" idx="1"/>
+          </p:nvPr>
+        </p:nvSpPr>
+        <p:spPr/>
+        <p:txBody>
+          <a:bodyPr/>
+          <a:lstStyle/>
+          <a:p>
+            <a:r>
+              <a:rPr lang="en-US" dirty="0" err="1" smtClean="0"/>
+              <a:t>Rohdaten</a:t>
+            </a:r>
+            <a:r>
+              <a:rPr lang="en-US" baseline="0" dirty="0" smtClean="0"/>
+              <a:t> </a:t>
+            </a:r>
+            <a:r>
+              <a:rPr lang="en-US" baseline="0" dirty="0" err="1" smtClean="0"/>
+              <a:t>mit</a:t>
+            </a:r>
+            <a:r>
+              <a:rPr lang="en-US" baseline="0" dirty="0" smtClean="0"/>
+              <a:t> Hilbert-</a:t>
+            </a:r>
+            <a:r>
+              <a:rPr lang="en-US" baseline="0" dirty="0" err="1" smtClean="0"/>
+              <a:t>H</a:t>
+            </a:r>
+            <a:r>
+              <a:rPr lang="en-US" baseline="0" dirty="0" err="1" smtClean="0"/>
+              <a:t>üllkurve</a:t>
+            </a:r>
+            <a:r>
+              <a:rPr lang="en-US" baseline="0" dirty="0" smtClean="0"/>
+              <a:t> (</a:t>
+            </a:r>
+            <a:r>
+              <a:rPr lang="en-US" baseline="0" dirty="0" err="1" smtClean="0"/>
+              <a:t>fett</a:t>
+            </a:r>
+            <a:r>
+              <a:rPr lang="en-US" baseline="0" dirty="0" smtClean="0"/>
+              <a:t>)</a:t>
+            </a:r>
+          </a:p>
+          <a:p>
+            <a:endParaRPr lang="en-US" baseline="0" dirty="0" smtClean="0"/>
+          </a:p>
+          <a:p>
+            <a:r>
+              <a:rPr lang="en-US" baseline="0" dirty="0" smtClean="0"/>
+              <a:t>Die </a:t>
+            </a:r>
+            <a:r>
+              <a:rPr lang="en-US" baseline="0" dirty="0" err="1" smtClean="0"/>
+              <a:t>Daten</a:t>
+            </a:r>
+            <a:r>
+              <a:rPr lang="en-US" baseline="0" dirty="0" smtClean="0"/>
+              <a:t> </a:t>
+            </a:r>
+            <a:r>
+              <a:rPr lang="en-US" baseline="0" dirty="0" err="1" smtClean="0"/>
+              <a:t>werden</a:t>
+            </a:r>
+            <a:r>
+              <a:rPr lang="en-US" baseline="0" dirty="0" smtClean="0"/>
+              <a:t> </a:t>
+            </a:r>
+            <a:r>
+              <a:rPr lang="en-US" baseline="0" dirty="0" err="1" smtClean="0"/>
+              <a:t>zur</a:t>
+            </a:r>
+            <a:r>
+              <a:rPr lang="en-US" baseline="0" dirty="0" smtClean="0"/>
+              <a:t> </a:t>
+            </a:r>
+            <a:r>
+              <a:rPr lang="en-US" baseline="0" dirty="0" err="1" smtClean="0"/>
+              <a:t>Zeit</a:t>
+            </a:r>
+            <a:r>
+              <a:rPr lang="en-US" baseline="0" dirty="0" smtClean="0"/>
+              <a:t> </a:t>
+            </a:r>
+            <a:r>
+              <a:rPr lang="en-US" baseline="0" dirty="0" err="1" smtClean="0"/>
+              <a:t>reduziert</a:t>
+            </a:r>
+            <a:r>
+              <a:rPr lang="en-US" baseline="0" dirty="0" smtClean="0"/>
+              <a:t>, </a:t>
+            </a:r>
+            <a:r>
+              <a:rPr lang="en-US" baseline="0" dirty="0" err="1" smtClean="0"/>
+              <a:t>indem</a:t>
+            </a:r>
+            <a:r>
+              <a:rPr lang="en-US" baseline="0" dirty="0" smtClean="0"/>
+              <a:t> </a:t>
+            </a:r>
+            <a:r>
+              <a:rPr lang="en-US" baseline="0" dirty="0" err="1" smtClean="0"/>
+              <a:t>über</a:t>
+            </a:r>
+            <a:r>
+              <a:rPr lang="en-US" baseline="0" dirty="0" smtClean="0"/>
+              <a:t> </a:t>
+            </a:r>
+            <a:r>
+              <a:rPr lang="en-US" baseline="0" dirty="0" err="1" smtClean="0"/>
+              <a:t>eine</a:t>
+            </a:r>
+            <a:r>
+              <a:rPr lang="en-US" baseline="0" dirty="0" smtClean="0"/>
+              <a:t> Minute </a:t>
+            </a:r>
+            <a:r>
+              <a:rPr lang="en-US" baseline="0" dirty="0" err="1" smtClean="0"/>
+              <a:t>gezählt</a:t>
+            </a:r>
+            <a:r>
+              <a:rPr lang="en-US" baseline="0" dirty="0" smtClean="0"/>
+              <a:t> </a:t>
+            </a:r>
+            <a:r>
+              <a:rPr lang="en-US" baseline="0" dirty="0" err="1" smtClean="0"/>
+              <a:t>wird</a:t>
+            </a:r>
+            <a:r>
+              <a:rPr lang="en-US" baseline="0" dirty="0" smtClean="0"/>
+              <a:t>, </a:t>
+            </a:r>
+            <a:r>
+              <a:rPr lang="en-US" baseline="0" dirty="0" err="1" smtClean="0"/>
+              <a:t>wie</a:t>
+            </a:r>
+            <a:r>
+              <a:rPr lang="en-US" baseline="0" dirty="0" smtClean="0"/>
+              <a:t> </a:t>
+            </a:r>
+            <a:r>
+              <a:rPr lang="en-US" baseline="0" dirty="0" err="1" smtClean="0"/>
+              <a:t>viele</a:t>
+            </a:r>
+            <a:r>
+              <a:rPr lang="en-US" baseline="0" dirty="0" smtClean="0"/>
+              <a:t> </a:t>
+            </a:r>
+            <a:r>
+              <a:rPr lang="en-US" baseline="0" dirty="0" err="1" smtClean="0"/>
+              <a:t>Peakspitzen</a:t>
+            </a:r>
+            <a:r>
+              <a:rPr lang="en-US" baseline="0" dirty="0" smtClean="0"/>
+              <a:t> (</a:t>
+            </a:r>
+            <a:r>
+              <a:rPr lang="en-US" baseline="0" dirty="0" err="1" smtClean="0"/>
+              <a:t>Spalte</a:t>
+            </a:r>
+            <a:r>
+              <a:rPr lang="en-US" baseline="0" dirty="0" smtClean="0"/>
+              <a:t> I) und </a:t>
+            </a:r>
+            <a:r>
+              <a:rPr lang="en-US" baseline="0" dirty="0" err="1" smtClean="0"/>
+              <a:t>wie</a:t>
+            </a:r>
+            <a:r>
+              <a:rPr lang="en-US" baseline="0" dirty="0" smtClean="0"/>
+              <a:t> </a:t>
+            </a:r>
+            <a:r>
+              <a:rPr lang="en-US" baseline="0" dirty="0" err="1" smtClean="0"/>
+              <a:t>viele</a:t>
+            </a:r>
+            <a:r>
+              <a:rPr lang="en-US" baseline="0" dirty="0" smtClean="0"/>
+              <a:t> </a:t>
+            </a:r>
+            <a:r>
+              <a:rPr lang="en-US" baseline="0" dirty="0" err="1" smtClean="0"/>
+              <a:t>Einschlags</a:t>
+            </a:r>
+            <a:r>
+              <a:rPr lang="en-US" baseline="0" dirty="0" smtClean="0"/>
+              <a:t>-Maxima (</a:t>
+            </a:r>
+            <a:r>
+              <a:rPr lang="en-US" baseline="0" dirty="0" err="1" smtClean="0"/>
+              <a:t>Spalte</a:t>
+            </a:r>
+            <a:r>
+              <a:rPr lang="en-US" baseline="0" dirty="0" smtClean="0"/>
+              <a:t> P) </a:t>
+            </a:r>
+            <a:r>
+              <a:rPr lang="en-US" baseline="0" dirty="0" err="1" smtClean="0"/>
+              <a:t>innerhalb</a:t>
+            </a:r>
+            <a:r>
+              <a:rPr lang="en-US" baseline="0" dirty="0" smtClean="0"/>
+              <a:t> </a:t>
+            </a:r>
+            <a:r>
+              <a:rPr lang="en-US" baseline="0" dirty="0" err="1" smtClean="0"/>
+              <a:t>einer</a:t>
+            </a:r>
+            <a:r>
+              <a:rPr lang="en-US" baseline="0" dirty="0" smtClean="0"/>
+              <a:t> </a:t>
+            </a:r>
+            <a:r>
+              <a:rPr lang="en-US" baseline="0" dirty="0" err="1" smtClean="0"/>
+              <a:t>Intensitätsklasse</a:t>
+            </a:r>
+            <a:r>
+              <a:rPr lang="en-US" baseline="0" dirty="0" smtClean="0"/>
+              <a:t> </a:t>
+            </a:r>
+            <a:r>
+              <a:rPr lang="en-US" baseline="0" dirty="0" err="1" smtClean="0"/>
+              <a:t>liegen</a:t>
+            </a:r>
+            <a:r>
+              <a:rPr lang="en-US" baseline="0" dirty="0" smtClean="0"/>
+              <a:t>.</a:t>
+            </a:r>
+          </a:p>
+          <a:p>
+            <a:r>
+              <a:rPr lang="en-US" baseline="0" dirty="0" smtClean="0"/>
+              <a:t>So fallen </a:t>
+            </a:r>
+            <a:r>
+              <a:rPr lang="en-US" baseline="0" dirty="0" err="1" smtClean="0"/>
+              <a:t>geringe</a:t>
+            </a:r>
+            <a:r>
+              <a:rPr lang="en-US" baseline="0" dirty="0" smtClean="0"/>
+              <a:t> </a:t>
+            </a:r>
+            <a:r>
+              <a:rPr lang="en-US" baseline="0" dirty="0" err="1" smtClean="0"/>
+              <a:t>Datenmengen</a:t>
+            </a:r>
+            <a:r>
+              <a:rPr lang="en-US" baseline="0" dirty="0" smtClean="0"/>
+              <a:t> an, </a:t>
+            </a:r>
+            <a:r>
+              <a:rPr lang="en-US" baseline="0" dirty="0" err="1" smtClean="0"/>
+              <a:t>aber</a:t>
+            </a:r>
+            <a:r>
+              <a:rPr lang="en-US" baseline="0" dirty="0" smtClean="0"/>
+              <a:t> </a:t>
+            </a:r>
+            <a:r>
+              <a:rPr lang="en-US" baseline="0" dirty="0" err="1" smtClean="0"/>
+              <a:t>einzelne</a:t>
+            </a:r>
+            <a:r>
+              <a:rPr lang="en-US" baseline="0" dirty="0" smtClean="0"/>
+              <a:t> </a:t>
+            </a:r>
+            <a:r>
+              <a:rPr lang="en-US" baseline="0" dirty="0" err="1" smtClean="0"/>
+              <a:t>Einschläge</a:t>
+            </a:r>
+            <a:r>
+              <a:rPr lang="en-US" baseline="0" dirty="0" smtClean="0"/>
+              <a:t> </a:t>
+            </a:r>
+            <a:r>
+              <a:rPr lang="en-US" baseline="0" dirty="0" err="1" smtClean="0"/>
+              <a:t>können</a:t>
+            </a:r>
+            <a:r>
+              <a:rPr lang="en-US" baseline="0" dirty="0" smtClean="0"/>
+              <a:t> </a:t>
+            </a:r>
+            <a:r>
+              <a:rPr lang="en-US" baseline="0" dirty="0" err="1" smtClean="0"/>
+              <a:t>nicht</a:t>
+            </a:r>
+            <a:r>
+              <a:rPr lang="en-US" baseline="0" dirty="0" smtClean="0"/>
+              <a:t> </a:t>
+            </a:r>
+            <a:r>
+              <a:rPr lang="en-US" baseline="0" dirty="0" err="1" smtClean="0"/>
+              <a:t>im</a:t>
+            </a:r>
+            <a:r>
+              <a:rPr lang="en-US" baseline="0" dirty="0" smtClean="0"/>
+              <a:t> Detail </a:t>
+            </a:r>
+            <a:r>
+              <a:rPr lang="en-US" baseline="0" dirty="0" err="1" smtClean="0"/>
+              <a:t>ausgewertet</a:t>
+            </a:r>
+            <a:r>
+              <a:rPr lang="en-US" baseline="0" dirty="0" smtClean="0"/>
+              <a:t> </a:t>
+            </a:r>
+            <a:r>
+              <a:rPr lang="en-US" baseline="0" dirty="0" err="1" smtClean="0"/>
+              <a:t>werden</a:t>
+            </a:r>
+            <a:r>
+              <a:rPr lang="en-US" baseline="0" dirty="0" smtClean="0"/>
+              <a:t>.</a:t>
+            </a:r>
+          </a:p>
+        </p:txBody>
+      </p:sp>
+      <p:sp>
+        <p:nvSpPr>
+          <p:cNvPr id="4" name="Slide Number Placeholder 3"/>
+          <p:cNvSpPr>
+            <a:spLocks noGrp="1"/>
+          </p:cNvSpPr>
+          <p:nvPr>
+            <p:ph type="sldNum" sz="quarter" idx="10"/>
+          </p:nvPr>
+        </p:nvSpPr>
+        <p:spPr/>
+        <p:txBody>
+          <a:bodyPr/>
+          <a:lstStyle/>
+          <a:p>
+            <a:fld id="{E7AE4CB0-9792-D74D-9E49-F892F9A51ADF}" type="slidenum">
+              <a:rPr lang="en-US" smtClean="0"/>
+              <a:t>8</a:t>
+            </a:fld>
+            <a:endParaRPr lang="en-US"/>
+          </a:p>
+        </p:txBody>
+      </p:sp>
+    </p:spTree>
+    <p:extLst>
+      <p:ext uri="{BB962C8B-B14F-4D97-AF65-F5344CB8AC3E}">
+        <p14:creationId xmlns:p14="http://schemas.microsoft.com/office/powerpoint/2010/main" val="1263789187"/>
+      </p:ext>
+    </p:extLst>
+  </p:cSld>
+  <p:clrMapOvr>
+    <a:masterClrMapping/>
+  </p:clrMapOvr>
+</p:notes>
+</file>
+
+<file path=ppt/notesSlides/notesSlide7.xml><?xml version="1.0" encoding="utf-8"?>
+<p:notes xmlns:a="http://schemas.openxmlformats.org/drawingml/2006/main" xmlns:r="http://schemas.openxmlformats.org/officeDocument/2006/relationships" xmlns:p="http://schemas.openxmlformats.org/presentationml/2006/main">
+  <p:cSld>
+    <p:spTree>
+      <p:nvGrpSpPr>
+        <p:cNvPr id="1" name=""/>
+        <p:cNvGrpSpPr/>
+        <p:nvPr/>
+      </p:nvGrpSpPr>
+      <p:grpSpPr>
+        <a:xfrm>
+          <a:off x="0" y="0"/>
+          <a:ext cx="0" cy="0"/>
+          <a:chOff x="0" y="0"/>
+          <a:chExt cx="0" cy="0"/>
+        </a:xfrm>
+      </p:grpSpPr>
+      <p:sp>
+        <p:nvSpPr>
+          <p:cNvPr id="2" name="Slide Image Placeholder 1"/>
+          <p:cNvSpPr>
+            <a:spLocks noGrp="1" noRot="1" noChangeAspect="1"/>
+          </p:cNvSpPr>
+          <p:nvPr>
+            <p:ph type="sldImg"/>
+          </p:nvPr>
+        </p:nvSpPr>
+        <p:spPr/>
+      </p:sp>
+      <p:sp>
+        <p:nvSpPr>
+          <p:cNvPr id="3" name="Notes Placeholder 2"/>
+          <p:cNvSpPr>
+            <a:spLocks noGrp="1"/>
+          </p:cNvSpPr>
+          <p:nvPr>
+            <p:ph type="body" idx="1"/>
+          </p:nvPr>
+        </p:nvSpPr>
+        <p:spPr/>
+        <p:txBody>
+          <a:bodyPr/>
+          <a:lstStyle/>
+          <a:p>
+            <a:pPr marL="0" marR="0" indent="0" algn="l" defTabSz="457200" rtl="0" eaLnBrk="1" fontAlgn="auto" latinLnBrk="0" hangingPunct="1">
+              <a:lnSpc>
+                <a:spcPct val="100000"/>
+              </a:lnSpc>
+              <a:spcBef>
+                <a:spcPts val="0"/>
+              </a:spcBef>
+              <a:spcAft>
+                <a:spcPts val="0"/>
+              </a:spcAft>
+              <a:buClrTx/>
+              <a:buSzTx/>
+              <a:buFontTx/>
+              <a:buNone/>
+              <a:tabLst/>
+              <a:defRPr/>
+            </a:pPr>
+            <a:r>
+              <a:rPr lang="en-US" baseline="0" dirty="0" err="1" smtClean="0"/>
+              <a:t>Jeder</a:t>
+            </a:r>
+            <a:r>
+              <a:rPr lang="en-US" baseline="0" dirty="0" smtClean="0"/>
+              <a:t> Sensor </a:t>
+            </a:r>
+            <a:r>
+              <a:rPr lang="en-US" baseline="0" dirty="0" err="1" smtClean="0"/>
+              <a:t>wird</a:t>
+            </a:r>
+            <a:r>
+              <a:rPr lang="en-US" baseline="0" dirty="0" smtClean="0"/>
+              <a:t> </a:t>
+            </a:r>
+            <a:r>
+              <a:rPr lang="en-US" baseline="0" dirty="0" err="1" smtClean="0"/>
+              <a:t>mit</a:t>
+            </a:r>
+            <a:r>
+              <a:rPr lang="en-US" baseline="0" dirty="0" smtClean="0"/>
+              <a:t> </a:t>
+            </a:r>
+            <a:r>
+              <a:rPr lang="en-US" baseline="0" dirty="0" err="1" smtClean="0"/>
+              <a:t>einem</a:t>
+            </a:r>
+            <a:r>
+              <a:rPr lang="en-US" baseline="0" dirty="0" smtClean="0"/>
+              <a:t> </a:t>
+            </a:r>
+            <a:r>
+              <a:rPr lang="en-US" baseline="0" dirty="0" err="1" smtClean="0"/>
+              <a:t>Mikroprozessor</a:t>
+            </a:r>
+            <a:r>
+              <a:rPr lang="en-US" baseline="0" dirty="0" smtClean="0"/>
+              <a:t> </a:t>
+            </a:r>
+            <a:r>
+              <a:rPr lang="en-US" baseline="0" dirty="0" err="1" smtClean="0"/>
+              <a:t>bestückt</a:t>
+            </a:r>
+            <a:r>
+              <a:rPr lang="en-US" baseline="0" dirty="0" smtClean="0"/>
+              <a:t>, der die </a:t>
+            </a:r>
+            <a:r>
+              <a:rPr lang="en-US" baseline="0" dirty="0" err="1" smtClean="0"/>
+              <a:t>Auswertung</a:t>
+            </a:r>
+            <a:r>
+              <a:rPr lang="en-US" baseline="0" dirty="0" smtClean="0"/>
+              <a:t> </a:t>
+            </a:r>
+            <a:r>
+              <a:rPr lang="en-US" baseline="0" dirty="0" err="1" smtClean="0"/>
+              <a:t>vornimmt</a:t>
+            </a:r>
+            <a:r>
+              <a:rPr lang="en-US" baseline="0" dirty="0" smtClean="0"/>
+              <a:t>. Der </a:t>
+            </a:r>
+            <a:r>
+              <a:rPr lang="en-US" baseline="0" dirty="0" err="1" smtClean="0"/>
+              <a:t>Rechner</a:t>
+            </a:r>
+            <a:r>
+              <a:rPr lang="en-US" baseline="0" dirty="0" smtClean="0"/>
+              <a:t> </a:t>
+            </a:r>
+            <a:r>
+              <a:rPr lang="en-US" baseline="0" dirty="0" err="1" smtClean="0"/>
+              <a:t>für</a:t>
+            </a:r>
+            <a:r>
+              <a:rPr lang="en-US" baseline="0" dirty="0" smtClean="0"/>
+              <a:t> die </a:t>
+            </a:r>
+            <a:r>
+              <a:rPr lang="en-US" baseline="0" dirty="0" err="1" smtClean="0"/>
+              <a:t>Datensammlung</a:t>
+            </a:r>
+            <a:r>
+              <a:rPr lang="en-US" baseline="0" dirty="0" smtClean="0"/>
+              <a:t> </a:t>
+            </a:r>
+            <a:r>
+              <a:rPr lang="en-US" baseline="0" dirty="0" err="1" smtClean="0"/>
+              <a:t>erhält</a:t>
+            </a:r>
+            <a:r>
+              <a:rPr lang="en-US" baseline="0" dirty="0" smtClean="0"/>
+              <a:t> so </a:t>
+            </a:r>
+            <a:r>
+              <a:rPr lang="en-US" baseline="0" dirty="0" err="1" smtClean="0"/>
+              <a:t>nur</a:t>
+            </a:r>
+            <a:r>
+              <a:rPr lang="en-US" baseline="0" dirty="0" smtClean="0"/>
+              <a:t> </a:t>
+            </a:r>
+            <a:r>
+              <a:rPr lang="en-US" baseline="0" dirty="0" err="1" smtClean="0"/>
+              <a:t>noch</a:t>
+            </a:r>
+            <a:r>
+              <a:rPr lang="en-US" baseline="0" dirty="0" smtClean="0"/>
+              <a:t> die per </a:t>
+            </a:r>
+            <a:r>
+              <a:rPr lang="en-US" baseline="0" dirty="0" err="1" smtClean="0"/>
+              <a:t>Detailstufen</a:t>
+            </a:r>
+            <a:r>
+              <a:rPr lang="en-US" baseline="0" dirty="0" smtClean="0"/>
+              <a:t> </a:t>
+            </a:r>
+            <a:r>
+              <a:rPr lang="en-US" baseline="0" dirty="0" err="1" smtClean="0"/>
+              <a:t>gewählten</a:t>
+            </a:r>
+            <a:r>
+              <a:rPr lang="en-US" baseline="0" dirty="0" smtClean="0"/>
+              <a:t> </a:t>
+            </a:r>
+            <a:r>
+              <a:rPr lang="en-US" baseline="0" dirty="0" err="1" smtClean="0"/>
+              <a:t>Informationen</a:t>
+            </a:r>
+            <a:r>
+              <a:rPr lang="en-US" baseline="0" dirty="0" smtClean="0"/>
+              <a:t> und muss </a:t>
+            </a:r>
+            <a:r>
+              <a:rPr lang="en-US" baseline="0" dirty="0" err="1" smtClean="0"/>
+              <a:t>diese</a:t>
+            </a:r>
+            <a:r>
+              <a:rPr lang="en-US" baseline="0" dirty="0" smtClean="0"/>
+              <a:t> </a:t>
+            </a:r>
+            <a:r>
+              <a:rPr lang="en-US" baseline="0" dirty="0" err="1" smtClean="0"/>
+              <a:t>nur</a:t>
+            </a:r>
+            <a:r>
+              <a:rPr lang="en-US" baseline="0" dirty="0" smtClean="0"/>
+              <a:t> </a:t>
+            </a:r>
+            <a:r>
+              <a:rPr lang="en-US" baseline="0" dirty="0" err="1" smtClean="0"/>
+              <a:t>noch</a:t>
+            </a:r>
+            <a:r>
+              <a:rPr lang="en-US" baseline="0" dirty="0" smtClean="0"/>
+              <a:t> </a:t>
+            </a:r>
+            <a:r>
+              <a:rPr lang="en-US" baseline="0" dirty="0" err="1" smtClean="0"/>
+              <a:t>speichern</a:t>
+            </a:r>
+            <a:r>
+              <a:rPr lang="en-US" baseline="0" dirty="0" smtClean="0"/>
+              <a:t>.</a:t>
+            </a:r>
+          </a:p>
+          <a:p>
+            <a:pPr marL="0" marR="0" indent="0" algn="l" defTabSz="457200" rtl="0" eaLnBrk="1" fontAlgn="auto" latinLnBrk="0" hangingPunct="1">
+              <a:lnSpc>
+                <a:spcPct val="100000"/>
+              </a:lnSpc>
+              <a:spcBef>
+                <a:spcPts val="0"/>
+              </a:spcBef>
+              <a:spcAft>
+                <a:spcPts val="0"/>
+              </a:spcAft>
+              <a:buClrTx/>
+              <a:buSzTx/>
+              <a:buFontTx/>
+              <a:buNone/>
+              <a:tabLst/>
+              <a:defRPr/>
+            </a:pPr>
+            <a:endParaRPr lang="en-US" baseline="0" dirty="0" smtClean="0"/>
+          </a:p>
+          <a:p>
+            <a:pPr marL="0" marR="0" indent="0" algn="l" defTabSz="457200" rtl="0" eaLnBrk="1" fontAlgn="auto" latinLnBrk="0" hangingPunct="1">
+              <a:lnSpc>
+                <a:spcPct val="100000"/>
+              </a:lnSpc>
+              <a:spcBef>
+                <a:spcPts val="0"/>
+              </a:spcBef>
+              <a:spcAft>
+                <a:spcPts val="0"/>
+              </a:spcAft>
+              <a:buClrTx/>
+              <a:buSzTx/>
+              <a:buFontTx/>
+              <a:buNone/>
+              <a:tabLst/>
+              <a:defRPr/>
+            </a:pPr>
+            <a:r>
+              <a:rPr lang="en-US" baseline="0" dirty="0" err="1" smtClean="0"/>
+              <a:t>Datentransfer</a:t>
+            </a:r>
+            <a:r>
+              <a:rPr lang="en-US" baseline="0" dirty="0" smtClean="0"/>
+              <a:t> </a:t>
+            </a:r>
+            <a:r>
+              <a:rPr lang="en-US" baseline="0" dirty="0" err="1" smtClean="0"/>
+              <a:t>erfolgt</a:t>
+            </a:r>
+            <a:r>
+              <a:rPr lang="en-US" baseline="0" dirty="0" smtClean="0"/>
+              <a:t> </a:t>
+            </a:r>
+            <a:r>
+              <a:rPr lang="en-US" baseline="0" dirty="0" err="1" smtClean="0"/>
+              <a:t>nur</a:t>
+            </a:r>
+            <a:r>
+              <a:rPr lang="en-US" baseline="0" dirty="0" smtClean="0"/>
+              <a:t> </a:t>
+            </a:r>
+            <a:r>
+              <a:rPr lang="en-US" baseline="0" dirty="0" err="1" smtClean="0"/>
+              <a:t>noch</a:t>
+            </a:r>
+            <a:r>
+              <a:rPr lang="en-US" baseline="0" dirty="0" smtClean="0"/>
+              <a:t> </a:t>
+            </a:r>
+            <a:r>
+              <a:rPr lang="en-US" baseline="0" dirty="0" err="1" smtClean="0"/>
+              <a:t>für</a:t>
+            </a:r>
+            <a:r>
+              <a:rPr lang="en-US" baseline="0" dirty="0" smtClean="0"/>
+              <a:t> </a:t>
+            </a:r>
+            <a:r>
+              <a:rPr lang="en-US" baseline="0" dirty="0" err="1" smtClean="0"/>
+              <a:t>zu</a:t>
+            </a:r>
+            <a:r>
+              <a:rPr lang="en-US" baseline="0" dirty="0" smtClean="0"/>
+              <a:t> </a:t>
+            </a:r>
+            <a:r>
+              <a:rPr lang="en-US" baseline="0" dirty="0" err="1" smtClean="0"/>
+              <a:t>speichernde</a:t>
+            </a:r>
+            <a:r>
+              <a:rPr lang="en-US" baseline="0" dirty="0" smtClean="0"/>
+              <a:t> </a:t>
+            </a:r>
+            <a:r>
+              <a:rPr lang="en-US" baseline="0" dirty="0" err="1" smtClean="0"/>
+              <a:t>Daten</a:t>
+            </a:r>
+            <a:r>
+              <a:rPr lang="en-US" baseline="0" dirty="0" smtClean="0"/>
+              <a:t> </a:t>
+            </a:r>
+            <a:r>
+              <a:rPr lang="en-US" baseline="0" dirty="0" smtClean="0">
+                <a:sym typeface="Wingdings"/>
+              </a:rPr>
+              <a:t> </a:t>
+            </a:r>
+            <a:r>
+              <a:rPr lang="en-US" baseline="0" dirty="0" err="1" smtClean="0">
+                <a:sym typeface="Wingdings"/>
+              </a:rPr>
+              <a:t>Bussystem</a:t>
+            </a:r>
+            <a:r>
+              <a:rPr lang="en-US" baseline="0" dirty="0" smtClean="0">
+                <a:sym typeface="Wingdings"/>
+              </a:rPr>
+              <a:t> </a:t>
+            </a:r>
+            <a:r>
+              <a:rPr lang="en-US" baseline="0" dirty="0" err="1" smtClean="0">
+                <a:sym typeface="Wingdings"/>
+              </a:rPr>
+              <a:t>möglich</a:t>
+            </a:r>
+            <a:r>
+              <a:rPr lang="en-US" baseline="0" dirty="0" smtClean="0">
+                <a:sym typeface="Wingdings"/>
+              </a:rPr>
+              <a:t>, </a:t>
+            </a:r>
+            <a:r>
+              <a:rPr lang="en-US" baseline="0" dirty="0" err="1" smtClean="0">
+                <a:sym typeface="Wingdings"/>
+              </a:rPr>
+              <a:t>weniger</a:t>
+            </a:r>
+            <a:r>
+              <a:rPr lang="en-US" baseline="0" dirty="0" smtClean="0">
+                <a:sym typeface="Wingdings"/>
+              </a:rPr>
+              <a:t> </a:t>
+            </a:r>
+            <a:r>
+              <a:rPr lang="en-US" baseline="0" dirty="0" err="1" smtClean="0">
+                <a:sym typeface="Wingdings"/>
+              </a:rPr>
+              <a:t>Kabel</a:t>
+            </a:r>
+            <a:endParaRPr lang="en-US" baseline="0" dirty="0" smtClean="0">
+              <a:sym typeface="Wingdings"/>
+            </a:endParaRPr>
+          </a:p>
+          <a:p>
+            <a:pPr marL="0" marR="0" indent="0" algn="l" defTabSz="457200" rtl="0" eaLnBrk="1" fontAlgn="auto" latinLnBrk="0" hangingPunct="1">
+              <a:lnSpc>
+                <a:spcPct val="100000"/>
+              </a:lnSpc>
+              <a:spcBef>
+                <a:spcPts val="0"/>
+              </a:spcBef>
+              <a:spcAft>
+                <a:spcPts val="0"/>
+              </a:spcAft>
+              <a:buClrTx/>
+              <a:buSzTx/>
+              <a:buFontTx/>
+              <a:buNone/>
+              <a:tabLst/>
+              <a:defRPr/>
+            </a:pPr>
+            <a:endParaRPr lang="en-US" dirty="0" smtClean="0"/>
+          </a:p>
+          <a:p>
+            <a:r>
+              <a:rPr lang="en-US" dirty="0" err="1" smtClean="0"/>
+              <a:t>Üb</a:t>
+            </a:r>
+            <a:r>
+              <a:rPr lang="en-US" dirty="0" err="1" smtClean="0"/>
+              <a:t>er</a:t>
+            </a:r>
+            <a:r>
+              <a:rPr lang="en-US" dirty="0" smtClean="0"/>
+              <a:t> </a:t>
+            </a:r>
+            <a:r>
+              <a:rPr lang="en-US" dirty="0" err="1" smtClean="0"/>
+              <a:t>Detailstufen</a:t>
+            </a:r>
+            <a:r>
+              <a:rPr lang="en-US" baseline="0" dirty="0" smtClean="0"/>
+              <a:t> </a:t>
+            </a:r>
+            <a:r>
+              <a:rPr lang="en-US" baseline="0" dirty="0" err="1" smtClean="0"/>
+              <a:t>kann</a:t>
+            </a:r>
+            <a:r>
+              <a:rPr lang="en-US" baseline="0" dirty="0" smtClean="0"/>
+              <a:t> die Rate der </a:t>
+            </a:r>
+            <a:r>
+              <a:rPr lang="en-US" baseline="0" dirty="0" err="1" smtClean="0"/>
+              <a:t>anfallenden</a:t>
+            </a:r>
+            <a:r>
+              <a:rPr lang="en-US" baseline="0" dirty="0" smtClean="0"/>
+              <a:t> </a:t>
+            </a:r>
+            <a:r>
+              <a:rPr lang="en-US" baseline="0" dirty="0" err="1" smtClean="0"/>
+              <a:t>Daten</a:t>
+            </a:r>
+            <a:r>
+              <a:rPr lang="en-US" baseline="0" dirty="0" smtClean="0"/>
+              <a:t> und </a:t>
+            </a:r>
+            <a:r>
+              <a:rPr lang="en-US" baseline="0" dirty="0" err="1" smtClean="0"/>
+              <a:t>damit</a:t>
+            </a:r>
+            <a:r>
+              <a:rPr lang="en-US" baseline="0" dirty="0" smtClean="0"/>
+              <a:t> die </a:t>
+            </a:r>
+            <a:r>
+              <a:rPr lang="en-US" baseline="0" dirty="0" err="1" smtClean="0"/>
+              <a:t>Reichweite</a:t>
+            </a:r>
+            <a:r>
+              <a:rPr lang="en-US" baseline="0" dirty="0" smtClean="0"/>
+              <a:t> des </a:t>
+            </a:r>
+            <a:r>
+              <a:rPr lang="en-US" baseline="0" dirty="0" err="1" smtClean="0"/>
+              <a:t>Speichers</a:t>
+            </a:r>
+            <a:r>
+              <a:rPr lang="en-US" baseline="0" dirty="0" smtClean="0"/>
+              <a:t> </a:t>
+            </a:r>
+            <a:r>
+              <a:rPr lang="en-US" baseline="0" dirty="0" err="1" smtClean="0"/>
+              <a:t>beeinflusst</a:t>
+            </a:r>
+            <a:r>
+              <a:rPr lang="en-US" baseline="0" dirty="0" smtClean="0"/>
+              <a:t> </a:t>
+            </a:r>
+            <a:r>
+              <a:rPr lang="en-US" baseline="0" dirty="0" err="1" smtClean="0"/>
+              <a:t>werden</a:t>
+            </a:r>
+            <a:r>
+              <a:rPr lang="en-US" baseline="0" dirty="0" smtClean="0"/>
+              <a:t>.</a:t>
+            </a:r>
+          </a:p>
+          <a:p>
+            <a:endParaRPr lang="en-US" baseline="0" dirty="0" smtClean="0"/>
+          </a:p>
+          <a:p>
+            <a:r>
+              <a:rPr lang="en-US" baseline="0" dirty="0" smtClean="0"/>
+              <a:t>Wahl </a:t>
+            </a:r>
+            <a:r>
+              <a:rPr lang="en-US" baseline="0" dirty="0" err="1" smtClean="0"/>
+              <a:t>eines</a:t>
+            </a:r>
+            <a:r>
+              <a:rPr lang="en-US" baseline="0" dirty="0" smtClean="0"/>
+              <a:t> </a:t>
+            </a:r>
+            <a:r>
+              <a:rPr lang="en-US" baseline="0" dirty="0" err="1" smtClean="0"/>
+              <a:t>kleineren</a:t>
+            </a:r>
+            <a:r>
+              <a:rPr lang="en-US" baseline="0" dirty="0" smtClean="0"/>
+              <a:t> Sensors </a:t>
+            </a:r>
+            <a:r>
+              <a:rPr lang="en-US" baseline="0" dirty="0" err="1" smtClean="0"/>
+              <a:t>ermöglich</a:t>
+            </a:r>
+            <a:r>
+              <a:rPr lang="en-US" baseline="0" dirty="0" smtClean="0"/>
+              <a:t> die </a:t>
+            </a:r>
+            <a:r>
+              <a:rPr lang="en-US" baseline="0" dirty="0" err="1" smtClean="0"/>
+              <a:t>Verkleinerung</a:t>
+            </a:r>
+            <a:r>
+              <a:rPr lang="en-US" baseline="0" dirty="0" smtClean="0"/>
+              <a:t> der </a:t>
+            </a:r>
+            <a:r>
+              <a:rPr lang="en-US" baseline="0" dirty="0" err="1" smtClean="0"/>
+              <a:t>Messinstallation</a:t>
+            </a:r>
+            <a:r>
+              <a:rPr lang="en-US" baseline="0" dirty="0" smtClean="0"/>
+              <a:t>.</a:t>
+            </a:r>
+            <a:endParaRPr lang="en-US" dirty="0"/>
+          </a:p>
+        </p:txBody>
+      </p:sp>
+      <p:sp>
+        <p:nvSpPr>
+          <p:cNvPr id="4" name="Slide Number Placeholder 3"/>
+          <p:cNvSpPr>
+            <a:spLocks noGrp="1"/>
+          </p:cNvSpPr>
+          <p:nvPr>
+            <p:ph type="sldNum" sz="quarter" idx="10"/>
+          </p:nvPr>
+        </p:nvSpPr>
+        <p:spPr/>
+        <p:txBody>
+          <a:bodyPr/>
+          <a:lstStyle/>
+          <a:p>
+            <a:fld id="{E7AE4CB0-9792-D74D-9E49-F892F9A51ADF}" type="slidenum">
+              <a:rPr lang="en-US" smtClean="0"/>
+              <a:t>9</a:t>
+            </a:fld>
+            <a:endParaRPr lang="en-US"/>
+          </a:p>
+        </p:txBody>
+      </p:sp>
+    </p:spTree>
+    <p:extLst>
+      <p:ext uri="{BB962C8B-B14F-4D97-AF65-F5344CB8AC3E}">
+        <p14:creationId xmlns:p14="http://schemas.microsoft.com/office/powerpoint/2010/main" val="3511734802"/>
+      </p:ext>
+    </p:extLst>
+  </p:cSld>
+  <p:clrMapOvr>
+    <a:masterClrMapping/>
+  </p:clrMapOvr>
+</p:notes>
+</file>
+
+<file path=ppt/notesSlides/notesSlide8.xml><?xml version="1.0" encoding="utf-8"?>
+<p:notes xmlns:a="http://schemas.openxmlformats.org/drawingml/2006/main" xmlns:r="http://schemas.openxmlformats.org/officeDocument/2006/relationships" xmlns:p="http://schemas.openxmlformats.org/presentationml/2006/main">
+  <p:cSld>
+    <p:spTree>
+      <p:nvGrpSpPr>
+        <p:cNvPr id="1" name=""/>
+        <p:cNvGrpSpPr/>
+        <p:nvPr/>
+      </p:nvGrpSpPr>
+      <p:grpSpPr>
+        <a:xfrm>
+          <a:off x="0" y="0"/>
+          <a:ext cx="0" cy="0"/>
+          <a:chOff x="0" y="0"/>
+          <a:chExt cx="0" cy="0"/>
+        </a:xfrm>
+      </p:grpSpPr>
+      <p:sp>
+        <p:nvSpPr>
+          <p:cNvPr id="2" name="Slide Image Placeholder 1"/>
+          <p:cNvSpPr>
+            <a:spLocks noGrp="1" noRot="1" noChangeAspect="1"/>
+          </p:cNvSpPr>
+          <p:nvPr>
+            <p:ph type="sldImg"/>
+          </p:nvPr>
+        </p:nvSpPr>
+        <p:spPr/>
+      </p:sp>
+      <p:sp>
+        <p:nvSpPr>
+          <p:cNvPr id="3" name="Notes Placeholder 2"/>
+          <p:cNvSpPr>
+            <a:spLocks noGrp="1"/>
+          </p:cNvSpPr>
+          <p:nvPr>
+            <p:ph type="body" idx="1"/>
+          </p:nvPr>
+        </p:nvSpPr>
+        <p:spPr/>
+        <p:txBody>
+          <a:bodyPr/>
+          <a:lstStyle/>
+          <a:p>
+            <a:r>
+              <a:rPr lang="en-US" dirty="0" smtClean="0"/>
+              <a:t>MEMS: </a:t>
+            </a:r>
+            <a:r>
+              <a:rPr lang="en-US" dirty="0" err="1" smtClean="0"/>
+              <a:t>Microelectromechanical</a:t>
+            </a:r>
+            <a:r>
+              <a:rPr lang="en-US" baseline="0" dirty="0" smtClean="0"/>
+              <a:t> System</a:t>
+            </a:r>
+          </a:p>
+          <a:p>
+            <a:r>
+              <a:rPr lang="en-US" baseline="0" dirty="0" smtClean="0"/>
+              <a:t>5 x 5 x 2.4 mm gross, </a:t>
+            </a:r>
+            <a:endParaRPr lang="en-US" dirty="0"/>
+          </a:p>
+        </p:txBody>
+      </p:sp>
+      <p:sp>
+        <p:nvSpPr>
+          <p:cNvPr id="4" name="Slide Number Placeholder 3"/>
+          <p:cNvSpPr>
+            <a:spLocks noGrp="1"/>
+          </p:cNvSpPr>
+          <p:nvPr>
+            <p:ph type="sldNum" sz="quarter" idx="10"/>
+          </p:nvPr>
+        </p:nvSpPr>
+        <p:spPr/>
+        <p:txBody>
+          <a:bodyPr/>
+          <a:lstStyle/>
+          <a:p>
+            <a:fld id="{E7AE4CB0-9792-D74D-9E49-F892F9A51ADF}" type="slidenum">
+              <a:rPr lang="en-US" smtClean="0"/>
+              <a:t>10</a:t>
+            </a:fld>
+            <a:endParaRPr lang="en-US"/>
+          </a:p>
+        </p:txBody>
+      </p:sp>
+    </p:spTree>
+    <p:extLst>
+      <p:ext uri="{BB962C8B-B14F-4D97-AF65-F5344CB8AC3E}">
+        <p14:creationId xmlns:p14="http://schemas.microsoft.com/office/powerpoint/2010/main" val="2822903022"/>
+      </p:ext>
+    </p:extLst>
+  </p:cSld>
+  <p:clrMapOvr>
+    <a:masterClrMapping/>
+  </p:clrMapOvr>
+</p:notes>
+</file>
+
 <file path=ppt/slideLayouts/slideLayout1.xml><?xml version="1.0" encoding="utf-8"?>
 <p:sldLayout xmlns:a="http://schemas.openxmlformats.org/drawingml/2006/main" xmlns:r="http://schemas.openxmlformats.org/officeDocument/2006/relationships" xmlns:p="http://schemas.openxmlformats.org/presentationml/2006/main" type="title" preserve="1">
   <p:cSld name="Titelfolie">
@@ -448,7 +3167,7 @@
               <a:pPr>
                 <a:defRPr/>
               </a:pPr>
-              <a:t>12.01.15</a:t>
+              <a:t>13.01.15</a:t>
             </a:fld>
             <a:endParaRPr lang="de-DE"/>
           </a:p>
@@ -645,7 +3364,7 @@
               <a:pPr>
                 <a:defRPr/>
               </a:pPr>
-              <a:t>12.01.15</a:t>
+              <a:t>13.01.15</a:t>
             </a:fld>
             <a:endParaRPr lang="de-DE"/>
           </a:p>
@@ -803,7 +3522,7 @@
               <a:pPr>
                 <a:defRPr/>
               </a:pPr>
-              <a:t>12.01.15</a:t>
+              <a:t>13.01.15</a:t>
             </a:fld>
             <a:endParaRPr lang="de-DE"/>
           </a:p>
@@ -1074,7 +3793,7 @@
               <a:pPr>
                 <a:defRPr/>
               </a:pPr>
-              <a:t>12.01.15</a:t>
+              <a:t>13.01.15</a:t>
             </a:fld>
             <a:endParaRPr lang="de-DE"/>
           </a:p>
@@ -1219,7 +3938,7 @@
               <a:pPr>
                 <a:defRPr/>
               </a:pPr>
-              <a:t>12.01.15</a:t>
+              <a:t>13.01.15</a:t>
             </a:fld>
             <a:endParaRPr lang="de-DE"/>
           </a:p>
@@ -1341,7 +4060,7 @@
               <a:pPr>
                 <a:defRPr/>
               </a:pPr>
-              <a:t>12.01.15</a:t>
+              <a:t>13.01.15</a:t>
             </a:fld>
             <a:endParaRPr lang="de-DE"/>
           </a:p>
@@ -1621,7 +4340,7 @@
               <a:pPr>
                 <a:defRPr/>
               </a:pPr>
-              <a:t>12.01.15</a:t>
+              <a:t>13.01.15</a:t>
             </a:fld>
             <a:endParaRPr lang="de-DE"/>
           </a:p>
@@ -1956,7 +4675,7 @@
               <a:pPr>
                 <a:defRPr/>
               </a:pPr>
-              <a:t>12.01.15</a:t>
+              <a:t>13.01.15</a:t>
             </a:fld>
             <a:endParaRPr lang="de-DE"/>
           </a:p>
@@ -2143,7 +4862,7 @@
               <a:pPr>
                 <a:defRPr/>
               </a:pPr>
-              <a:t>12.01.15</a:t>
+              <a:t>13.01.15</a:t>
             </a:fld>
             <a:endParaRPr lang="de-DE"/>
           </a:p>
@@ -2293,7 +5012,7 @@
               </a:spcAft>
               <a:defRPr/>
             </a:pPr>
-            <a:endParaRPr lang="de-DE"/>
+            <a:endParaRPr lang="de-CH" noProof="0"/>
           </a:p>
         </p:txBody>
       </p:sp>
@@ -2349,9 +5068,10 @@
           <a:p>
             <a:pPr lvl="0"/>
             <a:r>
-              <a:rPr lang="de-DE" smtClean="0"/>
+              <a:rPr lang="de-CH" noProof="0" smtClean="0"/>
               <a:t>Titelmasterformat durch Klicken bearbeiten</a:t>
             </a:r>
+            <a:endParaRPr lang="de-CH" noProof="0" smtClean="0"/>
           </a:p>
         </p:txBody>
       </p:sp>
@@ -2407,23 +5127,24 @@
           <a:p>
             <a:pPr lvl="0"/>
             <a:r>
-              <a:rPr lang="de-DE" smtClean="0"/>
+              <a:rPr lang="de-CH" noProof="0" smtClean="0"/>
               <a:t>Textmasterformate durch Klicken bearbeiten</a:t>
             </a:r>
           </a:p>
           <a:p>
             <a:pPr lvl="1"/>
             <a:r>
-              <a:rPr lang="de-DE" smtClean="0"/>
+              <a:rPr lang="de-CH" noProof="0" smtClean="0"/>
               <a:t>Zweite Ebene</a:t>
             </a:r>
           </a:p>
           <a:p>
             <a:pPr lvl="2"/>
             <a:r>
-              <a:rPr lang="de-DE" smtClean="0"/>
+              <a:rPr lang="de-CH" noProof="0" smtClean="0"/>
               <a:t>Dritte Ebene</a:t>
             </a:r>
+            <a:endParaRPr lang="de-CH" noProof="0" smtClean="0"/>
           </a:p>
         </p:txBody>
       </p:sp>
@@ -2469,13 +5190,13 @@
               <a:defRPr/>
             </a:pPr>
             <a:fld id="{D325B7C1-EC57-4911-97E9-97E5071F88E1}" type="datetimeFigureOut">
-              <a:rPr lang="de-DE"/>
+              <a:rPr lang="de-CH" noProof="0" smtClean="0"/>
               <a:pPr>
                 <a:defRPr/>
               </a:pPr>
-              <a:t>12.01.15</a:t>
+              <a:t>13.01.15</a:t>
             </a:fld>
-            <a:endParaRPr lang="de-DE"/>
+            <a:endParaRPr lang="de-CH" noProof="0"/>
           </a:p>
         </p:txBody>
       </p:sp>
@@ -2522,7 +5243,7 @@
             <a:pPr>
               <a:defRPr/>
             </a:pPr>
-            <a:endParaRPr/>
+            <a:endParaRPr lang="de-CH" noProof="0"/>
           </a:p>
         </p:txBody>
       </p:sp>
@@ -2570,13 +5291,13 @@
               <a:defRPr/>
             </a:pPr>
             <a:fld id="{B63EF94A-A10F-4D60-991E-A7DA23E71374}" type="slidenum">
-              <a:rPr/>
+              <a:rPr lang="de-CH" noProof="0" smtClean="0"/>
               <a:pPr>
                 <a:defRPr/>
               </a:pPr>
               <a:t>‹#›</a:t>
             </a:fld>
-            <a:endParaRPr dirty="0"/>
+            <a:endParaRPr lang="de-CH" noProof="0"/>
           </a:p>
         </p:txBody>
       </p:sp>
@@ -2606,10 +5327,10 @@
               <a:defRPr/>
             </a:pPr>
             <a:r>
-              <a:rPr lang="de-CH" sz="700" dirty="0"/>
+              <a:rPr lang="de-CH" sz="700" noProof="0" smtClean="0"/>
               <a:t>Zürcher Fachhochschule</a:t>
             </a:r>
-            <a:endParaRPr lang="de-DE" sz="700" dirty="0"/>
+            <a:endParaRPr lang="de-CH" sz="700" noProof="0"/>
           </a:p>
         </p:txBody>
       </p:sp>
@@ -3213,11 +5934,762 @@
               <a:rPr lang="de-DE" dirty="0" smtClean="0"/>
               <a:t>Tobias Welti</a:t>
             </a:r>
-            <a:endParaRPr lang="de-DE" dirty="0" smtClean="0"/>
           </a:p>
         </p:txBody>
       </p:sp>
     </p:spTree>
+  </p:cSld>
+  <p:clrMapOvr>
+    <a:masterClrMapping/>
+  </p:clrMapOvr>
+</p:sld>
+</file>
+
+<file path=ppt/slides/slide10.xml><?xml version="1.0" encoding="utf-8"?>
+<p:sld xmlns:a="http://schemas.openxmlformats.org/drawingml/2006/main" xmlns:r="http://schemas.openxmlformats.org/officeDocument/2006/relationships" xmlns:p="http://schemas.openxmlformats.org/presentationml/2006/main">
+  <p:cSld>
+    <p:spTree>
+      <p:nvGrpSpPr>
+        <p:cNvPr id="1" name=""/>
+        <p:cNvGrpSpPr/>
+        <p:nvPr/>
+      </p:nvGrpSpPr>
+      <p:grpSpPr>
+        <a:xfrm>
+          <a:off x="0" y="0"/>
+          <a:ext cx="0" cy="0"/>
+          <a:chOff x="0" y="0"/>
+          <a:chExt cx="0" cy="0"/>
+        </a:xfrm>
+      </p:grpSpPr>
+      <p:sp>
+        <p:nvSpPr>
+          <p:cNvPr id="2" name="Title 1"/>
+          <p:cNvSpPr>
+            <a:spLocks noGrp="1"/>
+          </p:cNvSpPr>
+          <p:nvPr>
+            <p:ph type="title"/>
+          </p:nvPr>
+        </p:nvSpPr>
+        <p:spPr/>
+        <p:txBody>
+          <a:bodyPr/>
+          <a:lstStyle/>
+          <a:p>
+            <a:r>
+              <a:rPr lang="de-CH" smtClean="0"/>
+              <a:t>Hardware – Sensor</a:t>
+            </a:r>
+            <a:endParaRPr lang="de-CH"/>
+          </a:p>
+        </p:txBody>
+      </p:sp>
+      <p:sp>
+        <p:nvSpPr>
+          <p:cNvPr id="3" name="Content Placeholder 2"/>
+          <p:cNvSpPr>
+            <a:spLocks noGrp="1"/>
+          </p:cNvSpPr>
+          <p:nvPr>
+            <p:ph idx="1"/>
+          </p:nvPr>
+        </p:nvSpPr>
+        <p:spPr/>
+        <p:txBody>
+          <a:bodyPr/>
+          <a:lstStyle/>
+          <a:p>
+            <a:r>
+              <a:rPr lang="de-CH" dirty="0" smtClean="0"/>
+              <a:t>MEMS-Sensor</a:t>
+            </a:r>
+          </a:p>
+          <a:p>
+            <a:r>
+              <a:rPr lang="de-CH" dirty="0" smtClean="0"/>
+              <a:t>TODO erklären</a:t>
+            </a:r>
+          </a:p>
+          <a:p>
+            <a:endParaRPr lang="de-CH" dirty="0"/>
+          </a:p>
+        </p:txBody>
+      </p:sp>
+    </p:spTree>
+    <p:extLst>
+      <p:ext uri="{BB962C8B-B14F-4D97-AF65-F5344CB8AC3E}">
+        <p14:creationId xmlns:p14="http://schemas.microsoft.com/office/powerpoint/2010/main" val="1230831665"/>
+      </p:ext>
+    </p:extLst>
+  </p:cSld>
+  <p:clrMapOvr>
+    <a:masterClrMapping/>
+  </p:clrMapOvr>
+  <p:timing>
+    <p:tnLst>
+      <p:par>
+        <p:cTn xmlns:p14="http://schemas.microsoft.com/office/powerpoint/2010/main" id="1" dur="indefinite" restart="never" nodeType="tmRoot"/>
+      </p:par>
+    </p:tnLst>
+  </p:timing>
+</p:sld>
+</file>
+
+<file path=ppt/slides/slide11.xml><?xml version="1.0" encoding="utf-8"?>
+<p:sld xmlns:a="http://schemas.openxmlformats.org/drawingml/2006/main" xmlns:r="http://schemas.openxmlformats.org/officeDocument/2006/relationships" xmlns:p="http://schemas.openxmlformats.org/presentationml/2006/main">
+  <p:cSld>
+    <p:spTree>
+      <p:nvGrpSpPr>
+        <p:cNvPr id="1" name=""/>
+        <p:cNvGrpSpPr/>
+        <p:nvPr/>
+      </p:nvGrpSpPr>
+      <p:grpSpPr>
+        <a:xfrm>
+          <a:off x="0" y="0"/>
+          <a:ext cx="0" cy="0"/>
+          <a:chOff x="0" y="0"/>
+          <a:chExt cx="0" cy="0"/>
+        </a:xfrm>
+      </p:grpSpPr>
+      <p:sp>
+        <p:nvSpPr>
+          <p:cNvPr id="2" name="Title 1"/>
+          <p:cNvSpPr>
+            <a:spLocks noGrp="1"/>
+          </p:cNvSpPr>
+          <p:nvPr>
+            <p:ph type="title"/>
+          </p:nvPr>
+        </p:nvSpPr>
+        <p:spPr/>
+        <p:txBody>
+          <a:bodyPr/>
+          <a:lstStyle/>
+          <a:p>
+            <a:r>
+              <a:rPr lang="de-CH" dirty="0" smtClean="0"/>
+              <a:t>Hardware – Prozessor</a:t>
+            </a:r>
+            <a:endParaRPr lang="de-CH" dirty="0"/>
+          </a:p>
+        </p:txBody>
+      </p:sp>
+      <p:sp>
+        <p:nvSpPr>
+          <p:cNvPr id="3" name="Content Placeholder 2"/>
+          <p:cNvSpPr>
+            <a:spLocks noGrp="1"/>
+          </p:cNvSpPr>
+          <p:nvPr>
+            <p:ph idx="1"/>
+          </p:nvPr>
+        </p:nvSpPr>
+        <p:spPr/>
+        <p:txBody>
+          <a:bodyPr/>
+          <a:lstStyle/>
+          <a:p>
+            <a:endParaRPr lang="de-CH" dirty="0"/>
+          </a:p>
+        </p:txBody>
+      </p:sp>
+    </p:spTree>
+    <p:extLst>
+      <p:ext uri="{BB962C8B-B14F-4D97-AF65-F5344CB8AC3E}">
+        <p14:creationId xmlns:p14="http://schemas.microsoft.com/office/powerpoint/2010/main" val="1810721059"/>
+      </p:ext>
+    </p:extLst>
+  </p:cSld>
+  <p:clrMapOvr>
+    <a:masterClrMapping/>
+  </p:clrMapOvr>
+</p:sld>
+</file>
+
+<file path=ppt/slides/slide12.xml><?xml version="1.0" encoding="utf-8"?>
+<p:sld xmlns:a="http://schemas.openxmlformats.org/drawingml/2006/main" xmlns:r="http://schemas.openxmlformats.org/officeDocument/2006/relationships" xmlns:p="http://schemas.openxmlformats.org/presentationml/2006/main">
+  <p:cSld>
+    <p:spTree>
+      <p:nvGrpSpPr>
+        <p:cNvPr id="1" name=""/>
+        <p:cNvGrpSpPr/>
+        <p:nvPr/>
+      </p:nvGrpSpPr>
+      <p:grpSpPr>
+        <a:xfrm>
+          <a:off x="0" y="0"/>
+          <a:ext cx="0" cy="0"/>
+          <a:chOff x="0" y="0"/>
+          <a:chExt cx="0" cy="0"/>
+        </a:xfrm>
+      </p:grpSpPr>
+      <p:sp>
+        <p:nvSpPr>
+          <p:cNvPr id="2" name="Title 1"/>
+          <p:cNvSpPr>
+            <a:spLocks noGrp="1"/>
+          </p:cNvSpPr>
+          <p:nvPr>
+            <p:ph type="title"/>
+          </p:nvPr>
+        </p:nvSpPr>
+        <p:spPr/>
+        <p:txBody>
+          <a:bodyPr/>
+          <a:lstStyle/>
+          <a:p>
+            <a:r>
+              <a:rPr lang="de-CH" smtClean="0"/>
+              <a:t>Hardware – Bussystem</a:t>
+            </a:r>
+            <a:endParaRPr lang="de-CH"/>
+          </a:p>
+        </p:txBody>
+      </p:sp>
+      <p:sp>
+        <p:nvSpPr>
+          <p:cNvPr id="3" name="Content Placeholder 2"/>
+          <p:cNvSpPr>
+            <a:spLocks noGrp="1"/>
+          </p:cNvSpPr>
+          <p:nvPr>
+            <p:ph idx="1"/>
+          </p:nvPr>
+        </p:nvSpPr>
+        <p:spPr/>
+        <p:txBody>
+          <a:bodyPr/>
+          <a:lstStyle/>
+          <a:p>
+            <a:r>
+              <a:rPr lang="de-CH" dirty="0" smtClean="0"/>
+              <a:t>CAN Bus</a:t>
+            </a:r>
+          </a:p>
+          <a:p>
+            <a:r>
+              <a:rPr lang="de-CH" dirty="0" smtClean="0"/>
+              <a:t>Bandbreite</a:t>
+            </a:r>
+          </a:p>
+          <a:p>
+            <a:r>
+              <a:rPr lang="de-CH" dirty="0" smtClean="0"/>
+              <a:t>Reichweite</a:t>
+            </a:r>
+          </a:p>
+          <a:p>
+            <a:r>
+              <a:rPr lang="de-CH" dirty="0" err="1" smtClean="0"/>
+              <a:t>etc</a:t>
+            </a:r>
+            <a:endParaRPr lang="de-CH" dirty="0" smtClean="0"/>
+          </a:p>
+        </p:txBody>
+      </p:sp>
+    </p:spTree>
+    <p:extLst>
+      <p:ext uri="{BB962C8B-B14F-4D97-AF65-F5344CB8AC3E}">
+        <p14:creationId xmlns:p14="http://schemas.microsoft.com/office/powerpoint/2010/main" val="4035484517"/>
+      </p:ext>
+    </p:extLst>
+  </p:cSld>
+  <p:clrMapOvr>
+    <a:masterClrMapping/>
+  </p:clrMapOvr>
+</p:sld>
+</file>
+
+<file path=ppt/slides/slide13.xml><?xml version="1.0" encoding="utf-8"?>
+<p:sld xmlns:a="http://schemas.openxmlformats.org/drawingml/2006/main" xmlns:r="http://schemas.openxmlformats.org/officeDocument/2006/relationships" xmlns:p="http://schemas.openxmlformats.org/presentationml/2006/main">
+  <p:cSld>
+    <p:spTree>
+      <p:nvGrpSpPr>
+        <p:cNvPr id="1" name=""/>
+        <p:cNvGrpSpPr/>
+        <p:nvPr/>
+      </p:nvGrpSpPr>
+      <p:grpSpPr>
+        <a:xfrm>
+          <a:off x="0" y="0"/>
+          <a:ext cx="0" cy="0"/>
+          <a:chOff x="0" y="0"/>
+          <a:chExt cx="0" cy="0"/>
+        </a:xfrm>
+      </p:grpSpPr>
+      <p:sp>
+        <p:nvSpPr>
+          <p:cNvPr id="2" name="Title 1"/>
+          <p:cNvSpPr>
+            <a:spLocks noGrp="1"/>
+          </p:cNvSpPr>
+          <p:nvPr>
+            <p:ph type="title"/>
+          </p:nvPr>
+        </p:nvSpPr>
+        <p:spPr/>
+        <p:txBody>
+          <a:bodyPr/>
+          <a:lstStyle/>
+          <a:p>
+            <a:r>
+              <a:rPr lang="de-CH" dirty="0"/>
+              <a:t>Software – </a:t>
+            </a:r>
+            <a:r>
+              <a:rPr lang="de-CH" dirty="0" smtClean="0"/>
+              <a:t>Prozesse ??? TK</a:t>
+            </a:r>
+            <a:endParaRPr lang="de-CH" dirty="0"/>
+          </a:p>
+        </p:txBody>
+      </p:sp>
+      <p:sp>
+        <p:nvSpPr>
+          <p:cNvPr id="3" name="Content Placeholder 2"/>
+          <p:cNvSpPr>
+            <a:spLocks noGrp="1"/>
+          </p:cNvSpPr>
+          <p:nvPr>
+            <p:ph idx="1"/>
+          </p:nvPr>
+        </p:nvSpPr>
+        <p:spPr/>
+        <p:txBody>
+          <a:bodyPr/>
+          <a:lstStyle/>
+          <a:p>
+            <a:endParaRPr lang="de-CH"/>
+          </a:p>
+        </p:txBody>
+      </p:sp>
+    </p:spTree>
+    <p:extLst>
+      <p:ext uri="{BB962C8B-B14F-4D97-AF65-F5344CB8AC3E}">
+        <p14:creationId xmlns:p14="http://schemas.microsoft.com/office/powerpoint/2010/main" val="1260210459"/>
+      </p:ext>
+    </p:extLst>
+  </p:cSld>
+  <p:clrMapOvr>
+    <a:masterClrMapping/>
+  </p:clrMapOvr>
+  <p:timing>
+    <p:tnLst>
+      <p:par>
+        <p:cTn xmlns:p14="http://schemas.microsoft.com/office/powerpoint/2010/main" id="1" dur="indefinite" restart="never" nodeType="tmRoot"/>
+      </p:par>
+    </p:tnLst>
+  </p:timing>
+</p:sld>
+</file>
+
+<file path=ppt/slides/slide14.xml><?xml version="1.0" encoding="utf-8"?>
+<p:sld xmlns:a="http://schemas.openxmlformats.org/drawingml/2006/main" xmlns:r="http://schemas.openxmlformats.org/officeDocument/2006/relationships" xmlns:p="http://schemas.openxmlformats.org/presentationml/2006/main">
+  <p:cSld>
+    <p:spTree>
+      <p:nvGrpSpPr>
+        <p:cNvPr id="1" name=""/>
+        <p:cNvGrpSpPr/>
+        <p:nvPr/>
+      </p:nvGrpSpPr>
+      <p:grpSpPr>
+        <a:xfrm>
+          <a:off x="0" y="0"/>
+          <a:ext cx="0" cy="0"/>
+          <a:chOff x="0" y="0"/>
+          <a:chExt cx="0" cy="0"/>
+        </a:xfrm>
+      </p:grpSpPr>
+      <p:sp>
+        <p:nvSpPr>
+          <p:cNvPr id="2" name="Title 1"/>
+          <p:cNvSpPr>
+            <a:spLocks noGrp="1"/>
+          </p:cNvSpPr>
+          <p:nvPr>
+            <p:ph type="title"/>
+          </p:nvPr>
+        </p:nvSpPr>
+        <p:spPr/>
+        <p:txBody>
+          <a:bodyPr/>
+          <a:lstStyle/>
+          <a:p>
+            <a:r>
+              <a:rPr lang="de-CH" dirty="0"/>
+              <a:t>Software – CAN-</a:t>
+            </a:r>
+            <a:r>
+              <a:rPr lang="de-CH" dirty="0" smtClean="0"/>
+              <a:t>Protokoll TK</a:t>
+            </a:r>
+            <a:endParaRPr lang="de-CH" dirty="0"/>
+          </a:p>
+        </p:txBody>
+      </p:sp>
+      <p:sp>
+        <p:nvSpPr>
+          <p:cNvPr id="3" name="Content Placeholder 2"/>
+          <p:cNvSpPr>
+            <a:spLocks noGrp="1"/>
+          </p:cNvSpPr>
+          <p:nvPr>
+            <p:ph idx="1"/>
+          </p:nvPr>
+        </p:nvSpPr>
+        <p:spPr/>
+        <p:txBody>
+          <a:bodyPr/>
+          <a:lstStyle/>
+          <a:p>
+            <a:endParaRPr lang="de-CH"/>
+          </a:p>
+        </p:txBody>
+      </p:sp>
+    </p:spTree>
+    <p:extLst>
+      <p:ext uri="{BB962C8B-B14F-4D97-AF65-F5344CB8AC3E}">
+        <p14:creationId xmlns:p14="http://schemas.microsoft.com/office/powerpoint/2010/main" val="924349587"/>
+      </p:ext>
+    </p:extLst>
+  </p:cSld>
+  <p:clrMapOvr>
+    <a:masterClrMapping/>
+  </p:clrMapOvr>
+  <p:timing>
+    <p:tnLst>
+      <p:par>
+        <p:cTn xmlns:p14="http://schemas.microsoft.com/office/powerpoint/2010/main" id="1" dur="indefinite" restart="never" nodeType="tmRoot"/>
+      </p:par>
+    </p:tnLst>
+  </p:timing>
+</p:sld>
+</file>
+
+<file path=ppt/slides/slide15.xml><?xml version="1.0" encoding="utf-8"?>
+<p:sld xmlns:a="http://schemas.openxmlformats.org/drawingml/2006/main" xmlns:r="http://schemas.openxmlformats.org/officeDocument/2006/relationships" xmlns:p="http://schemas.openxmlformats.org/presentationml/2006/main">
+  <p:cSld>
+    <p:spTree>
+      <p:nvGrpSpPr>
+        <p:cNvPr id="1" name=""/>
+        <p:cNvGrpSpPr/>
+        <p:nvPr/>
+      </p:nvGrpSpPr>
+      <p:grpSpPr>
+        <a:xfrm>
+          <a:off x="0" y="0"/>
+          <a:ext cx="0" cy="0"/>
+          <a:chOff x="0" y="0"/>
+          <a:chExt cx="0" cy="0"/>
+        </a:xfrm>
+      </p:grpSpPr>
+      <p:sp>
+        <p:nvSpPr>
+          <p:cNvPr id="2" name="Title 1"/>
+          <p:cNvSpPr>
+            <a:spLocks noGrp="1"/>
+          </p:cNvSpPr>
+          <p:nvPr>
+            <p:ph type="title"/>
+          </p:nvPr>
+        </p:nvSpPr>
+        <p:spPr/>
+        <p:txBody>
+          <a:bodyPr/>
+          <a:lstStyle/>
+          <a:p>
+            <a:r>
+              <a:rPr lang="de-CH" dirty="0"/>
+              <a:t>Software – </a:t>
+            </a:r>
+            <a:r>
+              <a:rPr lang="de-CH" dirty="0" smtClean="0"/>
+              <a:t>Ereigniserkennung TW</a:t>
+            </a:r>
+            <a:endParaRPr lang="de-CH" dirty="0"/>
+          </a:p>
+        </p:txBody>
+      </p:sp>
+      <p:sp>
+        <p:nvSpPr>
+          <p:cNvPr id="3" name="Content Placeholder 2"/>
+          <p:cNvSpPr>
+            <a:spLocks noGrp="1"/>
+          </p:cNvSpPr>
+          <p:nvPr>
+            <p:ph idx="1"/>
+          </p:nvPr>
+        </p:nvSpPr>
+        <p:spPr/>
+        <p:txBody>
+          <a:bodyPr/>
+          <a:lstStyle/>
+          <a:p>
+            <a:endParaRPr lang="de-CH"/>
+          </a:p>
+        </p:txBody>
+      </p:sp>
+    </p:spTree>
+    <p:extLst>
+      <p:ext uri="{BB962C8B-B14F-4D97-AF65-F5344CB8AC3E}">
+        <p14:creationId xmlns:p14="http://schemas.microsoft.com/office/powerpoint/2010/main" val="924349587"/>
+      </p:ext>
+    </p:extLst>
+  </p:cSld>
+  <p:clrMapOvr>
+    <a:masterClrMapping/>
+  </p:clrMapOvr>
+  <p:timing>
+    <p:tnLst>
+      <p:par>
+        <p:cTn xmlns:p14="http://schemas.microsoft.com/office/powerpoint/2010/main" id="1" dur="indefinite" restart="never" nodeType="tmRoot"/>
+      </p:par>
+    </p:tnLst>
+  </p:timing>
+</p:sld>
+</file>
+
+<file path=ppt/slides/slide16.xml><?xml version="1.0" encoding="utf-8"?>
+<p:sld xmlns:a="http://schemas.openxmlformats.org/drawingml/2006/main" xmlns:r="http://schemas.openxmlformats.org/officeDocument/2006/relationships" xmlns:p="http://schemas.openxmlformats.org/presentationml/2006/main">
+  <p:cSld>
+    <p:spTree>
+      <p:nvGrpSpPr>
+        <p:cNvPr id="1" name=""/>
+        <p:cNvGrpSpPr/>
+        <p:nvPr/>
+      </p:nvGrpSpPr>
+      <p:grpSpPr>
+        <a:xfrm>
+          <a:off x="0" y="0"/>
+          <a:ext cx="0" cy="0"/>
+          <a:chOff x="0" y="0"/>
+          <a:chExt cx="0" cy="0"/>
+        </a:xfrm>
+      </p:grpSpPr>
+      <p:sp>
+        <p:nvSpPr>
+          <p:cNvPr id="2" name="Title 1"/>
+          <p:cNvSpPr>
+            <a:spLocks noGrp="1"/>
+          </p:cNvSpPr>
+          <p:nvPr>
+            <p:ph type="title"/>
+          </p:nvPr>
+        </p:nvSpPr>
+        <p:spPr/>
+        <p:txBody>
+          <a:bodyPr/>
+          <a:lstStyle/>
+          <a:p>
+            <a:r>
+              <a:rPr lang="de-CH" dirty="0"/>
+              <a:t>Software – </a:t>
+            </a:r>
+            <a:r>
+              <a:rPr lang="de-CH" dirty="0" smtClean="0"/>
+              <a:t>Detailstufen TW</a:t>
+            </a:r>
+            <a:endParaRPr lang="de-CH" dirty="0"/>
+          </a:p>
+        </p:txBody>
+      </p:sp>
+      <p:sp>
+        <p:nvSpPr>
+          <p:cNvPr id="3" name="Content Placeholder 2"/>
+          <p:cNvSpPr>
+            <a:spLocks noGrp="1"/>
+          </p:cNvSpPr>
+          <p:nvPr>
+            <p:ph idx="1"/>
+          </p:nvPr>
+        </p:nvSpPr>
+        <p:spPr/>
+        <p:txBody>
+          <a:bodyPr/>
+          <a:lstStyle/>
+          <a:p>
+            <a:endParaRPr lang="de-CH"/>
+          </a:p>
+        </p:txBody>
+      </p:sp>
+    </p:spTree>
+    <p:extLst>
+      <p:ext uri="{BB962C8B-B14F-4D97-AF65-F5344CB8AC3E}">
+        <p14:creationId xmlns:p14="http://schemas.microsoft.com/office/powerpoint/2010/main" val="924349587"/>
+      </p:ext>
+    </p:extLst>
+  </p:cSld>
+  <p:clrMapOvr>
+    <a:masterClrMapping/>
+  </p:clrMapOvr>
+  <p:timing>
+    <p:tnLst>
+      <p:par>
+        <p:cTn xmlns:p14="http://schemas.microsoft.com/office/powerpoint/2010/main" id="1" dur="indefinite" restart="never" nodeType="tmRoot"/>
+      </p:par>
+    </p:tnLst>
+  </p:timing>
+</p:sld>
+</file>
+
+<file path=ppt/slides/slide17.xml><?xml version="1.0" encoding="utf-8"?>
+<p:sld xmlns:a="http://schemas.openxmlformats.org/drawingml/2006/main" xmlns:r="http://schemas.openxmlformats.org/officeDocument/2006/relationships" xmlns:p="http://schemas.openxmlformats.org/presentationml/2006/main">
+  <p:cSld>
+    <p:spTree>
+      <p:nvGrpSpPr>
+        <p:cNvPr id="1" name=""/>
+        <p:cNvGrpSpPr/>
+        <p:nvPr/>
+      </p:nvGrpSpPr>
+      <p:grpSpPr>
+        <a:xfrm>
+          <a:off x="0" y="0"/>
+          <a:ext cx="0" cy="0"/>
+          <a:chOff x="0" y="0"/>
+          <a:chExt cx="0" cy="0"/>
+        </a:xfrm>
+      </p:grpSpPr>
+      <p:sp>
+        <p:nvSpPr>
+          <p:cNvPr id="2" name="Title 1"/>
+          <p:cNvSpPr>
+            <a:spLocks noGrp="1"/>
+          </p:cNvSpPr>
+          <p:nvPr>
+            <p:ph type="title"/>
+          </p:nvPr>
+        </p:nvSpPr>
+        <p:spPr/>
+        <p:txBody>
+          <a:bodyPr/>
+          <a:lstStyle/>
+          <a:p>
+            <a:r>
+              <a:rPr lang="de-CH" dirty="0"/>
+              <a:t>Software </a:t>
+            </a:r>
+            <a:r>
+              <a:rPr lang="de-CH" dirty="0" smtClean="0"/>
+              <a:t>– </a:t>
+            </a:r>
+            <a:r>
+              <a:rPr lang="de-CH" dirty="0"/>
+              <a:t>Detailstufen </a:t>
+            </a:r>
+            <a:r>
+              <a:rPr lang="de-CH" dirty="0" smtClean="0"/>
+              <a:t>(2)</a:t>
+            </a:r>
+            <a:endParaRPr lang="de-CH" dirty="0"/>
+          </a:p>
+        </p:txBody>
+      </p:sp>
+      <p:sp>
+        <p:nvSpPr>
+          <p:cNvPr id="3" name="Content Placeholder 2"/>
+          <p:cNvSpPr>
+            <a:spLocks noGrp="1"/>
+          </p:cNvSpPr>
+          <p:nvPr>
+            <p:ph idx="1"/>
+          </p:nvPr>
+        </p:nvSpPr>
+        <p:spPr/>
+        <p:txBody>
+          <a:bodyPr/>
+          <a:lstStyle/>
+          <a:p>
+            <a:endParaRPr lang="de-CH"/>
+          </a:p>
+        </p:txBody>
+      </p:sp>
+    </p:spTree>
+    <p:extLst>
+      <p:ext uri="{BB962C8B-B14F-4D97-AF65-F5344CB8AC3E}">
+        <p14:creationId xmlns:p14="http://schemas.microsoft.com/office/powerpoint/2010/main" val="924349587"/>
+      </p:ext>
+    </p:extLst>
+  </p:cSld>
+  <p:clrMapOvr>
+    <a:masterClrMapping/>
+  </p:clrMapOvr>
+  <p:timing>
+    <p:tnLst>
+      <p:par>
+        <p:cTn xmlns:p14="http://schemas.microsoft.com/office/powerpoint/2010/main" id="1" dur="indefinite" restart="never" nodeType="tmRoot"/>
+      </p:par>
+    </p:tnLst>
+  </p:timing>
+</p:sld>
+</file>
+
+<file path=ppt/slides/slide18.xml><?xml version="1.0" encoding="utf-8"?>
+<p:sld xmlns:a="http://schemas.openxmlformats.org/drawingml/2006/main" xmlns:r="http://schemas.openxmlformats.org/officeDocument/2006/relationships" xmlns:p="http://schemas.openxmlformats.org/presentationml/2006/main">
+  <p:cSld>
+    <p:spTree>
+      <p:nvGrpSpPr>
+        <p:cNvPr id="1" name=""/>
+        <p:cNvGrpSpPr/>
+        <p:nvPr/>
+      </p:nvGrpSpPr>
+      <p:grpSpPr>
+        <a:xfrm>
+          <a:off x="0" y="0"/>
+          <a:ext cx="0" cy="0"/>
+          <a:chOff x="0" y="0"/>
+          <a:chExt cx="0" cy="0"/>
+        </a:xfrm>
+      </p:grpSpPr>
+      <p:sp>
+        <p:nvSpPr>
+          <p:cNvPr id="2" name="Title 1"/>
+          <p:cNvSpPr>
+            <a:spLocks noGrp="1"/>
+          </p:cNvSpPr>
+          <p:nvPr>
+            <p:ph type="title"/>
+          </p:nvPr>
+        </p:nvSpPr>
+        <p:spPr/>
+        <p:txBody>
+          <a:bodyPr/>
+          <a:lstStyle/>
+          <a:p>
+            <a:r>
+              <a:rPr lang="de-CH" smtClean="0"/>
+              <a:t>Demonstration</a:t>
+            </a:r>
+            <a:endParaRPr lang="de-CH"/>
+          </a:p>
+        </p:txBody>
+      </p:sp>
+      <p:sp>
+        <p:nvSpPr>
+          <p:cNvPr id="3" name="Content Placeholder 2"/>
+          <p:cNvSpPr>
+            <a:spLocks noGrp="1"/>
+          </p:cNvSpPr>
+          <p:nvPr>
+            <p:ph idx="1"/>
+          </p:nvPr>
+        </p:nvSpPr>
+        <p:spPr/>
+        <p:txBody>
+          <a:bodyPr/>
+          <a:lstStyle/>
+          <a:p>
+            <a:endParaRPr lang="de-CH"/>
+          </a:p>
+        </p:txBody>
+      </p:sp>
+    </p:spTree>
+    <p:extLst>
+      <p:ext uri="{BB962C8B-B14F-4D97-AF65-F5344CB8AC3E}">
+        <p14:creationId xmlns:p14="http://schemas.microsoft.com/office/powerpoint/2010/main" val="3259944445"/>
+      </p:ext>
+    </p:extLst>
   </p:cSld>
   <p:clrMapOvr>
     <a:masterClrMapping/>
@@ -3258,10 +6730,10 @@
           <a:lstStyle/>
           <a:p>
             <a:r>
-              <a:rPr lang="en-US" dirty="0" err="1" smtClean="0"/>
+              <a:rPr lang="de-CH" smtClean="0"/>
               <a:t>Inhalt</a:t>
             </a:r>
-            <a:endParaRPr lang="en-US" dirty="0"/>
+            <a:endParaRPr lang="de-CH"/>
           </a:p>
         </p:txBody>
       </p:sp>
@@ -3285,10 +6757,9 @@
               <a:buAutoNum type="arabicPeriod"/>
             </a:pPr>
             <a:r>
-              <a:rPr lang="en-US" dirty="0" err="1" smtClean="0"/>
+              <a:rPr lang="de-CH" smtClean="0"/>
               <a:t>Problemstellung</a:t>
             </a:r>
-            <a:endParaRPr lang="en-US" dirty="0" smtClean="0"/>
           </a:p>
           <a:p>
             <a:pPr marL="514350" indent="-514350">
@@ -3296,10 +6767,9 @@
               <a:buAutoNum type="arabicPeriod"/>
             </a:pPr>
             <a:r>
-              <a:rPr lang="en-US" dirty="0" err="1" smtClean="0"/>
+              <a:rPr lang="de-CH" smtClean="0"/>
               <a:t>Lösungsidee</a:t>
             </a:r>
-            <a:endParaRPr lang="en-US" dirty="0" smtClean="0"/>
           </a:p>
           <a:p>
             <a:pPr marL="514350" indent="-514350">
@@ -3307,7 +6777,7 @@
               <a:buAutoNum type="arabicPeriod"/>
             </a:pPr>
             <a:r>
-              <a:rPr lang="en-US" dirty="0" smtClean="0"/>
+              <a:rPr lang="de-CH" smtClean="0"/>
               <a:t>Hardware</a:t>
             </a:r>
           </a:p>
@@ -3317,7 +6787,7 @@
               <a:buAutoNum type="arabicPeriod"/>
             </a:pPr>
             <a:r>
-              <a:rPr lang="en-US" dirty="0" smtClean="0"/>
+              <a:rPr lang="de-CH" smtClean="0"/>
               <a:t>Software</a:t>
             </a:r>
           </a:p>
@@ -3327,10 +6797,10 @@
               <a:buAutoNum type="arabicPeriod"/>
             </a:pPr>
             <a:r>
-              <a:rPr lang="en-US" dirty="0" smtClean="0"/>
+              <a:rPr lang="de-CH" smtClean="0"/>
               <a:t>Demonstration</a:t>
             </a:r>
-            <a:endParaRPr lang="en-US" dirty="0"/>
+            <a:endParaRPr lang="de-CH"/>
           </a:p>
         </p:txBody>
       </p:sp>
@@ -3344,6 +6814,13 @@
   <p:clrMapOvr>
     <a:masterClrMapping/>
   </p:clrMapOvr>
+  <p:timing>
+    <p:tnLst>
+      <p:par>
+        <p:cTn xmlns:p14="http://schemas.microsoft.com/office/powerpoint/2010/main" id="1" dur="indefinite" restart="never" nodeType="tmRoot"/>
+      </p:par>
+    </p:tnLst>
+  </p:timing>
 </p:sld>
 </file>
 
@@ -3380,10 +6857,10 @@
           <a:lstStyle/>
           <a:p>
             <a:r>
-              <a:rPr lang="en-US" dirty="0" err="1" smtClean="0"/>
+              <a:rPr lang="de-CH" smtClean="0"/>
               <a:t>Problemstellung</a:t>
             </a:r>
-            <a:endParaRPr lang="en-US" dirty="0"/>
+            <a:endParaRPr lang="de-CH"/>
           </a:p>
         </p:txBody>
       </p:sp>
@@ -3402,7 +6879,33 @@
           <a:bodyPr/>
           <a:lstStyle/>
           <a:p>
-            <a:endParaRPr lang="en-US"/>
+            <a:r>
+              <a:rPr lang="de-CH" smtClean="0"/>
+              <a:t>Gebirgshydrologie braucht Daten über Geschiebetransport.</a:t>
+            </a:r>
+          </a:p>
+          <a:p>
+            <a:r>
+              <a:rPr lang="de-CH" smtClean="0"/>
+              <a:t>Ereignisse mit viel Transport relativ selten und kurz</a:t>
+            </a:r>
+            <a:endParaRPr lang="de-CH" smtClean="0"/>
+          </a:p>
+          <a:p>
+            <a:r>
+              <a:rPr lang="de-CH" smtClean="0"/>
+              <a:t>Lange Messzeiten</a:t>
+            </a:r>
+          </a:p>
+          <a:p>
+            <a:r>
+              <a:rPr lang="de-CH" smtClean="0"/>
+              <a:t>Autarker</a:t>
+            </a:r>
+            <a:r>
+              <a:rPr lang="de-CH" smtClean="0"/>
+              <a:t> Betrieb</a:t>
+            </a:r>
           </a:p>
         </p:txBody>
       </p:sp>
@@ -3416,6 +6919,13 @@
   <p:clrMapOvr>
     <a:masterClrMapping/>
   </p:clrMapOvr>
+  <p:timing>
+    <p:tnLst>
+      <p:par>
+        <p:cTn xmlns:p14="http://schemas.microsoft.com/office/powerpoint/2010/main" id="1" dur="indefinite" restart="never" nodeType="tmRoot"/>
+      </p:par>
+    </p:tnLst>
+  </p:timing>
 </p:sld>
 </file>
 
@@ -3452,10 +6962,10 @@
           <a:lstStyle/>
           <a:p>
             <a:r>
-              <a:rPr lang="en-US" dirty="0" err="1" smtClean="0"/>
-              <a:t>Lösungsidee</a:t>
-            </a:r>
-            <a:endParaRPr lang="en-US" dirty="0"/>
+              <a:rPr lang="de-CH" smtClean="0"/>
+              <a:t>Aktuelle Messstation</a:t>
+            </a:r>
+            <a:endParaRPr lang="de-CH"/>
           </a:p>
         </p:txBody>
       </p:sp>
@@ -3474,14 +6984,36 @@
           <a:bodyPr/>
           <a:lstStyle/>
           <a:p>
-            <a:endParaRPr lang="en-US"/>
+            <a:r>
+              <a:rPr lang="de-CH" smtClean="0"/>
+              <a:t>Geophone unter Stahlplatten</a:t>
+            </a:r>
+          </a:p>
+          <a:p>
+            <a:r>
+              <a:rPr lang="de-CH" smtClean="0"/>
+              <a:t>Auswertung auf Embedded PC für alle Geophone</a:t>
+            </a:r>
+          </a:p>
+          <a:p>
+            <a:r>
+              <a:rPr lang="de-CH" smtClean="0"/>
+              <a:t>Hilbert-Transformation</a:t>
+            </a:r>
+          </a:p>
+          <a:p>
+            <a:r>
+              <a:rPr lang="de-CH" smtClean="0"/>
+              <a:t>Hoher Aufwand, Datenmenge extrem reduziert</a:t>
+            </a:r>
+            <a:endParaRPr lang="de-CH"/>
           </a:p>
         </p:txBody>
       </p:sp>
     </p:spTree>
     <p:extLst>
       <p:ext uri="{BB962C8B-B14F-4D97-AF65-F5344CB8AC3E}">
-        <p14:creationId xmlns:p14="http://schemas.microsoft.com/office/powerpoint/2010/main" val="1810091107"/>
+        <p14:creationId xmlns:p14="http://schemas.microsoft.com/office/powerpoint/2010/main" val="3050525891"/>
       </p:ext>
     </p:extLst>
   </p:cSld>
@@ -3510,7 +7042,7 @@
       </p:grpSpPr>
       <p:sp>
         <p:nvSpPr>
-          <p:cNvPr id="2" name="Title 1"/>
+          <p:cNvPr id="4" name="Title 3"/>
           <p:cNvSpPr>
             <a:spLocks noGrp="1"/>
           </p:cNvSpPr>
@@ -3524,36 +7056,46 @@
           <a:lstStyle/>
           <a:p>
             <a:r>
+              <a:rPr lang="en-US" dirty="0" err="1" smtClean="0"/>
+              <a:t>Erlenbach</a:t>
+            </a:r>
+            <a:r>
               <a:rPr lang="en-US" dirty="0" smtClean="0"/>
-              <a:t>Hardware</a:t>
+              <a:t> (SZ)</a:t>
             </a:r>
             <a:endParaRPr lang="en-US" dirty="0"/>
           </a:p>
         </p:txBody>
       </p:sp>
-      <p:sp>
-        <p:nvSpPr>
-          <p:cNvPr id="3" name="Content Placeholder 2"/>
-          <p:cNvSpPr>
-            <a:spLocks noGrp="1"/>
-          </p:cNvSpPr>
+      <p:pic>
+        <p:nvPicPr>
+          <p:cNvPr id="10" name="Content Placeholder 9" descr="Tube_mikro 008.jpg"/>
+          <p:cNvPicPr>
+            <a:picLocks noGrp="1" noChangeAspect="1"/>
+          </p:cNvPicPr>
           <p:nvPr>
             <p:ph idx="1"/>
           </p:nvPr>
-        </p:nvSpPr>
-        <p:spPr/>
-        <p:txBody>
-          <a:bodyPr/>
-          <a:lstStyle/>
-          <a:p>
-            <a:endParaRPr lang="en-US"/>
-          </a:p>
-        </p:txBody>
-      </p:sp>
+        </p:nvPicPr>
+        <p:blipFill>
+          <a:blip r:embed="rId3" cstate="print">
+            <a:extLst>
+              <a:ext uri="{28A0092B-C50C-407E-A947-70E740481C1C}">
+                <a14:useLocalDpi xmlns:a14="http://schemas.microsoft.com/office/drawing/2010/main" val="0"/>
+              </a:ext>
+            </a:extLst>
+          </a:blip>
+          <a:srcRect l="-23793" r="-23793"/>
+          <a:stretch>
+            <a:fillRect/>
+          </a:stretch>
+        </p:blipFill>
+        <p:spPr/>
+      </p:pic>
     </p:spTree>
     <p:extLst>
       <p:ext uri="{BB962C8B-B14F-4D97-AF65-F5344CB8AC3E}">
-        <p14:creationId xmlns:p14="http://schemas.microsoft.com/office/powerpoint/2010/main" val="1230831665"/>
+        <p14:creationId xmlns:p14="http://schemas.microsoft.com/office/powerpoint/2010/main" val="1683705614"/>
       </p:ext>
     </p:extLst>
   </p:cSld>
@@ -3596,36 +7138,42 @@
           <a:lstStyle/>
           <a:p>
             <a:r>
-              <a:rPr lang="en-US" dirty="0" smtClean="0"/>
-              <a:t>Software</a:t>
-            </a:r>
-            <a:endParaRPr lang="en-US" dirty="0"/>
-          </a:p>
-        </p:txBody>
-      </p:sp>
-      <p:sp>
-        <p:nvSpPr>
-          <p:cNvPr id="3" name="Content Placeholder 2"/>
-          <p:cNvSpPr>
-            <a:spLocks noGrp="1"/>
-          </p:cNvSpPr>
+              <a:rPr lang="de-CH" smtClean="0"/>
+              <a:t>Geophone</a:t>
+            </a:r>
+            <a:endParaRPr lang="de-CH"/>
+          </a:p>
+        </p:txBody>
+      </p:sp>
+      <p:pic>
+        <p:nvPicPr>
+          <p:cNvPr id="4" name="Content Placeholder 3" descr="Plate_mikro 062.jpg"/>
+          <p:cNvPicPr>
+            <a:picLocks noGrp="1" noChangeAspect="1"/>
+          </p:cNvPicPr>
           <p:nvPr>
             <p:ph idx="1"/>
           </p:nvPr>
-        </p:nvSpPr>
-        <p:spPr/>
-        <p:txBody>
-          <a:bodyPr/>
-          <a:lstStyle/>
-          <a:p>
-            <a:endParaRPr lang="en-US"/>
-          </a:p>
-        </p:txBody>
-      </p:sp>
+        </p:nvPicPr>
+        <p:blipFill>
+          <a:blip r:embed="rId3" cstate="print">
+            <a:extLst>
+              <a:ext uri="{28A0092B-C50C-407E-A947-70E740481C1C}">
+                <a14:useLocalDpi xmlns:a14="http://schemas.microsoft.com/office/drawing/2010/main" val="0"/>
+              </a:ext>
+            </a:extLst>
+          </a:blip>
+          <a:srcRect t="16121" b="16121"/>
+          <a:stretch>
+            <a:fillRect/>
+          </a:stretch>
+        </p:blipFill>
+        <p:spPr/>
+      </p:pic>
     </p:spTree>
     <p:extLst>
       <p:ext uri="{BB962C8B-B14F-4D97-AF65-F5344CB8AC3E}">
-        <p14:creationId xmlns:p14="http://schemas.microsoft.com/office/powerpoint/2010/main" val="1260210459"/>
+        <p14:creationId xmlns:p14="http://schemas.microsoft.com/office/powerpoint/2010/main" val="2130030115"/>
       </p:ext>
     </p:extLst>
   </p:cSld>
@@ -3668,42 +7216,312 @@
           <a:lstStyle/>
           <a:p>
             <a:r>
-              <a:rPr lang="en-US" smtClean="0"/>
-              <a:t>Demonstration</a:t>
-            </a:r>
-            <a:endParaRPr lang="en-US"/>
-          </a:p>
-        </p:txBody>
-      </p:sp>
-      <p:sp>
-        <p:nvSpPr>
-          <p:cNvPr id="3" name="Content Placeholder 2"/>
-          <p:cNvSpPr>
-            <a:spLocks noGrp="1"/>
-          </p:cNvSpPr>
+              <a:rPr lang="en-US" dirty="0" smtClean="0"/>
+              <a:t>Embedded PC</a:t>
+            </a:r>
+            <a:endParaRPr lang="en-US" dirty="0"/>
+          </a:p>
+        </p:txBody>
+      </p:sp>
+      <p:pic>
+        <p:nvPicPr>
+          <p:cNvPr id="4" name="Content Placeholder 3" descr="Tube_mikro 017.jpg"/>
+          <p:cNvPicPr>
+            <a:picLocks noGrp="1" noChangeAspect="1"/>
+          </p:cNvPicPr>
           <p:nvPr>
             <p:ph idx="1"/>
           </p:nvPr>
-        </p:nvSpPr>
-        <p:spPr/>
-        <p:txBody>
-          <a:bodyPr/>
-          <a:lstStyle/>
-          <a:p>
-            <a:endParaRPr lang="en-US"/>
-          </a:p>
-        </p:txBody>
-      </p:sp>
+        </p:nvPicPr>
+        <p:blipFill rotWithShape="1">
+          <a:blip r:embed="rId3" cstate="print">
+            <a:extLst>
+              <a:ext uri="{28A0092B-C50C-407E-A947-70E740481C1C}">
+                <a14:useLocalDpi xmlns:a14="http://schemas.microsoft.com/office/drawing/2010/main" val="0"/>
+              </a:ext>
+            </a:extLst>
+          </a:blip>
+          <a:srcRect l="-38550" t="16032" r="-38865" b="16348"/>
+          <a:stretch/>
+        </p:blipFill>
+        <p:spPr/>
+      </p:pic>
     </p:spTree>
     <p:extLst>
       <p:ext uri="{BB962C8B-B14F-4D97-AF65-F5344CB8AC3E}">
-        <p14:creationId xmlns:p14="http://schemas.microsoft.com/office/powerpoint/2010/main" val="3259944445"/>
+        <p14:creationId xmlns:p14="http://schemas.microsoft.com/office/powerpoint/2010/main" val="3556680409"/>
       </p:ext>
     </p:extLst>
   </p:cSld>
   <p:clrMapOvr>
     <a:masterClrMapping/>
   </p:clrMapOvr>
+</p:sld>
+</file>
+
+<file path=ppt/slides/slide8.xml><?xml version="1.0" encoding="utf-8"?>
+<p:sld xmlns:a="http://schemas.openxmlformats.org/drawingml/2006/main" xmlns:r="http://schemas.openxmlformats.org/officeDocument/2006/relationships" xmlns:p="http://schemas.openxmlformats.org/presentationml/2006/main">
+  <p:cSld>
+    <p:spTree>
+      <p:nvGrpSpPr>
+        <p:cNvPr id="1" name=""/>
+        <p:cNvGrpSpPr/>
+        <p:nvPr/>
+      </p:nvGrpSpPr>
+      <p:grpSpPr>
+        <a:xfrm>
+          <a:off x="0" y="0"/>
+          <a:ext cx="0" cy="0"/>
+          <a:chOff x="0" y="0"/>
+          <a:chExt cx="0" cy="0"/>
+        </a:xfrm>
+      </p:grpSpPr>
+      <p:sp>
+        <p:nvSpPr>
+          <p:cNvPr id="2" name="Title 1"/>
+          <p:cNvSpPr>
+            <a:spLocks noGrp="1"/>
+          </p:cNvSpPr>
+          <p:nvPr>
+            <p:ph type="title"/>
+          </p:nvPr>
+        </p:nvSpPr>
+        <p:spPr/>
+        <p:txBody>
+          <a:bodyPr/>
+          <a:lstStyle/>
+          <a:p>
+            <a:r>
+              <a:rPr lang="en-US" dirty="0" smtClean="0"/>
+              <a:t>Hilbert-Transformation</a:t>
+            </a:r>
+            <a:endParaRPr lang="en-US" dirty="0"/>
+          </a:p>
+        </p:txBody>
+      </p:sp>
+      <p:pic>
+        <p:nvPicPr>
+          <p:cNvPr id="4" name="Content Placeholder 3" descr="GSDExtracGBR.pdf"/>
+          <p:cNvPicPr>
+            <a:picLocks noGrp="1" noChangeAspect="1"/>
+          </p:cNvPicPr>
+          <p:nvPr>
+            <p:ph idx="1"/>
+          </p:nvPr>
+        </p:nvPicPr>
+        <p:blipFill>
+          <a:blip r:embed="rId3">
+            <a:extLst>
+              <a:ext uri="{28A0092B-C50C-407E-A947-70E740481C1C}">
+                <a14:useLocalDpi xmlns:a14="http://schemas.microsoft.com/office/drawing/2010/main" val="0"/>
+              </a:ext>
+            </a:extLst>
+          </a:blip>
+          <a:srcRect t="-11494" b="-11494"/>
+          <a:stretch>
+            <a:fillRect/>
+          </a:stretch>
+        </p:blipFill>
+        <p:spPr/>
+      </p:pic>
+      <p:sp>
+        <p:nvSpPr>
+          <p:cNvPr id="5" name="TextBox 4"/>
+          <p:cNvSpPr txBox="1"/>
+          <p:nvPr/>
+        </p:nvSpPr>
+        <p:spPr>
+          <a:xfrm>
+            <a:off x="7380312" y="5229200"/>
+            <a:ext cx="1467068" cy="276999"/>
+          </a:xfrm>
+          <a:prstGeom prst="rect">
+            <a:avLst/>
+          </a:prstGeom>
+          <a:noFill/>
+        </p:spPr>
+        <p:txBody>
+          <a:bodyPr wrap="none" rtlCol="0">
+            <a:spAutoFit/>
+          </a:bodyPr>
+          <a:lstStyle/>
+          <a:p>
+            <a:r>
+              <a:rPr lang="en-US" sz="1200" dirty="0" smtClean="0"/>
+              <a:t>Carlos Wyss, WSL</a:t>
+            </a:r>
+            <a:endParaRPr lang="en-US" sz="1200" dirty="0"/>
+          </a:p>
+        </p:txBody>
+      </p:sp>
+    </p:spTree>
+    <p:extLst>
+      <p:ext uri="{BB962C8B-B14F-4D97-AF65-F5344CB8AC3E}">
+        <p14:creationId xmlns:p14="http://schemas.microsoft.com/office/powerpoint/2010/main" val="1116018532"/>
+      </p:ext>
+    </p:extLst>
+  </p:cSld>
+  <p:clrMapOvr>
+    <a:masterClrMapping/>
+  </p:clrMapOvr>
+</p:sld>
+</file>
+
+<file path=ppt/slides/slide9.xml><?xml version="1.0" encoding="utf-8"?>
+<p:sld xmlns:a="http://schemas.openxmlformats.org/drawingml/2006/main" xmlns:r="http://schemas.openxmlformats.org/officeDocument/2006/relationships" xmlns:p="http://schemas.openxmlformats.org/presentationml/2006/main">
+  <p:cSld>
+    <p:spTree>
+      <p:nvGrpSpPr>
+        <p:cNvPr id="1" name=""/>
+        <p:cNvGrpSpPr/>
+        <p:nvPr/>
+      </p:nvGrpSpPr>
+      <p:grpSpPr>
+        <a:xfrm>
+          <a:off x="0" y="0"/>
+          <a:ext cx="0" cy="0"/>
+          <a:chOff x="0" y="0"/>
+          <a:chExt cx="0" cy="0"/>
+        </a:xfrm>
+      </p:grpSpPr>
+      <p:sp>
+        <p:nvSpPr>
+          <p:cNvPr id="2" name="Title 1"/>
+          <p:cNvSpPr>
+            <a:spLocks noGrp="1"/>
+          </p:cNvSpPr>
+          <p:nvPr>
+            <p:ph type="title"/>
+          </p:nvPr>
+        </p:nvSpPr>
+        <p:spPr/>
+        <p:txBody>
+          <a:bodyPr/>
+          <a:lstStyle/>
+          <a:p>
+            <a:r>
+              <a:rPr lang="de-CH" smtClean="0"/>
+              <a:t>Lösungsidee</a:t>
+            </a:r>
+            <a:endParaRPr lang="de-CH"/>
+          </a:p>
+        </p:txBody>
+      </p:sp>
+      <p:sp>
+        <p:nvSpPr>
+          <p:cNvPr id="3" name="Content Placeholder 2"/>
+          <p:cNvSpPr>
+            <a:spLocks noGrp="1"/>
+          </p:cNvSpPr>
+          <p:nvPr>
+            <p:ph idx="1"/>
+          </p:nvPr>
+        </p:nvSpPr>
+        <p:spPr/>
+        <p:txBody>
+          <a:bodyPr/>
+          <a:lstStyle/>
+          <a:p>
+            <a:r>
+              <a:rPr lang="de-CH" smtClean="0"/>
+              <a:t>Selektion der Daten direkt am Sensor</a:t>
+            </a:r>
+            <a:br>
+              <a:rPr lang="de-CH" smtClean="0"/>
+            </a:br>
+            <a:r>
+              <a:rPr lang="de-CH" smtClean="0">
+                <a:sym typeface="Wingdings"/>
+              </a:rPr>
+              <a:t> kleinerer Rechner für die Datensammlung</a:t>
+            </a:r>
+            <a:endParaRPr lang="de-CH" smtClean="0"/>
+          </a:p>
+          <a:p>
+            <a:r>
+              <a:rPr lang="de-CH" smtClean="0"/>
+              <a:t>Reduktion des Rechenaufwands</a:t>
+            </a:r>
+          </a:p>
+          <a:p>
+            <a:r>
+              <a:rPr lang="de-CH" smtClean="0"/>
+              <a:t>Reduktion der Datentransfers</a:t>
+            </a:r>
+            <a:br>
+              <a:rPr lang="de-CH" smtClean="0"/>
+            </a:br>
+            <a:r>
+              <a:rPr lang="de-CH" smtClean="0">
+                <a:sym typeface="Wingdings"/>
+              </a:rPr>
+              <a:t></a:t>
+            </a:r>
+            <a:r>
+              <a:rPr lang="de-CH" smtClean="0"/>
+              <a:t> Bussystem möglich</a:t>
+            </a:r>
+          </a:p>
+          <a:p>
+            <a:r>
+              <a:rPr lang="de-CH" smtClean="0"/>
+              <a:t>Verschiedene Detailstufen</a:t>
+            </a:r>
+            <a:br>
+              <a:rPr lang="de-CH" smtClean="0"/>
+            </a:br>
+            <a:r>
+              <a:rPr lang="de-CH" smtClean="0">
+                <a:sym typeface="Wingdings"/>
+              </a:rPr>
+              <a:t> Betriebsdauer und Datenqualität wählbar</a:t>
+            </a:r>
+          </a:p>
+          <a:p>
+            <a:r>
+              <a:rPr lang="de-CH" smtClean="0">
+                <a:sym typeface="Wingdings"/>
+              </a:rPr>
+              <a:t>Miniaturisierung</a:t>
+            </a:r>
+            <a:br>
+              <a:rPr lang="de-CH" smtClean="0">
+                <a:sym typeface="Wingdings"/>
+              </a:rPr>
+            </a:br>
+            <a:r>
+              <a:rPr lang="de-CH" smtClean="0">
+                <a:sym typeface="Wingdings"/>
+              </a:rPr>
+              <a:t> einfachere Installation</a:t>
+            </a:r>
+            <a:endParaRPr lang="de-CH" smtClean="0"/>
+          </a:p>
+          <a:p>
+            <a:endParaRPr lang="de-CH" smtClean="0"/>
+          </a:p>
+          <a:p>
+            <a:endParaRPr lang="de-CH" smtClean="0"/>
+          </a:p>
+        </p:txBody>
+      </p:sp>
+    </p:spTree>
+    <p:extLst>
+      <p:ext uri="{BB962C8B-B14F-4D97-AF65-F5344CB8AC3E}">
+        <p14:creationId xmlns:p14="http://schemas.microsoft.com/office/powerpoint/2010/main" val="1810091107"/>
+      </p:ext>
+    </p:extLst>
+  </p:cSld>
+  <p:clrMapOvr>
+    <a:masterClrMapping/>
+  </p:clrMapOvr>
+  <p:timing>
+    <p:tnLst>
+      <p:par>
+        <p:cTn xmlns:p14="http://schemas.microsoft.com/office/powerpoint/2010/main" id="1" dur="indefinite" restart="never" nodeType="tmRoot"/>
+      </p:par>
+    </p:tnLst>
+  </p:timing>
 </p:sld>
 </file>
 
@@ -4041,4 +7859,324 @@
   <a:objectDefaults/>
   <a:extraClrSchemeLst/>
 </a:theme>
+</file>
+
+<file path=ppt/theme/theme2.xml><?xml version="1.0" encoding="utf-8"?>
+<a:theme xmlns:a="http://schemas.openxmlformats.org/drawingml/2006/main" name="Office Theme">
+  <a:themeElements>
+    <a:clrScheme name="Office">
+      <a:dk1>
+        <a:sysClr val="windowText" lastClr="000000"/>
+      </a:dk1>
+      <a:lt1>
+        <a:sysClr val="window" lastClr="FFFFFF"/>
+      </a:lt1>
+      <a:dk2>
+        <a:srgbClr val="1F497D"/>
+      </a:dk2>
+      <a:lt2>
+        <a:srgbClr val="EEECE1"/>
+      </a:lt2>
+      <a:accent1>
+        <a:srgbClr val="4F81BD"/>
+      </a:accent1>
+      <a:accent2>
+        <a:srgbClr val="C0504D"/>
+      </a:accent2>
+      <a:accent3>
+        <a:srgbClr val="9BBB59"/>
+      </a:accent3>
+      <a:accent4>
+        <a:srgbClr val="8064A2"/>
+      </a:accent4>
+      <a:accent5>
+        <a:srgbClr val="4BACC6"/>
+      </a:accent5>
+      <a:accent6>
+        <a:srgbClr val="F79646"/>
+      </a:accent6>
+      <a:hlink>
+        <a:srgbClr val="0000FF"/>
+      </a:hlink>
+      <a:folHlink>
+        <a:srgbClr val="800080"/>
+      </a:folHlink>
+    </a:clrScheme>
+    <a:fontScheme name="Office">
+      <a:majorFont>
+        <a:latin typeface="Calibri"/>
+        <a:ea typeface=""/>
+        <a:cs typeface=""/>
+        <a:font script="Jpan" typeface="ＭＳ Ｐゴシック"/>
+        <a:font script="Hang" typeface="맑은 고딕"/>
+        <a:font script="Hans" typeface="宋体"/>
+        <a:font script="Hant" typeface="新細明體"/>
+        <a:font script="Arab" typeface="Times New Roman"/>
+        <a:font script="Hebr" typeface="Times New Roman"/>
+        <a:font script="Thai" typeface="Angsana New"/>
+        <a:font script="Ethi" typeface="Nyala"/>
+        <a:font script="Beng" typeface="Vrinda"/>
+        <a:font script="Gujr" typeface="Shruti"/>
+        <a:font script="Khmr" typeface="MoolBoran"/>
+        <a:font script="Knda" typeface="Tunga"/>
+        <a:font script="Guru" typeface="Raavi"/>
+        <a:font script="Cans" typeface="Euphemia"/>
+        <a:font script="Cher" typeface="Plantagenet Cherokee"/>
+        <a:font script="Yiii" typeface="Microsoft Yi Baiti"/>
+        <a:font script="Tibt" typeface="Microsoft Himalaya"/>
+        <a:font script="Thaa" typeface="MV Boli"/>
+        <a:font script="Deva" typeface="Mangal"/>
+        <a:font script="Telu" typeface="Gautami"/>
+        <a:font script="Taml" typeface="Latha"/>
+        <a:font script="Syrc" typeface="Estrangelo Edessa"/>
+        <a:font script="Orya" typeface="Kalinga"/>
+        <a:font script="Mlym" typeface="Kartika"/>
+        <a:font script="Laoo" typeface="DokChampa"/>
+        <a:font script="Sinh" typeface="Iskoola Pota"/>
+        <a:font script="Mong" typeface="Mongolian Baiti"/>
+        <a:font script="Viet" typeface="Times New Roman"/>
+        <a:font script="Uigh" typeface="Microsoft Uighur"/>
+        <a:font script="Geor" typeface="Sylfaen"/>
+      </a:majorFont>
+      <a:minorFont>
+        <a:latin typeface="Calibri"/>
+        <a:ea typeface=""/>
+        <a:cs typeface=""/>
+        <a:font script="Jpan" typeface="ＭＳ Ｐゴシック"/>
+        <a:font script="Hang" typeface="맑은 고딕"/>
+        <a:font script="Hans" typeface="宋体"/>
+        <a:font script="Hant" typeface="新細明體"/>
+        <a:font script="Arab" typeface="Arial"/>
+        <a:font script="Hebr" typeface="Arial"/>
+        <a:font script="Thai" typeface="Cordia New"/>
+        <a:font script="Ethi" typeface="Nyala"/>
+        <a:font script="Beng" typeface="Vrinda"/>
+        <a:font script="Gujr" typeface="Shruti"/>
+        <a:font script="Khmr" typeface="DaunPenh"/>
+        <a:font script="Knda" typeface="Tunga"/>
+        <a:font script="Guru" typeface="Raavi"/>
+        <a:font script="Cans" typeface="Euphemia"/>
+        <a:font script="Cher" typeface="Plantagenet Cherokee"/>
+        <a:font script="Yiii" typeface="Microsoft Yi Baiti"/>
+        <a:font script="Tibt" typeface="Microsoft Himalaya"/>
+        <a:font script="Thaa" typeface="MV Boli"/>
+        <a:font script="Deva" typeface="Mangal"/>
+        <a:font script="Telu" typeface="Gautami"/>
+        <a:font script="Taml" typeface="Latha"/>
+        <a:font script="Syrc" typeface="Estrangelo Edessa"/>
+        <a:font script="Orya" typeface="Kalinga"/>
+        <a:font script="Mlym" typeface="Kartika"/>
+        <a:font script="Laoo" typeface="DokChampa"/>
+        <a:font script="Sinh" typeface="Iskoola Pota"/>
+        <a:font script="Mong" typeface="Mongolian Baiti"/>
+        <a:font script="Viet" typeface="Arial"/>
+        <a:font script="Uigh" typeface="Microsoft Uighur"/>
+        <a:font script="Geor" typeface="Sylfaen"/>
+      </a:minorFont>
+    </a:fontScheme>
+    <a:fmtScheme name="Office">
+      <a:fillStyleLst>
+        <a:solidFill>
+          <a:schemeClr val="phClr"/>
+        </a:solidFill>
+        <a:gradFill rotWithShape="1">
+          <a:gsLst>
+            <a:gs pos="0">
+              <a:schemeClr val="phClr">
+                <a:tint val="50000"/>
+                <a:satMod val="300000"/>
+              </a:schemeClr>
+            </a:gs>
+            <a:gs pos="35000">
+              <a:schemeClr val="phClr">
+                <a:tint val="37000"/>
+                <a:satMod val="300000"/>
+              </a:schemeClr>
+            </a:gs>
+            <a:gs pos="100000">
+              <a:schemeClr val="phClr">
+                <a:tint val="15000"/>
+                <a:satMod val="350000"/>
+              </a:schemeClr>
+            </a:gs>
+          </a:gsLst>
+          <a:lin ang="16200000" scaled="1"/>
+        </a:gradFill>
+        <a:gradFill rotWithShape="1">
+          <a:gsLst>
+            <a:gs pos="0">
+              <a:schemeClr val="phClr">
+                <a:tint val="100000"/>
+                <a:shade val="100000"/>
+                <a:satMod val="130000"/>
+              </a:schemeClr>
+            </a:gs>
+            <a:gs pos="100000">
+              <a:schemeClr val="phClr">
+                <a:tint val="50000"/>
+                <a:shade val="100000"/>
+                <a:satMod val="350000"/>
+              </a:schemeClr>
+            </a:gs>
+          </a:gsLst>
+          <a:lin ang="16200000" scaled="0"/>
+        </a:gradFill>
+      </a:fillStyleLst>
+      <a:lnStyleLst>
+        <a:ln w="9525" cap="flat" cmpd="sng" algn="ctr">
+          <a:solidFill>
+            <a:schemeClr val="phClr">
+              <a:shade val="95000"/>
+              <a:satMod val="105000"/>
+            </a:schemeClr>
+          </a:solidFill>
+          <a:prstDash val="solid"/>
+        </a:ln>
+        <a:ln w="25400" cap="flat" cmpd="sng" algn="ctr">
+          <a:solidFill>
+            <a:schemeClr val="phClr"/>
+          </a:solidFill>
+          <a:prstDash val="solid"/>
+        </a:ln>
+        <a:ln w="38100" cap="flat" cmpd="sng" algn="ctr">
+          <a:solidFill>
+            <a:schemeClr val="phClr"/>
+          </a:solidFill>
+          <a:prstDash val="solid"/>
+        </a:ln>
+      </a:lnStyleLst>
+      <a:effectStyleLst>
+        <a:effectStyle>
+          <a:effectLst>
+            <a:outerShdw blurRad="40000" dist="20000" dir="5400000" rotWithShape="0">
+              <a:srgbClr val="000000">
+                <a:alpha val="38000"/>
+              </a:srgbClr>
+            </a:outerShdw>
+          </a:effectLst>
+        </a:effectStyle>
+        <a:effectStyle>
+          <a:effectLst>
+            <a:outerShdw blurRad="40000" dist="23000" dir="5400000" rotWithShape="0">
+              <a:srgbClr val="000000">
+                <a:alpha val="35000"/>
+              </a:srgbClr>
+            </a:outerShdw>
+          </a:effectLst>
+        </a:effectStyle>
+        <a:effectStyle>
+          <a:effectLst>
+            <a:outerShdw blurRad="40000" dist="23000" dir="5400000" rotWithShape="0">
+              <a:srgbClr val="000000">
+                <a:alpha val="35000"/>
+              </a:srgbClr>
+            </a:outerShdw>
+          </a:effectLst>
+          <a:scene3d>
+            <a:camera prst="orthographicFront">
+              <a:rot lat="0" lon="0" rev="0"/>
+            </a:camera>
+            <a:lightRig rig="threePt" dir="t">
+              <a:rot lat="0" lon="0" rev="1200000"/>
+            </a:lightRig>
+          </a:scene3d>
+          <a:sp3d>
+            <a:bevelT w="63500" h="25400"/>
+          </a:sp3d>
+        </a:effectStyle>
+      </a:effectStyleLst>
+      <a:bgFillStyleLst>
+        <a:solidFill>
+          <a:schemeClr val="phClr"/>
+        </a:solidFill>
+        <a:gradFill rotWithShape="1">
+          <a:gsLst>
+            <a:gs pos="0">
+              <a:schemeClr val="phClr">
+                <a:tint val="40000"/>
+                <a:satMod val="350000"/>
+              </a:schemeClr>
+            </a:gs>
+            <a:gs pos="40000">
+              <a:schemeClr val="phClr">
+                <a:tint val="45000"/>
+                <a:shade val="99000"/>
+                <a:satMod val="350000"/>
+              </a:schemeClr>
+            </a:gs>
+            <a:gs pos="100000">
+              <a:schemeClr val="phClr">
+                <a:shade val="20000"/>
+                <a:satMod val="255000"/>
+              </a:schemeClr>
+            </a:gs>
+          </a:gsLst>
+          <a:path path="circle">
+            <a:fillToRect l="50000" t="-80000" r="50000" b="180000"/>
+          </a:path>
+        </a:gradFill>
+        <a:gradFill rotWithShape="1">
+          <a:gsLst>
+            <a:gs pos="0">
+              <a:schemeClr val="phClr">
+                <a:tint val="80000"/>
+                <a:satMod val="300000"/>
+              </a:schemeClr>
+            </a:gs>
+            <a:gs pos="100000">
+              <a:schemeClr val="phClr">
+                <a:shade val="30000"/>
+                <a:satMod val="200000"/>
+              </a:schemeClr>
+            </a:gs>
+          </a:gsLst>
+          <a:path path="circle">
+            <a:fillToRect l="50000" t="50000" r="50000" b="50000"/>
+          </a:path>
+        </a:gradFill>
+      </a:bgFillStyleLst>
+    </a:fmtScheme>
+  </a:themeElements>
+  <a:objectDefaults>
+    <a:spDef>
+      <a:spPr/>
+      <a:bodyPr/>
+      <a:lstStyle/>
+      <a:style>
+        <a:lnRef idx="1">
+          <a:schemeClr val="accent1"/>
+        </a:lnRef>
+        <a:fillRef idx="3">
+          <a:schemeClr val="accent1"/>
+        </a:fillRef>
+        <a:effectRef idx="2">
+          <a:schemeClr val="accent1"/>
+        </a:effectRef>
+        <a:fontRef idx="minor">
+          <a:schemeClr val="lt1"/>
+        </a:fontRef>
+      </a:style>
+    </a:spDef>
+    <a:lnDef>
+      <a:spPr/>
+      <a:bodyPr/>
+      <a:lstStyle/>
+      <a:style>
+        <a:lnRef idx="2">
+          <a:schemeClr val="accent1"/>
+        </a:lnRef>
+        <a:fillRef idx="0">
+          <a:schemeClr val="accent1"/>
+        </a:fillRef>
+        <a:effectRef idx="1">
+          <a:schemeClr val="accent1"/>
+        </a:effectRef>
+        <a:fontRef idx="minor">
+          <a:schemeClr val="tx1"/>
+        </a:fontRef>
+      </a:style>
+    </a:lnDef>
+  </a:objectDefaults>
+  <a:extraClrSchemeLst/>
+</a:theme>
 </file>
--- a/9001_Praesentation/Praesentation.pptx
+++ b/9001_Praesentation/Praesentation.pptx
@@ -5,7 +5,7 @@
     <p:sldMasterId id="2147483696" r:id="rId1"/>
   </p:sldMasterIdLst>
   <p:notesMasterIdLst>
-    <p:notesMasterId r:id="rId20"/>
+    <p:notesMasterId r:id="rId28"/>
   </p:notesMasterIdLst>
   <p:sldIdLst>
     <p:sldId id="256" r:id="rId2"/>
@@ -23,9 +23,17 @@
     <p:sldId id="261" r:id="rId14"/>
     <p:sldId id="273" r:id="rId15"/>
     <p:sldId id="270" r:id="rId16"/>
-    <p:sldId id="272" r:id="rId17"/>
-    <p:sldId id="271" r:id="rId18"/>
-    <p:sldId id="262" r:id="rId19"/>
+    <p:sldId id="278" r:id="rId17"/>
+    <p:sldId id="277" r:id="rId18"/>
+    <p:sldId id="272" r:id="rId19"/>
+    <p:sldId id="271" r:id="rId20"/>
+    <p:sldId id="279" r:id="rId21"/>
+    <p:sldId id="280" r:id="rId22"/>
+    <p:sldId id="281" r:id="rId23"/>
+    <p:sldId id="274" r:id="rId24"/>
+    <p:sldId id="275" r:id="rId25"/>
+    <p:sldId id="276" r:id="rId26"/>
+    <p:sldId id="262" r:id="rId27"/>
   </p:sldIdLst>
   <p:sldSz cx="9144000" cy="6858000" type="screen4x3"/>
   <p:notesSz cx="6858000" cy="9144000"/>
@@ -239,7 +247,7 @@
           <a:p>
             <a:fld id="{831B083F-09BF-2249-A576-FD88D29AF165}" type="datetimeFigureOut">
               <a:rPr lang="en-US" smtClean="0"/>
-              <a:t>13.01.15</a:t>
+              <a:t>18.01.15</a:t>
             </a:fld>
             <a:endParaRPr lang="en-US"/>
           </a:p>
@@ -1854,11 +1862,7 @@
             </a:r>
             <a:r>
               <a:rPr lang="en-US" baseline="0" dirty="0" err="1" smtClean="0"/>
-              <a:t>H</a:t>
-            </a:r>
-            <a:r>
-              <a:rPr lang="en-US" baseline="0" dirty="0" err="1" smtClean="0"/>
-              <a:t>üllkurve</a:t>
+              <a:t>Hüllkurve</a:t>
             </a:r>
             <a:r>
               <a:rPr lang="en-US" baseline="0" dirty="0" smtClean="0"/>
@@ -2589,11 +2593,7 @@
           <a:p>
             <a:r>
               <a:rPr lang="en-US" dirty="0" err="1" smtClean="0"/>
-              <a:t>Üb</a:t>
-            </a:r>
-            <a:r>
-              <a:rPr lang="en-US" dirty="0" err="1" smtClean="0"/>
-              <a:t>er</a:t>
+              <a:t>Über</a:t>
             </a:r>
             <a:r>
               <a:rPr lang="en-US" dirty="0" smtClean="0"/>
@@ -3167,7 +3167,7 @@
               <a:pPr>
                 <a:defRPr/>
               </a:pPr>
-              <a:t>13.01.15</a:t>
+              <a:t>18.01.15</a:t>
             </a:fld>
             <a:endParaRPr lang="de-DE"/>
           </a:p>
@@ -3364,7 +3364,7 @@
               <a:pPr>
                 <a:defRPr/>
               </a:pPr>
-              <a:t>13.01.15</a:t>
+              <a:t>18.01.15</a:t>
             </a:fld>
             <a:endParaRPr lang="de-DE"/>
           </a:p>
@@ -3522,7 +3522,7 @@
               <a:pPr>
                 <a:defRPr/>
               </a:pPr>
-              <a:t>13.01.15</a:t>
+              <a:t>18.01.15</a:t>
             </a:fld>
             <a:endParaRPr lang="de-DE"/>
           </a:p>
@@ -3793,7 +3793,7 @@
               <a:pPr>
                 <a:defRPr/>
               </a:pPr>
-              <a:t>13.01.15</a:t>
+              <a:t>18.01.15</a:t>
             </a:fld>
             <a:endParaRPr lang="de-DE"/>
           </a:p>
@@ -3938,7 +3938,7 @@
               <a:pPr>
                 <a:defRPr/>
               </a:pPr>
-              <a:t>13.01.15</a:t>
+              <a:t>18.01.15</a:t>
             </a:fld>
             <a:endParaRPr lang="de-DE"/>
           </a:p>
@@ -4060,7 +4060,7 @@
               <a:pPr>
                 <a:defRPr/>
               </a:pPr>
-              <a:t>13.01.15</a:t>
+              <a:t>18.01.15</a:t>
             </a:fld>
             <a:endParaRPr lang="de-DE"/>
           </a:p>
@@ -4340,7 +4340,7 @@
               <a:pPr>
                 <a:defRPr/>
               </a:pPr>
-              <a:t>13.01.15</a:t>
+              <a:t>18.01.15</a:t>
             </a:fld>
             <a:endParaRPr lang="de-DE"/>
           </a:p>
@@ -4675,7 +4675,7 @@
               <a:pPr>
                 <a:defRPr/>
               </a:pPr>
-              <a:t>13.01.15</a:t>
+              <a:t>18.01.15</a:t>
             </a:fld>
             <a:endParaRPr lang="de-DE"/>
           </a:p>
@@ -4862,7 +4862,7 @@
               <a:pPr>
                 <a:defRPr/>
               </a:pPr>
-              <a:t>13.01.15</a:t>
+              <a:t>18.01.15</a:t>
             </a:fld>
             <a:endParaRPr lang="de-DE"/>
           </a:p>
@@ -5071,7 +5071,6 @@
               <a:rPr lang="de-CH" noProof="0" smtClean="0"/>
               <a:t>Titelmasterformat durch Klicken bearbeiten</a:t>
             </a:r>
-            <a:endParaRPr lang="de-CH" noProof="0" smtClean="0"/>
           </a:p>
         </p:txBody>
       </p:sp>
@@ -5144,7 +5143,6 @@
               <a:rPr lang="de-CH" noProof="0" smtClean="0"/>
               <a:t>Dritte Ebene</a:t>
             </a:r>
-            <a:endParaRPr lang="de-CH" noProof="0" smtClean="0"/>
           </a:p>
         </p:txBody>
       </p:sp>
@@ -5194,7 +5192,7 @@
               <a:pPr>
                 <a:defRPr/>
               </a:pPr>
-              <a:t>13.01.15</a:t>
+              <a:t>18.01.15</a:t>
             </a:fld>
             <a:endParaRPr lang="de-CH" noProof="0"/>
           </a:p>
@@ -6406,7 +6404,7 @@
             </a:r>
             <a:r>
               <a:rPr lang="de-CH" dirty="0" smtClean="0"/>
-              <a:t>Ereigniserkennung TW</a:t>
+              <a:t>Ereigniserkennung</a:t>
             </a:r>
             <a:endParaRPr lang="de-CH" dirty="0"/>
           </a:p>
@@ -6427,7 +6425,57 @@
           <a:bodyPr/>
           <a:lstStyle/>
           <a:p>
-            <a:endParaRPr lang="de-CH"/>
+            <a:r>
+              <a:rPr lang="de-CH" b="1" dirty="0" smtClean="0"/>
+              <a:t>Bisher: Hilbert-Transformation</a:t>
+            </a:r>
+            <a:r>
+              <a:rPr lang="de-CH" dirty="0" smtClean="0"/>
+              <a:t/>
+            </a:r>
+            <a:br>
+              <a:rPr lang="de-CH" dirty="0" smtClean="0"/>
+            </a:br>
+            <a:r>
+              <a:rPr lang="de-CH" dirty="0" smtClean="0"/>
+              <a:t>Aufwand je nach Blockgrösse</a:t>
+            </a:r>
+            <a:br>
+              <a:rPr lang="de-CH" dirty="0" smtClean="0"/>
+            </a:br>
+            <a:r>
+              <a:rPr lang="de-CH" dirty="0" smtClean="0"/>
+              <a:t>Bei 128 Samples: 7 komplexe Multiplikationen/Additionen pro Sample</a:t>
+            </a:r>
+          </a:p>
+          <a:p>
+            <a:r>
+              <a:rPr lang="de-CH" b="1" dirty="0" smtClean="0"/>
+              <a:t>Neu: State </a:t>
+            </a:r>
+            <a:r>
+              <a:rPr lang="de-CH" b="1" dirty="0" err="1" smtClean="0"/>
+              <a:t>Machine</a:t>
+            </a:r>
+            <a:r>
+              <a:rPr lang="de-CH" b="1" dirty="0"/>
+              <a:t/>
+            </a:r>
+            <a:br>
+              <a:rPr lang="de-CH" b="1" dirty="0"/>
+            </a:br>
+            <a:r>
+              <a:rPr lang="de-CH" dirty="0" smtClean="0"/>
+              <a:t>Aufwand konstant</a:t>
+            </a:r>
+            <a:br>
+              <a:rPr lang="de-CH" dirty="0" smtClean="0"/>
+            </a:br>
+            <a:r>
+              <a:rPr lang="de-CH" dirty="0" smtClean="0"/>
+              <a:t>2 Vergleichsoperationen pro Sample</a:t>
+            </a:r>
+            <a:endParaRPr lang="de-CH" b="1" dirty="0" smtClean="0"/>
           </a:p>
         </p:txBody>
       </p:sp>
@@ -6484,36 +6532,190 @@
           <a:lstStyle/>
           <a:p>
             <a:r>
+              <a:rPr lang="de-CH" dirty="0" smtClean="0"/>
+              <a:t>Ereigniserkennung – Parameter</a:t>
+            </a:r>
+            <a:endParaRPr lang="de-CH" dirty="0"/>
+          </a:p>
+        </p:txBody>
+      </p:sp>
+      <p:pic>
+        <p:nvPicPr>
+          <p:cNvPr id="4" name="Picture 3" descr="impact_params.png"/>
+          <p:cNvPicPr>
+            <a:picLocks noChangeAspect="1"/>
+          </p:cNvPicPr>
+          <p:nvPr/>
+        </p:nvPicPr>
+        <p:blipFill>
+          <a:blip r:embed="rId2">
+            <a:extLst>
+              <a:ext uri="{28A0092B-C50C-407E-A947-70E740481C1C}">
+                <a14:useLocalDpi xmlns:a14="http://schemas.microsoft.com/office/drawing/2010/main" val="0"/>
+              </a:ext>
+            </a:extLst>
+          </a:blip>
+          <a:stretch>
+            <a:fillRect/>
+          </a:stretch>
+        </p:blipFill>
+        <p:spPr>
+          <a:xfrm>
+            <a:off x="971600" y="1371600"/>
+            <a:ext cx="7315200" cy="5486400"/>
+          </a:xfrm>
+          <a:prstGeom prst="rect">
+            <a:avLst/>
+          </a:prstGeom>
+        </p:spPr>
+      </p:pic>
+    </p:spTree>
+    <p:extLst>
+      <p:ext uri="{BB962C8B-B14F-4D97-AF65-F5344CB8AC3E}">
+        <p14:creationId xmlns:p14="http://schemas.microsoft.com/office/powerpoint/2010/main" val="1237968806"/>
+      </p:ext>
+    </p:extLst>
+  </p:cSld>
+  <p:clrMapOvr>
+    <a:masterClrMapping/>
+  </p:clrMapOvr>
+</p:sld>
+</file>
+
+<file path=ppt/slides/slide17.xml><?xml version="1.0" encoding="utf-8"?>
+<p:sld xmlns:a="http://schemas.openxmlformats.org/drawingml/2006/main" xmlns:r="http://schemas.openxmlformats.org/officeDocument/2006/relationships" xmlns:p="http://schemas.openxmlformats.org/presentationml/2006/main">
+  <p:cSld>
+    <p:spTree>
+      <p:nvGrpSpPr>
+        <p:cNvPr id="1" name=""/>
+        <p:cNvGrpSpPr/>
+        <p:nvPr/>
+      </p:nvGrpSpPr>
+      <p:grpSpPr>
+        <a:xfrm>
+          <a:off x="0" y="0"/>
+          <a:ext cx="0" cy="0"/>
+          <a:chOff x="0" y="0"/>
+          <a:chExt cx="0" cy="0"/>
+        </a:xfrm>
+      </p:grpSpPr>
+      <p:pic>
+        <p:nvPicPr>
+          <p:cNvPr id="2" name="Picture 1" descr="Ereigniserkennung.pdf"/>
+          <p:cNvPicPr>
+            <a:picLocks noChangeAspect="1"/>
+          </p:cNvPicPr>
+          <p:nvPr/>
+        </p:nvPicPr>
+        <p:blipFill>
+          <a:blip r:embed="rId2">
+            <a:extLst>
+              <a:ext uri="{28A0092B-C50C-407E-A947-70E740481C1C}">
+                <a14:useLocalDpi xmlns:a14="http://schemas.microsoft.com/office/drawing/2010/main" val="0"/>
+              </a:ext>
+            </a:extLst>
+          </a:blip>
+          <a:stretch>
+            <a:fillRect/>
+          </a:stretch>
+        </p:blipFill>
+        <p:spPr>
+          <a:xfrm>
+            <a:off x="589984" y="103932"/>
+            <a:ext cx="7951332" cy="6637436"/>
+          </a:xfrm>
+          <a:prstGeom prst="rect">
+            <a:avLst/>
+          </a:prstGeom>
+        </p:spPr>
+      </p:pic>
+    </p:spTree>
+    <p:extLst>
+      <p:ext uri="{BB962C8B-B14F-4D97-AF65-F5344CB8AC3E}">
+        <p14:creationId xmlns:p14="http://schemas.microsoft.com/office/powerpoint/2010/main" val="1154099379"/>
+      </p:ext>
+    </p:extLst>
+  </p:cSld>
+  <p:clrMapOvr>
+    <a:masterClrMapping/>
+  </p:clrMapOvr>
+</p:sld>
+</file>
+
+<file path=ppt/slides/slide18.xml><?xml version="1.0" encoding="utf-8"?>
+<p:sld xmlns:a="http://schemas.openxmlformats.org/drawingml/2006/main" xmlns:r="http://schemas.openxmlformats.org/officeDocument/2006/relationships" xmlns:p="http://schemas.openxmlformats.org/presentationml/2006/main">
+  <p:cSld>
+    <p:spTree>
+      <p:nvGrpSpPr>
+        <p:cNvPr id="1" name=""/>
+        <p:cNvGrpSpPr/>
+        <p:nvPr/>
+      </p:nvGrpSpPr>
+      <p:grpSpPr>
+        <a:xfrm>
+          <a:off x="0" y="0"/>
+          <a:ext cx="0" cy="0"/>
+          <a:chOff x="0" y="0"/>
+          <a:chExt cx="0" cy="0"/>
+        </a:xfrm>
+      </p:grpSpPr>
+      <p:sp>
+        <p:nvSpPr>
+          <p:cNvPr id="2" name="Title 1"/>
+          <p:cNvSpPr>
+            <a:spLocks noGrp="1"/>
+          </p:cNvSpPr>
+          <p:nvPr>
+            <p:ph type="title"/>
+          </p:nvPr>
+        </p:nvSpPr>
+        <p:spPr/>
+        <p:txBody>
+          <a:bodyPr/>
+          <a:lstStyle/>
+          <a:p>
+            <a:r>
               <a:rPr lang="de-CH" dirty="0"/>
               <a:t>Software – </a:t>
             </a:r>
             <a:r>
               <a:rPr lang="de-CH" dirty="0" smtClean="0"/>
-              <a:t>Detailstufen TW</a:t>
+              <a:t>Detailstufen</a:t>
             </a:r>
             <a:endParaRPr lang="de-CH" dirty="0"/>
           </a:p>
         </p:txBody>
       </p:sp>
-      <p:sp>
-        <p:nvSpPr>
-          <p:cNvPr id="3" name="Content Placeholder 2"/>
-          <p:cNvSpPr>
-            <a:spLocks noGrp="1"/>
-          </p:cNvSpPr>
-          <p:nvPr>
-            <p:ph idx="1"/>
-          </p:nvPr>
-        </p:nvSpPr>
-        <p:spPr/>
-        <p:txBody>
-          <a:bodyPr/>
-          <a:lstStyle/>
-          <a:p>
-            <a:endParaRPr lang="de-CH"/>
-          </a:p>
-        </p:txBody>
-      </p:sp>
+      <p:pic>
+        <p:nvPicPr>
+          <p:cNvPr id="5" name="Picture 4" descr="rawshort.png"/>
+          <p:cNvPicPr>
+            <a:picLocks noChangeAspect="1"/>
+          </p:cNvPicPr>
+          <p:nvPr/>
+        </p:nvPicPr>
+        <p:blipFill>
+          <a:blip r:embed="rId2">
+            <a:extLst>
+              <a:ext uri="{28A0092B-C50C-407E-A947-70E740481C1C}">
+                <a14:useLocalDpi xmlns:a14="http://schemas.microsoft.com/office/drawing/2010/main" val="0"/>
+              </a:ext>
+            </a:extLst>
+          </a:blip>
+          <a:stretch>
+            <a:fillRect/>
+          </a:stretch>
+        </p:blipFill>
+        <p:spPr>
+          <a:xfrm>
+            <a:off x="914400" y="1254968"/>
+            <a:ext cx="7315200" cy="5486400"/>
+          </a:xfrm>
+          <a:prstGeom prst="rect">
+            <a:avLst/>
+          </a:prstGeom>
+        </p:spPr>
+      </p:pic>
     </p:spTree>
     <p:extLst>
       <p:ext uri="{BB962C8B-B14F-4D97-AF65-F5344CB8AC3E}">
@@ -6534,7 +6736,7 @@
 </p:sld>
 </file>
 
-<file path=ppt/slides/slide17.xml><?xml version="1.0" encoding="utf-8"?>
+<file path=ppt/slides/slide19.xml><?xml version="1.0" encoding="utf-8"?>
 <p:sld xmlns:a="http://schemas.openxmlformats.org/drawingml/2006/main" xmlns:r="http://schemas.openxmlformats.org/officeDocument/2006/relationships" xmlns:p="http://schemas.openxmlformats.org/presentationml/2006/main">
   <p:cSld>
     <p:spTree>
@@ -6586,25 +6788,36 @@
           </a:p>
         </p:txBody>
       </p:sp>
-      <p:sp>
-        <p:nvSpPr>
-          <p:cNvPr id="3" name="Content Placeholder 2"/>
-          <p:cNvSpPr>
-            <a:spLocks noGrp="1"/>
-          </p:cNvSpPr>
-          <p:nvPr>
-            <p:ph idx="1"/>
-          </p:nvPr>
-        </p:nvSpPr>
-        <p:spPr/>
-        <p:txBody>
-          <a:bodyPr/>
-          <a:lstStyle/>
-          <a:p>
-            <a:endParaRPr lang="de-CH"/>
-          </a:p>
-        </p:txBody>
-      </p:sp>
+      <p:pic>
+        <p:nvPicPr>
+          <p:cNvPr id="4" name="Picture 3" descr="detailed.png"/>
+          <p:cNvPicPr>
+            <a:picLocks noChangeAspect="1"/>
+          </p:cNvPicPr>
+          <p:nvPr/>
+        </p:nvPicPr>
+        <p:blipFill>
+          <a:blip r:embed="rId2">
+            <a:extLst>
+              <a:ext uri="{28A0092B-C50C-407E-A947-70E740481C1C}">
+                <a14:useLocalDpi xmlns:a14="http://schemas.microsoft.com/office/drawing/2010/main" val="0"/>
+              </a:ext>
+            </a:extLst>
+          </a:blip>
+          <a:stretch>
+            <a:fillRect/>
+          </a:stretch>
+        </p:blipFill>
+        <p:spPr>
+          <a:xfrm>
+            <a:off x="914400" y="1254968"/>
+            <a:ext cx="7315200" cy="5486400"/>
+          </a:xfrm>
+          <a:prstGeom prst="rect">
+            <a:avLst/>
+          </a:prstGeom>
+        </p:spPr>
+      </p:pic>
     </p:spTree>
     <p:extLst>
       <p:ext uri="{BB962C8B-B14F-4D97-AF65-F5344CB8AC3E}">
@@ -6625,78 +6838,6 @@
 </p:sld>
 </file>
 
-<file path=ppt/slides/slide18.xml><?xml version="1.0" encoding="utf-8"?>
-<p:sld xmlns:a="http://schemas.openxmlformats.org/drawingml/2006/main" xmlns:r="http://schemas.openxmlformats.org/officeDocument/2006/relationships" xmlns:p="http://schemas.openxmlformats.org/presentationml/2006/main">
-  <p:cSld>
-    <p:spTree>
-      <p:nvGrpSpPr>
-        <p:cNvPr id="1" name=""/>
-        <p:cNvGrpSpPr/>
-        <p:nvPr/>
-      </p:nvGrpSpPr>
-      <p:grpSpPr>
-        <a:xfrm>
-          <a:off x="0" y="0"/>
-          <a:ext cx="0" cy="0"/>
-          <a:chOff x="0" y="0"/>
-          <a:chExt cx="0" cy="0"/>
-        </a:xfrm>
-      </p:grpSpPr>
-      <p:sp>
-        <p:nvSpPr>
-          <p:cNvPr id="2" name="Title 1"/>
-          <p:cNvSpPr>
-            <a:spLocks noGrp="1"/>
-          </p:cNvSpPr>
-          <p:nvPr>
-            <p:ph type="title"/>
-          </p:nvPr>
-        </p:nvSpPr>
-        <p:spPr/>
-        <p:txBody>
-          <a:bodyPr/>
-          <a:lstStyle/>
-          <a:p>
-            <a:r>
-              <a:rPr lang="de-CH" smtClean="0"/>
-              <a:t>Demonstration</a:t>
-            </a:r>
-            <a:endParaRPr lang="de-CH"/>
-          </a:p>
-        </p:txBody>
-      </p:sp>
-      <p:sp>
-        <p:nvSpPr>
-          <p:cNvPr id="3" name="Content Placeholder 2"/>
-          <p:cNvSpPr>
-            <a:spLocks noGrp="1"/>
-          </p:cNvSpPr>
-          <p:nvPr>
-            <p:ph idx="1"/>
-          </p:nvPr>
-        </p:nvSpPr>
-        <p:spPr/>
-        <p:txBody>
-          <a:bodyPr/>
-          <a:lstStyle/>
-          <a:p>
-            <a:endParaRPr lang="de-CH"/>
-          </a:p>
-        </p:txBody>
-      </p:sp>
-    </p:spTree>
-    <p:extLst>
-      <p:ext uri="{BB962C8B-B14F-4D97-AF65-F5344CB8AC3E}">
-        <p14:creationId xmlns:p14="http://schemas.microsoft.com/office/powerpoint/2010/main" val="3259944445"/>
-      </p:ext>
-    </p:extLst>
-  </p:cSld>
-  <p:clrMapOvr>
-    <a:masterClrMapping/>
-  </p:clrMapOvr>
-</p:sld>
-</file>
-
 <file path=ppt/slides/slide2.xml><?xml version="1.0" encoding="utf-8"?>
 <p:sld xmlns:a="http://schemas.openxmlformats.org/drawingml/2006/main" xmlns:r="http://schemas.openxmlformats.org/officeDocument/2006/relationships" xmlns:p="http://schemas.openxmlformats.org/presentationml/2006/main">
   <p:cSld>
@@ -6757,7 +6898,7 @@
               <a:buAutoNum type="arabicPeriod"/>
             </a:pPr>
             <a:r>
-              <a:rPr lang="de-CH" smtClean="0"/>
+              <a:rPr lang="de-CH" dirty="0" smtClean="0"/>
               <a:t>Problemstellung</a:t>
             </a:r>
           </a:p>
@@ -6767,7 +6908,7 @@
               <a:buAutoNum type="arabicPeriod"/>
             </a:pPr>
             <a:r>
-              <a:rPr lang="de-CH" smtClean="0"/>
+              <a:rPr lang="de-CH" dirty="0" smtClean="0"/>
               <a:t>Lösungsidee</a:t>
             </a:r>
           </a:p>
@@ -6777,7 +6918,7 @@
               <a:buAutoNum type="arabicPeriod"/>
             </a:pPr>
             <a:r>
-              <a:rPr lang="de-CH" smtClean="0"/>
+              <a:rPr lang="de-CH" dirty="0" smtClean="0"/>
               <a:t>Hardware</a:t>
             </a:r>
           </a:p>
@@ -6787,7 +6928,7 @@
               <a:buAutoNum type="arabicPeriod"/>
             </a:pPr>
             <a:r>
-              <a:rPr lang="de-CH" smtClean="0"/>
+              <a:rPr lang="de-CH" dirty="0" smtClean="0"/>
               <a:t>Software</a:t>
             </a:r>
           </a:p>
@@ -6797,10 +6938,21 @@
               <a:buAutoNum type="arabicPeriod"/>
             </a:pPr>
             <a:r>
-              <a:rPr lang="de-CH" smtClean="0"/>
+              <a:rPr lang="de-CH" dirty="0" smtClean="0"/>
+              <a:t>Testfälle</a:t>
+            </a:r>
+            <a:endParaRPr lang="de-CH" dirty="0" smtClean="0"/>
+          </a:p>
+          <a:p>
+            <a:pPr marL="514350" indent="-514350">
+              <a:buFont typeface="+mj-lt"/>
+              <a:buAutoNum type="arabicPeriod"/>
+            </a:pPr>
+            <a:r>
+              <a:rPr lang="de-CH" dirty="0" smtClean="0"/>
               <a:t>Demonstration</a:t>
             </a:r>
-            <a:endParaRPr lang="de-CH"/>
+            <a:endParaRPr lang="de-CH" dirty="0"/>
           </a:p>
         </p:txBody>
       </p:sp>
@@ -6808,6 +6960,1067 @@
     <p:extLst>
       <p:ext uri="{BB962C8B-B14F-4D97-AF65-F5344CB8AC3E}">
         <p14:creationId xmlns:p14="http://schemas.microsoft.com/office/powerpoint/2010/main" val="3008796813"/>
+      </p:ext>
+    </p:extLst>
+  </p:cSld>
+  <p:clrMapOvr>
+    <a:masterClrMapping/>
+  </p:clrMapOvr>
+  <p:timing>
+    <p:tnLst>
+      <p:par>
+        <p:cTn xmlns:p14="http://schemas.microsoft.com/office/powerpoint/2010/main" id="1" dur="indefinite" restart="never" nodeType="tmRoot"/>
+      </p:par>
+    </p:tnLst>
+  </p:timing>
+</p:sld>
+</file>
+
+<file path=ppt/slides/slide20.xml><?xml version="1.0" encoding="utf-8"?>
+<p:sld xmlns:a="http://schemas.openxmlformats.org/drawingml/2006/main" xmlns:r="http://schemas.openxmlformats.org/officeDocument/2006/relationships" xmlns:p="http://schemas.openxmlformats.org/presentationml/2006/main">
+  <p:cSld>
+    <p:spTree>
+      <p:nvGrpSpPr>
+        <p:cNvPr id="1" name=""/>
+        <p:cNvGrpSpPr/>
+        <p:nvPr/>
+      </p:nvGrpSpPr>
+      <p:grpSpPr>
+        <a:xfrm>
+          <a:off x="0" y="0"/>
+          <a:ext cx="0" cy="0"/>
+          <a:chOff x="0" y="0"/>
+          <a:chExt cx="0" cy="0"/>
+        </a:xfrm>
+      </p:grpSpPr>
+      <p:sp>
+        <p:nvSpPr>
+          <p:cNvPr id="2" name="Title 1"/>
+          <p:cNvSpPr>
+            <a:spLocks noGrp="1"/>
+          </p:cNvSpPr>
+          <p:nvPr>
+            <p:ph type="title"/>
+          </p:nvPr>
+        </p:nvSpPr>
+        <p:spPr/>
+        <p:txBody>
+          <a:bodyPr/>
+          <a:lstStyle/>
+          <a:p>
+            <a:r>
+              <a:rPr lang="de-CH" dirty="0"/>
+              <a:t>Software </a:t>
+            </a:r>
+            <a:r>
+              <a:rPr lang="de-CH" dirty="0" smtClean="0"/>
+              <a:t>– </a:t>
+            </a:r>
+            <a:r>
+              <a:rPr lang="de-CH" dirty="0"/>
+              <a:t>Detailstufen </a:t>
+            </a:r>
+            <a:r>
+              <a:rPr lang="de-CH" dirty="0" smtClean="0"/>
+              <a:t>(3)</a:t>
+            </a:r>
+            <a:endParaRPr lang="de-CH" dirty="0"/>
+          </a:p>
+        </p:txBody>
+      </p:sp>
+      <p:pic>
+        <p:nvPicPr>
+          <p:cNvPr id="4" name="Picture 3" descr="peaks.png"/>
+          <p:cNvPicPr>
+            <a:picLocks noChangeAspect="1"/>
+          </p:cNvPicPr>
+          <p:nvPr/>
+        </p:nvPicPr>
+        <p:blipFill>
+          <a:blip r:embed="rId2">
+            <a:extLst>
+              <a:ext uri="{28A0092B-C50C-407E-A947-70E740481C1C}">
+                <a14:useLocalDpi xmlns:a14="http://schemas.microsoft.com/office/drawing/2010/main" val="0"/>
+              </a:ext>
+            </a:extLst>
+          </a:blip>
+          <a:stretch>
+            <a:fillRect/>
+          </a:stretch>
+        </p:blipFill>
+        <p:spPr>
+          <a:xfrm>
+            <a:off x="914400" y="1254968"/>
+            <a:ext cx="7315200" cy="5486400"/>
+          </a:xfrm>
+          <a:prstGeom prst="rect">
+            <a:avLst/>
+          </a:prstGeom>
+        </p:spPr>
+      </p:pic>
+    </p:spTree>
+    <p:extLst>
+      <p:ext uri="{BB962C8B-B14F-4D97-AF65-F5344CB8AC3E}">
+        <p14:creationId xmlns:p14="http://schemas.microsoft.com/office/powerpoint/2010/main" val="1272584519"/>
+      </p:ext>
+    </p:extLst>
+  </p:cSld>
+  <p:clrMapOvr>
+    <a:masterClrMapping/>
+  </p:clrMapOvr>
+  <p:timing>
+    <p:tnLst>
+      <p:par>
+        <p:cTn xmlns:p14="http://schemas.microsoft.com/office/powerpoint/2010/main" id="1" dur="indefinite" restart="never" nodeType="tmRoot"/>
+      </p:par>
+    </p:tnLst>
+  </p:timing>
+</p:sld>
+</file>
+
+<file path=ppt/slides/slide21.xml><?xml version="1.0" encoding="utf-8"?>
+<p:sld xmlns:a="http://schemas.openxmlformats.org/drawingml/2006/main" xmlns:r="http://schemas.openxmlformats.org/officeDocument/2006/relationships" xmlns:p="http://schemas.openxmlformats.org/presentationml/2006/main">
+  <p:cSld>
+    <p:spTree>
+      <p:nvGrpSpPr>
+        <p:cNvPr id="1" name=""/>
+        <p:cNvGrpSpPr/>
+        <p:nvPr/>
+      </p:nvGrpSpPr>
+      <p:grpSpPr>
+        <a:xfrm>
+          <a:off x="0" y="0"/>
+          <a:ext cx="0" cy="0"/>
+          <a:chOff x="0" y="0"/>
+          <a:chExt cx="0" cy="0"/>
+        </a:xfrm>
+      </p:grpSpPr>
+      <p:sp>
+        <p:nvSpPr>
+          <p:cNvPr id="2" name="Title 1"/>
+          <p:cNvSpPr>
+            <a:spLocks noGrp="1"/>
+          </p:cNvSpPr>
+          <p:nvPr>
+            <p:ph type="title"/>
+          </p:nvPr>
+        </p:nvSpPr>
+        <p:spPr/>
+        <p:txBody>
+          <a:bodyPr/>
+          <a:lstStyle/>
+          <a:p>
+            <a:r>
+              <a:rPr lang="de-CH" dirty="0"/>
+              <a:t>Software </a:t>
+            </a:r>
+            <a:r>
+              <a:rPr lang="de-CH" dirty="0" smtClean="0"/>
+              <a:t>– </a:t>
+            </a:r>
+            <a:r>
+              <a:rPr lang="de-CH" dirty="0"/>
+              <a:t>Detailstufen </a:t>
+            </a:r>
+            <a:r>
+              <a:rPr lang="de-CH" dirty="0" smtClean="0"/>
+              <a:t>(4)</a:t>
+            </a:r>
+            <a:endParaRPr lang="de-CH" dirty="0"/>
+          </a:p>
+        </p:txBody>
+      </p:sp>
+      <p:pic>
+        <p:nvPicPr>
+          <p:cNvPr id="4" name="Picture 3" descr="sparse.png"/>
+          <p:cNvPicPr>
+            <a:picLocks noChangeAspect="1"/>
+          </p:cNvPicPr>
+          <p:nvPr/>
+        </p:nvPicPr>
+        <p:blipFill>
+          <a:blip r:embed="rId2">
+            <a:extLst>
+              <a:ext uri="{28A0092B-C50C-407E-A947-70E740481C1C}">
+                <a14:useLocalDpi xmlns:a14="http://schemas.microsoft.com/office/drawing/2010/main" val="0"/>
+              </a:ext>
+            </a:extLst>
+          </a:blip>
+          <a:stretch>
+            <a:fillRect/>
+          </a:stretch>
+        </p:blipFill>
+        <p:spPr>
+          <a:xfrm>
+            <a:off x="914400" y="1254968"/>
+            <a:ext cx="7315200" cy="5486400"/>
+          </a:xfrm>
+          <a:prstGeom prst="rect">
+            <a:avLst/>
+          </a:prstGeom>
+        </p:spPr>
+      </p:pic>
+    </p:spTree>
+    <p:extLst>
+      <p:ext uri="{BB962C8B-B14F-4D97-AF65-F5344CB8AC3E}">
+        <p14:creationId xmlns:p14="http://schemas.microsoft.com/office/powerpoint/2010/main" val="2475139662"/>
+      </p:ext>
+    </p:extLst>
+  </p:cSld>
+  <p:clrMapOvr>
+    <a:masterClrMapping/>
+  </p:clrMapOvr>
+  <p:timing>
+    <p:tnLst>
+      <p:par>
+        <p:cTn xmlns:p14="http://schemas.microsoft.com/office/powerpoint/2010/main" id="1" dur="indefinite" restart="never" nodeType="tmRoot"/>
+      </p:par>
+    </p:tnLst>
+  </p:timing>
+</p:sld>
+</file>
+
+<file path=ppt/slides/slide22.xml><?xml version="1.0" encoding="utf-8"?>
+<p:sld xmlns:a="http://schemas.openxmlformats.org/drawingml/2006/main" xmlns:r="http://schemas.openxmlformats.org/officeDocument/2006/relationships" xmlns:p="http://schemas.openxmlformats.org/presentationml/2006/main">
+  <p:cSld>
+    <p:spTree>
+      <p:nvGrpSpPr>
+        <p:cNvPr id="1" name=""/>
+        <p:cNvGrpSpPr/>
+        <p:nvPr/>
+      </p:nvGrpSpPr>
+      <p:grpSpPr>
+        <a:xfrm>
+          <a:off x="0" y="0"/>
+          <a:ext cx="0" cy="0"/>
+          <a:chOff x="0" y="0"/>
+          <a:chExt cx="0" cy="0"/>
+        </a:xfrm>
+      </p:grpSpPr>
+      <p:sp>
+        <p:nvSpPr>
+          <p:cNvPr id="2" name="Title 1"/>
+          <p:cNvSpPr>
+            <a:spLocks noGrp="1"/>
+          </p:cNvSpPr>
+          <p:nvPr>
+            <p:ph type="title"/>
+          </p:nvPr>
+        </p:nvSpPr>
+        <p:spPr/>
+        <p:txBody>
+          <a:bodyPr/>
+          <a:lstStyle/>
+          <a:p>
+            <a:r>
+              <a:rPr lang="de-CH" dirty="0" smtClean="0"/>
+              <a:t>Detailstufen – Datenraten</a:t>
+            </a:r>
+            <a:endParaRPr lang="de-CH" dirty="0"/>
+          </a:p>
+        </p:txBody>
+      </p:sp>
+      <p:sp>
+        <p:nvSpPr>
+          <p:cNvPr id="3" name="Content Placeholder 2"/>
+          <p:cNvSpPr>
+            <a:spLocks noGrp="1"/>
+          </p:cNvSpPr>
+          <p:nvPr>
+            <p:ph idx="1"/>
+          </p:nvPr>
+        </p:nvSpPr>
+        <p:spPr/>
+        <p:txBody>
+          <a:bodyPr/>
+          <a:lstStyle/>
+          <a:p>
+            <a:pPr marL="0" indent="0">
+              <a:buNone/>
+            </a:pPr>
+            <a:r>
+              <a:rPr lang="de-CH" dirty="0" err="1" smtClean="0"/>
+              <a:t>Bsp</a:t>
+            </a:r>
+            <a:r>
+              <a:rPr lang="de-CH" dirty="0" smtClean="0"/>
+              <a:t>: 10‘000 Hz, 10% Ereigniszeit</a:t>
+            </a:r>
+          </a:p>
+          <a:p>
+            <a:pPr marL="0" indent="0">
+              <a:buNone/>
+            </a:pPr>
+            <a:endParaRPr lang="de-CH" dirty="0"/>
+          </a:p>
+        </p:txBody>
+      </p:sp>
+      <p:graphicFrame>
+        <p:nvGraphicFramePr>
+          <p:cNvPr id="4" name="Table 3"/>
+          <p:cNvGraphicFramePr>
+            <a:graphicFrameLocks noGrp="1"/>
+          </p:cNvGraphicFramePr>
+          <p:nvPr>
+            <p:extLst>
+              <p:ext uri="{D42A27DB-BD31-4B8C-83A1-F6EECF244321}">
+                <p14:modId xmlns:p14="http://schemas.microsoft.com/office/powerpoint/2010/main" val="2025961861"/>
+              </p:ext>
+            </p:extLst>
+          </p:nvPr>
+        </p:nvGraphicFramePr>
+        <p:xfrm>
+          <a:off x="611558" y="2636912"/>
+          <a:ext cx="8049114" cy="2448270"/>
+        </p:xfrm>
+        <a:graphic>
+          <a:graphicData uri="http://schemas.openxmlformats.org/drawingml/2006/table">
+            <a:tbl>
+              <a:tblPr firstRow="1" bandRow="1">
+                <a:tableStyleId>{5C22544A-7EE6-4342-B048-85BDC9FD1C3A}</a:tableStyleId>
+              </a:tblPr>
+              <a:tblGrid>
+                <a:gridCol w="2683038"/>
+                <a:gridCol w="2683038"/>
+                <a:gridCol w="2683038"/>
+              </a:tblGrid>
+              <a:tr h="489654">
+                <a:tc>
+                  <a:txBody>
+                    <a:bodyPr/>
+                    <a:lstStyle/>
+                    <a:p>
+                      <a:r>
+                        <a:rPr lang="de-CH" sz="2400" dirty="0" smtClean="0"/>
+                        <a:t>Detail-Level</a:t>
+                      </a:r>
+                      <a:endParaRPr lang="de-CH" sz="2400" dirty="0"/>
+                    </a:p>
+                  </a:txBody>
+                  <a:tcPr marL="120737" marR="120737" marT="60368" marB="60368"/>
+                </a:tc>
+                <a:tc>
+                  <a:txBody>
+                    <a:bodyPr/>
+                    <a:lstStyle/>
+                    <a:p>
+                      <a:r>
+                        <a:rPr lang="de-CH" sz="2400" dirty="0" smtClean="0"/>
+                        <a:t>Byte/s</a:t>
+                      </a:r>
+                      <a:endParaRPr lang="de-CH" sz="2400" dirty="0"/>
+                    </a:p>
+                  </a:txBody>
+                  <a:tcPr marL="120737" marR="120737" marT="60368" marB="60368"/>
+                </a:tc>
+                <a:tc>
+                  <a:txBody>
+                    <a:bodyPr/>
+                    <a:lstStyle/>
+                    <a:p>
+                      <a:r>
+                        <a:rPr lang="de-CH" sz="2400" dirty="0" smtClean="0"/>
+                        <a:t>In %</a:t>
+                      </a:r>
+                      <a:endParaRPr lang="de-CH" sz="2400" dirty="0"/>
+                    </a:p>
+                  </a:txBody>
+                  <a:tcPr marL="120737" marR="120737" marT="60368" marB="60368"/>
+                </a:tc>
+              </a:tr>
+              <a:tr h="489654">
+                <a:tc>
+                  <a:txBody>
+                    <a:bodyPr/>
+                    <a:lstStyle/>
+                    <a:p>
+                      <a:r>
+                        <a:rPr lang="de-CH" sz="2400" dirty="0" err="1" smtClean="0"/>
+                        <a:t>raw</a:t>
+                      </a:r>
+                      <a:endParaRPr lang="de-CH" sz="2400" dirty="0"/>
+                    </a:p>
+                  </a:txBody>
+                  <a:tcPr marL="120737" marR="120737" marT="60368" marB="60368"/>
+                </a:tc>
+                <a:tc>
+                  <a:txBody>
+                    <a:bodyPr/>
+                    <a:lstStyle/>
+                    <a:p>
+                      <a:r>
+                        <a:rPr lang="de-CH" sz="2400" dirty="0" smtClean="0"/>
+                        <a:t>10‘000</a:t>
+                      </a:r>
+                      <a:endParaRPr lang="de-CH" sz="2400" dirty="0"/>
+                    </a:p>
+                  </a:txBody>
+                  <a:tcPr marL="120737" marR="120737" marT="60368" marB="60368"/>
+                </a:tc>
+                <a:tc>
+                  <a:txBody>
+                    <a:bodyPr/>
+                    <a:lstStyle/>
+                    <a:p>
+                      <a:r>
+                        <a:rPr lang="de-CH" sz="2400" dirty="0" smtClean="0"/>
+                        <a:t>100</a:t>
+                      </a:r>
+                      <a:endParaRPr lang="de-CH" sz="2400" dirty="0"/>
+                    </a:p>
+                  </a:txBody>
+                  <a:tcPr marL="120737" marR="120737" marT="60368" marB="60368"/>
+                </a:tc>
+              </a:tr>
+              <a:tr h="489654">
+                <a:tc>
+                  <a:txBody>
+                    <a:bodyPr/>
+                    <a:lstStyle/>
+                    <a:p>
+                      <a:r>
+                        <a:rPr lang="de-CH" sz="2400" dirty="0" err="1" smtClean="0"/>
+                        <a:t>detailed</a:t>
+                      </a:r>
+                      <a:endParaRPr lang="de-CH" sz="2400" dirty="0"/>
+                    </a:p>
+                  </a:txBody>
+                  <a:tcPr marL="120737" marR="120737" marT="60368" marB="60368"/>
+                </a:tc>
+                <a:tc>
+                  <a:txBody>
+                    <a:bodyPr/>
+                    <a:lstStyle/>
+                    <a:p>
+                      <a:r>
+                        <a:rPr lang="de-CH" sz="2400" dirty="0" smtClean="0"/>
+                        <a:t>1‘000</a:t>
+                      </a:r>
+                      <a:endParaRPr lang="de-CH" sz="2400" dirty="0"/>
+                    </a:p>
+                  </a:txBody>
+                  <a:tcPr marL="120737" marR="120737" marT="60368" marB="60368"/>
+                </a:tc>
+                <a:tc>
+                  <a:txBody>
+                    <a:bodyPr/>
+                    <a:lstStyle/>
+                    <a:p>
+                      <a:r>
+                        <a:rPr lang="de-CH" sz="2400" dirty="0" smtClean="0"/>
+                        <a:t>10</a:t>
+                      </a:r>
+                      <a:endParaRPr lang="de-CH" sz="2400" dirty="0"/>
+                    </a:p>
+                  </a:txBody>
+                  <a:tcPr marL="120737" marR="120737" marT="60368" marB="60368"/>
+                </a:tc>
+              </a:tr>
+              <a:tr h="489654">
+                <a:tc>
+                  <a:txBody>
+                    <a:bodyPr/>
+                    <a:lstStyle/>
+                    <a:p>
+                      <a:r>
+                        <a:rPr lang="de-CH" sz="2400" dirty="0" err="1" smtClean="0"/>
+                        <a:t>peaks</a:t>
+                      </a:r>
+                      <a:endParaRPr lang="de-CH" sz="2400" dirty="0"/>
+                    </a:p>
+                  </a:txBody>
+                  <a:tcPr marL="120737" marR="120737" marT="60368" marB="60368"/>
+                </a:tc>
+                <a:tc>
+                  <a:txBody>
+                    <a:bodyPr/>
+                    <a:lstStyle/>
+                    <a:p>
+                      <a:r>
+                        <a:rPr lang="de-CH" sz="2400" dirty="0" smtClean="0"/>
+                        <a:t>250</a:t>
+                      </a:r>
+                      <a:endParaRPr lang="de-CH" sz="2400" dirty="0"/>
+                    </a:p>
+                  </a:txBody>
+                  <a:tcPr marL="120737" marR="120737" marT="60368" marB="60368"/>
+                </a:tc>
+                <a:tc>
+                  <a:txBody>
+                    <a:bodyPr/>
+                    <a:lstStyle/>
+                    <a:p>
+                      <a:r>
+                        <a:rPr lang="de-CH" sz="2400" dirty="0" smtClean="0"/>
+                        <a:t>2.5</a:t>
+                      </a:r>
+                      <a:endParaRPr lang="de-CH" sz="2400" dirty="0"/>
+                    </a:p>
+                  </a:txBody>
+                  <a:tcPr marL="120737" marR="120737" marT="60368" marB="60368"/>
+                </a:tc>
+              </a:tr>
+              <a:tr h="489654">
+                <a:tc>
+                  <a:txBody>
+                    <a:bodyPr/>
+                    <a:lstStyle/>
+                    <a:p>
+                      <a:r>
+                        <a:rPr lang="de-CH" sz="2400" dirty="0" err="1" smtClean="0"/>
+                        <a:t>sparse</a:t>
+                      </a:r>
+                      <a:endParaRPr lang="de-CH" sz="2400" dirty="0"/>
+                    </a:p>
+                  </a:txBody>
+                  <a:tcPr marL="120737" marR="120737" marT="60368" marB="60368"/>
+                </a:tc>
+                <a:tc>
+                  <a:txBody>
+                    <a:bodyPr/>
+                    <a:lstStyle/>
+                    <a:p>
+                      <a:r>
+                        <a:rPr lang="de-CH" sz="2400" dirty="0" smtClean="0"/>
+                        <a:t>40</a:t>
+                      </a:r>
+                      <a:endParaRPr lang="de-CH" sz="2400" dirty="0"/>
+                    </a:p>
+                  </a:txBody>
+                  <a:tcPr marL="120737" marR="120737" marT="60368" marB="60368"/>
+                </a:tc>
+                <a:tc>
+                  <a:txBody>
+                    <a:bodyPr/>
+                    <a:lstStyle/>
+                    <a:p>
+                      <a:r>
+                        <a:rPr lang="de-CH" sz="2400" dirty="0" smtClean="0"/>
+                        <a:t>0.41</a:t>
+                      </a:r>
+                      <a:endParaRPr lang="de-CH" sz="2400" dirty="0"/>
+                    </a:p>
+                  </a:txBody>
+                  <a:tcPr marL="120737" marR="120737" marT="60368" marB="60368"/>
+                </a:tc>
+              </a:tr>
+            </a:tbl>
+          </a:graphicData>
+        </a:graphic>
+      </p:graphicFrame>
+    </p:spTree>
+    <p:extLst>
+      <p:ext uri="{BB962C8B-B14F-4D97-AF65-F5344CB8AC3E}">
+        <p14:creationId xmlns:p14="http://schemas.microsoft.com/office/powerpoint/2010/main" val="2961627471"/>
+      </p:ext>
+    </p:extLst>
+  </p:cSld>
+  <p:clrMapOvr>
+    <a:masterClrMapping/>
+  </p:clrMapOvr>
+</p:sld>
+</file>
+
+<file path=ppt/slides/slide23.xml><?xml version="1.0" encoding="utf-8"?>
+<p:sld xmlns:a="http://schemas.openxmlformats.org/drawingml/2006/main" xmlns:r="http://schemas.openxmlformats.org/officeDocument/2006/relationships" xmlns:p="http://schemas.openxmlformats.org/presentationml/2006/main">
+  <p:cSld>
+    <p:spTree>
+      <p:nvGrpSpPr>
+        <p:cNvPr id="1" name=""/>
+        <p:cNvGrpSpPr/>
+        <p:nvPr/>
+      </p:nvGrpSpPr>
+      <p:grpSpPr>
+        <a:xfrm>
+          <a:off x="0" y="0"/>
+          <a:ext cx="0" cy="0"/>
+          <a:chOff x="0" y="0"/>
+          <a:chExt cx="0" cy="0"/>
+        </a:xfrm>
+      </p:grpSpPr>
+      <p:sp>
+        <p:nvSpPr>
+          <p:cNvPr id="2" name="Title 1"/>
+          <p:cNvSpPr>
+            <a:spLocks noGrp="1"/>
+          </p:cNvSpPr>
+          <p:nvPr>
+            <p:ph type="title"/>
+          </p:nvPr>
+        </p:nvSpPr>
+        <p:spPr/>
+        <p:txBody>
+          <a:bodyPr/>
+          <a:lstStyle/>
+          <a:p>
+            <a:r>
+              <a:rPr lang="de-CH" dirty="0" smtClean="0"/>
+              <a:t>Testfälle – Datenlogger</a:t>
+            </a:r>
+            <a:endParaRPr lang="de-CH" dirty="0"/>
+          </a:p>
+        </p:txBody>
+      </p:sp>
+      <p:sp>
+        <p:nvSpPr>
+          <p:cNvPr id="3" name="Content Placeholder 2"/>
+          <p:cNvSpPr>
+            <a:spLocks noGrp="1"/>
+          </p:cNvSpPr>
+          <p:nvPr>
+            <p:ph idx="1"/>
+          </p:nvPr>
+        </p:nvSpPr>
+        <p:spPr/>
+        <p:txBody>
+          <a:bodyPr/>
+          <a:lstStyle/>
+          <a:p>
+            <a:r>
+              <a:rPr lang="de-CH" dirty="0" smtClean="0">
+                <a:latin typeface="Zapf Dingbats"/>
+                <a:ea typeface="Zapf Dingbats"/>
+                <a:cs typeface="Zapf Dingbats"/>
+                <a:sym typeface="Zapf Dingbats"/>
+              </a:rPr>
+              <a:t>✔</a:t>
+            </a:r>
+            <a:r>
+              <a:rPr lang="de-CH" dirty="0">
+                <a:sym typeface="Zapf Dingbats"/>
+              </a:rPr>
+              <a:t> </a:t>
+            </a:r>
+            <a:r>
+              <a:rPr lang="de-CH" dirty="0" smtClean="0"/>
+              <a:t>T130 Uhrzeit</a:t>
+            </a:r>
+            <a:br>
+              <a:rPr lang="de-CH" dirty="0" smtClean="0"/>
+            </a:br>
+            <a:r>
+              <a:rPr lang="de-CH" dirty="0" smtClean="0"/>
+              <a:t>Fehlgang innert 12 h: TODO</a:t>
+            </a:r>
+            <a:endParaRPr lang="de-CH" dirty="0"/>
+          </a:p>
+          <a:p>
+            <a:r>
+              <a:rPr lang="de-CH" dirty="0">
+                <a:latin typeface="Zapf Dingbats"/>
+                <a:ea typeface="Zapf Dingbats"/>
+                <a:cs typeface="Zapf Dingbats"/>
+                <a:sym typeface="Zapf Dingbats"/>
+              </a:rPr>
+              <a:t>✔</a:t>
+            </a:r>
+            <a:r>
+              <a:rPr lang="de-CH" dirty="0">
+                <a:sym typeface="Zapf Dingbats"/>
+              </a:rPr>
+              <a:t> </a:t>
+            </a:r>
+            <a:r>
+              <a:rPr lang="de-CH" dirty="0" smtClean="0"/>
+              <a:t>T140 </a:t>
+            </a:r>
+            <a:r>
+              <a:rPr lang="de-CH" dirty="0" err="1"/>
+              <a:t>Timestamp</a:t>
+            </a:r>
+            <a:r>
+              <a:rPr lang="de-CH" dirty="0"/>
+              <a:t> </a:t>
+            </a:r>
+            <a:r>
+              <a:rPr lang="de-CH" dirty="0" err="1" smtClean="0"/>
+              <a:t>zurücksetzen</a:t>
+            </a:r>
+            <a:r>
+              <a:rPr lang="de-CH" dirty="0" smtClean="0"/>
+              <a:t/>
+            </a:r>
+            <a:br>
+              <a:rPr lang="de-CH" dirty="0" smtClean="0"/>
+            </a:br>
+            <a:r>
+              <a:rPr lang="de-CH" dirty="0" smtClean="0"/>
+              <a:t>Wird korrekt zurückgesetzt</a:t>
+            </a:r>
+            <a:endParaRPr lang="de-CH" dirty="0"/>
+          </a:p>
+          <a:p>
+            <a:r>
+              <a:rPr lang="de-CH" dirty="0">
+                <a:latin typeface="Zapf Dingbats"/>
+                <a:ea typeface="Zapf Dingbats"/>
+                <a:cs typeface="Zapf Dingbats"/>
+                <a:sym typeface="Zapf Dingbats"/>
+              </a:rPr>
+              <a:t>✔</a:t>
+            </a:r>
+            <a:r>
+              <a:rPr lang="de-CH" dirty="0">
+                <a:sym typeface="Zapf Dingbats"/>
+              </a:rPr>
+              <a:t> </a:t>
+            </a:r>
+            <a:r>
+              <a:rPr lang="de-CH" dirty="0" smtClean="0"/>
+              <a:t>T170 </a:t>
+            </a:r>
+            <a:r>
+              <a:rPr lang="de-CH" dirty="0"/>
+              <a:t>Steuerung Detail-</a:t>
+            </a:r>
+            <a:r>
+              <a:rPr lang="de-CH" dirty="0" smtClean="0"/>
+              <a:t>Level</a:t>
+            </a:r>
+            <a:br>
+              <a:rPr lang="de-CH" dirty="0" smtClean="0"/>
+            </a:br>
+            <a:r>
+              <a:rPr lang="de-CH" dirty="0" smtClean="0"/>
+              <a:t>Detail-Level wird übernommen.</a:t>
+            </a:r>
+            <a:endParaRPr lang="de-CH" dirty="0"/>
+          </a:p>
+          <a:p>
+            <a:r>
+              <a:rPr lang="de-CH" dirty="0">
+                <a:latin typeface="Zapf Dingbats"/>
+                <a:ea typeface="Zapf Dingbats"/>
+                <a:cs typeface="Zapf Dingbats"/>
+                <a:sym typeface="Zapf Dingbats"/>
+              </a:rPr>
+              <a:t>✔</a:t>
+            </a:r>
+            <a:r>
+              <a:rPr lang="de-CH" dirty="0">
+                <a:sym typeface="Zapf Dingbats"/>
+              </a:rPr>
+              <a:t> </a:t>
+            </a:r>
+            <a:r>
+              <a:rPr lang="de-CH" dirty="0" smtClean="0"/>
+              <a:t>T180 </a:t>
+            </a:r>
+            <a:r>
+              <a:rPr lang="de-CH" dirty="0"/>
+              <a:t>Daten sammeln und </a:t>
+            </a:r>
+            <a:r>
+              <a:rPr lang="de-CH" dirty="0" smtClean="0"/>
+              <a:t>speichern</a:t>
+            </a:r>
+            <a:br>
+              <a:rPr lang="de-CH" dirty="0" smtClean="0"/>
+            </a:br>
+            <a:r>
+              <a:rPr lang="de-CH" dirty="0" smtClean="0"/>
+              <a:t>Dateien erstellt, Daten gespeichert.</a:t>
+            </a:r>
+            <a:endParaRPr lang="de-CH" dirty="0"/>
+          </a:p>
+          <a:p>
+            <a:endParaRPr lang="de-CH" dirty="0"/>
+          </a:p>
+        </p:txBody>
+      </p:sp>
+    </p:spTree>
+    <p:extLst>
+      <p:ext uri="{BB962C8B-B14F-4D97-AF65-F5344CB8AC3E}">
+        <p14:creationId xmlns:p14="http://schemas.microsoft.com/office/powerpoint/2010/main" val="3748049790"/>
+      </p:ext>
+    </p:extLst>
+  </p:cSld>
+  <p:clrMapOvr>
+    <a:masterClrMapping/>
+  </p:clrMapOvr>
+  <p:timing>
+    <p:tnLst>
+      <p:par>
+        <p:cTn xmlns:p14="http://schemas.microsoft.com/office/powerpoint/2010/main" id="1" dur="indefinite" restart="never" nodeType="tmRoot"/>
+      </p:par>
+    </p:tnLst>
+  </p:timing>
+</p:sld>
+</file>
+
+<file path=ppt/slides/slide24.xml><?xml version="1.0" encoding="utf-8"?>
+<p:sld xmlns:a="http://schemas.openxmlformats.org/drawingml/2006/main" xmlns:r="http://schemas.openxmlformats.org/officeDocument/2006/relationships" xmlns:p="http://schemas.openxmlformats.org/presentationml/2006/main">
+  <p:cSld>
+    <p:spTree>
+      <p:nvGrpSpPr>
+        <p:cNvPr id="1" name=""/>
+        <p:cNvGrpSpPr/>
+        <p:nvPr/>
+      </p:nvGrpSpPr>
+      <p:grpSpPr>
+        <a:xfrm>
+          <a:off x="0" y="0"/>
+          <a:ext cx="0" cy="0"/>
+          <a:chOff x="0" y="0"/>
+          <a:chExt cx="0" cy="0"/>
+        </a:xfrm>
+      </p:grpSpPr>
+      <p:sp>
+        <p:nvSpPr>
+          <p:cNvPr id="2" name="Title 1"/>
+          <p:cNvSpPr>
+            <a:spLocks noGrp="1"/>
+          </p:cNvSpPr>
+          <p:nvPr>
+            <p:ph type="title"/>
+          </p:nvPr>
+        </p:nvSpPr>
+        <p:spPr/>
+        <p:txBody>
+          <a:bodyPr/>
+          <a:lstStyle/>
+          <a:p>
+            <a:r>
+              <a:rPr lang="de-CH" dirty="0" smtClean="0"/>
+              <a:t>Testfälle – Sensoreinheit</a:t>
+            </a:r>
+            <a:endParaRPr lang="de-CH" dirty="0"/>
+          </a:p>
+        </p:txBody>
+      </p:sp>
+      <p:sp>
+        <p:nvSpPr>
+          <p:cNvPr id="3" name="Content Placeholder 2"/>
+          <p:cNvSpPr>
+            <a:spLocks noGrp="1"/>
+          </p:cNvSpPr>
+          <p:nvPr>
+            <p:ph idx="1"/>
+          </p:nvPr>
+        </p:nvSpPr>
+        <p:spPr/>
+        <p:txBody>
+          <a:bodyPr/>
+          <a:lstStyle/>
+          <a:p>
+            <a:r>
+              <a:rPr lang="de-CH" dirty="0">
+                <a:latin typeface="Zapf Dingbats"/>
+                <a:ea typeface="Zapf Dingbats"/>
+                <a:cs typeface="Zapf Dingbats"/>
+                <a:sym typeface="Zapf Dingbats"/>
+              </a:rPr>
+              <a:t>✔</a:t>
+            </a:r>
+            <a:r>
+              <a:rPr lang="de-CH" dirty="0">
+                <a:sym typeface="Zapf Dingbats"/>
+              </a:rPr>
+              <a:t> </a:t>
+            </a:r>
+            <a:r>
+              <a:rPr lang="de-CH" dirty="0" smtClean="0"/>
+              <a:t>T430 </a:t>
+            </a:r>
+            <a:r>
+              <a:rPr lang="de-CH" dirty="0" err="1" smtClean="0"/>
+              <a:t>Datenübertragung</a:t>
+            </a:r>
+            <a:r>
+              <a:rPr lang="de-CH" dirty="0" smtClean="0"/>
+              <a:t/>
+            </a:r>
+            <a:br>
+              <a:rPr lang="de-CH" dirty="0" smtClean="0"/>
+            </a:br>
+            <a:r>
+              <a:rPr lang="de-CH" dirty="0" smtClean="0"/>
+              <a:t>Ereignisse entsprechend Detail-Level gespeichert</a:t>
+            </a:r>
+            <a:endParaRPr lang="de-CH" dirty="0"/>
+          </a:p>
+          <a:p>
+            <a:r>
+              <a:rPr lang="de-CH" dirty="0"/>
+              <a:t>T450 </a:t>
+            </a:r>
+            <a:r>
+              <a:rPr lang="de-CH" dirty="0" smtClean="0"/>
+              <a:t>Rohdatenaufzeichnung</a:t>
+            </a:r>
+            <a:br>
+              <a:rPr lang="de-CH" dirty="0" smtClean="0"/>
+            </a:br>
+            <a:endParaRPr lang="de-CH" dirty="0"/>
+          </a:p>
+        </p:txBody>
+      </p:sp>
+    </p:spTree>
+    <p:extLst>
+      <p:ext uri="{BB962C8B-B14F-4D97-AF65-F5344CB8AC3E}">
+        <p14:creationId xmlns:p14="http://schemas.microsoft.com/office/powerpoint/2010/main" val="1870321715"/>
+      </p:ext>
+    </p:extLst>
+  </p:cSld>
+  <p:clrMapOvr>
+    <a:masterClrMapping/>
+  </p:clrMapOvr>
+  <p:timing>
+    <p:tnLst>
+      <p:par>
+        <p:cTn xmlns:p14="http://schemas.microsoft.com/office/powerpoint/2010/main" id="1" dur="indefinite" restart="never" nodeType="tmRoot"/>
+      </p:par>
+    </p:tnLst>
+  </p:timing>
+</p:sld>
+</file>
+
+<file path=ppt/slides/slide25.xml><?xml version="1.0" encoding="utf-8"?>
+<p:sld xmlns:a="http://schemas.openxmlformats.org/drawingml/2006/main" xmlns:r="http://schemas.openxmlformats.org/officeDocument/2006/relationships" xmlns:p="http://schemas.openxmlformats.org/presentationml/2006/main">
+  <p:cSld>
+    <p:spTree>
+      <p:nvGrpSpPr>
+        <p:cNvPr id="1" name=""/>
+        <p:cNvGrpSpPr/>
+        <p:nvPr/>
+      </p:nvGrpSpPr>
+      <p:grpSpPr>
+        <a:xfrm>
+          <a:off x="0" y="0"/>
+          <a:ext cx="0" cy="0"/>
+          <a:chOff x="0" y="0"/>
+          <a:chExt cx="0" cy="0"/>
+        </a:xfrm>
+      </p:grpSpPr>
+      <p:sp>
+        <p:nvSpPr>
+          <p:cNvPr id="2" name="Title 1"/>
+          <p:cNvSpPr>
+            <a:spLocks noGrp="1"/>
+          </p:cNvSpPr>
+          <p:nvPr>
+            <p:ph type="title"/>
+          </p:nvPr>
+        </p:nvSpPr>
+        <p:spPr/>
+        <p:txBody>
+          <a:bodyPr/>
+          <a:lstStyle/>
+          <a:p>
+            <a:r>
+              <a:rPr lang="de-CH" dirty="0" smtClean="0"/>
+              <a:t>Testfälle – Nichtfunktional</a:t>
+            </a:r>
+            <a:endParaRPr lang="de-CH" dirty="0"/>
+          </a:p>
+        </p:txBody>
+      </p:sp>
+      <p:sp>
+        <p:nvSpPr>
+          <p:cNvPr id="3" name="Content Placeholder 2"/>
+          <p:cNvSpPr>
+            <a:spLocks noGrp="1"/>
+          </p:cNvSpPr>
+          <p:nvPr>
+            <p:ph idx="1"/>
+          </p:nvPr>
+        </p:nvSpPr>
+        <p:spPr/>
+        <p:txBody>
+          <a:bodyPr/>
+          <a:lstStyle/>
+          <a:p>
+            <a:r>
+              <a:rPr lang="de-CH" dirty="0" smtClean="0"/>
+              <a:t>Leistungsaufnahme</a:t>
+            </a:r>
+            <a:br>
+              <a:rPr lang="de-CH" dirty="0" smtClean="0"/>
+            </a:br>
+            <a:r>
+              <a:rPr lang="de-CH" dirty="0" smtClean="0"/>
+              <a:t>1 Logger + 2 Sensoreinheiten: TODO mW</a:t>
+            </a:r>
+            <a:endParaRPr lang="de-CH" dirty="0"/>
+          </a:p>
+        </p:txBody>
+      </p:sp>
+    </p:spTree>
+    <p:extLst>
+      <p:ext uri="{BB962C8B-B14F-4D97-AF65-F5344CB8AC3E}">
+        <p14:creationId xmlns:p14="http://schemas.microsoft.com/office/powerpoint/2010/main" val="1360111987"/>
+      </p:ext>
+    </p:extLst>
+  </p:cSld>
+  <p:clrMapOvr>
+    <a:masterClrMapping/>
+  </p:clrMapOvr>
+</p:sld>
+</file>
+
+<file path=ppt/slides/slide26.xml><?xml version="1.0" encoding="utf-8"?>
+<p:sld xmlns:a="http://schemas.openxmlformats.org/drawingml/2006/main" xmlns:r="http://schemas.openxmlformats.org/officeDocument/2006/relationships" xmlns:p="http://schemas.openxmlformats.org/presentationml/2006/main">
+  <p:cSld>
+    <p:spTree>
+      <p:nvGrpSpPr>
+        <p:cNvPr id="1" name=""/>
+        <p:cNvGrpSpPr/>
+        <p:nvPr/>
+      </p:nvGrpSpPr>
+      <p:grpSpPr>
+        <a:xfrm>
+          <a:off x="0" y="0"/>
+          <a:ext cx="0" cy="0"/>
+          <a:chOff x="0" y="0"/>
+          <a:chExt cx="0" cy="0"/>
+        </a:xfrm>
+      </p:grpSpPr>
+      <p:sp>
+        <p:nvSpPr>
+          <p:cNvPr id="2" name="Title 1"/>
+          <p:cNvSpPr>
+            <a:spLocks noGrp="1"/>
+          </p:cNvSpPr>
+          <p:nvPr>
+            <p:ph type="title"/>
+          </p:nvPr>
+        </p:nvSpPr>
+        <p:spPr/>
+        <p:txBody>
+          <a:bodyPr/>
+          <a:lstStyle/>
+          <a:p>
+            <a:r>
+              <a:rPr lang="de-CH" dirty="0" smtClean="0"/>
+              <a:t>Vorführung</a:t>
+            </a:r>
+            <a:endParaRPr lang="de-CH" dirty="0"/>
+          </a:p>
+        </p:txBody>
+      </p:sp>
+      <p:sp>
+        <p:nvSpPr>
+          <p:cNvPr id="3" name="Content Placeholder 2"/>
+          <p:cNvSpPr>
+            <a:spLocks noGrp="1"/>
+          </p:cNvSpPr>
+          <p:nvPr>
+            <p:ph idx="1"/>
+          </p:nvPr>
+        </p:nvSpPr>
+        <p:spPr/>
+        <p:txBody>
+          <a:bodyPr/>
+          <a:lstStyle/>
+          <a:p>
+            <a:endParaRPr lang="de-CH" dirty="0"/>
+          </a:p>
+        </p:txBody>
+      </p:sp>
+    </p:spTree>
+    <p:extLst>
+      <p:ext uri="{BB962C8B-B14F-4D97-AF65-F5344CB8AC3E}">
+        <p14:creationId xmlns:p14="http://schemas.microsoft.com/office/powerpoint/2010/main" val="3259944445"/>
       </p:ext>
     </p:extLst>
   </p:cSld>
@@ -6889,7 +8102,6 @@
               <a:rPr lang="de-CH" smtClean="0"/>
               <a:t>Ereignisse mit viel Transport relativ selten und kurz</a:t>
             </a:r>
-            <a:endParaRPr lang="de-CH" smtClean="0"/>
           </a:p>
           <a:p>
             <a:r>
@@ -6900,11 +8112,7 @@
           <a:p>
             <a:r>
               <a:rPr lang="de-CH" smtClean="0"/>
-              <a:t>Autarker</a:t>
-            </a:r>
-            <a:r>
-              <a:rPr lang="de-CH" smtClean="0"/>
-              <a:t> Betrieb</a:t>
+              <a:t>Autarker Betrieb</a:t>
             </a:r>
           </a:p>
         </p:txBody>

--- a/9001_Praesentation/Praesentation.pptx
+++ b/9001_Praesentation/Praesentation.pptx
@@ -5,7 +5,7 @@
     <p:sldMasterId id="2147483696" r:id="rId1"/>
   </p:sldMasterIdLst>
   <p:notesMasterIdLst>
-    <p:notesMasterId r:id="rId28"/>
+    <p:notesMasterId r:id="rId27"/>
   </p:notesMasterIdLst>
   <p:sldIdLst>
     <p:sldId id="256" r:id="rId2"/>
@@ -18,22 +18,21 @@
     <p:sldId id="269" r:id="rId9"/>
     <p:sldId id="259" r:id="rId10"/>
     <p:sldId id="260" r:id="rId11"/>
-    <p:sldId id="268" r:id="rId12"/>
-    <p:sldId id="267" r:id="rId13"/>
-    <p:sldId id="261" r:id="rId14"/>
-    <p:sldId id="273" r:id="rId15"/>
-    <p:sldId id="270" r:id="rId16"/>
-    <p:sldId id="278" r:id="rId17"/>
-    <p:sldId id="277" r:id="rId18"/>
-    <p:sldId id="272" r:id="rId19"/>
-    <p:sldId id="271" r:id="rId20"/>
-    <p:sldId id="279" r:id="rId21"/>
-    <p:sldId id="280" r:id="rId22"/>
-    <p:sldId id="281" r:id="rId23"/>
-    <p:sldId id="274" r:id="rId24"/>
-    <p:sldId id="275" r:id="rId25"/>
-    <p:sldId id="276" r:id="rId26"/>
-    <p:sldId id="262" r:id="rId27"/>
+    <p:sldId id="261" r:id="rId12"/>
+    <p:sldId id="273" r:id="rId13"/>
+    <p:sldId id="270" r:id="rId14"/>
+    <p:sldId id="277" r:id="rId15"/>
+    <p:sldId id="278" r:id="rId16"/>
+    <p:sldId id="272" r:id="rId17"/>
+    <p:sldId id="271" r:id="rId18"/>
+    <p:sldId id="279" r:id="rId19"/>
+    <p:sldId id="280" r:id="rId20"/>
+    <p:sldId id="281" r:id="rId21"/>
+    <p:sldId id="274" r:id="rId22"/>
+    <p:sldId id="275" r:id="rId23"/>
+    <p:sldId id="276" r:id="rId24"/>
+    <p:sldId id="282" r:id="rId25"/>
+    <p:sldId id="262" r:id="rId26"/>
   </p:sldIdLst>
   <p:sldSz cx="9144000" cy="6858000" type="screen4x3"/>
   <p:notesSz cx="6858000" cy="9144000"/>
@@ -559,481 +558,7 @@
           <a:bodyPr/>
           <a:lstStyle/>
           <a:p>
-            <a:r>
-              <a:rPr lang="en-US" dirty="0" err="1" smtClean="0"/>
-              <a:t>Gebirgshydrologie</a:t>
-            </a:r>
-            <a:r>
-              <a:rPr lang="en-US" baseline="0" dirty="0" smtClean="0"/>
-              <a:t> </a:t>
-            </a:r>
-            <a:r>
-              <a:rPr lang="en-US" baseline="0" dirty="0" err="1" smtClean="0"/>
-              <a:t>braucht</a:t>
-            </a:r>
-            <a:r>
-              <a:rPr lang="en-US" baseline="0" dirty="0" smtClean="0"/>
-              <a:t> </a:t>
-            </a:r>
-            <a:r>
-              <a:rPr lang="en-US" baseline="0" dirty="0" err="1" smtClean="0"/>
-              <a:t>Daten</a:t>
-            </a:r>
-            <a:r>
-              <a:rPr lang="en-US" baseline="0" dirty="0" smtClean="0"/>
-              <a:t> </a:t>
-            </a:r>
-            <a:r>
-              <a:rPr lang="en-US" baseline="0" dirty="0" err="1" smtClean="0"/>
-              <a:t>über</a:t>
-            </a:r>
-            <a:r>
-              <a:rPr lang="en-US" baseline="0" dirty="0" smtClean="0"/>
-              <a:t> </a:t>
-            </a:r>
-            <a:r>
-              <a:rPr lang="en-US" baseline="0" dirty="0" err="1" smtClean="0"/>
-              <a:t>Geschiebetransport</a:t>
-            </a:r>
-            <a:r>
-              <a:rPr lang="en-US" baseline="0" dirty="0" smtClean="0"/>
-              <a:t>.</a:t>
-            </a:r>
-          </a:p>
-          <a:p>
-            <a:r>
-              <a:rPr lang="en-US" baseline="0" dirty="0" err="1" smtClean="0"/>
-              <a:t>Korngrösse</a:t>
-            </a:r>
-            <a:r>
-              <a:rPr lang="en-US" baseline="0" dirty="0" smtClean="0"/>
-              <a:t>, </a:t>
-            </a:r>
-            <a:r>
-              <a:rPr lang="en-US" baseline="0" dirty="0" err="1" smtClean="0"/>
-              <a:t>Anzahl</a:t>
-            </a:r>
-            <a:r>
-              <a:rPr lang="en-US" baseline="0" dirty="0" smtClean="0"/>
-              <a:t>, </a:t>
-            </a:r>
-            <a:r>
-              <a:rPr lang="en-US" baseline="0" dirty="0" err="1" smtClean="0"/>
-              <a:t>evtl</a:t>
-            </a:r>
-            <a:r>
-              <a:rPr lang="en-US" baseline="0" dirty="0" smtClean="0"/>
-              <a:t>. </a:t>
-            </a:r>
-            <a:r>
-              <a:rPr lang="en-US" baseline="0" dirty="0" err="1" smtClean="0"/>
-              <a:t>Geschwindigkeit</a:t>
-            </a:r>
-            <a:r>
-              <a:rPr lang="en-US" baseline="0" dirty="0" smtClean="0"/>
-              <a:t> und </a:t>
-            </a:r>
-            <a:r>
-              <a:rPr lang="en-US" baseline="0" dirty="0" err="1" smtClean="0"/>
-              <a:t>Transportmodus</a:t>
-            </a:r>
-            <a:r>
-              <a:rPr lang="en-US" baseline="0" dirty="0" smtClean="0"/>
-              <a:t> (</a:t>
-            </a:r>
-            <a:r>
-              <a:rPr lang="en-US" baseline="0" dirty="0" err="1" smtClean="0"/>
-              <a:t>Rollen</a:t>
-            </a:r>
-            <a:r>
-              <a:rPr lang="en-US" baseline="0" dirty="0" smtClean="0"/>
-              <a:t>, </a:t>
-            </a:r>
-            <a:r>
-              <a:rPr lang="en-US" baseline="0" dirty="0" err="1" smtClean="0"/>
-              <a:t>Springen</a:t>
-            </a:r>
-            <a:r>
-              <a:rPr lang="en-US" baseline="0" dirty="0" smtClean="0"/>
-              <a:t>, </a:t>
-            </a:r>
-            <a:r>
-              <a:rPr lang="en-US" baseline="0" dirty="0" err="1" smtClean="0"/>
-              <a:t>Rutschen</a:t>
-            </a:r>
-            <a:r>
-              <a:rPr lang="en-US" baseline="0" dirty="0" smtClean="0"/>
-              <a:t>), </a:t>
-            </a:r>
-            <a:r>
-              <a:rPr lang="en-US" baseline="0" dirty="0" err="1" smtClean="0"/>
-              <a:t>allenfalls</a:t>
-            </a:r>
-            <a:r>
-              <a:rPr lang="en-US" baseline="0" dirty="0" smtClean="0"/>
-              <a:t> </a:t>
-            </a:r>
-            <a:r>
-              <a:rPr lang="en-US" baseline="0" dirty="0" err="1" smtClean="0"/>
-              <a:t>sogar</a:t>
-            </a:r>
-            <a:r>
-              <a:rPr lang="en-US" baseline="0" dirty="0" smtClean="0"/>
-              <a:t> </a:t>
-            </a:r>
-            <a:r>
-              <a:rPr lang="en-US" baseline="0" dirty="0" err="1" smtClean="0"/>
-              <a:t>Aussagen</a:t>
-            </a:r>
-            <a:r>
-              <a:rPr lang="en-US" baseline="0" dirty="0" smtClean="0"/>
-              <a:t> </a:t>
-            </a:r>
-            <a:r>
-              <a:rPr lang="en-US" baseline="0" dirty="0" err="1" smtClean="0"/>
-              <a:t>über</a:t>
-            </a:r>
-            <a:r>
-              <a:rPr lang="en-US" baseline="0" dirty="0" smtClean="0"/>
-              <a:t> Form </a:t>
-            </a:r>
-            <a:r>
-              <a:rPr lang="en-US" baseline="0" dirty="0" err="1" smtClean="0"/>
-              <a:t>möglich</a:t>
-            </a:r>
-            <a:r>
-              <a:rPr lang="en-US" baseline="0" dirty="0" smtClean="0"/>
-              <a:t>?</a:t>
-            </a:r>
-          </a:p>
-          <a:p>
-            <a:r>
-              <a:rPr lang="en-US" baseline="0" dirty="0" err="1" smtClean="0"/>
-              <a:t>Ereignisse</a:t>
-            </a:r>
-            <a:r>
-              <a:rPr lang="en-US" baseline="0" dirty="0" smtClean="0"/>
-              <a:t> </a:t>
-            </a:r>
-            <a:r>
-              <a:rPr lang="en-US" baseline="0" dirty="0" err="1" smtClean="0"/>
-              <a:t>mit</a:t>
-            </a:r>
-            <a:r>
-              <a:rPr lang="en-US" baseline="0" dirty="0" smtClean="0"/>
-              <a:t> </a:t>
-            </a:r>
-            <a:r>
-              <a:rPr lang="en-US" baseline="0" dirty="0" err="1" smtClean="0"/>
-              <a:t>viel</a:t>
-            </a:r>
-            <a:r>
-              <a:rPr lang="en-US" baseline="0" dirty="0" smtClean="0"/>
-              <a:t> Transport </a:t>
-            </a:r>
-            <a:r>
-              <a:rPr lang="en-US" baseline="0" dirty="0" err="1" smtClean="0"/>
-              <a:t>treten</a:t>
-            </a:r>
-            <a:r>
-              <a:rPr lang="en-US" baseline="0" dirty="0" smtClean="0"/>
-              <a:t> </a:t>
-            </a:r>
-            <a:r>
-              <a:rPr lang="en-US" baseline="0" dirty="0" err="1" smtClean="0"/>
-              <a:t>selten</a:t>
-            </a:r>
-            <a:r>
-              <a:rPr lang="en-US" baseline="0" dirty="0" smtClean="0"/>
-              <a:t> auf und </a:t>
-            </a:r>
-            <a:r>
-              <a:rPr lang="en-US" baseline="0" dirty="0" err="1" smtClean="0"/>
-              <a:t>dauern</a:t>
-            </a:r>
-            <a:r>
-              <a:rPr lang="en-US" baseline="0" dirty="0" smtClean="0"/>
-              <a:t> </a:t>
-            </a:r>
-            <a:r>
-              <a:rPr lang="en-US" baseline="0" dirty="0" err="1" smtClean="0"/>
-              <a:t>dann</a:t>
-            </a:r>
-            <a:r>
-              <a:rPr lang="en-US" baseline="0" dirty="0" smtClean="0"/>
-              <a:t> </a:t>
-            </a:r>
-            <a:r>
-              <a:rPr lang="en-US" baseline="0" dirty="0" err="1" smtClean="0"/>
-              <a:t>bis</a:t>
-            </a:r>
-            <a:r>
-              <a:rPr lang="en-US" baseline="0" dirty="0" smtClean="0"/>
-              <a:t> </a:t>
-            </a:r>
-            <a:r>
-              <a:rPr lang="en-US" baseline="0" dirty="0" err="1" smtClean="0"/>
-              <a:t>zu</a:t>
-            </a:r>
-            <a:r>
-              <a:rPr lang="en-US" baseline="0" dirty="0" smtClean="0"/>
-              <a:t> </a:t>
-            </a:r>
-            <a:r>
-              <a:rPr lang="en-US" baseline="0" dirty="0" err="1" smtClean="0"/>
-              <a:t>einigen</a:t>
-            </a:r>
-            <a:r>
-              <a:rPr lang="en-US" baseline="0" dirty="0" smtClean="0"/>
-              <a:t> </a:t>
-            </a:r>
-            <a:r>
-              <a:rPr lang="en-US" baseline="0" dirty="0" err="1" smtClean="0"/>
-              <a:t>zehn</a:t>
-            </a:r>
-            <a:r>
-              <a:rPr lang="en-US" baseline="0" dirty="0" smtClean="0"/>
-              <a:t> </a:t>
-            </a:r>
-            <a:r>
-              <a:rPr lang="en-US" baseline="0" dirty="0" err="1" smtClean="0"/>
-              <a:t>Stunden</a:t>
-            </a:r>
-            <a:r>
-              <a:rPr lang="en-US" baseline="0" dirty="0" smtClean="0"/>
-              <a:t>.</a:t>
-            </a:r>
-          </a:p>
-          <a:p>
-            <a:endParaRPr lang="en-US" baseline="0" dirty="0" smtClean="0"/>
-          </a:p>
-          <a:p>
-            <a:r>
-              <a:rPr lang="en-US" baseline="0" dirty="0" err="1" smtClean="0"/>
-              <a:t>Messzeiten</a:t>
-            </a:r>
-            <a:r>
-              <a:rPr lang="en-US" baseline="0" dirty="0" smtClean="0"/>
-              <a:t> von </a:t>
-            </a:r>
-            <a:r>
-              <a:rPr lang="en-US" baseline="0" dirty="0" err="1" smtClean="0"/>
-              <a:t>einigen</a:t>
-            </a:r>
-            <a:r>
-              <a:rPr lang="en-US" baseline="0" dirty="0" smtClean="0"/>
-              <a:t> </a:t>
-            </a:r>
-            <a:r>
-              <a:rPr lang="en-US" baseline="0" dirty="0" err="1" smtClean="0"/>
-              <a:t>Wochen</a:t>
-            </a:r>
-            <a:r>
-              <a:rPr lang="en-US" baseline="0" dirty="0" smtClean="0"/>
-              <a:t> </a:t>
-            </a:r>
-            <a:r>
-              <a:rPr lang="en-US" baseline="0" dirty="0" err="1" smtClean="0"/>
-              <a:t>bis</a:t>
-            </a:r>
-            <a:r>
-              <a:rPr lang="en-US" baseline="0" dirty="0" smtClean="0"/>
-              <a:t> </a:t>
-            </a:r>
-            <a:r>
-              <a:rPr lang="en-US" baseline="0" dirty="0" err="1" smtClean="0"/>
-              <a:t>Monaten</a:t>
-            </a:r>
-            <a:r>
-              <a:rPr lang="en-US" baseline="0" dirty="0" smtClean="0"/>
-              <a:t> </a:t>
-            </a:r>
-            <a:r>
-              <a:rPr lang="en-US" baseline="0" dirty="0" err="1" smtClean="0"/>
-              <a:t>sind</a:t>
-            </a:r>
-            <a:r>
-              <a:rPr lang="en-US" baseline="0" dirty="0" smtClean="0"/>
-              <a:t> also </a:t>
-            </a:r>
-            <a:r>
-              <a:rPr lang="en-US" baseline="0" dirty="0" err="1" smtClean="0"/>
-              <a:t>gefordert</a:t>
-            </a:r>
-            <a:r>
-              <a:rPr lang="en-US" baseline="0" dirty="0" smtClean="0"/>
-              <a:t>.</a:t>
-            </a:r>
-          </a:p>
-          <a:p>
-            <a:endParaRPr lang="en-US" baseline="0" dirty="0" smtClean="0"/>
-          </a:p>
-          <a:p>
-            <a:r>
-              <a:rPr lang="en-US" baseline="0" dirty="0" err="1" smtClean="0"/>
-              <a:t>Messstation</a:t>
-            </a:r>
-            <a:r>
-              <a:rPr lang="en-US" baseline="0" dirty="0" smtClean="0"/>
-              <a:t> </a:t>
-            </a:r>
-            <a:r>
-              <a:rPr lang="en-US" baseline="0" dirty="0" err="1" smtClean="0"/>
-              <a:t>müssen</a:t>
-            </a:r>
-            <a:r>
-              <a:rPr lang="en-US" baseline="0" dirty="0" smtClean="0"/>
-              <a:t> also </a:t>
-            </a:r>
-            <a:r>
-              <a:rPr lang="en-US" baseline="0" dirty="0" err="1" smtClean="0"/>
-              <a:t>über</a:t>
-            </a:r>
-            <a:r>
-              <a:rPr lang="en-US" baseline="0" dirty="0" smtClean="0"/>
-              <a:t> </a:t>
-            </a:r>
-            <a:r>
-              <a:rPr lang="en-US" baseline="0" dirty="0" err="1" smtClean="0"/>
-              <a:t>lange</a:t>
-            </a:r>
-            <a:r>
-              <a:rPr lang="en-US" baseline="0" dirty="0" smtClean="0"/>
-              <a:t> </a:t>
-            </a:r>
-            <a:r>
-              <a:rPr lang="en-US" baseline="0" dirty="0" err="1" smtClean="0"/>
-              <a:t>Zeit</a:t>
-            </a:r>
-            <a:r>
-              <a:rPr lang="en-US" baseline="0" dirty="0" smtClean="0"/>
-              <a:t> </a:t>
-            </a:r>
-            <a:r>
-              <a:rPr lang="en-US" baseline="0" dirty="0" err="1" smtClean="0"/>
-              <a:t>autark</a:t>
-            </a:r>
-            <a:r>
-              <a:rPr lang="en-US" baseline="0" dirty="0" smtClean="0"/>
-              <a:t> </a:t>
-            </a:r>
-            <a:r>
-              <a:rPr lang="en-US" baseline="0" dirty="0" err="1" smtClean="0"/>
-              <a:t>betrieben</a:t>
-            </a:r>
-            <a:r>
-              <a:rPr lang="en-US" baseline="0" dirty="0" smtClean="0"/>
-              <a:t> </a:t>
-            </a:r>
-            <a:r>
-              <a:rPr lang="en-US" baseline="0" dirty="0" err="1" smtClean="0"/>
-              <a:t>werden</a:t>
-            </a:r>
-            <a:r>
-              <a:rPr lang="en-US" baseline="0" dirty="0" smtClean="0"/>
-              <a:t> </a:t>
-            </a:r>
-            <a:r>
-              <a:rPr lang="en-US" baseline="0" dirty="0" err="1" smtClean="0"/>
-              <a:t>können</a:t>
-            </a:r>
-            <a:r>
-              <a:rPr lang="en-US" baseline="0" dirty="0" smtClean="0"/>
-              <a:t> und </a:t>
-            </a:r>
-            <a:r>
-              <a:rPr lang="en-US" baseline="0" dirty="0" err="1" smtClean="0"/>
-              <a:t>möglichst</a:t>
-            </a:r>
-            <a:r>
-              <a:rPr lang="en-US" baseline="0" dirty="0" smtClean="0"/>
-              <a:t> </a:t>
-            </a:r>
-            <a:r>
-              <a:rPr lang="en-US" baseline="0" dirty="0" err="1" smtClean="0"/>
-              <a:t>nur</a:t>
-            </a:r>
-            <a:r>
-              <a:rPr lang="en-US" baseline="0" dirty="0" smtClean="0"/>
-              <a:t> </a:t>
-            </a:r>
-            <a:r>
-              <a:rPr lang="en-US" baseline="0" dirty="0" err="1" smtClean="0"/>
-              <a:t>interessante</a:t>
-            </a:r>
-            <a:r>
-              <a:rPr lang="en-US" baseline="0" dirty="0" smtClean="0"/>
-              <a:t> </a:t>
-            </a:r>
-            <a:r>
-              <a:rPr lang="en-US" baseline="0" dirty="0" err="1" smtClean="0"/>
-              <a:t>Daten</a:t>
-            </a:r>
-            <a:r>
-              <a:rPr lang="en-US" baseline="0" dirty="0" smtClean="0"/>
-              <a:t> </a:t>
-            </a:r>
-            <a:r>
-              <a:rPr lang="en-US" baseline="0" dirty="0" err="1" smtClean="0"/>
-              <a:t>aufzeichnen</a:t>
-            </a:r>
-            <a:r>
-              <a:rPr lang="en-US" baseline="0" dirty="0" smtClean="0"/>
-              <a:t>, </a:t>
-            </a:r>
-            <a:r>
-              <a:rPr lang="en-US" baseline="0" dirty="0" err="1" smtClean="0"/>
-              <a:t>damit</a:t>
-            </a:r>
-            <a:r>
-              <a:rPr lang="en-US" baseline="0" dirty="0" smtClean="0"/>
-              <a:t> </a:t>
-            </a:r>
-            <a:r>
-              <a:rPr lang="en-US" baseline="0" dirty="0" err="1" smtClean="0"/>
-              <a:t>bei</a:t>
-            </a:r>
-            <a:r>
-              <a:rPr lang="en-US" baseline="0" dirty="0" smtClean="0"/>
-              <a:t> </a:t>
-            </a:r>
-            <a:r>
-              <a:rPr lang="en-US" baseline="0" dirty="0" err="1" smtClean="0"/>
-              <a:t>intensiven</a:t>
-            </a:r>
-            <a:r>
-              <a:rPr lang="en-US" baseline="0" dirty="0" smtClean="0"/>
-              <a:t> </a:t>
-            </a:r>
-            <a:r>
-              <a:rPr lang="en-US" baseline="0" dirty="0" err="1" smtClean="0"/>
-              <a:t>Ereignissen</a:t>
-            </a:r>
-            <a:r>
-              <a:rPr lang="en-US" baseline="0" dirty="0" smtClean="0"/>
-              <a:t> </a:t>
-            </a:r>
-            <a:r>
-              <a:rPr lang="en-US" baseline="0" dirty="0" err="1" smtClean="0"/>
-              <a:t>Speicherplatz</a:t>
-            </a:r>
-            <a:r>
-              <a:rPr lang="en-US" baseline="0" dirty="0" smtClean="0"/>
-              <a:t> </a:t>
-            </a:r>
-            <a:r>
-              <a:rPr lang="en-US" baseline="0" dirty="0" err="1" smtClean="0"/>
-              <a:t>vorhanden</a:t>
-            </a:r>
-            <a:r>
-              <a:rPr lang="en-US" baseline="0" dirty="0" smtClean="0"/>
-              <a:t> </a:t>
-            </a:r>
-            <a:r>
-              <a:rPr lang="en-US" baseline="0" dirty="0" err="1" smtClean="0"/>
-              <a:t>ist</a:t>
-            </a:r>
-            <a:endParaRPr lang="en-US" baseline="0" dirty="0" smtClean="0"/>
+            <a:endParaRPr lang="de-CH"/>
           </a:p>
         </p:txBody>
       </p:sp>
@@ -1054,7 +579,7 @@
           <a:p>
             <a:fld id="{E7AE4CB0-9792-D74D-9E49-F892F9A51ADF}" type="slidenum">
               <a:rPr lang="en-US" smtClean="0"/>
-              <a:t>3</a:t>
+              <a:t>1</a:t>
             </a:fld>
             <a:endParaRPr lang="en-US"/>
           </a:p>
@@ -1063,7 +588,1479 @@
     </p:spTree>
     <p:extLst>
       <p:ext uri="{BB962C8B-B14F-4D97-AF65-F5344CB8AC3E}">
-        <p14:creationId xmlns:p14="http://schemas.microsoft.com/office/powerpoint/2010/main" val="2611121099"/>
+        <p14:creationId xmlns:p14="http://schemas.microsoft.com/office/powerpoint/2010/main" val="708881703"/>
+      </p:ext>
+    </p:extLst>
+  </p:cSld>
+  <p:clrMapOvr>
+    <a:masterClrMapping/>
+  </p:clrMapOvr>
+</p:notes>
+</file>
+
+<file path=ppt/notesSlides/notesSlide10.xml><?xml version="1.0" encoding="utf-8"?>
+<p:notes xmlns:a="http://schemas.openxmlformats.org/drawingml/2006/main" xmlns:r="http://schemas.openxmlformats.org/officeDocument/2006/relationships" xmlns:p="http://schemas.openxmlformats.org/presentationml/2006/main">
+  <p:cSld>
+    <p:spTree>
+      <p:nvGrpSpPr>
+        <p:cNvPr id="1" name=""/>
+        <p:cNvGrpSpPr/>
+        <p:nvPr/>
+      </p:nvGrpSpPr>
+      <p:grpSpPr>
+        <a:xfrm>
+          <a:off x="0" y="0"/>
+          <a:ext cx="0" cy="0"/>
+          <a:chOff x="0" y="0"/>
+          <a:chExt cx="0" cy="0"/>
+        </a:xfrm>
+      </p:grpSpPr>
+      <p:sp>
+        <p:nvSpPr>
+          <p:cNvPr id="2" name="Slide Image Placeholder 1"/>
+          <p:cNvSpPr>
+            <a:spLocks noGrp="1" noRot="1" noChangeAspect="1"/>
+          </p:cNvSpPr>
+          <p:nvPr>
+            <p:ph type="sldImg"/>
+          </p:nvPr>
+        </p:nvSpPr>
+        <p:spPr/>
+      </p:sp>
+      <p:sp>
+        <p:nvSpPr>
+          <p:cNvPr id="3" name="Notes Placeholder 2"/>
+          <p:cNvSpPr>
+            <a:spLocks noGrp="1"/>
+          </p:cNvSpPr>
+          <p:nvPr>
+            <p:ph type="body" idx="1"/>
+          </p:nvPr>
+        </p:nvSpPr>
+        <p:spPr/>
+        <p:txBody>
+          <a:bodyPr/>
+          <a:lstStyle/>
+          <a:p>
+            <a:r>
+              <a:rPr lang="en-US" b="1" dirty="0" smtClean="0"/>
+              <a:t>MEMS: </a:t>
+            </a:r>
+            <a:r>
+              <a:rPr lang="en-US" b="1" dirty="0" err="1" smtClean="0"/>
+              <a:t>Microelectromechanical</a:t>
+            </a:r>
+            <a:r>
+              <a:rPr lang="en-US" b="1" baseline="0" dirty="0" smtClean="0"/>
+              <a:t> System</a:t>
+            </a:r>
+          </a:p>
+          <a:p>
+            <a:r>
+              <a:rPr lang="en-US" baseline="0" dirty="0" smtClean="0"/>
+              <a:t>5 x 5 x 2.4 mm </a:t>
+            </a:r>
+            <a:r>
+              <a:rPr lang="en-US" baseline="0" dirty="0" smtClean="0"/>
+              <a:t>grosser </a:t>
+            </a:r>
+            <a:r>
+              <a:rPr lang="en-US" baseline="0" dirty="0" err="1" smtClean="0"/>
+              <a:t>Beschleunigungssensor</a:t>
+            </a:r>
+            <a:r>
+              <a:rPr lang="en-US" baseline="0" dirty="0" smtClean="0"/>
+              <a:t>, </a:t>
+            </a:r>
+          </a:p>
+          <a:p>
+            <a:r>
+              <a:rPr lang="en-US" baseline="0" dirty="0" err="1" smtClean="0"/>
+              <a:t>Messbereich</a:t>
+            </a:r>
+            <a:r>
+              <a:rPr lang="en-US" baseline="0" dirty="0" smtClean="0"/>
+              <a:t> +/- 70 g,</a:t>
+            </a:r>
+          </a:p>
+          <a:p>
+            <a:r>
+              <a:rPr lang="en-US" baseline="0" dirty="0" err="1" smtClean="0"/>
+              <a:t>eine</a:t>
+            </a:r>
+            <a:r>
+              <a:rPr lang="en-US" baseline="0" dirty="0" smtClean="0"/>
+              <a:t> </a:t>
+            </a:r>
+            <a:r>
+              <a:rPr lang="en-US" baseline="0" dirty="0" err="1" smtClean="0"/>
+              <a:t>Achse</a:t>
+            </a:r>
+            <a:r>
+              <a:rPr lang="en-US" baseline="0" dirty="0" smtClean="0"/>
+              <a:t>. </a:t>
+            </a:r>
+          </a:p>
+          <a:p>
+            <a:r>
+              <a:rPr lang="en-US" baseline="0" dirty="0" err="1" smtClean="0"/>
+              <a:t>Ausgabe</a:t>
+            </a:r>
+            <a:r>
+              <a:rPr lang="en-US" baseline="0" dirty="0" smtClean="0"/>
+              <a:t> des </a:t>
+            </a:r>
+            <a:r>
+              <a:rPr lang="en-US" baseline="0" dirty="0" err="1" smtClean="0"/>
+              <a:t>Messwerts</a:t>
+            </a:r>
+            <a:r>
+              <a:rPr lang="en-US" baseline="0" dirty="0" smtClean="0"/>
+              <a:t> </a:t>
+            </a:r>
+            <a:r>
+              <a:rPr lang="en-US" baseline="0" dirty="0" err="1" smtClean="0"/>
+              <a:t>als</a:t>
+            </a:r>
+            <a:r>
+              <a:rPr lang="en-US" baseline="0" dirty="0" smtClean="0"/>
+              <a:t> </a:t>
+            </a:r>
+            <a:r>
+              <a:rPr lang="en-US" baseline="0" dirty="0" err="1" smtClean="0"/>
+              <a:t>analoge</a:t>
+            </a:r>
+            <a:r>
+              <a:rPr lang="en-US" baseline="0" dirty="0" smtClean="0"/>
+              <a:t> </a:t>
+            </a:r>
+            <a:r>
+              <a:rPr lang="en-US" baseline="0" dirty="0" err="1" smtClean="0"/>
+              <a:t>Spannung</a:t>
+            </a:r>
+            <a:r>
+              <a:rPr lang="en-US" baseline="0" dirty="0" smtClean="0"/>
+              <a:t> </a:t>
+            </a:r>
+            <a:r>
+              <a:rPr lang="en-US" baseline="0" dirty="0" err="1" smtClean="0"/>
+              <a:t>zwischen</a:t>
+            </a:r>
+            <a:r>
+              <a:rPr lang="en-US" baseline="0" dirty="0" smtClean="0"/>
+              <a:t> 0..3.3 V</a:t>
+            </a:r>
+          </a:p>
+          <a:p>
+            <a:endParaRPr lang="en-US" baseline="0" dirty="0" smtClean="0"/>
+          </a:p>
+          <a:p>
+            <a:r>
+              <a:rPr lang="en-US" b="1" baseline="0" dirty="0" smtClean="0"/>
+              <a:t>ARM Cortex M4 </a:t>
+            </a:r>
+            <a:r>
+              <a:rPr lang="en-US" b="1" baseline="0" dirty="0" err="1" smtClean="0"/>
+              <a:t>Prozessor</a:t>
+            </a:r>
+            <a:r>
+              <a:rPr lang="en-US" b="1" baseline="0" dirty="0" smtClean="0"/>
+              <a:t> </a:t>
+            </a:r>
+            <a:r>
+              <a:rPr lang="en-US" baseline="0" dirty="0" smtClean="0"/>
+              <a:t>von NXP auf </a:t>
+            </a:r>
+            <a:r>
+              <a:rPr lang="en-US" baseline="0" dirty="0" err="1" smtClean="0"/>
+              <a:t>einem</a:t>
+            </a:r>
+            <a:r>
+              <a:rPr lang="en-US" baseline="0" dirty="0" smtClean="0"/>
+              <a:t> </a:t>
+            </a:r>
+            <a:r>
+              <a:rPr lang="en-US" baseline="0" dirty="0" err="1" smtClean="0"/>
+              <a:t>QuickStart</a:t>
+            </a:r>
+            <a:r>
+              <a:rPr lang="en-US" baseline="0" dirty="0" smtClean="0"/>
+              <a:t> Board von Embedded Artists. </a:t>
+            </a:r>
+          </a:p>
+          <a:p>
+            <a:r>
+              <a:rPr lang="en-US" baseline="0" dirty="0" smtClean="0"/>
+              <a:t>120 MHz, </a:t>
+            </a:r>
+          </a:p>
+          <a:p>
+            <a:r>
+              <a:rPr lang="en-US" baseline="0" dirty="0" smtClean="0"/>
+              <a:t>A/D-</a:t>
+            </a:r>
+            <a:r>
+              <a:rPr lang="en-US" baseline="0" dirty="0" err="1" smtClean="0"/>
+              <a:t>Wandler</a:t>
+            </a:r>
+            <a:r>
+              <a:rPr lang="en-US" baseline="0" dirty="0" smtClean="0"/>
+              <a:t> </a:t>
+            </a:r>
+            <a:r>
+              <a:rPr lang="en-US" baseline="0" dirty="0" err="1" smtClean="0"/>
+              <a:t>bis</a:t>
+            </a:r>
+            <a:r>
+              <a:rPr lang="en-US" baseline="0" dirty="0" smtClean="0"/>
+              <a:t> 400 kHz, </a:t>
+            </a:r>
+          </a:p>
+          <a:p>
+            <a:r>
+              <a:rPr lang="en-US" baseline="0" dirty="0" smtClean="0"/>
+              <a:t>32 MB SDRAM auf </a:t>
+            </a:r>
+            <a:r>
+              <a:rPr lang="en-US" baseline="0" dirty="0" err="1" smtClean="0"/>
+              <a:t>dem</a:t>
+            </a:r>
+            <a:r>
+              <a:rPr lang="en-US" baseline="0" dirty="0" smtClean="0"/>
+              <a:t> Board. </a:t>
+            </a:r>
+          </a:p>
+          <a:p>
+            <a:r>
+              <a:rPr lang="en-US" baseline="0" dirty="0" smtClean="0"/>
+              <a:t>DSP: Single-cycle </a:t>
+            </a:r>
+            <a:r>
+              <a:rPr lang="en-US" baseline="0" dirty="0" err="1" smtClean="0"/>
+              <a:t>Multiplikation</a:t>
+            </a:r>
+            <a:r>
+              <a:rPr lang="en-US" baseline="0" dirty="0" smtClean="0"/>
+              <a:t>, FPU, </a:t>
+            </a:r>
+          </a:p>
+          <a:p>
+            <a:endParaRPr lang="en-US" baseline="0" dirty="0" smtClean="0"/>
+          </a:p>
+          <a:p>
+            <a:r>
+              <a:rPr lang="en-US" b="1" baseline="0" dirty="0" smtClean="0"/>
+              <a:t>CAN-Bus: </a:t>
+            </a:r>
+          </a:p>
+          <a:p>
+            <a:r>
+              <a:rPr lang="en-US" baseline="0" dirty="0" smtClean="0"/>
+              <a:t>1 Mbit/s, 40 m, </a:t>
+            </a:r>
+          </a:p>
+          <a:p>
+            <a:r>
+              <a:rPr lang="en-US" baseline="0" dirty="0" err="1" smtClean="0"/>
+              <a:t>bei</a:t>
+            </a:r>
+            <a:r>
+              <a:rPr lang="en-US" baseline="0" dirty="0" smtClean="0"/>
+              <a:t> </a:t>
+            </a:r>
+            <a:r>
+              <a:rPr lang="en-US" baseline="0" dirty="0" err="1" smtClean="0"/>
+              <a:t>Bedarf</a:t>
+            </a:r>
+            <a:r>
+              <a:rPr lang="en-US" baseline="0" dirty="0" smtClean="0"/>
+              <a:t> </a:t>
+            </a:r>
+            <a:r>
+              <a:rPr lang="en-US" baseline="0" dirty="0" err="1" smtClean="0"/>
+              <a:t>länger</a:t>
+            </a:r>
+            <a:r>
+              <a:rPr lang="en-US" baseline="0" dirty="0" smtClean="0"/>
+              <a:t> </a:t>
+            </a:r>
+            <a:r>
+              <a:rPr lang="en-US" baseline="0" dirty="0" err="1" smtClean="0"/>
+              <a:t>aber</a:t>
+            </a:r>
+            <a:r>
+              <a:rPr lang="en-US" baseline="0" dirty="0" smtClean="0"/>
+              <a:t> </a:t>
+            </a:r>
+            <a:r>
+              <a:rPr lang="en-US" baseline="0" dirty="0" err="1" smtClean="0"/>
+              <a:t>langsamer</a:t>
+            </a:r>
+            <a:r>
+              <a:rPr lang="en-US" baseline="0" dirty="0" smtClean="0"/>
+              <a:t>. </a:t>
+            </a:r>
+          </a:p>
+          <a:p>
+            <a:r>
+              <a:rPr lang="en-US" baseline="0" dirty="0" err="1" smtClean="0"/>
+              <a:t>Fehlererkennung</a:t>
+            </a:r>
+            <a:r>
+              <a:rPr lang="en-US" baseline="0" dirty="0" smtClean="0"/>
+              <a:t> </a:t>
+            </a:r>
+            <a:r>
+              <a:rPr lang="en-US" baseline="0" dirty="0" err="1" smtClean="0"/>
+              <a:t>integriert</a:t>
+            </a:r>
+            <a:r>
+              <a:rPr lang="en-US" baseline="0" dirty="0" smtClean="0"/>
+              <a:t>. Robust, </a:t>
+            </a:r>
+          </a:p>
+          <a:p>
+            <a:r>
+              <a:rPr lang="en-US" baseline="0" dirty="0" err="1" smtClean="0"/>
+              <a:t>differenzielle</a:t>
+            </a:r>
+            <a:r>
+              <a:rPr lang="en-US" baseline="0" dirty="0" smtClean="0"/>
+              <a:t> </a:t>
+            </a:r>
+            <a:r>
+              <a:rPr lang="en-US" baseline="0" dirty="0" err="1" smtClean="0"/>
+              <a:t>Leitungen</a:t>
+            </a:r>
+            <a:r>
+              <a:rPr lang="en-US" baseline="0" dirty="0" smtClean="0"/>
+              <a:t> </a:t>
+            </a:r>
+            <a:r>
+              <a:rPr lang="en-US" baseline="0" dirty="0" err="1" smtClean="0"/>
+              <a:t>störungsunempfindlich</a:t>
+            </a:r>
+            <a:r>
+              <a:rPr lang="en-US" baseline="0" dirty="0" smtClean="0"/>
+              <a:t>. </a:t>
+            </a:r>
+          </a:p>
+          <a:p>
+            <a:r>
+              <a:rPr lang="en-US" baseline="0" dirty="0" err="1" smtClean="0"/>
+              <a:t>Filterung</a:t>
+            </a:r>
+            <a:r>
+              <a:rPr lang="en-US" baseline="0" dirty="0" smtClean="0"/>
+              <a:t> der </a:t>
+            </a:r>
+            <a:r>
+              <a:rPr lang="en-US" baseline="0" dirty="0" err="1" smtClean="0"/>
+              <a:t>Meldungen</a:t>
+            </a:r>
+            <a:r>
+              <a:rPr lang="en-US" baseline="0" dirty="0" smtClean="0"/>
+              <a:t> </a:t>
+            </a:r>
+            <a:r>
+              <a:rPr lang="en-US" baseline="0" dirty="0" err="1" smtClean="0"/>
+              <a:t>im</a:t>
+            </a:r>
+            <a:r>
+              <a:rPr lang="en-US" baseline="0" dirty="0" smtClean="0"/>
+              <a:t> CAN-Controller, CPU </a:t>
+            </a:r>
+            <a:r>
+              <a:rPr lang="en-US" baseline="0" dirty="0" err="1" smtClean="0"/>
+              <a:t>wird</a:t>
+            </a:r>
+            <a:r>
+              <a:rPr lang="en-US" baseline="0" dirty="0" smtClean="0"/>
+              <a:t> </a:t>
+            </a:r>
+            <a:r>
+              <a:rPr lang="en-US" baseline="0" dirty="0" err="1" smtClean="0"/>
+              <a:t>nur</a:t>
+            </a:r>
+            <a:r>
+              <a:rPr lang="en-US" baseline="0" dirty="0" smtClean="0"/>
+              <a:t> </a:t>
+            </a:r>
+            <a:r>
+              <a:rPr lang="en-US" baseline="0" dirty="0" err="1" smtClean="0"/>
+              <a:t>bei</a:t>
+            </a:r>
+            <a:r>
+              <a:rPr lang="en-US" baseline="0" dirty="0" smtClean="0"/>
+              <a:t> </a:t>
+            </a:r>
+            <a:r>
+              <a:rPr lang="en-US" baseline="0" dirty="0" err="1" smtClean="0"/>
+              <a:t>Bedarf</a:t>
+            </a:r>
+            <a:r>
+              <a:rPr lang="en-US" baseline="0" dirty="0" smtClean="0"/>
+              <a:t> </a:t>
+            </a:r>
+            <a:r>
+              <a:rPr lang="en-US" baseline="0" dirty="0" err="1" smtClean="0"/>
+              <a:t>beansprucht</a:t>
+            </a:r>
+            <a:r>
+              <a:rPr lang="en-US" baseline="0" dirty="0" smtClean="0"/>
+              <a:t>.</a:t>
+            </a:r>
+          </a:p>
+          <a:p>
+            <a:endParaRPr lang="en-US" baseline="0" dirty="0" smtClean="0"/>
+          </a:p>
+          <a:p>
+            <a:r>
+              <a:rPr lang="en-US" b="1" baseline="0" dirty="0" err="1" smtClean="0"/>
+              <a:t>Versorgungsspannung</a:t>
+            </a:r>
+            <a:endParaRPr lang="en-US" b="1" baseline="0" dirty="0" smtClean="0"/>
+          </a:p>
+          <a:p>
+            <a:r>
+              <a:rPr lang="en-US" b="0" baseline="0" dirty="0" smtClean="0"/>
+              <a:t>In CAN-</a:t>
+            </a:r>
+            <a:r>
+              <a:rPr lang="en-US" b="0" baseline="0" dirty="0" err="1" smtClean="0"/>
+              <a:t>Buskabel</a:t>
+            </a:r>
+            <a:r>
+              <a:rPr lang="en-US" b="0" baseline="0" dirty="0" smtClean="0"/>
+              <a:t> </a:t>
+            </a:r>
+            <a:r>
+              <a:rPr lang="en-US" b="0" baseline="0" dirty="0" err="1" smtClean="0"/>
+              <a:t>integriert</a:t>
+            </a:r>
+            <a:r>
+              <a:rPr lang="en-US" b="0" baseline="0" dirty="0" smtClean="0"/>
+              <a:t>, 12 V</a:t>
+            </a:r>
+          </a:p>
+        </p:txBody>
+      </p:sp>
+      <p:sp>
+        <p:nvSpPr>
+          <p:cNvPr id="4" name="Slide Number Placeholder 3"/>
+          <p:cNvSpPr>
+            <a:spLocks noGrp="1"/>
+          </p:cNvSpPr>
+          <p:nvPr>
+            <p:ph type="sldNum" sz="quarter" idx="10"/>
+          </p:nvPr>
+        </p:nvSpPr>
+        <p:spPr/>
+        <p:txBody>
+          <a:bodyPr/>
+          <a:lstStyle/>
+          <a:p>
+            <a:fld id="{E7AE4CB0-9792-D74D-9E49-F892F9A51ADF}" type="slidenum">
+              <a:rPr lang="en-US" smtClean="0"/>
+              <a:t>10</a:t>
+            </a:fld>
+            <a:endParaRPr lang="en-US"/>
+          </a:p>
+        </p:txBody>
+      </p:sp>
+    </p:spTree>
+    <p:extLst>
+      <p:ext uri="{BB962C8B-B14F-4D97-AF65-F5344CB8AC3E}">
+        <p14:creationId xmlns:p14="http://schemas.microsoft.com/office/powerpoint/2010/main" val="2822903022"/>
+      </p:ext>
+    </p:extLst>
+  </p:cSld>
+  <p:clrMapOvr>
+    <a:masterClrMapping/>
+  </p:clrMapOvr>
+</p:notes>
+</file>
+
+<file path=ppt/notesSlides/notesSlide11.xml><?xml version="1.0" encoding="utf-8"?>
+<p:notes xmlns:a="http://schemas.openxmlformats.org/drawingml/2006/main" xmlns:r="http://schemas.openxmlformats.org/officeDocument/2006/relationships" xmlns:p="http://schemas.openxmlformats.org/presentationml/2006/main">
+  <p:cSld>
+    <p:spTree>
+      <p:nvGrpSpPr>
+        <p:cNvPr id="1" name=""/>
+        <p:cNvGrpSpPr/>
+        <p:nvPr/>
+      </p:nvGrpSpPr>
+      <p:grpSpPr>
+        <a:xfrm>
+          <a:off x="0" y="0"/>
+          <a:ext cx="0" cy="0"/>
+          <a:chOff x="0" y="0"/>
+          <a:chExt cx="0" cy="0"/>
+        </a:xfrm>
+      </p:grpSpPr>
+      <p:sp>
+        <p:nvSpPr>
+          <p:cNvPr id="2" name="Slide Image Placeholder 1"/>
+          <p:cNvSpPr>
+            <a:spLocks noGrp="1" noRot="1" noChangeAspect="1"/>
+          </p:cNvSpPr>
+          <p:nvPr>
+            <p:ph type="sldImg"/>
+          </p:nvPr>
+        </p:nvSpPr>
+        <p:spPr/>
+      </p:sp>
+      <p:sp>
+        <p:nvSpPr>
+          <p:cNvPr id="3" name="Notes Placeholder 2"/>
+          <p:cNvSpPr>
+            <a:spLocks noGrp="1"/>
+          </p:cNvSpPr>
+          <p:nvPr>
+            <p:ph type="body" idx="1"/>
+          </p:nvPr>
+        </p:nvSpPr>
+        <p:spPr/>
+        <p:txBody>
+          <a:bodyPr/>
+          <a:lstStyle/>
+          <a:p>
+            <a:endParaRPr lang="de-CH"/>
+          </a:p>
+        </p:txBody>
+      </p:sp>
+      <p:sp>
+        <p:nvSpPr>
+          <p:cNvPr id="4" name="Slide Number Placeholder 3"/>
+          <p:cNvSpPr>
+            <a:spLocks noGrp="1"/>
+          </p:cNvSpPr>
+          <p:nvPr>
+            <p:ph type="sldNum" sz="quarter" idx="10"/>
+          </p:nvPr>
+        </p:nvSpPr>
+        <p:spPr/>
+        <p:txBody>
+          <a:bodyPr/>
+          <a:lstStyle/>
+          <a:p>
+            <a:fld id="{E7AE4CB0-9792-D74D-9E49-F892F9A51ADF}" type="slidenum">
+              <a:rPr lang="en-US" smtClean="0"/>
+              <a:t>11</a:t>
+            </a:fld>
+            <a:endParaRPr lang="en-US"/>
+          </a:p>
+        </p:txBody>
+      </p:sp>
+    </p:spTree>
+    <p:extLst>
+      <p:ext uri="{BB962C8B-B14F-4D97-AF65-F5344CB8AC3E}">
+        <p14:creationId xmlns:p14="http://schemas.microsoft.com/office/powerpoint/2010/main" val="1650179313"/>
+      </p:ext>
+    </p:extLst>
+  </p:cSld>
+  <p:clrMapOvr>
+    <a:masterClrMapping/>
+  </p:clrMapOvr>
+</p:notes>
+</file>
+
+<file path=ppt/notesSlides/notesSlide12.xml><?xml version="1.0" encoding="utf-8"?>
+<p:notes xmlns:a="http://schemas.openxmlformats.org/drawingml/2006/main" xmlns:r="http://schemas.openxmlformats.org/officeDocument/2006/relationships" xmlns:p="http://schemas.openxmlformats.org/presentationml/2006/main">
+  <p:cSld>
+    <p:spTree>
+      <p:nvGrpSpPr>
+        <p:cNvPr id="1" name=""/>
+        <p:cNvGrpSpPr/>
+        <p:nvPr/>
+      </p:nvGrpSpPr>
+      <p:grpSpPr>
+        <a:xfrm>
+          <a:off x="0" y="0"/>
+          <a:ext cx="0" cy="0"/>
+          <a:chOff x="0" y="0"/>
+          <a:chExt cx="0" cy="0"/>
+        </a:xfrm>
+      </p:grpSpPr>
+      <p:sp>
+        <p:nvSpPr>
+          <p:cNvPr id="2" name="Slide Image Placeholder 1"/>
+          <p:cNvSpPr>
+            <a:spLocks noGrp="1" noRot="1" noChangeAspect="1"/>
+          </p:cNvSpPr>
+          <p:nvPr>
+            <p:ph type="sldImg"/>
+          </p:nvPr>
+        </p:nvSpPr>
+        <p:spPr/>
+      </p:sp>
+      <p:sp>
+        <p:nvSpPr>
+          <p:cNvPr id="3" name="Notes Placeholder 2"/>
+          <p:cNvSpPr>
+            <a:spLocks noGrp="1"/>
+          </p:cNvSpPr>
+          <p:nvPr>
+            <p:ph type="body" idx="1"/>
+          </p:nvPr>
+        </p:nvSpPr>
+        <p:spPr/>
+        <p:txBody>
+          <a:bodyPr/>
+          <a:lstStyle/>
+          <a:p>
+            <a:r>
+              <a:rPr lang="de-CH" b="1" dirty="0" smtClean="0"/>
+              <a:t>Hilbert-Transformation</a:t>
+            </a:r>
+          </a:p>
+          <a:p>
+            <a:r>
+              <a:rPr lang="de-CH" b="0" dirty="0" smtClean="0"/>
+              <a:t>Aufwand:</a:t>
+            </a:r>
+            <a:r>
+              <a:rPr lang="de-CH" b="0" baseline="0" dirty="0" smtClean="0"/>
+              <a:t> FFT 128 Blockgrösse, dann IFFT, je 7 komplexe MADs, Multiplikation mit H = [1 2 2 2 2 2… 1 0 0 0 0 0…] danach Betrag bilden</a:t>
+            </a:r>
+          </a:p>
+          <a:p>
+            <a:endParaRPr lang="de-CH" b="0" baseline="0" dirty="0" smtClean="0"/>
+          </a:p>
+          <a:p>
+            <a:endParaRPr lang="de-CH" b="0" dirty="0"/>
+          </a:p>
+        </p:txBody>
+      </p:sp>
+      <p:sp>
+        <p:nvSpPr>
+          <p:cNvPr id="4" name="Slide Number Placeholder 3"/>
+          <p:cNvSpPr>
+            <a:spLocks noGrp="1"/>
+          </p:cNvSpPr>
+          <p:nvPr>
+            <p:ph type="sldNum" sz="quarter" idx="10"/>
+          </p:nvPr>
+        </p:nvSpPr>
+        <p:spPr/>
+        <p:txBody>
+          <a:bodyPr/>
+          <a:lstStyle/>
+          <a:p>
+            <a:fld id="{E7AE4CB0-9792-D74D-9E49-F892F9A51ADF}" type="slidenum">
+              <a:rPr lang="en-US" smtClean="0"/>
+              <a:t>13</a:t>
+            </a:fld>
+            <a:endParaRPr lang="en-US"/>
+          </a:p>
+        </p:txBody>
+      </p:sp>
+    </p:spTree>
+    <p:extLst>
+      <p:ext uri="{BB962C8B-B14F-4D97-AF65-F5344CB8AC3E}">
+        <p14:creationId xmlns:p14="http://schemas.microsoft.com/office/powerpoint/2010/main" val="1543425440"/>
+      </p:ext>
+    </p:extLst>
+  </p:cSld>
+  <p:clrMapOvr>
+    <a:masterClrMapping/>
+  </p:clrMapOvr>
+</p:notes>
+</file>
+
+<file path=ppt/notesSlides/notesSlide13.xml><?xml version="1.0" encoding="utf-8"?>
+<p:notes xmlns:a="http://schemas.openxmlformats.org/drawingml/2006/main" xmlns:r="http://schemas.openxmlformats.org/officeDocument/2006/relationships" xmlns:p="http://schemas.openxmlformats.org/presentationml/2006/main">
+  <p:cSld>
+    <p:spTree>
+      <p:nvGrpSpPr>
+        <p:cNvPr id="1" name=""/>
+        <p:cNvGrpSpPr/>
+        <p:nvPr/>
+      </p:nvGrpSpPr>
+      <p:grpSpPr>
+        <a:xfrm>
+          <a:off x="0" y="0"/>
+          <a:ext cx="0" cy="0"/>
+          <a:chOff x="0" y="0"/>
+          <a:chExt cx="0" cy="0"/>
+        </a:xfrm>
+      </p:grpSpPr>
+      <p:sp>
+        <p:nvSpPr>
+          <p:cNvPr id="2" name="Slide Image Placeholder 1"/>
+          <p:cNvSpPr>
+            <a:spLocks noGrp="1" noRot="1" noChangeAspect="1"/>
+          </p:cNvSpPr>
+          <p:nvPr>
+            <p:ph type="sldImg"/>
+          </p:nvPr>
+        </p:nvSpPr>
+        <p:spPr/>
+      </p:sp>
+      <p:sp>
+        <p:nvSpPr>
+          <p:cNvPr id="3" name="Notes Placeholder 2"/>
+          <p:cNvSpPr>
+            <a:spLocks noGrp="1"/>
+          </p:cNvSpPr>
+          <p:nvPr>
+            <p:ph type="body" idx="1"/>
+          </p:nvPr>
+        </p:nvSpPr>
+        <p:spPr/>
+        <p:txBody>
+          <a:bodyPr/>
+          <a:lstStyle/>
+          <a:p>
+            <a:r>
+              <a:rPr lang="de-CH" dirty="0" smtClean="0"/>
+              <a:t>Start-Zeitpunkt</a:t>
+            </a:r>
+          </a:p>
+          <a:p>
+            <a:endParaRPr lang="de-CH" dirty="0" smtClean="0"/>
+          </a:p>
+          <a:p>
+            <a:r>
+              <a:rPr lang="de-CH" dirty="0" err="1" smtClean="0"/>
+              <a:t>Threshold</a:t>
+            </a:r>
+            <a:r>
+              <a:rPr lang="de-CH" dirty="0" smtClean="0"/>
+              <a:t>: Schwellenwert</a:t>
+            </a:r>
+          </a:p>
+          <a:p>
+            <a:endParaRPr lang="de-CH" dirty="0" smtClean="0"/>
+          </a:p>
+          <a:p>
+            <a:r>
+              <a:rPr lang="de-CH" dirty="0" smtClean="0"/>
+              <a:t>Nullpegel:</a:t>
+            </a:r>
+            <a:r>
+              <a:rPr lang="de-CH" baseline="0" dirty="0" smtClean="0"/>
+              <a:t> zur Justierung auf individuellen Sensor und Orientierung (Erdanziehung)</a:t>
+            </a:r>
+          </a:p>
+          <a:p>
+            <a:endParaRPr lang="de-CH" baseline="0" dirty="0" smtClean="0"/>
+          </a:p>
+          <a:p>
+            <a:r>
+              <a:rPr lang="de-CH" baseline="0" dirty="0" smtClean="0"/>
+              <a:t>Timeout: Wartezeit auf Beginn eines neuen Peaks</a:t>
+            </a:r>
+            <a:endParaRPr lang="de-CH" dirty="0"/>
+          </a:p>
+        </p:txBody>
+      </p:sp>
+      <p:sp>
+        <p:nvSpPr>
+          <p:cNvPr id="4" name="Slide Number Placeholder 3"/>
+          <p:cNvSpPr>
+            <a:spLocks noGrp="1"/>
+          </p:cNvSpPr>
+          <p:nvPr>
+            <p:ph type="sldNum" sz="quarter" idx="10"/>
+          </p:nvPr>
+        </p:nvSpPr>
+        <p:spPr/>
+        <p:txBody>
+          <a:bodyPr/>
+          <a:lstStyle/>
+          <a:p>
+            <a:fld id="{E7AE4CB0-9792-D74D-9E49-F892F9A51ADF}" type="slidenum">
+              <a:rPr lang="en-US" smtClean="0"/>
+              <a:t>15</a:t>
+            </a:fld>
+            <a:endParaRPr lang="en-US"/>
+          </a:p>
+        </p:txBody>
+      </p:sp>
+    </p:spTree>
+    <p:extLst>
+      <p:ext uri="{BB962C8B-B14F-4D97-AF65-F5344CB8AC3E}">
+        <p14:creationId xmlns:p14="http://schemas.microsoft.com/office/powerpoint/2010/main" val="821899305"/>
+      </p:ext>
+    </p:extLst>
+  </p:cSld>
+  <p:clrMapOvr>
+    <a:masterClrMapping/>
+  </p:clrMapOvr>
+</p:notes>
+</file>
+
+<file path=ppt/notesSlides/notesSlide14.xml><?xml version="1.0" encoding="utf-8"?>
+<p:notes xmlns:a="http://schemas.openxmlformats.org/drawingml/2006/main" xmlns:r="http://schemas.openxmlformats.org/officeDocument/2006/relationships" xmlns:p="http://schemas.openxmlformats.org/presentationml/2006/main">
+  <p:cSld>
+    <p:spTree>
+      <p:nvGrpSpPr>
+        <p:cNvPr id="1" name=""/>
+        <p:cNvGrpSpPr/>
+        <p:nvPr/>
+      </p:nvGrpSpPr>
+      <p:grpSpPr>
+        <a:xfrm>
+          <a:off x="0" y="0"/>
+          <a:ext cx="0" cy="0"/>
+          <a:chOff x="0" y="0"/>
+          <a:chExt cx="0" cy="0"/>
+        </a:xfrm>
+      </p:grpSpPr>
+      <p:sp>
+        <p:nvSpPr>
+          <p:cNvPr id="2" name="Slide Image Placeholder 1"/>
+          <p:cNvSpPr>
+            <a:spLocks noGrp="1" noRot="1" noChangeAspect="1"/>
+          </p:cNvSpPr>
+          <p:nvPr>
+            <p:ph type="sldImg"/>
+          </p:nvPr>
+        </p:nvSpPr>
+        <p:spPr/>
+      </p:sp>
+      <p:sp>
+        <p:nvSpPr>
+          <p:cNvPr id="3" name="Notes Placeholder 2"/>
+          <p:cNvSpPr>
+            <a:spLocks noGrp="1"/>
+          </p:cNvSpPr>
+          <p:nvPr>
+            <p:ph type="body" idx="1"/>
+          </p:nvPr>
+        </p:nvSpPr>
+        <p:spPr/>
+        <p:txBody>
+          <a:bodyPr/>
+          <a:lstStyle/>
+          <a:p>
+            <a:r>
+              <a:rPr lang="de-CH" dirty="0" smtClean="0"/>
+              <a:t>Startzeit,</a:t>
+            </a:r>
+            <a:r>
+              <a:rPr lang="de-CH" baseline="0" dirty="0" smtClean="0"/>
+              <a:t> danach j</a:t>
+            </a:r>
+            <a:r>
+              <a:rPr lang="de-CH" dirty="0" smtClean="0"/>
+              <a:t>eder Messwert wird aufgezeichnet</a:t>
+            </a:r>
+            <a:endParaRPr lang="de-CH" dirty="0"/>
+          </a:p>
+        </p:txBody>
+      </p:sp>
+      <p:sp>
+        <p:nvSpPr>
+          <p:cNvPr id="4" name="Slide Number Placeholder 3"/>
+          <p:cNvSpPr>
+            <a:spLocks noGrp="1"/>
+          </p:cNvSpPr>
+          <p:nvPr>
+            <p:ph type="sldNum" sz="quarter" idx="10"/>
+          </p:nvPr>
+        </p:nvSpPr>
+        <p:spPr/>
+        <p:txBody>
+          <a:bodyPr/>
+          <a:lstStyle/>
+          <a:p>
+            <a:fld id="{E7AE4CB0-9792-D74D-9E49-F892F9A51ADF}" type="slidenum">
+              <a:rPr lang="en-US" smtClean="0"/>
+              <a:t>16</a:t>
+            </a:fld>
+            <a:endParaRPr lang="en-US"/>
+          </a:p>
+        </p:txBody>
+      </p:sp>
+    </p:spTree>
+    <p:extLst>
+      <p:ext uri="{BB962C8B-B14F-4D97-AF65-F5344CB8AC3E}">
+        <p14:creationId xmlns:p14="http://schemas.microsoft.com/office/powerpoint/2010/main" val="2178990030"/>
+      </p:ext>
+    </p:extLst>
+  </p:cSld>
+  <p:clrMapOvr>
+    <a:masterClrMapping/>
+  </p:clrMapOvr>
+</p:notes>
+</file>
+
+<file path=ppt/notesSlides/notesSlide15.xml><?xml version="1.0" encoding="utf-8"?>
+<p:notes xmlns:a="http://schemas.openxmlformats.org/drawingml/2006/main" xmlns:r="http://schemas.openxmlformats.org/officeDocument/2006/relationships" xmlns:p="http://schemas.openxmlformats.org/presentationml/2006/main">
+  <p:cSld>
+    <p:spTree>
+      <p:nvGrpSpPr>
+        <p:cNvPr id="1" name=""/>
+        <p:cNvGrpSpPr/>
+        <p:nvPr/>
+      </p:nvGrpSpPr>
+      <p:grpSpPr>
+        <a:xfrm>
+          <a:off x="0" y="0"/>
+          <a:ext cx="0" cy="0"/>
+          <a:chOff x="0" y="0"/>
+          <a:chExt cx="0" cy="0"/>
+        </a:xfrm>
+      </p:grpSpPr>
+      <p:sp>
+        <p:nvSpPr>
+          <p:cNvPr id="2" name="Slide Image Placeholder 1"/>
+          <p:cNvSpPr>
+            <a:spLocks noGrp="1" noRot="1" noChangeAspect="1"/>
+          </p:cNvSpPr>
+          <p:nvPr>
+            <p:ph type="sldImg"/>
+          </p:nvPr>
+        </p:nvSpPr>
+        <p:spPr/>
+      </p:sp>
+      <p:sp>
+        <p:nvSpPr>
+          <p:cNvPr id="3" name="Notes Placeholder 2"/>
+          <p:cNvSpPr>
+            <a:spLocks noGrp="1"/>
+          </p:cNvSpPr>
+          <p:nvPr>
+            <p:ph type="body" idx="1"/>
+          </p:nvPr>
+        </p:nvSpPr>
+        <p:spPr/>
+        <p:txBody>
+          <a:bodyPr/>
+          <a:lstStyle/>
+          <a:p>
+            <a:r>
+              <a:rPr lang="de-CH" dirty="0" smtClean="0"/>
+              <a:t>Startzeit, Dauer,</a:t>
+            </a:r>
+            <a:r>
+              <a:rPr lang="de-CH" baseline="0" dirty="0" smtClean="0"/>
+              <a:t> j</a:t>
+            </a:r>
+            <a:r>
+              <a:rPr lang="de-CH" dirty="0" smtClean="0"/>
+              <a:t>eder</a:t>
+            </a:r>
+            <a:r>
+              <a:rPr lang="de-CH" baseline="0" dirty="0" smtClean="0"/>
+              <a:t> Messwert während einem Ereignis wird aufgezeichnet</a:t>
+            </a:r>
+            <a:endParaRPr lang="de-CH" dirty="0"/>
+          </a:p>
+        </p:txBody>
+      </p:sp>
+      <p:sp>
+        <p:nvSpPr>
+          <p:cNvPr id="4" name="Slide Number Placeholder 3"/>
+          <p:cNvSpPr>
+            <a:spLocks noGrp="1"/>
+          </p:cNvSpPr>
+          <p:nvPr>
+            <p:ph type="sldNum" sz="quarter" idx="10"/>
+          </p:nvPr>
+        </p:nvSpPr>
+        <p:spPr/>
+        <p:txBody>
+          <a:bodyPr/>
+          <a:lstStyle/>
+          <a:p>
+            <a:fld id="{E7AE4CB0-9792-D74D-9E49-F892F9A51ADF}" type="slidenum">
+              <a:rPr lang="en-US" smtClean="0"/>
+              <a:t>17</a:t>
+            </a:fld>
+            <a:endParaRPr lang="en-US"/>
+          </a:p>
+        </p:txBody>
+      </p:sp>
+    </p:spTree>
+    <p:extLst>
+      <p:ext uri="{BB962C8B-B14F-4D97-AF65-F5344CB8AC3E}">
+        <p14:creationId xmlns:p14="http://schemas.microsoft.com/office/powerpoint/2010/main" val="252892753"/>
+      </p:ext>
+    </p:extLst>
+  </p:cSld>
+  <p:clrMapOvr>
+    <a:masterClrMapping/>
+  </p:clrMapOvr>
+</p:notes>
+</file>
+
+<file path=ppt/notesSlides/notesSlide16.xml><?xml version="1.0" encoding="utf-8"?>
+<p:notes xmlns:a="http://schemas.openxmlformats.org/drawingml/2006/main" xmlns:r="http://schemas.openxmlformats.org/officeDocument/2006/relationships" xmlns:p="http://schemas.openxmlformats.org/presentationml/2006/main">
+  <p:cSld>
+    <p:spTree>
+      <p:nvGrpSpPr>
+        <p:cNvPr id="1" name=""/>
+        <p:cNvGrpSpPr/>
+        <p:nvPr/>
+      </p:nvGrpSpPr>
+      <p:grpSpPr>
+        <a:xfrm>
+          <a:off x="0" y="0"/>
+          <a:ext cx="0" cy="0"/>
+          <a:chOff x="0" y="0"/>
+          <a:chExt cx="0" cy="0"/>
+        </a:xfrm>
+      </p:grpSpPr>
+      <p:sp>
+        <p:nvSpPr>
+          <p:cNvPr id="2" name="Slide Image Placeholder 1"/>
+          <p:cNvSpPr>
+            <a:spLocks noGrp="1" noRot="1" noChangeAspect="1"/>
+          </p:cNvSpPr>
+          <p:nvPr>
+            <p:ph type="sldImg"/>
+          </p:nvPr>
+        </p:nvSpPr>
+        <p:spPr/>
+      </p:sp>
+      <p:sp>
+        <p:nvSpPr>
+          <p:cNvPr id="3" name="Notes Placeholder 2"/>
+          <p:cNvSpPr>
+            <a:spLocks noGrp="1"/>
+          </p:cNvSpPr>
+          <p:nvPr>
+            <p:ph type="body" idx="1"/>
+          </p:nvPr>
+        </p:nvSpPr>
+        <p:spPr/>
+        <p:txBody>
+          <a:bodyPr/>
+          <a:lstStyle/>
+          <a:p>
+            <a:r>
+              <a:rPr lang="de-CH" dirty="0" smtClean="0"/>
+              <a:t>Startzeit, Dauer, Anzahl Peaks,</a:t>
+            </a:r>
+            <a:r>
+              <a:rPr lang="de-CH" baseline="0" dirty="0" smtClean="0"/>
+              <a:t> Alle Peaks mit Intensität und Zeitpunkt</a:t>
+            </a:r>
+          </a:p>
+        </p:txBody>
+      </p:sp>
+      <p:sp>
+        <p:nvSpPr>
+          <p:cNvPr id="4" name="Slide Number Placeholder 3"/>
+          <p:cNvSpPr>
+            <a:spLocks noGrp="1"/>
+          </p:cNvSpPr>
+          <p:nvPr>
+            <p:ph type="sldNum" sz="quarter" idx="10"/>
+          </p:nvPr>
+        </p:nvSpPr>
+        <p:spPr/>
+        <p:txBody>
+          <a:bodyPr/>
+          <a:lstStyle/>
+          <a:p>
+            <a:fld id="{E7AE4CB0-9792-D74D-9E49-F892F9A51ADF}" type="slidenum">
+              <a:rPr lang="en-US" smtClean="0"/>
+              <a:t>18</a:t>
+            </a:fld>
+            <a:endParaRPr lang="en-US"/>
+          </a:p>
+        </p:txBody>
+      </p:sp>
+    </p:spTree>
+    <p:extLst>
+      <p:ext uri="{BB962C8B-B14F-4D97-AF65-F5344CB8AC3E}">
+        <p14:creationId xmlns:p14="http://schemas.microsoft.com/office/powerpoint/2010/main" val="2013676010"/>
+      </p:ext>
+    </p:extLst>
+  </p:cSld>
+  <p:clrMapOvr>
+    <a:masterClrMapping/>
+  </p:clrMapOvr>
+</p:notes>
+</file>
+
+<file path=ppt/notesSlides/notesSlide17.xml><?xml version="1.0" encoding="utf-8"?>
+<p:notes xmlns:a="http://schemas.openxmlformats.org/drawingml/2006/main" xmlns:r="http://schemas.openxmlformats.org/officeDocument/2006/relationships" xmlns:p="http://schemas.openxmlformats.org/presentationml/2006/main">
+  <p:cSld>
+    <p:spTree>
+      <p:nvGrpSpPr>
+        <p:cNvPr id="1" name=""/>
+        <p:cNvGrpSpPr/>
+        <p:nvPr/>
+      </p:nvGrpSpPr>
+      <p:grpSpPr>
+        <a:xfrm>
+          <a:off x="0" y="0"/>
+          <a:ext cx="0" cy="0"/>
+          <a:chOff x="0" y="0"/>
+          <a:chExt cx="0" cy="0"/>
+        </a:xfrm>
+      </p:grpSpPr>
+      <p:sp>
+        <p:nvSpPr>
+          <p:cNvPr id="2" name="Slide Image Placeholder 1"/>
+          <p:cNvSpPr>
+            <a:spLocks noGrp="1" noRot="1" noChangeAspect="1"/>
+          </p:cNvSpPr>
+          <p:nvPr>
+            <p:ph type="sldImg"/>
+          </p:nvPr>
+        </p:nvSpPr>
+        <p:spPr/>
+      </p:sp>
+      <p:sp>
+        <p:nvSpPr>
+          <p:cNvPr id="3" name="Notes Placeholder 2"/>
+          <p:cNvSpPr>
+            <a:spLocks noGrp="1"/>
+          </p:cNvSpPr>
+          <p:nvPr>
+            <p:ph type="body" idx="1"/>
+          </p:nvPr>
+        </p:nvSpPr>
+        <p:spPr/>
+        <p:txBody>
+          <a:bodyPr/>
+          <a:lstStyle/>
+          <a:p>
+            <a:r>
+              <a:rPr lang="de-CH" dirty="0" smtClean="0"/>
+              <a:t>Startzeit, Dauer, Anzahl Peaks,</a:t>
+            </a:r>
+            <a:r>
+              <a:rPr lang="de-CH" baseline="0" dirty="0" smtClean="0"/>
+              <a:t> Maximalpeak</a:t>
+            </a:r>
+            <a:endParaRPr lang="de-CH" dirty="0"/>
+          </a:p>
+        </p:txBody>
+      </p:sp>
+      <p:sp>
+        <p:nvSpPr>
+          <p:cNvPr id="4" name="Slide Number Placeholder 3"/>
+          <p:cNvSpPr>
+            <a:spLocks noGrp="1"/>
+          </p:cNvSpPr>
+          <p:nvPr>
+            <p:ph type="sldNum" sz="quarter" idx="10"/>
+          </p:nvPr>
+        </p:nvSpPr>
+        <p:spPr/>
+        <p:txBody>
+          <a:bodyPr/>
+          <a:lstStyle/>
+          <a:p>
+            <a:fld id="{E7AE4CB0-9792-D74D-9E49-F892F9A51ADF}" type="slidenum">
+              <a:rPr lang="en-US" smtClean="0"/>
+              <a:t>19</a:t>
+            </a:fld>
+            <a:endParaRPr lang="en-US"/>
+          </a:p>
+        </p:txBody>
+      </p:sp>
+    </p:spTree>
+    <p:extLst>
+      <p:ext uri="{BB962C8B-B14F-4D97-AF65-F5344CB8AC3E}">
+        <p14:creationId xmlns:p14="http://schemas.microsoft.com/office/powerpoint/2010/main" val="2409733053"/>
+      </p:ext>
+    </p:extLst>
+  </p:cSld>
+  <p:clrMapOvr>
+    <a:masterClrMapping/>
+  </p:clrMapOvr>
+</p:notes>
+</file>
+
+<file path=ppt/notesSlides/notesSlide18.xml><?xml version="1.0" encoding="utf-8"?>
+<p:notes xmlns:a="http://schemas.openxmlformats.org/drawingml/2006/main" xmlns:r="http://schemas.openxmlformats.org/officeDocument/2006/relationships" xmlns:p="http://schemas.openxmlformats.org/presentationml/2006/main">
+  <p:cSld>
+    <p:spTree>
+      <p:nvGrpSpPr>
+        <p:cNvPr id="1" name=""/>
+        <p:cNvGrpSpPr/>
+        <p:nvPr/>
+      </p:nvGrpSpPr>
+      <p:grpSpPr>
+        <a:xfrm>
+          <a:off x="0" y="0"/>
+          <a:ext cx="0" cy="0"/>
+          <a:chOff x="0" y="0"/>
+          <a:chExt cx="0" cy="0"/>
+        </a:xfrm>
+      </p:grpSpPr>
+      <p:sp>
+        <p:nvSpPr>
+          <p:cNvPr id="2" name="Slide Image Placeholder 1"/>
+          <p:cNvSpPr>
+            <a:spLocks noGrp="1" noRot="1" noChangeAspect="1"/>
+          </p:cNvSpPr>
+          <p:nvPr>
+            <p:ph type="sldImg"/>
+          </p:nvPr>
+        </p:nvSpPr>
+        <p:spPr/>
+      </p:sp>
+      <p:sp>
+        <p:nvSpPr>
+          <p:cNvPr id="3" name="Notes Placeholder 2"/>
+          <p:cNvSpPr>
+            <a:spLocks noGrp="1"/>
+          </p:cNvSpPr>
+          <p:nvPr>
+            <p:ph type="body" idx="1"/>
+          </p:nvPr>
+        </p:nvSpPr>
+        <p:spPr/>
+        <p:txBody>
+          <a:bodyPr/>
+          <a:lstStyle/>
+          <a:p>
+            <a:r>
+              <a:rPr lang="de-CH" dirty="0" smtClean="0"/>
+              <a:t>Ereigniszeit:</a:t>
+            </a:r>
+            <a:r>
+              <a:rPr lang="de-CH" baseline="0" dirty="0" smtClean="0"/>
+              <a:t> Zu wie viel Prozent der </a:t>
+            </a:r>
+            <a:r>
+              <a:rPr lang="de-CH" baseline="0" dirty="0" err="1" smtClean="0"/>
+              <a:t>Messzeit</a:t>
+            </a:r>
+            <a:r>
+              <a:rPr lang="de-CH" baseline="0" dirty="0" smtClean="0"/>
+              <a:t> wird ein Ereignis registriert. 10% sind bereits ein hohes Aufkommen, das nicht jeden Tag auftritt.</a:t>
+            </a:r>
+          </a:p>
+          <a:p>
+            <a:endParaRPr lang="de-CH" baseline="0" dirty="0" smtClean="0"/>
+          </a:p>
+          <a:p>
+            <a:r>
+              <a:rPr lang="de-CH" baseline="0" dirty="0" smtClean="0"/>
+              <a:t>Je nach Ereigniszeit variiert die Datenrate für die Modi </a:t>
+            </a:r>
+            <a:r>
+              <a:rPr lang="de-CH" baseline="0" dirty="0" err="1" smtClean="0"/>
+              <a:t>detailed</a:t>
+            </a:r>
+            <a:r>
+              <a:rPr lang="de-CH" baseline="0" dirty="0" smtClean="0"/>
+              <a:t>, </a:t>
+            </a:r>
+            <a:r>
+              <a:rPr lang="de-CH" baseline="0" dirty="0" err="1" smtClean="0"/>
+              <a:t>peaks</a:t>
+            </a:r>
+            <a:r>
+              <a:rPr lang="de-CH" baseline="0" dirty="0" smtClean="0"/>
+              <a:t> und </a:t>
+            </a:r>
+            <a:r>
+              <a:rPr lang="de-CH" baseline="0" dirty="0" err="1" smtClean="0"/>
+              <a:t>sparse</a:t>
+            </a:r>
+            <a:r>
+              <a:rPr lang="de-CH" baseline="0" dirty="0" smtClean="0"/>
+              <a:t> sehr stark.</a:t>
+            </a:r>
+            <a:endParaRPr lang="de-CH" dirty="0"/>
+          </a:p>
+        </p:txBody>
+      </p:sp>
+      <p:sp>
+        <p:nvSpPr>
+          <p:cNvPr id="4" name="Slide Number Placeholder 3"/>
+          <p:cNvSpPr>
+            <a:spLocks noGrp="1"/>
+          </p:cNvSpPr>
+          <p:nvPr>
+            <p:ph type="sldNum" sz="quarter" idx="10"/>
+          </p:nvPr>
+        </p:nvSpPr>
+        <p:spPr/>
+        <p:txBody>
+          <a:bodyPr/>
+          <a:lstStyle/>
+          <a:p>
+            <a:fld id="{E7AE4CB0-9792-D74D-9E49-F892F9A51ADF}" type="slidenum">
+              <a:rPr lang="en-US" smtClean="0"/>
+              <a:t>20</a:t>
+            </a:fld>
+            <a:endParaRPr lang="en-US"/>
+          </a:p>
+        </p:txBody>
+      </p:sp>
+    </p:spTree>
+    <p:extLst>
+      <p:ext uri="{BB962C8B-B14F-4D97-AF65-F5344CB8AC3E}">
+        <p14:creationId xmlns:p14="http://schemas.microsoft.com/office/powerpoint/2010/main" val="3915843872"/>
+      </p:ext>
+    </p:extLst>
+  </p:cSld>
+  <p:clrMapOvr>
+    <a:masterClrMapping/>
+  </p:clrMapOvr>
+</p:notes>
+</file>
+
+<file path=ppt/notesSlides/notesSlide19.xml><?xml version="1.0" encoding="utf-8"?>
+<p:notes xmlns:a="http://schemas.openxmlformats.org/drawingml/2006/main" xmlns:r="http://schemas.openxmlformats.org/officeDocument/2006/relationships" xmlns:p="http://schemas.openxmlformats.org/presentationml/2006/main">
+  <p:cSld>
+    <p:spTree>
+      <p:nvGrpSpPr>
+        <p:cNvPr id="1" name=""/>
+        <p:cNvGrpSpPr/>
+        <p:nvPr/>
+      </p:nvGrpSpPr>
+      <p:grpSpPr>
+        <a:xfrm>
+          <a:off x="0" y="0"/>
+          <a:ext cx="0" cy="0"/>
+          <a:chOff x="0" y="0"/>
+          <a:chExt cx="0" cy="0"/>
+        </a:xfrm>
+      </p:grpSpPr>
+      <p:sp>
+        <p:nvSpPr>
+          <p:cNvPr id="2" name="Slide Image Placeholder 1"/>
+          <p:cNvSpPr>
+            <a:spLocks noGrp="1" noRot="1" noChangeAspect="1"/>
+          </p:cNvSpPr>
+          <p:nvPr>
+            <p:ph type="sldImg"/>
+          </p:nvPr>
+        </p:nvSpPr>
+        <p:spPr/>
+      </p:sp>
+      <p:sp>
+        <p:nvSpPr>
+          <p:cNvPr id="3" name="Notes Placeholder 2"/>
+          <p:cNvSpPr>
+            <a:spLocks noGrp="1"/>
+          </p:cNvSpPr>
+          <p:nvPr>
+            <p:ph type="body" idx="1"/>
+          </p:nvPr>
+        </p:nvSpPr>
+        <p:spPr/>
+        <p:txBody>
+          <a:bodyPr/>
+          <a:lstStyle/>
+          <a:p>
+            <a:r>
+              <a:rPr lang="de-CH" dirty="0" smtClean="0"/>
+              <a:t>Nicht alle Testfälle konnten geprüft werden aus Zeitmangel.</a:t>
+            </a:r>
+          </a:p>
+          <a:p>
+            <a:r>
+              <a:rPr lang="de-CH" dirty="0" smtClean="0"/>
+              <a:t>E</a:t>
+            </a:r>
+            <a:r>
+              <a:rPr lang="de-CH" baseline="0" dirty="0" smtClean="0"/>
+              <a:t>s gab Verzögerungen beim 3. MS (Software abgeschlossen), deshalb für 4. MS zu wenig Zeit</a:t>
+            </a:r>
+          </a:p>
+          <a:p>
+            <a:endParaRPr lang="de-CH" baseline="0" dirty="0" smtClean="0"/>
+          </a:p>
+          <a:p>
+            <a:r>
+              <a:rPr lang="de-CH" baseline="0" dirty="0" smtClean="0"/>
+              <a:t>Die Tests wurden nachträglich abgeschlossen, alle Testfälle konnten erfüllt werden.</a:t>
+            </a:r>
+          </a:p>
+          <a:p>
+            <a:endParaRPr lang="de-CH" dirty="0" smtClean="0"/>
+          </a:p>
+          <a:p>
+            <a:r>
+              <a:rPr lang="de-CH" dirty="0" smtClean="0"/>
+              <a:t>T140: </a:t>
+            </a:r>
+            <a:r>
+              <a:rPr lang="de-CH" dirty="0" err="1" smtClean="0"/>
+              <a:t>Timestamp</a:t>
+            </a:r>
+            <a:r>
+              <a:rPr lang="de-CH" dirty="0" smtClean="0"/>
+              <a:t> erlaubt bei 10‘000 Hz</a:t>
+            </a:r>
+            <a:r>
+              <a:rPr lang="de-CH" baseline="0" dirty="0" smtClean="0"/>
+              <a:t> eine eindeutige </a:t>
+            </a:r>
+            <a:r>
+              <a:rPr lang="de-CH" baseline="0" dirty="0" err="1" smtClean="0"/>
+              <a:t>Zuordung</a:t>
+            </a:r>
+            <a:r>
+              <a:rPr lang="de-CH" baseline="0" dirty="0" smtClean="0"/>
+              <a:t> jedes Messwerts zur Uhrzeit während 119 Tagen. Um Gangunterschieden zwischen Sensoreinheiten und Datenlogger vorzubeugen wird der </a:t>
+            </a:r>
+            <a:r>
+              <a:rPr lang="de-CH" baseline="0" dirty="0" err="1" smtClean="0"/>
+              <a:t>Timestamp</a:t>
+            </a:r>
+            <a:r>
+              <a:rPr lang="de-CH" baseline="0" dirty="0" smtClean="0"/>
+              <a:t> in regelmässigen Abständen synchronisiert und dabei zurückgesetzt.</a:t>
+            </a:r>
+          </a:p>
+          <a:p>
+            <a:endParaRPr lang="de-CH" baseline="0" dirty="0" smtClean="0"/>
+          </a:p>
+          <a:p>
+            <a:r>
+              <a:rPr lang="de-CH" baseline="0" dirty="0" smtClean="0"/>
+              <a:t>T170: Sensoreinheiten senden ab Wahl des neues Detail-Levels die Messdaten in der gewünschten Detailstufe.</a:t>
+            </a:r>
+          </a:p>
+          <a:p>
+            <a:endParaRPr lang="de-CH" baseline="0" dirty="0" smtClean="0"/>
+          </a:p>
+          <a:p>
+            <a:r>
+              <a:rPr lang="de-CH" baseline="0" dirty="0" smtClean="0"/>
+              <a:t>T180: Für jede Sensoreinheit wird eine eigene Datei angelegt und die Messdaten darin abgelegt.</a:t>
+            </a:r>
+          </a:p>
+          <a:p>
+            <a:endParaRPr lang="de-CH" baseline="0" dirty="0" smtClean="0"/>
+          </a:p>
+          <a:p>
+            <a:endParaRPr lang="de-CH" dirty="0"/>
+          </a:p>
+        </p:txBody>
+      </p:sp>
+      <p:sp>
+        <p:nvSpPr>
+          <p:cNvPr id="4" name="Slide Number Placeholder 3"/>
+          <p:cNvSpPr>
+            <a:spLocks noGrp="1"/>
+          </p:cNvSpPr>
+          <p:nvPr>
+            <p:ph type="sldNum" sz="quarter" idx="10"/>
+          </p:nvPr>
+        </p:nvSpPr>
+        <p:spPr/>
+        <p:txBody>
+          <a:bodyPr/>
+          <a:lstStyle/>
+          <a:p>
+            <a:fld id="{E7AE4CB0-9792-D74D-9E49-F892F9A51ADF}" type="slidenum">
+              <a:rPr lang="en-US" smtClean="0"/>
+              <a:t>21</a:t>
+            </a:fld>
+            <a:endParaRPr lang="en-US"/>
+          </a:p>
+        </p:txBody>
+      </p:sp>
+    </p:spTree>
+    <p:extLst>
+      <p:ext uri="{BB962C8B-B14F-4D97-AF65-F5344CB8AC3E}">
+        <p14:creationId xmlns:p14="http://schemas.microsoft.com/office/powerpoint/2010/main" val="3637721399"/>
       </p:ext>
     </p:extLst>
   </p:cSld>
@@ -1117,261 +2114,7 @@
           <a:bodyPr/>
           <a:lstStyle/>
           <a:p>
-            <a:r>
-              <a:rPr lang="en-US" dirty="0" smtClean="0"/>
-              <a:t>Geophone </a:t>
-            </a:r>
-            <a:r>
-              <a:rPr lang="en-US" dirty="0" err="1" smtClean="0"/>
-              <a:t>recht</a:t>
-            </a:r>
-            <a:r>
-              <a:rPr lang="en-US" baseline="0" dirty="0" smtClean="0"/>
-              <a:t> gross, </a:t>
-            </a:r>
-            <a:r>
-              <a:rPr lang="en-US" baseline="0" dirty="0" err="1" smtClean="0"/>
-              <a:t>brauchen</a:t>
-            </a:r>
-            <a:r>
-              <a:rPr lang="en-US" baseline="0" dirty="0" smtClean="0"/>
-              <a:t> </a:t>
-            </a:r>
-            <a:r>
-              <a:rPr lang="en-US" baseline="0" dirty="0" err="1" smtClean="0"/>
-              <a:t>aufwändige</a:t>
-            </a:r>
-            <a:r>
-              <a:rPr lang="en-US" baseline="0" dirty="0" smtClean="0"/>
-              <a:t> </a:t>
-            </a:r>
-            <a:r>
-              <a:rPr lang="en-US" baseline="0" dirty="0" err="1" smtClean="0"/>
-              <a:t>Konstruktion</a:t>
-            </a:r>
-            <a:r>
-              <a:rPr lang="en-US" baseline="0" dirty="0" smtClean="0"/>
-              <a:t>.</a:t>
-            </a:r>
-          </a:p>
-          <a:p>
-            <a:r>
-              <a:rPr lang="en-US" baseline="0" dirty="0" err="1" smtClean="0"/>
-              <a:t>Jedes</a:t>
-            </a:r>
-            <a:r>
-              <a:rPr lang="en-US" baseline="0" dirty="0" smtClean="0"/>
-              <a:t> </a:t>
-            </a:r>
-            <a:r>
-              <a:rPr lang="en-US" baseline="0" dirty="0" err="1" smtClean="0"/>
-              <a:t>Geophon</a:t>
-            </a:r>
-            <a:r>
-              <a:rPr lang="en-US" baseline="0" dirty="0" smtClean="0"/>
-              <a:t> hat </a:t>
-            </a:r>
-            <a:r>
-              <a:rPr lang="en-US" baseline="0" dirty="0" err="1" smtClean="0"/>
-              <a:t>eigenes</a:t>
-            </a:r>
-            <a:r>
-              <a:rPr lang="en-US" baseline="0" dirty="0" smtClean="0"/>
-              <a:t> </a:t>
-            </a:r>
-            <a:r>
-              <a:rPr lang="en-US" baseline="0" dirty="0" err="1" smtClean="0"/>
-              <a:t>Kabel</a:t>
-            </a:r>
-            <a:r>
-              <a:rPr lang="en-US" baseline="0" dirty="0" smtClean="0"/>
-              <a:t> </a:t>
-            </a:r>
-            <a:r>
-              <a:rPr lang="en-US" baseline="0" dirty="0" err="1" smtClean="0"/>
-              <a:t>zum</a:t>
-            </a:r>
-            <a:r>
-              <a:rPr lang="en-US" baseline="0" dirty="0" smtClean="0"/>
-              <a:t> </a:t>
-            </a:r>
-            <a:r>
-              <a:rPr lang="en-US" baseline="0" dirty="0" err="1" smtClean="0"/>
-              <a:t>Rechner</a:t>
-            </a:r>
-            <a:r>
-              <a:rPr lang="en-US" baseline="0" dirty="0" smtClean="0"/>
-              <a:t>.</a:t>
-            </a:r>
-          </a:p>
-          <a:p>
-            <a:endParaRPr lang="en-US" baseline="0" dirty="0" smtClean="0"/>
-          </a:p>
-          <a:p>
-            <a:r>
-              <a:rPr lang="en-US" baseline="0" dirty="0" err="1" smtClean="0"/>
-              <a:t>Rechner</a:t>
-            </a:r>
-            <a:r>
-              <a:rPr lang="en-US" baseline="0" dirty="0" smtClean="0"/>
-              <a:t> </a:t>
-            </a:r>
-            <a:r>
-              <a:rPr lang="en-US" baseline="0" dirty="0" err="1" smtClean="0"/>
-              <a:t>braucht</a:t>
-            </a:r>
-            <a:r>
-              <a:rPr lang="en-US" baseline="0" dirty="0" smtClean="0"/>
-              <a:t> pro </a:t>
-            </a:r>
-            <a:r>
-              <a:rPr lang="en-US" baseline="0" dirty="0" err="1" smtClean="0"/>
-              <a:t>Geophon</a:t>
-            </a:r>
-            <a:r>
-              <a:rPr lang="en-US" baseline="0" dirty="0" smtClean="0"/>
-              <a:t> </a:t>
-            </a:r>
-            <a:r>
-              <a:rPr lang="en-US" baseline="0" dirty="0" err="1" smtClean="0"/>
-              <a:t>einen</a:t>
-            </a:r>
-            <a:r>
-              <a:rPr lang="en-US" baseline="0" dirty="0" smtClean="0"/>
-              <a:t> </a:t>
-            </a:r>
-            <a:r>
-              <a:rPr lang="en-US" baseline="0" dirty="0" err="1" smtClean="0"/>
-              <a:t>Eingang</a:t>
-            </a:r>
-            <a:endParaRPr lang="en-US" baseline="0" dirty="0" smtClean="0"/>
-          </a:p>
-          <a:p>
-            <a:endParaRPr lang="en-US" baseline="0" dirty="0" smtClean="0"/>
-          </a:p>
-          <a:p>
-            <a:r>
-              <a:rPr lang="en-US" baseline="0" dirty="0" smtClean="0"/>
-              <a:t>Hilbert Transformation </a:t>
-            </a:r>
-            <a:r>
-              <a:rPr lang="en-US" baseline="0" dirty="0" err="1" smtClean="0"/>
-              <a:t>ist</a:t>
-            </a:r>
-            <a:r>
-              <a:rPr lang="en-US" baseline="0" dirty="0" smtClean="0"/>
-              <a:t> </a:t>
-            </a:r>
-            <a:r>
-              <a:rPr lang="en-US" baseline="0" dirty="0" err="1" smtClean="0"/>
-              <a:t>aufwändig</a:t>
-            </a:r>
-            <a:r>
-              <a:rPr lang="en-US" baseline="0" dirty="0" smtClean="0"/>
-              <a:t>, </a:t>
-            </a:r>
-            <a:r>
-              <a:rPr lang="en-US" baseline="0" dirty="0" err="1" smtClean="0"/>
-              <a:t>mehrere</a:t>
-            </a:r>
-            <a:r>
-              <a:rPr lang="en-US" baseline="0" dirty="0" smtClean="0"/>
-              <a:t> </a:t>
-            </a:r>
-            <a:r>
-              <a:rPr lang="en-US" baseline="0" dirty="0" err="1" smtClean="0"/>
-              <a:t>Multiplikationen</a:t>
-            </a:r>
-            <a:r>
-              <a:rPr lang="en-US" baseline="0" dirty="0" smtClean="0"/>
-              <a:t> pro </a:t>
-            </a:r>
-            <a:r>
-              <a:rPr lang="en-US" baseline="0" dirty="0" err="1" smtClean="0"/>
-              <a:t>Messwert</a:t>
-            </a:r>
-            <a:r>
-              <a:rPr lang="en-US" baseline="0" dirty="0" smtClean="0"/>
-              <a:t> </a:t>
-            </a:r>
-            <a:r>
-              <a:rPr lang="en-US" baseline="0" dirty="0" err="1" smtClean="0"/>
-              <a:t>nötig</a:t>
-            </a:r>
-            <a:r>
-              <a:rPr lang="en-US" baseline="0" dirty="0" smtClean="0"/>
-              <a:t>.</a:t>
-            </a:r>
-          </a:p>
-          <a:p>
-            <a:endParaRPr lang="en-US" baseline="0" dirty="0" smtClean="0"/>
-          </a:p>
-          <a:p>
-            <a:r>
-              <a:rPr lang="en-US" baseline="0" dirty="0" err="1" smtClean="0"/>
-              <a:t>Datenmenge</a:t>
-            </a:r>
-            <a:r>
-              <a:rPr lang="en-US" baseline="0" dirty="0" smtClean="0"/>
-              <a:t> </a:t>
-            </a:r>
-            <a:r>
-              <a:rPr lang="en-US" baseline="0" dirty="0" err="1" smtClean="0"/>
-              <a:t>wird</a:t>
-            </a:r>
-            <a:r>
-              <a:rPr lang="en-US" baseline="0" dirty="0" smtClean="0"/>
-              <a:t> </a:t>
-            </a:r>
-            <a:r>
-              <a:rPr lang="en-US" baseline="0" dirty="0" err="1" smtClean="0"/>
-              <a:t>extrem</a:t>
-            </a:r>
-            <a:r>
-              <a:rPr lang="en-US" baseline="0" dirty="0" smtClean="0"/>
-              <a:t> </a:t>
-            </a:r>
-            <a:r>
-              <a:rPr lang="en-US" baseline="0" dirty="0" err="1" smtClean="0"/>
-              <a:t>reduziert</a:t>
-            </a:r>
-            <a:r>
-              <a:rPr lang="en-US" baseline="0" dirty="0" smtClean="0"/>
-              <a:t>, um </a:t>
-            </a:r>
-            <a:r>
-              <a:rPr lang="en-US" baseline="0" dirty="0" err="1" smtClean="0"/>
-              <a:t>lange</a:t>
-            </a:r>
-            <a:r>
-              <a:rPr lang="en-US" baseline="0" dirty="0" smtClean="0"/>
-              <a:t> </a:t>
-            </a:r>
-            <a:r>
-              <a:rPr lang="en-US" baseline="0" dirty="0" err="1" smtClean="0"/>
-              <a:t>Laufzeiten</a:t>
-            </a:r>
-            <a:r>
-              <a:rPr lang="en-US" baseline="0" dirty="0" smtClean="0"/>
-              <a:t> </a:t>
-            </a:r>
-            <a:r>
-              <a:rPr lang="en-US" baseline="0" dirty="0" err="1" smtClean="0"/>
-              <a:t>zu</a:t>
-            </a:r>
-            <a:r>
-              <a:rPr lang="en-US" baseline="0" dirty="0" smtClean="0"/>
-              <a:t> </a:t>
-            </a:r>
-            <a:r>
-              <a:rPr lang="en-US" baseline="0" dirty="0" err="1" smtClean="0"/>
-              <a:t>ermöglichen</a:t>
-            </a:r>
-            <a:r>
-              <a:rPr lang="en-US" baseline="0" dirty="0" smtClean="0"/>
-              <a:t>: </a:t>
-            </a:r>
-            <a:endParaRPr lang="en-US" dirty="0"/>
+            <a:endParaRPr lang="de-CH"/>
           </a:p>
         </p:txBody>
       </p:sp>
@@ -1392,7 +2135,7 @@
           <a:p>
             <a:fld id="{E7AE4CB0-9792-D74D-9E49-F892F9A51ADF}" type="slidenum">
               <a:rPr lang="en-US" smtClean="0"/>
-              <a:t>4</a:t>
+              <a:t>2</a:t>
             </a:fld>
             <a:endParaRPr lang="en-US"/>
           </a:p>
@@ -1401,7 +2144,437 @@
     </p:spTree>
     <p:extLst>
       <p:ext uri="{BB962C8B-B14F-4D97-AF65-F5344CB8AC3E}">
-        <p14:creationId xmlns:p14="http://schemas.microsoft.com/office/powerpoint/2010/main" val="4185288573"/>
+        <p14:creationId xmlns:p14="http://schemas.microsoft.com/office/powerpoint/2010/main" val="1623722271"/>
+      </p:ext>
+    </p:extLst>
+  </p:cSld>
+  <p:clrMapOvr>
+    <a:masterClrMapping/>
+  </p:clrMapOvr>
+</p:notes>
+</file>
+
+<file path=ppt/notesSlides/notesSlide20.xml><?xml version="1.0" encoding="utf-8"?>
+<p:notes xmlns:a="http://schemas.openxmlformats.org/drawingml/2006/main" xmlns:r="http://schemas.openxmlformats.org/officeDocument/2006/relationships" xmlns:p="http://schemas.openxmlformats.org/presentationml/2006/main">
+  <p:cSld>
+    <p:spTree>
+      <p:nvGrpSpPr>
+        <p:cNvPr id="1" name=""/>
+        <p:cNvGrpSpPr/>
+        <p:nvPr/>
+      </p:nvGrpSpPr>
+      <p:grpSpPr>
+        <a:xfrm>
+          <a:off x="0" y="0"/>
+          <a:ext cx="0" cy="0"/>
+          <a:chOff x="0" y="0"/>
+          <a:chExt cx="0" cy="0"/>
+        </a:xfrm>
+      </p:grpSpPr>
+      <p:sp>
+        <p:nvSpPr>
+          <p:cNvPr id="2" name="Slide Image Placeholder 1"/>
+          <p:cNvSpPr>
+            <a:spLocks noGrp="1" noRot="1" noChangeAspect="1"/>
+          </p:cNvSpPr>
+          <p:nvPr>
+            <p:ph type="sldImg"/>
+          </p:nvPr>
+        </p:nvSpPr>
+        <p:spPr/>
+      </p:sp>
+      <p:sp>
+        <p:nvSpPr>
+          <p:cNvPr id="3" name="Notes Placeholder 2"/>
+          <p:cNvSpPr>
+            <a:spLocks noGrp="1"/>
+          </p:cNvSpPr>
+          <p:nvPr>
+            <p:ph type="body" idx="1"/>
+          </p:nvPr>
+        </p:nvSpPr>
+        <p:spPr/>
+        <p:txBody>
+          <a:bodyPr/>
+          <a:lstStyle/>
+          <a:p>
+            <a:r>
+              <a:rPr lang="de-CH" dirty="0" smtClean="0"/>
+              <a:t>T430:</a:t>
+            </a:r>
+            <a:r>
+              <a:rPr lang="de-CH" baseline="0" dirty="0" smtClean="0"/>
+              <a:t> Ereignisdaten werden nach Aufforderung des Datenloggers an diesen übertragen.</a:t>
+            </a:r>
+          </a:p>
+          <a:p>
+            <a:endParaRPr lang="de-CH" baseline="0" dirty="0" smtClean="0"/>
+          </a:p>
+          <a:p>
+            <a:r>
+              <a:rPr lang="de-CH" baseline="0" dirty="0" smtClean="0"/>
+              <a:t>T450: Rohdatenaufzeichnung sendet die geforderte Anzahl Messwerte an den Datenlogger</a:t>
+            </a:r>
+            <a:endParaRPr lang="de-CH" dirty="0"/>
+          </a:p>
+        </p:txBody>
+      </p:sp>
+      <p:sp>
+        <p:nvSpPr>
+          <p:cNvPr id="4" name="Slide Number Placeholder 3"/>
+          <p:cNvSpPr>
+            <a:spLocks noGrp="1"/>
+          </p:cNvSpPr>
+          <p:nvPr>
+            <p:ph type="sldNum" sz="quarter" idx="10"/>
+          </p:nvPr>
+        </p:nvSpPr>
+        <p:spPr/>
+        <p:txBody>
+          <a:bodyPr/>
+          <a:lstStyle/>
+          <a:p>
+            <a:fld id="{E7AE4CB0-9792-D74D-9E49-F892F9A51ADF}" type="slidenum">
+              <a:rPr lang="en-US" smtClean="0"/>
+              <a:t>22</a:t>
+            </a:fld>
+            <a:endParaRPr lang="en-US"/>
+          </a:p>
+        </p:txBody>
+      </p:sp>
+    </p:spTree>
+    <p:extLst>
+      <p:ext uri="{BB962C8B-B14F-4D97-AF65-F5344CB8AC3E}">
+        <p14:creationId xmlns:p14="http://schemas.microsoft.com/office/powerpoint/2010/main" val="1720397479"/>
+      </p:ext>
+    </p:extLst>
+  </p:cSld>
+  <p:clrMapOvr>
+    <a:masterClrMapping/>
+  </p:clrMapOvr>
+</p:notes>
+</file>
+
+<file path=ppt/notesSlides/notesSlide21.xml><?xml version="1.0" encoding="utf-8"?>
+<p:notes xmlns:a="http://schemas.openxmlformats.org/drawingml/2006/main" xmlns:r="http://schemas.openxmlformats.org/officeDocument/2006/relationships" xmlns:p="http://schemas.openxmlformats.org/presentationml/2006/main">
+  <p:cSld>
+    <p:spTree>
+      <p:nvGrpSpPr>
+        <p:cNvPr id="1" name=""/>
+        <p:cNvGrpSpPr/>
+        <p:nvPr/>
+      </p:nvGrpSpPr>
+      <p:grpSpPr>
+        <a:xfrm>
+          <a:off x="0" y="0"/>
+          <a:ext cx="0" cy="0"/>
+          <a:chOff x="0" y="0"/>
+          <a:chExt cx="0" cy="0"/>
+        </a:xfrm>
+      </p:grpSpPr>
+      <p:sp>
+        <p:nvSpPr>
+          <p:cNvPr id="2" name="Slide Image Placeholder 1"/>
+          <p:cNvSpPr>
+            <a:spLocks noGrp="1" noRot="1" noChangeAspect="1"/>
+          </p:cNvSpPr>
+          <p:nvPr>
+            <p:ph type="sldImg"/>
+          </p:nvPr>
+        </p:nvSpPr>
+        <p:spPr/>
+      </p:sp>
+      <p:sp>
+        <p:nvSpPr>
+          <p:cNvPr id="3" name="Notes Placeholder 2"/>
+          <p:cNvSpPr>
+            <a:spLocks noGrp="1"/>
+          </p:cNvSpPr>
+          <p:nvPr>
+            <p:ph type="body" idx="1"/>
+          </p:nvPr>
+        </p:nvSpPr>
+        <p:spPr/>
+        <p:txBody>
+          <a:bodyPr/>
+          <a:lstStyle/>
+          <a:p>
+            <a:r>
+              <a:rPr lang="de-CH" dirty="0" smtClean="0"/>
+              <a:t>Eine</a:t>
+            </a:r>
+            <a:r>
+              <a:rPr lang="de-CH" baseline="0" dirty="0" smtClean="0"/>
+              <a:t> aktuelle Messstation benötigt ca. 10 Watt bei zehn angeschlossenen Geophonen. Als Zielwert wurde deshalb eine Leistungsaufnahme unter 1 Watt pro Sensoreinheit angesetzt.</a:t>
+            </a:r>
+            <a:endParaRPr lang="de-CH" dirty="0"/>
+          </a:p>
+        </p:txBody>
+      </p:sp>
+      <p:sp>
+        <p:nvSpPr>
+          <p:cNvPr id="4" name="Slide Number Placeholder 3"/>
+          <p:cNvSpPr>
+            <a:spLocks noGrp="1"/>
+          </p:cNvSpPr>
+          <p:nvPr>
+            <p:ph type="sldNum" sz="quarter" idx="10"/>
+          </p:nvPr>
+        </p:nvSpPr>
+        <p:spPr/>
+        <p:txBody>
+          <a:bodyPr/>
+          <a:lstStyle/>
+          <a:p>
+            <a:fld id="{E7AE4CB0-9792-D74D-9E49-F892F9A51ADF}" type="slidenum">
+              <a:rPr lang="en-US" smtClean="0"/>
+              <a:t>23</a:t>
+            </a:fld>
+            <a:endParaRPr lang="en-US"/>
+          </a:p>
+        </p:txBody>
+      </p:sp>
+    </p:spTree>
+    <p:extLst>
+      <p:ext uri="{BB962C8B-B14F-4D97-AF65-F5344CB8AC3E}">
+        <p14:creationId xmlns:p14="http://schemas.microsoft.com/office/powerpoint/2010/main" val="256845408"/>
+      </p:ext>
+    </p:extLst>
+  </p:cSld>
+  <p:clrMapOvr>
+    <a:masterClrMapping/>
+  </p:clrMapOvr>
+</p:notes>
+</file>
+
+<file path=ppt/notesSlides/notesSlide22.xml><?xml version="1.0" encoding="utf-8"?>
+<p:notes xmlns:a="http://schemas.openxmlformats.org/drawingml/2006/main" xmlns:r="http://schemas.openxmlformats.org/officeDocument/2006/relationships" xmlns:p="http://schemas.openxmlformats.org/presentationml/2006/main">
+  <p:cSld>
+    <p:spTree>
+      <p:nvGrpSpPr>
+        <p:cNvPr id="1" name=""/>
+        <p:cNvGrpSpPr/>
+        <p:nvPr/>
+      </p:nvGrpSpPr>
+      <p:grpSpPr>
+        <a:xfrm>
+          <a:off x="0" y="0"/>
+          <a:ext cx="0" cy="0"/>
+          <a:chOff x="0" y="0"/>
+          <a:chExt cx="0" cy="0"/>
+        </a:xfrm>
+      </p:grpSpPr>
+      <p:sp>
+        <p:nvSpPr>
+          <p:cNvPr id="2" name="Slide Image Placeholder 1"/>
+          <p:cNvSpPr>
+            <a:spLocks noGrp="1" noRot="1" noChangeAspect="1"/>
+          </p:cNvSpPr>
+          <p:nvPr>
+            <p:ph type="sldImg"/>
+          </p:nvPr>
+        </p:nvSpPr>
+        <p:spPr/>
+      </p:sp>
+      <p:sp>
+        <p:nvSpPr>
+          <p:cNvPr id="3" name="Notes Placeholder 2"/>
+          <p:cNvSpPr>
+            <a:spLocks noGrp="1"/>
+          </p:cNvSpPr>
+          <p:nvPr>
+            <p:ph type="body" idx="1"/>
+          </p:nvPr>
+        </p:nvSpPr>
+        <p:spPr/>
+        <p:txBody>
+          <a:bodyPr/>
+          <a:lstStyle/>
+          <a:p>
+            <a:r>
+              <a:rPr lang="de-CH" b="1" dirty="0" smtClean="0"/>
+              <a:t>Tests an VAW:</a:t>
+            </a:r>
+          </a:p>
+          <a:p>
+            <a:r>
+              <a:rPr lang="de-CH" dirty="0" smtClean="0"/>
+              <a:t>Sensoren an Stahlplatte montieren für Vergleichsmessungen</a:t>
+            </a:r>
+          </a:p>
+          <a:p>
+            <a:r>
+              <a:rPr lang="de-CH" dirty="0" smtClean="0"/>
+              <a:t>Test</a:t>
+            </a:r>
+            <a:r>
+              <a:rPr lang="de-CH" baseline="0" dirty="0" smtClean="0"/>
+              <a:t> der Nutzbarkeit</a:t>
+            </a:r>
+            <a:endParaRPr lang="de-CH" dirty="0" smtClean="0"/>
+          </a:p>
+          <a:p>
+            <a:endParaRPr lang="de-CH" dirty="0" smtClean="0"/>
+          </a:p>
+          <a:p>
+            <a:r>
+              <a:rPr lang="de-CH" b="1" dirty="0" smtClean="0"/>
+              <a:t>Effizienz:</a:t>
+            </a:r>
+          </a:p>
+          <a:p>
+            <a:r>
+              <a:rPr lang="de-CH" dirty="0" err="1" smtClean="0"/>
+              <a:t>Sleep</a:t>
+            </a:r>
+            <a:r>
+              <a:rPr lang="de-CH" dirty="0" smtClean="0"/>
+              <a:t> nutzen, A/D-Wandler</a:t>
+            </a:r>
+            <a:r>
+              <a:rPr lang="de-CH" baseline="0" dirty="0" smtClean="0"/>
+              <a:t> weckt CPU möglich?</a:t>
+            </a:r>
+          </a:p>
+          <a:p>
+            <a:endParaRPr lang="de-CH" dirty="0" smtClean="0"/>
+          </a:p>
+          <a:p>
+            <a:r>
+              <a:rPr lang="de-CH" b="1" dirty="0" smtClean="0"/>
+              <a:t>Bedienungskomfort:</a:t>
+            </a:r>
+          </a:p>
+          <a:p>
+            <a:r>
+              <a:rPr lang="de-CH" dirty="0" smtClean="0"/>
+              <a:t>Zur Zeit nur textbasiertes</a:t>
+            </a:r>
+            <a:r>
+              <a:rPr lang="de-CH" baseline="0" dirty="0" smtClean="0"/>
+              <a:t> Menü und Konfigurationsdatei.</a:t>
+            </a:r>
+          </a:p>
+          <a:p>
+            <a:r>
+              <a:rPr lang="de-CH" baseline="0" dirty="0" smtClean="0"/>
+              <a:t>Zukunft: Grafisches Steuerungstool mit Anzeige von Messdaten</a:t>
+            </a:r>
+          </a:p>
+          <a:p>
+            <a:endParaRPr lang="de-CH" baseline="0" dirty="0" smtClean="0"/>
+          </a:p>
+          <a:p>
+            <a:r>
+              <a:rPr lang="de-CH" b="1" baseline="0" dirty="0" smtClean="0"/>
+              <a:t>Mehrere Sensoren an einer Sensoreinheit</a:t>
+            </a:r>
+          </a:p>
+          <a:p>
+            <a:r>
+              <a:rPr lang="de-CH" dirty="0" smtClean="0"/>
+              <a:t>Rechenleistung</a:t>
+            </a:r>
+            <a:r>
+              <a:rPr lang="de-CH" baseline="0" dirty="0" smtClean="0"/>
+              <a:t> genügt für mehrere Sensoren</a:t>
+            </a:r>
+          </a:p>
+          <a:p>
+            <a:endParaRPr lang="de-CH" baseline="0" dirty="0" smtClean="0"/>
+          </a:p>
+          <a:p>
+            <a:r>
+              <a:rPr lang="de-CH" b="1" baseline="0" dirty="0" smtClean="0"/>
+              <a:t>Miniaturisierung</a:t>
+            </a:r>
+          </a:p>
+          <a:p>
+            <a:r>
+              <a:rPr lang="de-CH" dirty="0" smtClean="0"/>
+              <a:t>Zur Zeit zu</a:t>
+            </a:r>
+            <a:r>
+              <a:rPr lang="de-CH" baseline="0" dirty="0" smtClean="0"/>
+              <a:t> viel Hardware dran, QSB für </a:t>
+            </a:r>
+            <a:r>
+              <a:rPr lang="de-CH" baseline="0" dirty="0" err="1" smtClean="0"/>
+              <a:t>Proof</a:t>
+            </a:r>
+            <a:r>
+              <a:rPr lang="de-CH" baseline="0" dirty="0" smtClean="0"/>
+              <a:t> </a:t>
+            </a:r>
+            <a:r>
+              <a:rPr lang="de-CH" baseline="0" dirty="0" err="1" smtClean="0"/>
+              <a:t>of</a:t>
+            </a:r>
+            <a:r>
+              <a:rPr lang="de-CH" baseline="0" dirty="0" smtClean="0"/>
+              <a:t> </a:t>
+            </a:r>
+            <a:r>
+              <a:rPr lang="de-CH" baseline="0" dirty="0" err="1" smtClean="0"/>
+              <a:t>Concept</a:t>
+            </a:r>
+            <a:endParaRPr lang="de-CH" baseline="0" dirty="0" smtClean="0"/>
+          </a:p>
+          <a:p>
+            <a:r>
+              <a:rPr lang="de-CH" baseline="0" dirty="0" smtClean="0"/>
+              <a:t>Reduktion auf Minimum sollte Verkleinerung auf 50 x 35 x 25 mm erlauben.</a:t>
+            </a:r>
+          </a:p>
+          <a:p>
+            <a:endParaRPr lang="de-CH" baseline="0" dirty="0" smtClean="0"/>
+          </a:p>
+          <a:p>
+            <a:r>
+              <a:rPr lang="de-CH" b="1" dirty="0" smtClean="0"/>
+              <a:t>Automatisierte Anpassung der Detail-Level</a:t>
+            </a:r>
+          </a:p>
+          <a:p>
+            <a:r>
+              <a:rPr lang="de-CH" b="0" dirty="0" smtClean="0"/>
+              <a:t>Geringe</a:t>
+            </a:r>
+            <a:r>
+              <a:rPr lang="de-CH" b="0" baseline="0" dirty="0" smtClean="0"/>
+              <a:t> Details aufzeichnen bei niedrigem Ereignisaufkommen, bei hohem Aufkommen hochstufen, um mehr Informationen zu gewinnen. Abhängig vom verbleibenden Speicherplatz und verbleibender geplanter Messdauer.</a:t>
+            </a:r>
+            <a:endParaRPr lang="de-CH" b="0" dirty="0" smtClean="0"/>
+          </a:p>
+        </p:txBody>
+      </p:sp>
+      <p:sp>
+        <p:nvSpPr>
+          <p:cNvPr id="4" name="Slide Number Placeholder 3"/>
+          <p:cNvSpPr>
+            <a:spLocks noGrp="1"/>
+          </p:cNvSpPr>
+          <p:nvPr>
+            <p:ph type="sldNum" sz="quarter" idx="10"/>
+          </p:nvPr>
+        </p:nvSpPr>
+        <p:spPr/>
+        <p:txBody>
+          <a:bodyPr/>
+          <a:lstStyle/>
+          <a:p>
+            <a:fld id="{E7AE4CB0-9792-D74D-9E49-F892F9A51ADF}" type="slidenum">
+              <a:rPr lang="en-US" smtClean="0"/>
+              <a:t>24</a:t>
+            </a:fld>
+            <a:endParaRPr lang="en-US"/>
+          </a:p>
+        </p:txBody>
+      </p:sp>
+    </p:spTree>
+    <p:extLst>
+      <p:ext uri="{BB962C8B-B14F-4D97-AF65-F5344CB8AC3E}">
+        <p14:creationId xmlns:p14="http://schemas.microsoft.com/office/powerpoint/2010/main" val="1327592450"/>
       </p:ext>
     </p:extLst>
   </p:cSld>
@@ -1457,122 +2630,479 @@
           <a:p>
             <a:r>
               <a:rPr lang="en-US" dirty="0" err="1" smtClean="0"/>
-              <a:t>Betonkonstruktion</a:t>
-            </a:r>
-            <a:r>
-              <a:rPr lang="en-US" dirty="0" smtClean="0"/>
-              <a:t> </a:t>
-            </a:r>
-            <a:r>
-              <a:rPr lang="en-US" dirty="0" err="1" smtClean="0"/>
+              <a:t>Gebirgshydrologie</a:t>
+            </a:r>
+            <a:r>
+              <a:rPr lang="en-US" baseline="0" dirty="0" smtClean="0"/>
+              <a:t> </a:t>
+            </a:r>
+            <a:r>
+              <a:rPr lang="en-US" baseline="0" dirty="0" err="1" smtClean="0"/>
+              <a:t>braucht</a:t>
+            </a:r>
+            <a:r>
+              <a:rPr lang="en-US" baseline="0" dirty="0" smtClean="0"/>
+              <a:t> </a:t>
+            </a:r>
+            <a:r>
+              <a:rPr lang="en-US" baseline="0" dirty="0" err="1" smtClean="0"/>
+              <a:t>Daten</a:t>
+            </a:r>
+            <a:r>
+              <a:rPr lang="en-US" baseline="0" dirty="0" smtClean="0"/>
+              <a:t> </a:t>
+            </a:r>
+            <a:r>
+              <a:rPr lang="en-US" baseline="0" dirty="0" err="1" smtClean="0"/>
+              <a:t>über</a:t>
+            </a:r>
+            <a:r>
+              <a:rPr lang="en-US" baseline="0" dirty="0" smtClean="0"/>
+              <a:t> </a:t>
+            </a:r>
+            <a:r>
+              <a:rPr lang="en-US" baseline="0" dirty="0" err="1" smtClean="0"/>
+              <a:t>Geschiebetransport</a:t>
+            </a:r>
+            <a:r>
+              <a:rPr lang="en-US" baseline="0" dirty="0" smtClean="0"/>
+              <a:t>.</a:t>
+            </a:r>
+          </a:p>
+          <a:p>
+            <a:r>
+              <a:rPr lang="en-US" baseline="0" dirty="0" err="1" smtClean="0"/>
+              <a:t>Korngrösse</a:t>
+            </a:r>
+            <a:r>
+              <a:rPr lang="en-US" baseline="0" dirty="0" smtClean="0"/>
+              <a:t>, </a:t>
+            </a:r>
+            <a:r>
+              <a:rPr lang="en-US" baseline="0" dirty="0" err="1" smtClean="0"/>
+              <a:t>Anzahl</a:t>
+            </a:r>
+            <a:r>
+              <a:rPr lang="en-US" baseline="0" dirty="0" smtClean="0"/>
+              <a:t>, </a:t>
+            </a:r>
+            <a:r>
+              <a:rPr lang="en-US" baseline="0" dirty="0" err="1" smtClean="0"/>
+              <a:t>evtl</a:t>
+            </a:r>
+            <a:r>
+              <a:rPr lang="en-US" baseline="0" dirty="0" smtClean="0"/>
+              <a:t>. </a:t>
+            </a:r>
+            <a:r>
+              <a:rPr lang="en-US" baseline="0" dirty="0" err="1" smtClean="0"/>
+              <a:t>Geschwindigkeit</a:t>
+            </a:r>
+            <a:r>
+              <a:rPr lang="en-US" baseline="0" dirty="0" smtClean="0"/>
+              <a:t> und </a:t>
+            </a:r>
+            <a:r>
+              <a:rPr lang="en-US" baseline="0" dirty="0" err="1" smtClean="0"/>
+              <a:t>Transportmodus</a:t>
+            </a:r>
+            <a:r>
+              <a:rPr lang="en-US" baseline="0" dirty="0" smtClean="0"/>
+              <a:t> (</a:t>
+            </a:r>
+            <a:r>
+              <a:rPr lang="en-US" baseline="0" dirty="0" err="1" smtClean="0"/>
+              <a:t>Rollen</a:t>
+            </a:r>
+            <a:r>
+              <a:rPr lang="en-US" baseline="0" dirty="0" smtClean="0"/>
+              <a:t>, </a:t>
+            </a:r>
+            <a:r>
+              <a:rPr lang="en-US" baseline="0" dirty="0" err="1" smtClean="0"/>
+              <a:t>Springen</a:t>
+            </a:r>
+            <a:r>
+              <a:rPr lang="en-US" baseline="0" dirty="0" smtClean="0"/>
+              <a:t>, </a:t>
+            </a:r>
+            <a:r>
+              <a:rPr lang="en-US" baseline="0" dirty="0" err="1" smtClean="0"/>
+              <a:t>Gleiten</a:t>
+            </a:r>
+            <a:r>
+              <a:rPr lang="en-US" baseline="0" dirty="0" smtClean="0"/>
+              <a:t>)</a:t>
+            </a:r>
+            <a:r>
+              <a:rPr lang="en-US" baseline="0" dirty="0" smtClean="0"/>
+              <a:t>, </a:t>
+            </a:r>
+            <a:r>
+              <a:rPr lang="en-US" baseline="0" dirty="0" err="1" smtClean="0"/>
+              <a:t>allenfalls</a:t>
+            </a:r>
+            <a:r>
+              <a:rPr lang="en-US" baseline="0" dirty="0" smtClean="0"/>
+              <a:t> </a:t>
+            </a:r>
+            <a:r>
+              <a:rPr lang="en-US" baseline="0" dirty="0" err="1" smtClean="0"/>
+              <a:t>sogar</a:t>
+            </a:r>
+            <a:r>
+              <a:rPr lang="en-US" baseline="0" dirty="0" smtClean="0"/>
+              <a:t> </a:t>
+            </a:r>
+            <a:r>
+              <a:rPr lang="en-US" baseline="0" dirty="0" err="1" smtClean="0"/>
+              <a:t>Aussagen</a:t>
+            </a:r>
+            <a:r>
+              <a:rPr lang="en-US" baseline="0" dirty="0" smtClean="0"/>
+              <a:t> </a:t>
+            </a:r>
+            <a:r>
+              <a:rPr lang="en-US" baseline="0" dirty="0" err="1" smtClean="0"/>
+              <a:t>über</a:t>
+            </a:r>
+            <a:r>
+              <a:rPr lang="en-US" baseline="0" dirty="0" smtClean="0"/>
+              <a:t> Form </a:t>
+            </a:r>
+            <a:r>
+              <a:rPr lang="en-US" baseline="0" dirty="0" err="1" smtClean="0"/>
+              <a:t>möglich</a:t>
+            </a:r>
+            <a:r>
+              <a:rPr lang="en-US" baseline="0" dirty="0" smtClean="0"/>
+              <a:t>?</a:t>
+            </a:r>
+          </a:p>
+          <a:p>
+            <a:r>
+              <a:rPr lang="en-US" baseline="0" dirty="0" err="1" smtClean="0"/>
+              <a:t>Ereignisse</a:t>
+            </a:r>
+            <a:r>
+              <a:rPr lang="en-US" baseline="0" dirty="0" smtClean="0"/>
+              <a:t> </a:t>
+            </a:r>
+            <a:r>
+              <a:rPr lang="en-US" baseline="0" dirty="0" err="1" smtClean="0"/>
               <a:t>mit</a:t>
             </a:r>
             <a:r>
-              <a:rPr lang="en-US" dirty="0" smtClean="0"/>
-              <a:t> </a:t>
-            </a:r>
-            <a:r>
-              <a:rPr lang="en-US" dirty="0" err="1" smtClean="0"/>
-              <a:t>Stahlplatten</a:t>
-            </a:r>
-            <a:r>
-              <a:rPr lang="en-US" baseline="0" dirty="0" smtClean="0"/>
-              <a:t> </a:t>
-            </a:r>
-          </a:p>
-          <a:p>
-            <a:r>
-              <a:rPr lang="en-US" sz="1200" kern="1200" dirty="0" smtClean="0">
-                <a:solidFill>
-                  <a:schemeClr val="tx1"/>
-                </a:solidFill>
-                <a:latin typeface="+mn-lt"/>
-                <a:ea typeface="+mn-ea"/>
-                <a:cs typeface="+mn-cs"/>
-              </a:rPr>
-              <a:t>492 x 358 x 15 </a:t>
-            </a:r>
-            <a:r>
-              <a:rPr lang="en-US" sz="1200" kern="1200" dirty="0" err="1" smtClean="0">
-                <a:solidFill>
-                  <a:schemeClr val="tx1"/>
-                </a:solidFill>
-                <a:latin typeface="+mn-lt"/>
-                <a:ea typeface="+mn-ea"/>
-                <a:cs typeface="+mn-cs"/>
-              </a:rPr>
-              <a:t>sie</a:t>
-            </a:r>
-            <a:r>
-              <a:rPr lang="en-US" sz="1200" kern="1200" dirty="0" smtClean="0">
-                <a:solidFill>
-                  <a:schemeClr val="tx1"/>
-                </a:solidFill>
-                <a:latin typeface="+mn-lt"/>
-                <a:ea typeface="+mn-ea"/>
-                <a:cs typeface="+mn-cs"/>
-              </a:rPr>
-              <a:t> </a:t>
-            </a:r>
-            <a:r>
-              <a:rPr lang="en-US" sz="1200" kern="1200" dirty="0" err="1" smtClean="0">
-                <a:solidFill>
-                  <a:schemeClr val="tx1"/>
-                </a:solidFill>
-                <a:latin typeface="+mn-lt"/>
-                <a:ea typeface="+mn-ea"/>
-                <a:cs typeface="+mn-cs"/>
-              </a:rPr>
+              <a:rPr lang="en-US" baseline="0" dirty="0" smtClean="0"/>
+              <a:t> </a:t>
+            </a:r>
+            <a:r>
+              <a:rPr lang="en-US" baseline="0" dirty="0" err="1" smtClean="0"/>
+              <a:t>viel</a:t>
+            </a:r>
+            <a:r>
+              <a:rPr lang="en-US" baseline="0" dirty="0" smtClean="0"/>
+              <a:t> Transport </a:t>
+            </a:r>
+            <a:r>
+              <a:rPr lang="en-US" baseline="0" dirty="0" err="1" smtClean="0"/>
+              <a:t>treten</a:t>
+            </a:r>
+            <a:r>
+              <a:rPr lang="en-US" baseline="0" dirty="0" smtClean="0"/>
+              <a:t> </a:t>
+            </a:r>
+            <a:r>
+              <a:rPr lang="en-US" baseline="0" dirty="0" err="1" smtClean="0"/>
+              <a:t>selten</a:t>
+            </a:r>
+            <a:r>
+              <a:rPr lang="en-US" baseline="0" dirty="0" smtClean="0"/>
+              <a:t> auf und </a:t>
+            </a:r>
+            <a:r>
+              <a:rPr lang="en-US" baseline="0" dirty="0" err="1" smtClean="0"/>
+              <a:t>dauern</a:t>
+            </a:r>
+            <a:r>
+              <a:rPr lang="en-US" baseline="0" dirty="0" smtClean="0"/>
+              <a:t> </a:t>
+            </a:r>
+            <a:r>
+              <a:rPr lang="en-US" baseline="0" dirty="0" err="1" smtClean="0"/>
+              <a:t>dann</a:t>
+            </a:r>
+            <a:r>
+              <a:rPr lang="en-US" baseline="0" dirty="0" smtClean="0"/>
+              <a:t> </a:t>
+            </a:r>
+            <a:r>
+              <a:rPr lang="en-US" baseline="0" dirty="0" err="1" smtClean="0"/>
+              <a:t>bis</a:t>
+            </a:r>
+            <a:r>
+              <a:rPr lang="en-US" baseline="0" dirty="0" smtClean="0"/>
+              <a:t> </a:t>
+            </a:r>
+            <a:r>
+              <a:rPr lang="en-US" baseline="0" dirty="0" err="1" smtClean="0"/>
+              <a:t>zu</a:t>
+            </a:r>
+            <a:r>
+              <a:rPr lang="en-US" baseline="0" dirty="0" smtClean="0"/>
+              <a:t> </a:t>
+            </a:r>
+            <a:r>
+              <a:rPr lang="en-US" baseline="0" dirty="0" err="1" smtClean="0"/>
+              <a:t>einigen</a:t>
+            </a:r>
+            <a:r>
+              <a:rPr lang="en-US" baseline="0" dirty="0" smtClean="0"/>
+              <a:t> </a:t>
+            </a:r>
+            <a:r>
+              <a:rPr lang="en-US" baseline="0" dirty="0" err="1" smtClean="0"/>
+              <a:t>zehn</a:t>
+            </a:r>
+            <a:r>
+              <a:rPr lang="en-US" baseline="0" dirty="0" smtClean="0"/>
+              <a:t> </a:t>
+            </a:r>
+            <a:r>
+              <a:rPr lang="en-US" baseline="0" dirty="0" err="1" smtClean="0"/>
+              <a:t>Stunden</a:t>
+            </a:r>
+            <a:r>
+              <a:rPr lang="en-US" baseline="0" dirty="0" smtClean="0"/>
+              <a:t>.</a:t>
+            </a:r>
+          </a:p>
+          <a:p>
+            <a:endParaRPr lang="en-US" baseline="0" dirty="0" smtClean="0"/>
+          </a:p>
+          <a:p>
+            <a:r>
+              <a:rPr lang="en-US" baseline="0" dirty="0" err="1" smtClean="0"/>
+              <a:t>Messzeiten</a:t>
+            </a:r>
+            <a:r>
+              <a:rPr lang="en-US" baseline="0" dirty="0" smtClean="0"/>
+              <a:t> von </a:t>
+            </a:r>
+            <a:r>
+              <a:rPr lang="en-US" baseline="0" dirty="0" err="1" smtClean="0"/>
+              <a:t>einigen</a:t>
+            </a:r>
+            <a:r>
+              <a:rPr lang="en-US" baseline="0" dirty="0" smtClean="0"/>
+              <a:t> </a:t>
+            </a:r>
+            <a:r>
+              <a:rPr lang="en-US" baseline="0" dirty="0" err="1" smtClean="0"/>
+              <a:t>Wochen</a:t>
+            </a:r>
+            <a:r>
+              <a:rPr lang="en-US" baseline="0" dirty="0" smtClean="0"/>
+              <a:t> </a:t>
+            </a:r>
+            <a:r>
+              <a:rPr lang="en-US" baseline="0" dirty="0" err="1" smtClean="0"/>
+              <a:t>bis</a:t>
+            </a:r>
+            <a:r>
+              <a:rPr lang="en-US" baseline="0" dirty="0" smtClean="0"/>
+              <a:t> </a:t>
+            </a:r>
+            <a:r>
+              <a:rPr lang="en-US" baseline="0" dirty="0" err="1" smtClean="0"/>
+              <a:t>Monaten</a:t>
+            </a:r>
+            <a:r>
+              <a:rPr lang="en-US" baseline="0" dirty="0" smtClean="0"/>
+              <a:t> </a:t>
+            </a:r>
+            <a:r>
+              <a:rPr lang="en-US" baseline="0" dirty="0" err="1" smtClean="0"/>
+              <a:t>sind</a:t>
+            </a:r>
+            <a:r>
+              <a:rPr lang="en-US" baseline="0" dirty="0" smtClean="0"/>
+              <a:t> </a:t>
+            </a:r>
+            <a:r>
+              <a:rPr lang="en-US" baseline="0" dirty="0" err="1" smtClean="0"/>
+              <a:t>gefordert</a:t>
+            </a:r>
+            <a:r>
+              <a:rPr lang="en-US" baseline="0" dirty="0" smtClean="0"/>
+              <a:t>.</a:t>
+            </a:r>
+          </a:p>
+          <a:p>
+            <a:endParaRPr lang="en-US" baseline="0" dirty="0" smtClean="0"/>
+          </a:p>
+          <a:p>
+            <a:r>
+              <a:rPr lang="en-US" baseline="0" dirty="0" err="1" smtClean="0"/>
+              <a:t>Messstation</a:t>
+            </a:r>
+            <a:r>
+              <a:rPr lang="en-US" baseline="0" dirty="0" smtClean="0"/>
+              <a:t> </a:t>
+            </a:r>
+            <a:r>
+              <a:rPr lang="en-US" baseline="0" dirty="0" smtClean="0"/>
+              <a:t>muss </a:t>
+            </a:r>
+            <a:r>
+              <a:rPr lang="en-US" baseline="0" dirty="0" err="1" smtClean="0"/>
+              <a:t>über</a:t>
+            </a:r>
+            <a:r>
+              <a:rPr lang="en-US" baseline="0" dirty="0" smtClean="0"/>
+              <a:t> </a:t>
+            </a:r>
+            <a:r>
+              <a:rPr lang="en-US" baseline="0" dirty="0" err="1" smtClean="0"/>
+              <a:t>lange</a:t>
+            </a:r>
+            <a:r>
+              <a:rPr lang="en-US" baseline="0" dirty="0" smtClean="0"/>
+              <a:t> </a:t>
+            </a:r>
+            <a:r>
+              <a:rPr lang="en-US" baseline="0" dirty="0" err="1" smtClean="0"/>
+              <a:t>Zeit</a:t>
+            </a:r>
+            <a:r>
+              <a:rPr lang="en-US" baseline="0" dirty="0" smtClean="0"/>
+              <a:t> </a:t>
+            </a:r>
+            <a:r>
+              <a:rPr lang="en-US" baseline="0" dirty="0" err="1" smtClean="0"/>
+              <a:t>autark</a:t>
+            </a:r>
+            <a:r>
+              <a:rPr lang="en-US" baseline="0" dirty="0" smtClean="0"/>
+              <a:t> </a:t>
+            </a:r>
+            <a:r>
+              <a:rPr lang="en-US" baseline="0" dirty="0" err="1" smtClean="0"/>
+              <a:t>betrieben</a:t>
+            </a:r>
+            <a:r>
+              <a:rPr lang="en-US" baseline="0" dirty="0" smtClean="0"/>
+              <a:t> </a:t>
+            </a:r>
+            <a:r>
+              <a:rPr lang="en-US" baseline="0" dirty="0" err="1" smtClean="0"/>
+              <a:t>werden</a:t>
+            </a:r>
+            <a:r>
+              <a:rPr lang="en-US" baseline="0" dirty="0" smtClean="0"/>
+              <a:t> </a:t>
+            </a:r>
+            <a:r>
+              <a:rPr lang="en-US" baseline="0" dirty="0" err="1" smtClean="0"/>
+              <a:t>können</a:t>
+            </a:r>
+            <a:r>
+              <a:rPr lang="en-US" baseline="0" dirty="0" smtClean="0"/>
+              <a:t> und </a:t>
+            </a:r>
+            <a:r>
+              <a:rPr lang="en-US" baseline="0" dirty="0" err="1" smtClean="0"/>
+              <a:t>möglichst</a:t>
+            </a:r>
+            <a:r>
+              <a:rPr lang="en-US" baseline="0" dirty="0" smtClean="0"/>
+              <a:t> </a:t>
+            </a:r>
+            <a:r>
+              <a:rPr lang="en-US" baseline="0" dirty="0" err="1" smtClean="0"/>
+              <a:t>nur</a:t>
+            </a:r>
+            <a:r>
+              <a:rPr lang="en-US" baseline="0" dirty="0" smtClean="0"/>
+              <a:t> </a:t>
+            </a:r>
+            <a:r>
+              <a:rPr lang="en-US" baseline="0" dirty="0" err="1" smtClean="0"/>
+              <a:t>interessante</a:t>
+            </a:r>
+            <a:r>
+              <a:rPr lang="en-US" baseline="0" dirty="0" smtClean="0"/>
+              <a:t> </a:t>
+            </a:r>
+            <a:r>
+              <a:rPr lang="en-US" baseline="0" dirty="0" err="1" smtClean="0"/>
+              <a:t>Daten</a:t>
+            </a:r>
+            <a:r>
+              <a:rPr lang="en-US" baseline="0" dirty="0" smtClean="0"/>
+              <a:t> </a:t>
+            </a:r>
+            <a:r>
+              <a:rPr lang="en-US" baseline="0" dirty="0" err="1" smtClean="0"/>
+              <a:t>aufzeichnen</a:t>
+            </a:r>
+            <a:r>
+              <a:rPr lang="en-US" baseline="0" dirty="0" smtClean="0"/>
+              <a:t>, </a:t>
+            </a:r>
+            <a:r>
+              <a:rPr lang="en-US" baseline="0" dirty="0" err="1" smtClean="0"/>
+              <a:t>damit</a:t>
+            </a:r>
+            <a:r>
+              <a:rPr lang="en-US" baseline="0" dirty="0" smtClean="0"/>
+              <a:t> </a:t>
+            </a:r>
+            <a:r>
+              <a:rPr lang="en-US" baseline="0" dirty="0" err="1" smtClean="0"/>
+              <a:t>bei</a:t>
+            </a:r>
+            <a:r>
+              <a:rPr lang="en-US" baseline="0" dirty="0" smtClean="0"/>
+              <a:t> </a:t>
+            </a:r>
+            <a:r>
+              <a:rPr lang="en-US" baseline="0" dirty="0" err="1" smtClean="0"/>
+              <a:t>intensiven</a:t>
+            </a:r>
+            <a:r>
+              <a:rPr lang="en-US" baseline="0" dirty="0" smtClean="0"/>
+              <a:t> </a:t>
+            </a:r>
+            <a:r>
+              <a:rPr lang="en-US" baseline="0" dirty="0" err="1" smtClean="0"/>
+              <a:t>Ereignissen</a:t>
+            </a:r>
+            <a:r>
+              <a:rPr lang="en-US" baseline="0" dirty="0" smtClean="0"/>
+              <a:t> </a:t>
+            </a:r>
+            <a:r>
+              <a:rPr lang="en-US" baseline="0" dirty="0" err="1" smtClean="0"/>
+              <a:t>Speicherplatz</a:t>
+            </a:r>
+            <a:r>
+              <a:rPr lang="en-US" baseline="0" dirty="0" smtClean="0"/>
+              <a:t> </a:t>
+            </a:r>
+            <a:r>
+              <a:rPr lang="en-US" baseline="0" dirty="0" err="1" smtClean="0"/>
+              <a:t>vorhanden</a:t>
+            </a:r>
+            <a:r>
+              <a:rPr lang="en-US" baseline="0" dirty="0" smtClean="0"/>
+              <a:t> </a:t>
+            </a:r>
+            <a:r>
+              <a:rPr lang="en-US" baseline="0" dirty="0" err="1" smtClean="0"/>
               <a:t>ist</a:t>
             </a:r>
-            <a:r>
-              <a:rPr lang="en-US" sz="1200" kern="1200" dirty="0" smtClean="0">
-                <a:solidFill>
-                  <a:schemeClr val="tx1"/>
-                </a:solidFill>
-                <a:latin typeface="+mn-lt"/>
-                <a:ea typeface="+mn-ea"/>
-                <a:cs typeface="+mn-cs"/>
-              </a:rPr>
-              <a:t> auf </a:t>
-            </a:r>
-            <a:r>
-              <a:rPr lang="en-US" sz="1200" kern="1200" dirty="0" err="1" smtClean="0">
-                <a:solidFill>
-                  <a:schemeClr val="tx1"/>
-                </a:solidFill>
-                <a:latin typeface="+mn-lt"/>
-                <a:ea typeface="+mn-ea"/>
-                <a:cs typeface="+mn-cs"/>
-              </a:rPr>
-              <a:t>einem</a:t>
-            </a:r>
-            <a:r>
-              <a:rPr lang="en-US" sz="1200" kern="1200" dirty="0" smtClean="0">
-                <a:solidFill>
-                  <a:schemeClr val="tx1"/>
-                </a:solidFill>
-                <a:latin typeface="+mn-lt"/>
-                <a:ea typeface="+mn-ea"/>
-                <a:cs typeface="+mn-cs"/>
-              </a:rPr>
-              <a:t> Elastomer, 20mm dick  c.a. shore 60 </a:t>
-            </a:r>
-            <a:r>
-              <a:rPr lang="en-US" sz="1200" kern="1200" dirty="0" err="1" smtClean="0">
-                <a:solidFill>
-                  <a:schemeClr val="tx1"/>
-                </a:solidFill>
-                <a:latin typeface="+mn-lt"/>
-                <a:ea typeface="+mn-ea"/>
-                <a:cs typeface="+mn-cs"/>
-              </a:rPr>
-              <a:t>gelagert</a:t>
-            </a:r>
-            <a:endParaRPr lang="en-US" dirty="0" smtClean="0"/>
-          </a:p>
-          <a:p>
-            <a:endParaRPr lang="en-US" dirty="0"/>
+            <a:endParaRPr lang="en-US" baseline="0" dirty="0" smtClean="0"/>
           </a:p>
         </p:txBody>
       </p:sp>
@@ -1593,7 +3123,7 @@
           <a:p>
             <a:fld id="{E7AE4CB0-9792-D74D-9E49-F892F9A51ADF}" type="slidenum">
               <a:rPr lang="en-US" smtClean="0"/>
-              <a:t>5</a:t>
+              <a:t>3</a:t>
             </a:fld>
             <a:endParaRPr lang="en-US"/>
           </a:p>
@@ -1602,7 +3132,7 @@
     </p:spTree>
     <p:extLst>
       <p:ext uri="{BB962C8B-B14F-4D97-AF65-F5344CB8AC3E}">
-        <p14:creationId xmlns:p14="http://schemas.microsoft.com/office/powerpoint/2010/main" val="608425475"/>
+        <p14:creationId xmlns:p14="http://schemas.microsoft.com/office/powerpoint/2010/main" val="2611121099"/>
       </p:ext>
     </p:extLst>
   </p:cSld>
@@ -1658,19 +3188,257 @@
           <a:p>
             <a:r>
               <a:rPr lang="en-US" dirty="0" smtClean="0"/>
-              <a:t>Geophone in der </a:t>
+              <a:t>Geophone </a:t>
             </a:r>
             <a:r>
               <a:rPr lang="en-US" dirty="0" err="1" smtClean="0"/>
-              <a:t>bestehenden</a:t>
-            </a:r>
-            <a:r>
-              <a:rPr lang="en-US" dirty="0" smtClean="0"/>
-              <a:t> </a:t>
-            </a:r>
-            <a:r>
-              <a:rPr lang="en-US" dirty="0" err="1" smtClean="0"/>
+              <a:t>recht</a:t>
+            </a:r>
+            <a:r>
+              <a:rPr lang="en-US" baseline="0" dirty="0" smtClean="0"/>
+              <a:t> gross, </a:t>
+            </a:r>
+            <a:r>
+              <a:rPr lang="en-US" baseline="0" dirty="0" err="1" smtClean="0"/>
+              <a:t>brauchen</a:t>
+            </a:r>
+            <a:r>
+              <a:rPr lang="en-US" baseline="0" dirty="0" smtClean="0"/>
+              <a:t> </a:t>
+            </a:r>
+            <a:r>
+              <a:rPr lang="en-US" baseline="0" dirty="0" err="1" smtClean="0"/>
+              <a:t>aufwändige</a:t>
+            </a:r>
+            <a:r>
+              <a:rPr lang="en-US" baseline="0" dirty="0" smtClean="0"/>
+              <a:t> </a:t>
+            </a:r>
+            <a:r>
+              <a:rPr lang="en-US" baseline="0" dirty="0" err="1" smtClean="0"/>
               <a:t>Konstruktion</a:t>
+            </a:r>
+            <a:r>
+              <a:rPr lang="en-US" baseline="0" dirty="0" smtClean="0"/>
+              <a:t>.</a:t>
+            </a:r>
+          </a:p>
+          <a:p>
+            <a:r>
+              <a:rPr lang="en-US" baseline="0" dirty="0" err="1" smtClean="0"/>
+              <a:t>Jedes</a:t>
+            </a:r>
+            <a:r>
+              <a:rPr lang="en-US" baseline="0" dirty="0" smtClean="0"/>
+              <a:t> </a:t>
+            </a:r>
+            <a:r>
+              <a:rPr lang="en-US" baseline="0" dirty="0" err="1" smtClean="0"/>
+              <a:t>Geophon</a:t>
+            </a:r>
+            <a:r>
+              <a:rPr lang="en-US" baseline="0" dirty="0" smtClean="0"/>
+              <a:t> hat </a:t>
+            </a:r>
+            <a:r>
+              <a:rPr lang="en-US" baseline="0" dirty="0" err="1" smtClean="0"/>
+              <a:t>eigenes</a:t>
+            </a:r>
+            <a:r>
+              <a:rPr lang="en-US" baseline="0" dirty="0" smtClean="0"/>
+              <a:t> </a:t>
+            </a:r>
+            <a:r>
+              <a:rPr lang="en-US" baseline="0" dirty="0" err="1" smtClean="0"/>
+              <a:t>Kabel</a:t>
+            </a:r>
+            <a:r>
+              <a:rPr lang="en-US" baseline="0" dirty="0" smtClean="0"/>
+              <a:t> </a:t>
+            </a:r>
+            <a:r>
+              <a:rPr lang="en-US" baseline="0" dirty="0" err="1" smtClean="0"/>
+              <a:t>zum</a:t>
+            </a:r>
+            <a:r>
+              <a:rPr lang="en-US" baseline="0" dirty="0" smtClean="0"/>
+              <a:t> </a:t>
+            </a:r>
+            <a:r>
+              <a:rPr lang="en-US" baseline="0" dirty="0" err="1" smtClean="0"/>
+              <a:t>Rechner</a:t>
+            </a:r>
+            <a:r>
+              <a:rPr lang="en-US" baseline="0" dirty="0" smtClean="0"/>
+              <a:t>.</a:t>
+            </a:r>
+          </a:p>
+          <a:p>
+            <a:endParaRPr lang="en-US" baseline="0" dirty="0" smtClean="0"/>
+          </a:p>
+          <a:p>
+            <a:r>
+              <a:rPr lang="en-US" baseline="0" dirty="0" err="1" smtClean="0"/>
+              <a:t>Rechner</a:t>
+            </a:r>
+            <a:r>
+              <a:rPr lang="en-US" baseline="0" dirty="0" smtClean="0"/>
+              <a:t> </a:t>
+            </a:r>
+            <a:r>
+              <a:rPr lang="en-US" baseline="0" dirty="0" err="1" smtClean="0"/>
+              <a:t>braucht</a:t>
+            </a:r>
+            <a:r>
+              <a:rPr lang="en-US" baseline="0" dirty="0" smtClean="0"/>
+              <a:t> pro </a:t>
+            </a:r>
+            <a:r>
+              <a:rPr lang="en-US" baseline="0" dirty="0" err="1" smtClean="0"/>
+              <a:t>Geophon</a:t>
+            </a:r>
+            <a:r>
+              <a:rPr lang="en-US" baseline="0" dirty="0" smtClean="0"/>
+              <a:t> </a:t>
+            </a:r>
+            <a:r>
+              <a:rPr lang="en-US" baseline="0" dirty="0" err="1" smtClean="0"/>
+              <a:t>einen</a:t>
+            </a:r>
+            <a:r>
+              <a:rPr lang="en-US" baseline="0" dirty="0" smtClean="0"/>
+              <a:t> </a:t>
+            </a:r>
+            <a:r>
+              <a:rPr lang="en-US" baseline="0" dirty="0" err="1" smtClean="0"/>
+              <a:t>Eingang</a:t>
+            </a:r>
+            <a:endParaRPr lang="en-US" baseline="0" dirty="0" smtClean="0"/>
+          </a:p>
+          <a:p>
+            <a:endParaRPr lang="en-US" baseline="0" dirty="0" smtClean="0"/>
+          </a:p>
+          <a:p>
+            <a:r>
+              <a:rPr lang="en-US" baseline="0" dirty="0" smtClean="0"/>
+              <a:t>Hilbert Transformation </a:t>
+            </a:r>
+            <a:r>
+              <a:rPr lang="en-US" baseline="0" dirty="0" err="1" smtClean="0"/>
+              <a:t>ist</a:t>
+            </a:r>
+            <a:r>
+              <a:rPr lang="en-US" baseline="0" dirty="0" smtClean="0"/>
+              <a:t> </a:t>
+            </a:r>
+            <a:r>
+              <a:rPr lang="en-US" baseline="0" dirty="0" err="1" smtClean="0"/>
+              <a:t>aufwändig</a:t>
+            </a:r>
+            <a:r>
+              <a:rPr lang="en-US" baseline="0" dirty="0" smtClean="0"/>
+              <a:t>, </a:t>
+            </a:r>
+            <a:r>
+              <a:rPr lang="en-US" baseline="0" dirty="0" err="1" smtClean="0"/>
+              <a:t>mehrere</a:t>
+            </a:r>
+            <a:r>
+              <a:rPr lang="en-US" baseline="0" dirty="0" smtClean="0"/>
+              <a:t> </a:t>
+            </a:r>
+            <a:r>
+              <a:rPr lang="en-US" baseline="0" dirty="0" err="1" smtClean="0"/>
+              <a:t>Multiplikationen</a:t>
+            </a:r>
+            <a:r>
+              <a:rPr lang="en-US" baseline="0" dirty="0" smtClean="0"/>
+              <a:t> pro </a:t>
+            </a:r>
+            <a:r>
+              <a:rPr lang="en-US" baseline="0" dirty="0" err="1" smtClean="0"/>
+              <a:t>Messwert</a:t>
+            </a:r>
+            <a:r>
+              <a:rPr lang="en-US" baseline="0" dirty="0" smtClean="0"/>
+              <a:t> </a:t>
+            </a:r>
+            <a:r>
+              <a:rPr lang="en-US" baseline="0" dirty="0" err="1" smtClean="0"/>
+              <a:t>nötig</a:t>
+            </a:r>
+            <a:r>
+              <a:rPr lang="en-US" baseline="0" dirty="0" smtClean="0"/>
+              <a:t>.</a:t>
+            </a:r>
+          </a:p>
+          <a:p>
+            <a:endParaRPr lang="en-US" baseline="0" dirty="0" smtClean="0"/>
+          </a:p>
+          <a:p>
+            <a:r>
+              <a:rPr lang="en-US" baseline="0" dirty="0" err="1" smtClean="0"/>
+              <a:t>Datenmenge</a:t>
+            </a:r>
+            <a:r>
+              <a:rPr lang="en-US" baseline="0" dirty="0" smtClean="0"/>
+              <a:t> </a:t>
+            </a:r>
+            <a:r>
+              <a:rPr lang="en-US" baseline="0" dirty="0" err="1" smtClean="0"/>
+              <a:t>wird</a:t>
+            </a:r>
+            <a:r>
+              <a:rPr lang="en-US" baseline="0" dirty="0" smtClean="0"/>
+              <a:t> </a:t>
+            </a:r>
+            <a:r>
+              <a:rPr lang="en-US" baseline="0" dirty="0" err="1" smtClean="0"/>
+              <a:t>extrem</a:t>
+            </a:r>
+            <a:r>
+              <a:rPr lang="en-US" baseline="0" dirty="0" smtClean="0"/>
+              <a:t> </a:t>
+            </a:r>
+            <a:r>
+              <a:rPr lang="en-US" baseline="0" dirty="0" err="1" smtClean="0"/>
+              <a:t>reduziert</a:t>
+            </a:r>
+            <a:r>
+              <a:rPr lang="en-US" baseline="0" dirty="0" smtClean="0"/>
+              <a:t>, um </a:t>
+            </a:r>
+            <a:r>
+              <a:rPr lang="en-US" baseline="0" dirty="0" err="1" smtClean="0"/>
+              <a:t>lange</a:t>
+            </a:r>
+            <a:r>
+              <a:rPr lang="en-US" baseline="0" dirty="0" smtClean="0"/>
+              <a:t> </a:t>
+            </a:r>
+            <a:r>
+              <a:rPr lang="en-US" baseline="0" dirty="0" err="1" smtClean="0"/>
+              <a:t>Laufzeiten</a:t>
+            </a:r>
+            <a:r>
+              <a:rPr lang="en-US" baseline="0" dirty="0" smtClean="0"/>
+              <a:t> </a:t>
+            </a:r>
+            <a:r>
+              <a:rPr lang="en-US" baseline="0" dirty="0" err="1" smtClean="0"/>
+              <a:t>zu</a:t>
+            </a:r>
+            <a:r>
+              <a:rPr lang="en-US" baseline="0" dirty="0" smtClean="0"/>
+              <a:t> </a:t>
+            </a:r>
+            <a:r>
+              <a:rPr lang="en-US" baseline="0" dirty="0" err="1" smtClean="0"/>
+              <a:t>ermöglichen</a:t>
+            </a:r>
+            <a:r>
+              <a:rPr lang="en-US" baseline="0" dirty="0" smtClean="0"/>
+              <a:t>: </a:t>
             </a:r>
             <a:endParaRPr lang="en-US" dirty="0"/>
           </a:p>
@@ -1693,7 +3461,7 @@
           <a:p>
             <a:fld id="{E7AE4CB0-9792-D74D-9E49-F892F9A51ADF}" type="slidenum">
               <a:rPr lang="en-US" smtClean="0"/>
-              <a:t>6</a:t>
+              <a:t>4</a:t>
             </a:fld>
             <a:endParaRPr lang="en-US"/>
           </a:p>
@@ -1702,7 +3470,7 @@
     </p:spTree>
     <p:extLst>
       <p:ext uri="{BB962C8B-B14F-4D97-AF65-F5344CB8AC3E}">
-        <p14:creationId xmlns:p14="http://schemas.microsoft.com/office/powerpoint/2010/main" val="3273823602"/>
+        <p14:creationId xmlns:p14="http://schemas.microsoft.com/office/powerpoint/2010/main" val="4185288573"/>
       </p:ext>
     </p:extLst>
   </p:cSld>
@@ -1757,9 +3525,122 @@
           <a:lstStyle/>
           <a:p>
             <a:r>
+              <a:rPr lang="en-US" dirty="0" err="1" smtClean="0"/>
+              <a:t>Betonkonstruktion</a:t>
+            </a:r>
+            <a:r>
               <a:rPr lang="en-US" dirty="0" smtClean="0"/>
-              <a:t>Embedded PC</a:t>
-            </a:r>
+              <a:t> </a:t>
+            </a:r>
+            <a:r>
+              <a:rPr lang="en-US" dirty="0" err="1" smtClean="0"/>
+              <a:t>mit</a:t>
+            </a:r>
+            <a:r>
+              <a:rPr lang="en-US" dirty="0" smtClean="0"/>
+              <a:t> </a:t>
+            </a:r>
+            <a:r>
+              <a:rPr lang="en-US" dirty="0" err="1" smtClean="0"/>
+              <a:t>Stahlplatten</a:t>
+            </a:r>
+            <a:r>
+              <a:rPr lang="en-US" baseline="0" dirty="0" smtClean="0"/>
+              <a:t> </a:t>
+            </a:r>
+          </a:p>
+          <a:p>
+            <a:r>
+              <a:rPr lang="en-US" sz="1200" kern="1200" dirty="0" smtClean="0">
+                <a:solidFill>
+                  <a:schemeClr val="tx1"/>
+                </a:solidFill>
+                <a:latin typeface="+mn-lt"/>
+                <a:ea typeface="+mn-ea"/>
+                <a:cs typeface="+mn-cs"/>
+              </a:rPr>
+              <a:t>492 x 358 x 15 </a:t>
+            </a:r>
+            <a:r>
+              <a:rPr lang="en-US" sz="1200" kern="1200" dirty="0" err="1" smtClean="0">
+                <a:solidFill>
+                  <a:schemeClr val="tx1"/>
+                </a:solidFill>
+                <a:latin typeface="+mn-lt"/>
+                <a:ea typeface="+mn-ea"/>
+                <a:cs typeface="+mn-cs"/>
+              </a:rPr>
+              <a:t>sie</a:t>
+            </a:r>
+            <a:r>
+              <a:rPr lang="en-US" sz="1200" kern="1200" dirty="0" smtClean="0">
+                <a:solidFill>
+                  <a:schemeClr val="tx1"/>
+                </a:solidFill>
+                <a:latin typeface="+mn-lt"/>
+                <a:ea typeface="+mn-ea"/>
+                <a:cs typeface="+mn-cs"/>
+              </a:rPr>
+              <a:t> </a:t>
+            </a:r>
+            <a:r>
+              <a:rPr lang="en-US" sz="1200" kern="1200" dirty="0" err="1" smtClean="0">
+                <a:solidFill>
+                  <a:schemeClr val="tx1"/>
+                </a:solidFill>
+                <a:latin typeface="+mn-lt"/>
+                <a:ea typeface="+mn-ea"/>
+                <a:cs typeface="+mn-cs"/>
+              </a:rPr>
+              <a:t>ist</a:t>
+            </a:r>
+            <a:r>
+              <a:rPr lang="en-US" sz="1200" kern="1200" dirty="0" smtClean="0">
+                <a:solidFill>
+                  <a:schemeClr val="tx1"/>
+                </a:solidFill>
+                <a:latin typeface="+mn-lt"/>
+                <a:ea typeface="+mn-ea"/>
+                <a:cs typeface="+mn-cs"/>
+              </a:rPr>
+              <a:t> auf </a:t>
+            </a:r>
+            <a:r>
+              <a:rPr lang="en-US" sz="1200" kern="1200" dirty="0" err="1" smtClean="0">
+                <a:solidFill>
+                  <a:schemeClr val="tx1"/>
+                </a:solidFill>
+                <a:latin typeface="+mn-lt"/>
+                <a:ea typeface="+mn-ea"/>
+                <a:cs typeface="+mn-cs"/>
+              </a:rPr>
+              <a:t>einem</a:t>
+            </a:r>
+            <a:r>
+              <a:rPr lang="en-US" sz="1200" kern="1200" dirty="0" smtClean="0">
+                <a:solidFill>
+                  <a:schemeClr val="tx1"/>
+                </a:solidFill>
+                <a:latin typeface="+mn-lt"/>
+                <a:ea typeface="+mn-ea"/>
+                <a:cs typeface="+mn-cs"/>
+              </a:rPr>
+              <a:t> Elastomer, 20mm dick  c.a. shore 60 </a:t>
+            </a:r>
+            <a:r>
+              <a:rPr lang="en-US" sz="1200" kern="1200" dirty="0" err="1" smtClean="0">
+                <a:solidFill>
+                  <a:schemeClr val="tx1"/>
+                </a:solidFill>
+                <a:latin typeface="+mn-lt"/>
+                <a:ea typeface="+mn-ea"/>
+                <a:cs typeface="+mn-cs"/>
+              </a:rPr>
+              <a:t>gelagert</a:t>
+            </a:r>
+            <a:endParaRPr lang="en-US" dirty="0" smtClean="0"/>
+          </a:p>
+          <a:p>
             <a:endParaRPr lang="en-US" dirty="0"/>
           </a:p>
         </p:txBody>
@@ -1781,7 +3662,7 @@
           <a:p>
             <a:fld id="{E7AE4CB0-9792-D74D-9E49-F892F9A51ADF}" type="slidenum">
               <a:rPr lang="en-US" smtClean="0"/>
-              <a:t>7</a:t>
+              <a:t>5</a:t>
             </a:fld>
             <a:endParaRPr lang="en-US"/>
           </a:p>
@@ -1790,7 +3671,7 @@
     </p:spTree>
     <p:extLst>
       <p:ext uri="{BB962C8B-B14F-4D97-AF65-F5344CB8AC3E}">
-        <p14:creationId xmlns:p14="http://schemas.microsoft.com/office/powerpoint/2010/main" val="3566003467"/>
+        <p14:creationId xmlns:p14="http://schemas.microsoft.com/office/powerpoint/2010/main" val="608425475"/>
       </p:ext>
     </p:extLst>
   </p:cSld>
@@ -1845,308 +3726,22 @@
           <a:lstStyle/>
           <a:p>
             <a:r>
+              <a:rPr lang="en-US" dirty="0" smtClean="0"/>
+              <a:t>Geophone in der </a:t>
+            </a:r>
+            <a:r>
               <a:rPr lang="en-US" dirty="0" err="1" smtClean="0"/>
-              <a:t>Rohdaten</a:t>
-            </a:r>
-            <a:r>
-              <a:rPr lang="en-US" baseline="0" dirty="0" smtClean="0"/>
-              <a:t> </a:t>
-            </a:r>
-            <a:r>
-              <a:rPr lang="en-US" baseline="0" dirty="0" err="1" smtClean="0"/>
-              <a:t>mit</a:t>
-            </a:r>
-            <a:r>
-              <a:rPr lang="en-US" baseline="0" dirty="0" smtClean="0"/>
-              <a:t> Hilbert-</a:t>
-            </a:r>
-            <a:r>
-              <a:rPr lang="en-US" baseline="0" dirty="0" err="1" smtClean="0"/>
-              <a:t>Hüllkurve</a:t>
-            </a:r>
-            <a:r>
-              <a:rPr lang="en-US" baseline="0" dirty="0" smtClean="0"/>
-              <a:t> (</a:t>
-            </a:r>
-            <a:r>
-              <a:rPr lang="en-US" baseline="0" dirty="0" err="1" smtClean="0"/>
-              <a:t>fett</a:t>
-            </a:r>
-            <a:r>
-              <a:rPr lang="en-US" baseline="0" dirty="0" smtClean="0"/>
-              <a:t>)</a:t>
-            </a:r>
-          </a:p>
-          <a:p>
-            <a:endParaRPr lang="en-US" baseline="0" dirty="0" smtClean="0"/>
-          </a:p>
-          <a:p>
-            <a:r>
-              <a:rPr lang="en-US" baseline="0" dirty="0" smtClean="0"/>
-              <a:t>Die </a:t>
-            </a:r>
-            <a:r>
-              <a:rPr lang="en-US" baseline="0" dirty="0" err="1" smtClean="0"/>
-              <a:t>Daten</a:t>
-            </a:r>
-            <a:r>
-              <a:rPr lang="en-US" baseline="0" dirty="0" smtClean="0"/>
-              <a:t> </a:t>
-            </a:r>
-            <a:r>
-              <a:rPr lang="en-US" baseline="0" dirty="0" err="1" smtClean="0"/>
-              <a:t>werden</a:t>
-            </a:r>
-            <a:r>
-              <a:rPr lang="en-US" baseline="0" dirty="0" smtClean="0"/>
-              <a:t> </a:t>
-            </a:r>
-            <a:r>
-              <a:rPr lang="en-US" baseline="0" dirty="0" err="1" smtClean="0"/>
-              <a:t>zur</a:t>
-            </a:r>
-            <a:r>
-              <a:rPr lang="en-US" baseline="0" dirty="0" smtClean="0"/>
-              <a:t> </a:t>
-            </a:r>
-            <a:r>
-              <a:rPr lang="en-US" baseline="0" dirty="0" err="1" smtClean="0"/>
-              <a:t>Zeit</a:t>
-            </a:r>
-            <a:r>
-              <a:rPr lang="en-US" baseline="0" dirty="0" smtClean="0"/>
-              <a:t> </a:t>
-            </a:r>
-            <a:r>
-              <a:rPr lang="en-US" baseline="0" dirty="0" err="1" smtClean="0"/>
-              <a:t>reduziert</a:t>
-            </a:r>
-            <a:r>
-              <a:rPr lang="en-US" baseline="0" dirty="0" smtClean="0"/>
-              <a:t>, </a:t>
-            </a:r>
-            <a:r>
-              <a:rPr lang="en-US" baseline="0" dirty="0" err="1" smtClean="0"/>
-              <a:t>indem</a:t>
-            </a:r>
-            <a:r>
-              <a:rPr lang="en-US" baseline="0" dirty="0" smtClean="0"/>
-              <a:t> </a:t>
-            </a:r>
-            <a:r>
-              <a:rPr lang="en-US" baseline="0" dirty="0" err="1" smtClean="0"/>
-              <a:t>über</a:t>
-            </a:r>
-            <a:r>
-              <a:rPr lang="en-US" baseline="0" dirty="0" smtClean="0"/>
-              <a:t> </a:t>
-            </a:r>
-            <a:r>
-              <a:rPr lang="en-US" baseline="0" dirty="0" err="1" smtClean="0"/>
-              <a:t>eine</a:t>
-            </a:r>
-            <a:r>
-              <a:rPr lang="en-US" baseline="0" dirty="0" smtClean="0"/>
-              <a:t> Minute </a:t>
-            </a:r>
-            <a:r>
-              <a:rPr lang="en-US" baseline="0" dirty="0" err="1" smtClean="0"/>
-              <a:t>gezählt</a:t>
-            </a:r>
-            <a:r>
-              <a:rPr lang="en-US" baseline="0" dirty="0" smtClean="0"/>
-              <a:t> </a:t>
-            </a:r>
-            <a:r>
-              <a:rPr lang="en-US" baseline="0" dirty="0" err="1" smtClean="0"/>
-              <a:t>wird</a:t>
-            </a:r>
-            <a:r>
-              <a:rPr lang="en-US" baseline="0" dirty="0" smtClean="0"/>
-              <a:t>, </a:t>
-            </a:r>
-            <a:r>
-              <a:rPr lang="en-US" baseline="0" dirty="0" err="1" smtClean="0"/>
-              <a:t>wie</a:t>
-            </a:r>
-            <a:r>
-              <a:rPr lang="en-US" baseline="0" dirty="0" smtClean="0"/>
-              <a:t> </a:t>
-            </a:r>
-            <a:r>
-              <a:rPr lang="en-US" baseline="0" dirty="0" err="1" smtClean="0"/>
-              <a:t>viele</a:t>
-            </a:r>
-            <a:r>
-              <a:rPr lang="en-US" baseline="0" dirty="0" smtClean="0"/>
-              <a:t> </a:t>
-            </a:r>
-            <a:r>
-              <a:rPr lang="en-US" baseline="0" dirty="0" err="1" smtClean="0"/>
-              <a:t>Peakspitzen</a:t>
-            </a:r>
-            <a:r>
-              <a:rPr lang="en-US" baseline="0" dirty="0" smtClean="0"/>
-              <a:t> (</a:t>
-            </a:r>
-            <a:r>
-              <a:rPr lang="en-US" baseline="0" dirty="0" err="1" smtClean="0"/>
-              <a:t>Spalte</a:t>
-            </a:r>
-            <a:r>
-              <a:rPr lang="en-US" baseline="0" dirty="0" smtClean="0"/>
-              <a:t> I) und </a:t>
-            </a:r>
-            <a:r>
-              <a:rPr lang="en-US" baseline="0" dirty="0" err="1" smtClean="0"/>
-              <a:t>wie</a:t>
-            </a:r>
-            <a:r>
-              <a:rPr lang="en-US" baseline="0" dirty="0" smtClean="0"/>
-              <a:t> </a:t>
-            </a:r>
-            <a:r>
-              <a:rPr lang="en-US" baseline="0" dirty="0" err="1" smtClean="0"/>
-              <a:t>viele</a:t>
-            </a:r>
-            <a:r>
-              <a:rPr lang="en-US" baseline="0" dirty="0" smtClean="0"/>
-              <a:t> </a:t>
-            </a:r>
-            <a:r>
-              <a:rPr lang="en-US" baseline="0" dirty="0" err="1" smtClean="0"/>
-              <a:t>Einschlags</a:t>
-            </a:r>
-            <a:r>
-              <a:rPr lang="en-US" baseline="0" dirty="0" smtClean="0"/>
-              <a:t>-Maxima (</a:t>
-            </a:r>
-            <a:r>
-              <a:rPr lang="en-US" baseline="0" dirty="0" err="1" smtClean="0"/>
-              <a:t>Spalte</a:t>
-            </a:r>
-            <a:r>
-              <a:rPr lang="en-US" baseline="0" dirty="0" smtClean="0"/>
-              <a:t> P) </a:t>
-            </a:r>
-            <a:r>
-              <a:rPr lang="en-US" baseline="0" dirty="0" err="1" smtClean="0"/>
-              <a:t>innerhalb</a:t>
-            </a:r>
-            <a:r>
-              <a:rPr lang="en-US" baseline="0" dirty="0" smtClean="0"/>
-              <a:t> </a:t>
-            </a:r>
-            <a:r>
-              <a:rPr lang="en-US" baseline="0" dirty="0" err="1" smtClean="0"/>
-              <a:t>einer</a:t>
-            </a:r>
-            <a:r>
-              <a:rPr lang="en-US" baseline="0" dirty="0" smtClean="0"/>
-              <a:t> </a:t>
-            </a:r>
-            <a:r>
-              <a:rPr lang="en-US" baseline="0" dirty="0" err="1" smtClean="0"/>
-              <a:t>Intensitätsklasse</a:t>
-            </a:r>
-            <a:r>
-              <a:rPr lang="en-US" baseline="0" dirty="0" smtClean="0"/>
-              <a:t> </a:t>
-            </a:r>
-            <a:r>
-              <a:rPr lang="en-US" baseline="0" dirty="0" err="1" smtClean="0"/>
-              <a:t>liegen</a:t>
-            </a:r>
-            <a:r>
-              <a:rPr lang="en-US" baseline="0" dirty="0" smtClean="0"/>
-              <a:t>.</a:t>
-            </a:r>
-          </a:p>
-          <a:p>
-            <a:r>
-              <a:rPr lang="en-US" baseline="0" dirty="0" smtClean="0"/>
-              <a:t>So fallen </a:t>
-            </a:r>
-            <a:r>
-              <a:rPr lang="en-US" baseline="0" dirty="0" err="1" smtClean="0"/>
-              <a:t>geringe</a:t>
-            </a:r>
-            <a:r>
-              <a:rPr lang="en-US" baseline="0" dirty="0" smtClean="0"/>
-              <a:t> </a:t>
-            </a:r>
-            <a:r>
-              <a:rPr lang="en-US" baseline="0" dirty="0" err="1" smtClean="0"/>
-              <a:t>Datenmengen</a:t>
-            </a:r>
-            <a:r>
-              <a:rPr lang="en-US" baseline="0" dirty="0" smtClean="0"/>
-              <a:t> an, </a:t>
-            </a:r>
-            <a:r>
-              <a:rPr lang="en-US" baseline="0" dirty="0" err="1" smtClean="0"/>
-              <a:t>aber</a:t>
-            </a:r>
-            <a:r>
-              <a:rPr lang="en-US" baseline="0" dirty="0" smtClean="0"/>
-              <a:t> </a:t>
-            </a:r>
-            <a:r>
-              <a:rPr lang="en-US" baseline="0" dirty="0" err="1" smtClean="0"/>
-              <a:t>einzelne</a:t>
-            </a:r>
-            <a:r>
-              <a:rPr lang="en-US" baseline="0" dirty="0" smtClean="0"/>
-              <a:t> </a:t>
-            </a:r>
-            <a:r>
-              <a:rPr lang="en-US" baseline="0" dirty="0" err="1" smtClean="0"/>
-              <a:t>Einschläge</a:t>
-            </a:r>
-            <a:r>
-              <a:rPr lang="en-US" baseline="0" dirty="0" smtClean="0"/>
-              <a:t> </a:t>
-            </a:r>
-            <a:r>
-              <a:rPr lang="en-US" baseline="0" dirty="0" err="1" smtClean="0"/>
-              <a:t>können</a:t>
-            </a:r>
-            <a:r>
-              <a:rPr lang="en-US" baseline="0" dirty="0" smtClean="0"/>
-              <a:t> </a:t>
-            </a:r>
-            <a:r>
-              <a:rPr lang="en-US" baseline="0" dirty="0" err="1" smtClean="0"/>
-              <a:t>nicht</a:t>
-            </a:r>
-            <a:r>
-              <a:rPr lang="en-US" baseline="0" dirty="0" smtClean="0"/>
-              <a:t> </a:t>
-            </a:r>
-            <a:r>
-              <a:rPr lang="en-US" baseline="0" dirty="0" err="1" smtClean="0"/>
-              <a:t>im</a:t>
-            </a:r>
-            <a:r>
-              <a:rPr lang="en-US" baseline="0" dirty="0" smtClean="0"/>
-              <a:t> Detail </a:t>
-            </a:r>
-            <a:r>
-              <a:rPr lang="en-US" baseline="0" dirty="0" err="1" smtClean="0"/>
-              <a:t>ausgewertet</a:t>
-            </a:r>
-            <a:r>
-              <a:rPr lang="en-US" baseline="0" dirty="0" smtClean="0"/>
-              <a:t> </a:t>
-            </a:r>
-            <a:r>
-              <a:rPr lang="en-US" baseline="0" dirty="0" err="1" smtClean="0"/>
-              <a:t>werden</a:t>
-            </a:r>
-            <a:r>
-              <a:rPr lang="en-US" baseline="0" dirty="0" smtClean="0"/>
-              <a:t>.</a:t>
-            </a:r>
+              <a:t>bestehenden</a:t>
+            </a:r>
+            <a:r>
+              <a:rPr lang="en-US" dirty="0" smtClean="0"/>
+              <a:t> </a:t>
+            </a:r>
+            <a:r>
+              <a:rPr lang="en-US" dirty="0" err="1" smtClean="0"/>
+              <a:t>Konstruktion</a:t>
+            </a:r>
+            <a:endParaRPr lang="en-US" dirty="0"/>
           </a:p>
         </p:txBody>
       </p:sp>
@@ -2167,7 +3762,7 @@
           <a:p>
             <a:fld id="{E7AE4CB0-9792-D74D-9E49-F892F9A51ADF}" type="slidenum">
               <a:rPr lang="en-US" smtClean="0"/>
-              <a:t>8</a:t>
+              <a:t>6</a:t>
             </a:fld>
             <a:endParaRPr lang="en-US"/>
           </a:p>
@@ -2176,7 +3771,7 @@
     </p:spTree>
     <p:extLst>
       <p:ext uri="{BB962C8B-B14F-4D97-AF65-F5344CB8AC3E}">
-        <p14:creationId xmlns:p14="http://schemas.microsoft.com/office/powerpoint/2010/main" val="1263789187"/>
+        <p14:creationId xmlns:p14="http://schemas.microsoft.com/office/powerpoint/2010/main" val="3273823602"/>
       </p:ext>
     </p:extLst>
   </p:cSld>
@@ -2230,495 +3825,9 @@
           <a:bodyPr/>
           <a:lstStyle/>
           <a:p>
-            <a:pPr marL="0" marR="0" indent="0" algn="l" defTabSz="457200" rtl="0" eaLnBrk="1" fontAlgn="auto" latinLnBrk="0" hangingPunct="1">
-              <a:lnSpc>
-                <a:spcPct val="100000"/>
-              </a:lnSpc>
-              <a:spcBef>
-                <a:spcPts val="0"/>
-              </a:spcBef>
-              <a:spcAft>
-                <a:spcPts val="0"/>
-              </a:spcAft>
-              <a:buClrTx/>
-              <a:buSzTx/>
-              <a:buFontTx/>
-              <a:buNone/>
-              <a:tabLst/>
-              <a:defRPr/>
-            </a:pPr>
-            <a:r>
-              <a:rPr lang="en-US" baseline="0" dirty="0" err="1" smtClean="0"/>
-              <a:t>Jeder</a:t>
-            </a:r>
-            <a:r>
-              <a:rPr lang="en-US" baseline="0" dirty="0" smtClean="0"/>
-              <a:t> Sensor </a:t>
-            </a:r>
-            <a:r>
-              <a:rPr lang="en-US" baseline="0" dirty="0" err="1" smtClean="0"/>
-              <a:t>wird</a:t>
-            </a:r>
-            <a:r>
-              <a:rPr lang="en-US" baseline="0" dirty="0" smtClean="0"/>
-              <a:t> </a:t>
-            </a:r>
-            <a:r>
-              <a:rPr lang="en-US" baseline="0" dirty="0" err="1" smtClean="0"/>
-              <a:t>mit</a:t>
-            </a:r>
-            <a:r>
-              <a:rPr lang="en-US" baseline="0" dirty="0" smtClean="0"/>
-              <a:t> </a:t>
-            </a:r>
-            <a:r>
-              <a:rPr lang="en-US" baseline="0" dirty="0" err="1" smtClean="0"/>
-              <a:t>einem</a:t>
-            </a:r>
-            <a:r>
-              <a:rPr lang="en-US" baseline="0" dirty="0" smtClean="0"/>
-              <a:t> </a:t>
-            </a:r>
-            <a:r>
-              <a:rPr lang="en-US" baseline="0" dirty="0" err="1" smtClean="0"/>
-              <a:t>Mikroprozessor</a:t>
-            </a:r>
-            <a:r>
-              <a:rPr lang="en-US" baseline="0" dirty="0" smtClean="0"/>
-              <a:t> </a:t>
-            </a:r>
-            <a:r>
-              <a:rPr lang="en-US" baseline="0" dirty="0" err="1" smtClean="0"/>
-              <a:t>bestückt</a:t>
-            </a:r>
-            <a:r>
-              <a:rPr lang="en-US" baseline="0" dirty="0" smtClean="0"/>
-              <a:t>, der die </a:t>
-            </a:r>
-            <a:r>
-              <a:rPr lang="en-US" baseline="0" dirty="0" err="1" smtClean="0"/>
-              <a:t>Auswertung</a:t>
-            </a:r>
-            <a:r>
-              <a:rPr lang="en-US" baseline="0" dirty="0" smtClean="0"/>
-              <a:t> </a:t>
-            </a:r>
-            <a:r>
-              <a:rPr lang="en-US" baseline="0" dirty="0" err="1" smtClean="0"/>
-              <a:t>vornimmt</a:t>
-            </a:r>
-            <a:r>
-              <a:rPr lang="en-US" baseline="0" dirty="0" smtClean="0"/>
-              <a:t>. Der </a:t>
-            </a:r>
-            <a:r>
-              <a:rPr lang="en-US" baseline="0" dirty="0" err="1" smtClean="0"/>
-              <a:t>Rechner</a:t>
-            </a:r>
-            <a:r>
-              <a:rPr lang="en-US" baseline="0" dirty="0" smtClean="0"/>
-              <a:t> </a:t>
-            </a:r>
-            <a:r>
-              <a:rPr lang="en-US" baseline="0" dirty="0" err="1" smtClean="0"/>
-              <a:t>für</a:t>
-            </a:r>
-            <a:r>
-              <a:rPr lang="en-US" baseline="0" dirty="0" smtClean="0"/>
-              <a:t> die </a:t>
-            </a:r>
-            <a:r>
-              <a:rPr lang="en-US" baseline="0" dirty="0" err="1" smtClean="0"/>
-              <a:t>Datensammlung</a:t>
-            </a:r>
-            <a:r>
-              <a:rPr lang="en-US" baseline="0" dirty="0" smtClean="0"/>
-              <a:t> </a:t>
-            </a:r>
-            <a:r>
-              <a:rPr lang="en-US" baseline="0" dirty="0" err="1" smtClean="0"/>
-              <a:t>erhält</a:t>
-            </a:r>
-            <a:r>
-              <a:rPr lang="en-US" baseline="0" dirty="0" smtClean="0"/>
-              <a:t> so </a:t>
-            </a:r>
-            <a:r>
-              <a:rPr lang="en-US" baseline="0" dirty="0" err="1" smtClean="0"/>
-              <a:t>nur</a:t>
-            </a:r>
-            <a:r>
-              <a:rPr lang="en-US" baseline="0" dirty="0" smtClean="0"/>
-              <a:t> </a:t>
-            </a:r>
-            <a:r>
-              <a:rPr lang="en-US" baseline="0" dirty="0" err="1" smtClean="0"/>
-              <a:t>noch</a:t>
-            </a:r>
-            <a:r>
-              <a:rPr lang="en-US" baseline="0" dirty="0" smtClean="0"/>
-              <a:t> die per </a:t>
-            </a:r>
-            <a:r>
-              <a:rPr lang="en-US" baseline="0" dirty="0" err="1" smtClean="0"/>
-              <a:t>Detailstufen</a:t>
-            </a:r>
-            <a:r>
-              <a:rPr lang="en-US" baseline="0" dirty="0" smtClean="0"/>
-              <a:t> </a:t>
-            </a:r>
-            <a:r>
-              <a:rPr lang="en-US" baseline="0" dirty="0" err="1" smtClean="0"/>
-              <a:t>gewählten</a:t>
-            </a:r>
-            <a:r>
-              <a:rPr lang="en-US" baseline="0" dirty="0" smtClean="0"/>
-              <a:t> </a:t>
-            </a:r>
-            <a:r>
-              <a:rPr lang="en-US" baseline="0" dirty="0" err="1" smtClean="0"/>
-              <a:t>Informationen</a:t>
-            </a:r>
-            <a:r>
-              <a:rPr lang="en-US" baseline="0" dirty="0" smtClean="0"/>
-              <a:t> und muss </a:t>
-            </a:r>
-            <a:r>
-              <a:rPr lang="en-US" baseline="0" dirty="0" err="1" smtClean="0"/>
-              <a:t>diese</a:t>
-            </a:r>
-            <a:r>
-              <a:rPr lang="en-US" baseline="0" dirty="0" smtClean="0"/>
-              <a:t> </a:t>
-            </a:r>
-            <a:r>
-              <a:rPr lang="en-US" baseline="0" dirty="0" err="1" smtClean="0"/>
-              <a:t>nur</a:t>
-            </a:r>
-            <a:r>
-              <a:rPr lang="en-US" baseline="0" dirty="0" smtClean="0"/>
-              <a:t> </a:t>
-            </a:r>
-            <a:r>
-              <a:rPr lang="en-US" baseline="0" dirty="0" err="1" smtClean="0"/>
-              <a:t>noch</a:t>
-            </a:r>
-            <a:r>
-              <a:rPr lang="en-US" baseline="0" dirty="0" smtClean="0"/>
-              <a:t> </a:t>
-            </a:r>
-            <a:r>
-              <a:rPr lang="en-US" baseline="0" dirty="0" err="1" smtClean="0"/>
-              <a:t>speichern</a:t>
-            </a:r>
-            <a:r>
-              <a:rPr lang="en-US" baseline="0" dirty="0" smtClean="0"/>
-              <a:t>.</a:t>
-            </a:r>
-          </a:p>
-          <a:p>
-            <a:pPr marL="0" marR="0" indent="0" algn="l" defTabSz="457200" rtl="0" eaLnBrk="1" fontAlgn="auto" latinLnBrk="0" hangingPunct="1">
-              <a:lnSpc>
-                <a:spcPct val="100000"/>
-              </a:lnSpc>
-              <a:spcBef>
-                <a:spcPts val="0"/>
-              </a:spcBef>
-              <a:spcAft>
-                <a:spcPts val="0"/>
-              </a:spcAft>
-              <a:buClrTx/>
-              <a:buSzTx/>
-              <a:buFontTx/>
-              <a:buNone/>
-              <a:tabLst/>
-              <a:defRPr/>
-            </a:pPr>
-            <a:endParaRPr lang="en-US" baseline="0" dirty="0" smtClean="0"/>
-          </a:p>
-          <a:p>
-            <a:pPr marL="0" marR="0" indent="0" algn="l" defTabSz="457200" rtl="0" eaLnBrk="1" fontAlgn="auto" latinLnBrk="0" hangingPunct="1">
-              <a:lnSpc>
-                <a:spcPct val="100000"/>
-              </a:lnSpc>
-              <a:spcBef>
-                <a:spcPts val="0"/>
-              </a:spcBef>
-              <a:spcAft>
-                <a:spcPts val="0"/>
-              </a:spcAft>
-              <a:buClrTx/>
-              <a:buSzTx/>
-              <a:buFontTx/>
-              <a:buNone/>
-              <a:tabLst/>
-              <a:defRPr/>
-            </a:pPr>
-            <a:r>
-              <a:rPr lang="en-US" baseline="0" dirty="0" err="1" smtClean="0"/>
-              <a:t>Datentransfer</a:t>
-            </a:r>
-            <a:r>
-              <a:rPr lang="en-US" baseline="0" dirty="0" smtClean="0"/>
-              <a:t> </a:t>
-            </a:r>
-            <a:r>
-              <a:rPr lang="en-US" baseline="0" dirty="0" err="1" smtClean="0"/>
-              <a:t>erfolgt</a:t>
-            </a:r>
-            <a:r>
-              <a:rPr lang="en-US" baseline="0" dirty="0" smtClean="0"/>
-              <a:t> </a:t>
-            </a:r>
-            <a:r>
-              <a:rPr lang="en-US" baseline="0" dirty="0" err="1" smtClean="0"/>
-              <a:t>nur</a:t>
-            </a:r>
-            <a:r>
-              <a:rPr lang="en-US" baseline="0" dirty="0" smtClean="0"/>
-              <a:t> </a:t>
-            </a:r>
-            <a:r>
-              <a:rPr lang="en-US" baseline="0" dirty="0" err="1" smtClean="0"/>
-              <a:t>noch</a:t>
-            </a:r>
-            <a:r>
-              <a:rPr lang="en-US" baseline="0" dirty="0" smtClean="0"/>
-              <a:t> </a:t>
-            </a:r>
-            <a:r>
-              <a:rPr lang="en-US" baseline="0" dirty="0" err="1" smtClean="0"/>
-              <a:t>für</a:t>
-            </a:r>
-            <a:r>
-              <a:rPr lang="en-US" baseline="0" dirty="0" smtClean="0"/>
-              <a:t> </a:t>
-            </a:r>
-            <a:r>
-              <a:rPr lang="en-US" baseline="0" dirty="0" err="1" smtClean="0"/>
-              <a:t>zu</a:t>
-            </a:r>
-            <a:r>
-              <a:rPr lang="en-US" baseline="0" dirty="0" smtClean="0"/>
-              <a:t> </a:t>
-            </a:r>
-            <a:r>
-              <a:rPr lang="en-US" baseline="0" dirty="0" err="1" smtClean="0"/>
-              <a:t>speichernde</a:t>
-            </a:r>
-            <a:r>
-              <a:rPr lang="en-US" baseline="0" dirty="0" smtClean="0"/>
-              <a:t> </a:t>
-            </a:r>
-            <a:r>
-              <a:rPr lang="en-US" baseline="0" dirty="0" err="1" smtClean="0"/>
-              <a:t>Daten</a:t>
-            </a:r>
-            <a:r>
-              <a:rPr lang="en-US" baseline="0" dirty="0" smtClean="0"/>
-              <a:t> </a:t>
-            </a:r>
-            <a:r>
-              <a:rPr lang="en-US" baseline="0" dirty="0" smtClean="0">
-                <a:sym typeface="Wingdings"/>
-              </a:rPr>
-              <a:t> </a:t>
-            </a:r>
-            <a:r>
-              <a:rPr lang="en-US" baseline="0" dirty="0" err="1" smtClean="0">
-                <a:sym typeface="Wingdings"/>
-              </a:rPr>
-              <a:t>Bussystem</a:t>
-            </a:r>
-            <a:r>
-              <a:rPr lang="en-US" baseline="0" dirty="0" smtClean="0">
-                <a:sym typeface="Wingdings"/>
-              </a:rPr>
-              <a:t> </a:t>
-            </a:r>
-            <a:r>
-              <a:rPr lang="en-US" baseline="0" dirty="0" err="1" smtClean="0">
-                <a:sym typeface="Wingdings"/>
-              </a:rPr>
-              <a:t>möglich</a:t>
-            </a:r>
-            <a:r>
-              <a:rPr lang="en-US" baseline="0" dirty="0" smtClean="0">
-                <a:sym typeface="Wingdings"/>
-              </a:rPr>
-              <a:t>, </a:t>
-            </a:r>
-            <a:r>
-              <a:rPr lang="en-US" baseline="0" dirty="0" err="1" smtClean="0">
-                <a:sym typeface="Wingdings"/>
-              </a:rPr>
-              <a:t>weniger</a:t>
-            </a:r>
-            <a:r>
-              <a:rPr lang="en-US" baseline="0" dirty="0" smtClean="0">
-                <a:sym typeface="Wingdings"/>
-              </a:rPr>
-              <a:t> </a:t>
-            </a:r>
-            <a:r>
-              <a:rPr lang="en-US" baseline="0" dirty="0" err="1" smtClean="0">
-                <a:sym typeface="Wingdings"/>
-              </a:rPr>
-              <a:t>Kabel</a:t>
-            </a:r>
-            <a:endParaRPr lang="en-US" baseline="0" dirty="0" smtClean="0">
-              <a:sym typeface="Wingdings"/>
-            </a:endParaRPr>
-          </a:p>
-          <a:p>
-            <a:pPr marL="0" marR="0" indent="0" algn="l" defTabSz="457200" rtl="0" eaLnBrk="1" fontAlgn="auto" latinLnBrk="0" hangingPunct="1">
-              <a:lnSpc>
-                <a:spcPct val="100000"/>
-              </a:lnSpc>
-              <a:spcBef>
-                <a:spcPts val="0"/>
-              </a:spcBef>
-              <a:spcAft>
-                <a:spcPts val="0"/>
-              </a:spcAft>
-              <a:buClrTx/>
-              <a:buSzTx/>
-              <a:buFontTx/>
-              <a:buNone/>
-              <a:tabLst/>
-              <a:defRPr/>
-            </a:pPr>
-            <a:endParaRPr lang="en-US" dirty="0" smtClean="0"/>
-          </a:p>
-          <a:p>
-            <a:r>
-              <a:rPr lang="en-US" dirty="0" err="1" smtClean="0"/>
-              <a:t>Über</a:t>
-            </a:r>
             <a:r>
               <a:rPr lang="en-US" dirty="0" smtClean="0"/>
-              <a:t> </a:t>
-            </a:r>
-            <a:r>
-              <a:rPr lang="en-US" dirty="0" err="1" smtClean="0"/>
-              <a:t>Detailstufen</a:t>
-            </a:r>
-            <a:r>
-              <a:rPr lang="en-US" baseline="0" dirty="0" smtClean="0"/>
-              <a:t> </a:t>
-            </a:r>
-            <a:r>
-              <a:rPr lang="en-US" baseline="0" dirty="0" err="1" smtClean="0"/>
-              <a:t>kann</a:t>
-            </a:r>
-            <a:r>
-              <a:rPr lang="en-US" baseline="0" dirty="0" smtClean="0"/>
-              <a:t> die Rate der </a:t>
-            </a:r>
-            <a:r>
-              <a:rPr lang="en-US" baseline="0" dirty="0" err="1" smtClean="0"/>
-              <a:t>anfallenden</a:t>
-            </a:r>
-            <a:r>
-              <a:rPr lang="en-US" baseline="0" dirty="0" smtClean="0"/>
-              <a:t> </a:t>
-            </a:r>
-            <a:r>
-              <a:rPr lang="en-US" baseline="0" dirty="0" err="1" smtClean="0"/>
-              <a:t>Daten</a:t>
-            </a:r>
-            <a:r>
-              <a:rPr lang="en-US" baseline="0" dirty="0" smtClean="0"/>
-              <a:t> und </a:t>
-            </a:r>
-            <a:r>
-              <a:rPr lang="en-US" baseline="0" dirty="0" err="1" smtClean="0"/>
-              <a:t>damit</a:t>
-            </a:r>
-            <a:r>
-              <a:rPr lang="en-US" baseline="0" dirty="0" smtClean="0"/>
-              <a:t> die </a:t>
-            </a:r>
-            <a:r>
-              <a:rPr lang="en-US" baseline="0" dirty="0" err="1" smtClean="0"/>
-              <a:t>Reichweite</a:t>
-            </a:r>
-            <a:r>
-              <a:rPr lang="en-US" baseline="0" dirty="0" smtClean="0"/>
-              <a:t> des </a:t>
-            </a:r>
-            <a:r>
-              <a:rPr lang="en-US" baseline="0" dirty="0" err="1" smtClean="0"/>
-              <a:t>Speichers</a:t>
-            </a:r>
-            <a:r>
-              <a:rPr lang="en-US" baseline="0" dirty="0" smtClean="0"/>
-              <a:t> </a:t>
-            </a:r>
-            <a:r>
-              <a:rPr lang="en-US" baseline="0" dirty="0" err="1" smtClean="0"/>
-              <a:t>beeinflusst</a:t>
-            </a:r>
-            <a:r>
-              <a:rPr lang="en-US" baseline="0" dirty="0" smtClean="0"/>
-              <a:t> </a:t>
-            </a:r>
-            <a:r>
-              <a:rPr lang="en-US" baseline="0" dirty="0" err="1" smtClean="0"/>
-              <a:t>werden</a:t>
-            </a:r>
-            <a:r>
-              <a:rPr lang="en-US" baseline="0" dirty="0" smtClean="0"/>
-              <a:t>.</a:t>
-            </a:r>
-          </a:p>
-          <a:p>
-            <a:endParaRPr lang="en-US" baseline="0" dirty="0" smtClean="0"/>
-          </a:p>
-          <a:p>
-            <a:r>
-              <a:rPr lang="en-US" baseline="0" dirty="0" smtClean="0"/>
-              <a:t>Wahl </a:t>
-            </a:r>
-            <a:r>
-              <a:rPr lang="en-US" baseline="0" dirty="0" err="1" smtClean="0"/>
-              <a:t>eines</a:t>
-            </a:r>
-            <a:r>
-              <a:rPr lang="en-US" baseline="0" dirty="0" smtClean="0"/>
-              <a:t> </a:t>
-            </a:r>
-            <a:r>
-              <a:rPr lang="en-US" baseline="0" dirty="0" err="1" smtClean="0"/>
-              <a:t>kleineren</a:t>
-            </a:r>
-            <a:r>
-              <a:rPr lang="en-US" baseline="0" dirty="0" smtClean="0"/>
-              <a:t> Sensors </a:t>
-            </a:r>
-            <a:r>
-              <a:rPr lang="en-US" baseline="0" dirty="0" err="1" smtClean="0"/>
-              <a:t>ermöglich</a:t>
-            </a:r>
-            <a:r>
-              <a:rPr lang="en-US" baseline="0" dirty="0" smtClean="0"/>
-              <a:t> die </a:t>
-            </a:r>
-            <a:r>
-              <a:rPr lang="en-US" baseline="0" dirty="0" err="1" smtClean="0"/>
-              <a:t>Verkleinerung</a:t>
-            </a:r>
-            <a:r>
-              <a:rPr lang="en-US" baseline="0" dirty="0" smtClean="0"/>
-              <a:t> der </a:t>
-            </a:r>
-            <a:r>
-              <a:rPr lang="en-US" baseline="0" dirty="0" err="1" smtClean="0"/>
-              <a:t>Messinstallation</a:t>
-            </a:r>
-            <a:r>
-              <a:rPr lang="en-US" baseline="0" dirty="0" smtClean="0"/>
-              <a:t>.</a:t>
+              <a:t>Embedded PC</a:t>
             </a:r>
             <a:endParaRPr lang="en-US" dirty="0"/>
           </a:p>
@@ -2741,7 +3850,7 @@
           <a:p>
             <a:fld id="{E7AE4CB0-9792-D74D-9E49-F892F9A51ADF}" type="slidenum">
               <a:rPr lang="en-US" smtClean="0"/>
-              <a:t>9</a:t>
+              <a:t>7</a:t>
             </a:fld>
             <a:endParaRPr lang="en-US"/>
           </a:p>
@@ -2750,7 +3859,7 @@
     </p:spTree>
     <p:extLst>
       <p:ext uri="{BB962C8B-B14F-4D97-AF65-F5344CB8AC3E}">
-        <p14:creationId xmlns:p14="http://schemas.microsoft.com/office/powerpoint/2010/main" val="3511734802"/>
+        <p14:creationId xmlns:p14="http://schemas.microsoft.com/office/powerpoint/2010/main" val="3566003467"/>
       </p:ext>
     </p:extLst>
   </p:cSld>
@@ -2805,24 +3914,292 @@
           <a:lstStyle/>
           <a:p>
             <a:r>
-              <a:rPr lang="en-US" dirty="0" smtClean="0"/>
-              <a:t>MEMS: </a:t>
-            </a:r>
-            <a:r>
               <a:rPr lang="en-US" dirty="0" err="1" smtClean="0"/>
-              <a:t>Microelectromechanical</a:t>
-            </a:r>
-            <a:r>
-              <a:rPr lang="en-US" baseline="0" dirty="0" smtClean="0"/>
-              <a:t> System</a:t>
-            </a:r>
-          </a:p>
-          <a:p>
-            <a:r>
-              <a:rPr lang="en-US" baseline="0" dirty="0" smtClean="0"/>
-              <a:t>5 x 5 x 2.4 mm gross, </a:t>
-            </a:r>
-            <a:endParaRPr lang="en-US" dirty="0"/>
+              <a:t>Rohdaten</a:t>
+            </a:r>
+            <a:r>
+              <a:rPr lang="en-US" baseline="0" dirty="0" smtClean="0"/>
+              <a:t> </a:t>
+            </a:r>
+            <a:r>
+              <a:rPr lang="en-US" baseline="0" dirty="0" err="1" smtClean="0"/>
+              <a:t>mit</a:t>
+            </a:r>
+            <a:r>
+              <a:rPr lang="en-US" baseline="0" dirty="0" smtClean="0"/>
+              <a:t> Hilbert-</a:t>
+            </a:r>
+            <a:r>
+              <a:rPr lang="en-US" baseline="0" dirty="0" err="1" smtClean="0"/>
+              <a:t>Hüllkurve</a:t>
+            </a:r>
+            <a:r>
+              <a:rPr lang="en-US" baseline="0" dirty="0" smtClean="0"/>
+              <a:t> (</a:t>
+            </a:r>
+            <a:r>
+              <a:rPr lang="en-US" baseline="0" dirty="0" err="1" smtClean="0"/>
+              <a:t>fett</a:t>
+            </a:r>
+            <a:r>
+              <a:rPr lang="en-US" baseline="0" dirty="0" smtClean="0"/>
+              <a:t>)</a:t>
+            </a:r>
+          </a:p>
+          <a:p>
+            <a:endParaRPr lang="en-US" baseline="0" dirty="0" smtClean="0"/>
+          </a:p>
+          <a:p>
+            <a:r>
+              <a:rPr lang="en-US" baseline="0" dirty="0" smtClean="0"/>
+              <a:t>Die </a:t>
+            </a:r>
+            <a:r>
+              <a:rPr lang="en-US" baseline="0" dirty="0" err="1" smtClean="0"/>
+              <a:t>Datenmenge</a:t>
+            </a:r>
+            <a:r>
+              <a:rPr lang="en-US" baseline="0" dirty="0" smtClean="0"/>
+              <a:t> </a:t>
+            </a:r>
+            <a:r>
+              <a:rPr lang="en-US" baseline="0" dirty="0" err="1" smtClean="0"/>
+              <a:t>wird</a:t>
+            </a:r>
+            <a:r>
+              <a:rPr lang="en-US" baseline="0" dirty="0" smtClean="0"/>
+              <a:t> </a:t>
+            </a:r>
+            <a:r>
+              <a:rPr lang="en-US" baseline="0" dirty="0" err="1" smtClean="0"/>
+              <a:t>reduziert</a:t>
+            </a:r>
+            <a:r>
+              <a:rPr lang="en-US" baseline="0" dirty="0" smtClean="0"/>
+              <a:t>, </a:t>
+            </a:r>
+            <a:r>
+              <a:rPr lang="en-US" baseline="0" dirty="0" err="1" smtClean="0"/>
+              <a:t>indem</a:t>
+            </a:r>
+            <a:r>
+              <a:rPr lang="en-US" baseline="0" dirty="0" smtClean="0"/>
+              <a:t> </a:t>
+            </a:r>
+            <a:r>
+              <a:rPr lang="en-US" baseline="0" dirty="0" err="1" smtClean="0"/>
+              <a:t>über</a:t>
+            </a:r>
+            <a:r>
+              <a:rPr lang="en-US" baseline="0" dirty="0" smtClean="0"/>
+              <a:t> </a:t>
+            </a:r>
+            <a:r>
+              <a:rPr lang="en-US" baseline="0" dirty="0" err="1" smtClean="0"/>
+              <a:t>eine</a:t>
+            </a:r>
+            <a:r>
+              <a:rPr lang="en-US" baseline="0" dirty="0" smtClean="0"/>
+              <a:t> Minute </a:t>
+            </a:r>
+            <a:r>
+              <a:rPr lang="en-US" baseline="0" dirty="0" err="1" smtClean="0"/>
+              <a:t>gezählt</a:t>
+            </a:r>
+            <a:r>
+              <a:rPr lang="en-US" baseline="0" dirty="0" smtClean="0"/>
+              <a:t> </a:t>
+            </a:r>
+            <a:r>
+              <a:rPr lang="en-US" baseline="0" dirty="0" err="1" smtClean="0"/>
+              <a:t>wird</a:t>
+            </a:r>
+            <a:r>
+              <a:rPr lang="en-US" baseline="0" dirty="0" smtClean="0"/>
+              <a:t>, </a:t>
+            </a:r>
+            <a:r>
+              <a:rPr lang="en-US" baseline="0" dirty="0" err="1" smtClean="0"/>
+              <a:t>wie</a:t>
+            </a:r>
+            <a:r>
+              <a:rPr lang="en-US" baseline="0" dirty="0" smtClean="0"/>
+              <a:t> </a:t>
+            </a:r>
+            <a:r>
+              <a:rPr lang="en-US" baseline="0" dirty="0" err="1" smtClean="0"/>
+              <a:t>viele</a:t>
+            </a:r>
+            <a:r>
+              <a:rPr lang="en-US" baseline="0" dirty="0" smtClean="0"/>
+              <a:t> </a:t>
+            </a:r>
+            <a:r>
+              <a:rPr lang="en-US" baseline="0" dirty="0" err="1" smtClean="0"/>
+              <a:t>Peakspitzen</a:t>
+            </a:r>
+            <a:r>
+              <a:rPr lang="en-US" baseline="0" dirty="0" smtClean="0"/>
+              <a:t> (</a:t>
+            </a:r>
+            <a:r>
+              <a:rPr lang="en-US" baseline="0" dirty="0" err="1" smtClean="0"/>
+              <a:t>Spalte</a:t>
+            </a:r>
+            <a:r>
+              <a:rPr lang="en-US" baseline="0" dirty="0" smtClean="0"/>
+              <a:t> I) und </a:t>
+            </a:r>
+            <a:r>
+              <a:rPr lang="en-US" baseline="0" dirty="0" err="1" smtClean="0"/>
+              <a:t>wie</a:t>
+            </a:r>
+            <a:r>
+              <a:rPr lang="en-US" baseline="0" dirty="0" smtClean="0"/>
+              <a:t> </a:t>
+            </a:r>
+            <a:r>
+              <a:rPr lang="en-US" baseline="0" dirty="0" err="1" smtClean="0"/>
+              <a:t>viele</a:t>
+            </a:r>
+            <a:r>
+              <a:rPr lang="en-US" baseline="0" dirty="0" smtClean="0"/>
+              <a:t> </a:t>
+            </a:r>
+            <a:r>
+              <a:rPr lang="en-US" baseline="0" dirty="0" err="1" smtClean="0"/>
+              <a:t>Einschlags</a:t>
+            </a:r>
+            <a:r>
+              <a:rPr lang="en-US" baseline="0" dirty="0" smtClean="0"/>
+              <a:t>-Maxima (</a:t>
+            </a:r>
+            <a:r>
+              <a:rPr lang="en-US" baseline="0" dirty="0" err="1" smtClean="0"/>
+              <a:t>Spalte</a:t>
+            </a:r>
+            <a:r>
+              <a:rPr lang="en-US" baseline="0" dirty="0" smtClean="0"/>
+              <a:t> P) </a:t>
+            </a:r>
+            <a:r>
+              <a:rPr lang="en-US" baseline="0" dirty="0" err="1" smtClean="0"/>
+              <a:t>innerhalb</a:t>
+            </a:r>
+            <a:r>
+              <a:rPr lang="en-US" baseline="0" dirty="0" smtClean="0"/>
+              <a:t> </a:t>
+            </a:r>
+            <a:r>
+              <a:rPr lang="en-US" baseline="0" dirty="0" err="1" smtClean="0"/>
+              <a:t>einer</a:t>
+            </a:r>
+            <a:r>
+              <a:rPr lang="en-US" baseline="0" dirty="0" smtClean="0"/>
+              <a:t> </a:t>
+            </a:r>
+            <a:r>
+              <a:rPr lang="en-US" baseline="0" dirty="0" err="1" smtClean="0"/>
+              <a:t>Intensitätsklasse</a:t>
+            </a:r>
+            <a:r>
+              <a:rPr lang="en-US" baseline="0" dirty="0" smtClean="0"/>
+              <a:t> </a:t>
+            </a:r>
+            <a:r>
+              <a:rPr lang="en-US" baseline="0" dirty="0" err="1" smtClean="0"/>
+              <a:t>liegen</a:t>
+            </a:r>
+            <a:r>
+              <a:rPr lang="en-US" baseline="0" dirty="0" smtClean="0"/>
+              <a:t>.</a:t>
+            </a:r>
+          </a:p>
+          <a:p>
+            <a:r>
+              <a:rPr lang="en-US" baseline="0" dirty="0" smtClean="0"/>
+              <a:t>So fallen </a:t>
+            </a:r>
+            <a:r>
+              <a:rPr lang="en-US" baseline="0" dirty="0" err="1" smtClean="0"/>
+              <a:t>geringe</a:t>
+            </a:r>
+            <a:r>
+              <a:rPr lang="en-US" baseline="0" dirty="0" smtClean="0"/>
+              <a:t> </a:t>
+            </a:r>
+            <a:r>
+              <a:rPr lang="en-US" baseline="0" dirty="0" err="1" smtClean="0"/>
+              <a:t>Datenmengen</a:t>
+            </a:r>
+            <a:r>
+              <a:rPr lang="en-US" baseline="0" dirty="0" smtClean="0"/>
+              <a:t> an, </a:t>
+            </a:r>
+            <a:r>
+              <a:rPr lang="en-US" baseline="0" dirty="0" err="1" smtClean="0"/>
+              <a:t>aber</a:t>
+            </a:r>
+            <a:r>
+              <a:rPr lang="en-US" baseline="0" dirty="0" smtClean="0"/>
+              <a:t> </a:t>
+            </a:r>
+            <a:r>
+              <a:rPr lang="en-US" baseline="0" dirty="0" err="1" smtClean="0"/>
+              <a:t>einzelne</a:t>
+            </a:r>
+            <a:r>
+              <a:rPr lang="en-US" baseline="0" dirty="0" smtClean="0"/>
+              <a:t> </a:t>
+            </a:r>
+            <a:r>
+              <a:rPr lang="en-US" baseline="0" dirty="0" err="1" smtClean="0"/>
+              <a:t>Einschläge</a:t>
+            </a:r>
+            <a:r>
+              <a:rPr lang="en-US" baseline="0" dirty="0" smtClean="0"/>
+              <a:t> </a:t>
+            </a:r>
+            <a:r>
+              <a:rPr lang="en-US" baseline="0" dirty="0" err="1" smtClean="0"/>
+              <a:t>können</a:t>
+            </a:r>
+            <a:r>
+              <a:rPr lang="en-US" baseline="0" dirty="0" smtClean="0"/>
+              <a:t> </a:t>
+            </a:r>
+            <a:r>
+              <a:rPr lang="en-US" baseline="0" dirty="0" err="1" smtClean="0"/>
+              <a:t>nicht</a:t>
+            </a:r>
+            <a:r>
+              <a:rPr lang="en-US" baseline="0" dirty="0" smtClean="0"/>
+              <a:t> </a:t>
+            </a:r>
+            <a:r>
+              <a:rPr lang="en-US" baseline="0" dirty="0" err="1" smtClean="0"/>
+              <a:t>im</a:t>
+            </a:r>
+            <a:r>
+              <a:rPr lang="en-US" baseline="0" dirty="0" smtClean="0"/>
+              <a:t> Detail </a:t>
+            </a:r>
+            <a:r>
+              <a:rPr lang="en-US" baseline="0" dirty="0" err="1" smtClean="0"/>
+              <a:t>ausgewertet</a:t>
+            </a:r>
+            <a:r>
+              <a:rPr lang="en-US" baseline="0" dirty="0" smtClean="0"/>
+              <a:t> </a:t>
+            </a:r>
+            <a:r>
+              <a:rPr lang="en-US" baseline="0" dirty="0" err="1" smtClean="0"/>
+              <a:t>werden</a:t>
+            </a:r>
+            <a:r>
+              <a:rPr lang="en-US" baseline="0" dirty="0" smtClean="0"/>
+              <a:t>.</a:t>
+            </a:r>
           </a:p>
         </p:txBody>
       </p:sp>
@@ -2843,7 +4220,7 @@
           <a:p>
             <a:fld id="{E7AE4CB0-9792-D74D-9E49-F892F9A51ADF}" type="slidenum">
               <a:rPr lang="en-US" smtClean="0"/>
-              <a:t>10</a:t>
+              <a:t>8</a:t>
             </a:fld>
             <a:endParaRPr lang="en-US"/>
           </a:p>
@@ -2852,7 +4229,581 @@
     </p:spTree>
     <p:extLst>
       <p:ext uri="{BB962C8B-B14F-4D97-AF65-F5344CB8AC3E}">
-        <p14:creationId xmlns:p14="http://schemas.microsoft.com/office/powerpoint/2010/main" val="2822903022"/>
+        <p14:creationId xmlns:p14="http://schemas.microsoft.com/office/powerpoint/2010/main" val="1263789187"/>
+      </p:ext>
+    </p:extLst>
+  </p:cSld>
+  <p:clrMapOvr>
+    <a:masterClrMapping/>
+  </p:clrMapOvr>
+</p:notes>
+</file>
+
+<file path=ppt/notesSlides/notesSlide9.xml><?xml version="1.0" encoding="utf-8"?>
+<p:notes xmlns:a="http://schemas.openxmlformats.org/drawingml/2006/main" xmlns:r="http://schemas.openxmlformats.org/officeDocument/2006/relationships" xmlns:p="http://schemas.openxmlformats.org/presentationml/2006/main">
+  <p:cSld>
+    <p:spTree>
+      <p:nvGrpSpPr>
+        <p:cNvPr id="1" name=""/>
+        <p:cNvGrpSpPr/>
+        <p:nvPr/>
+      </p:nvGrpSpPr>
+      <p:grpSpPr>
+        <a:xfrm>
+          <a:off x="0" y="0"/>
+          <a:ext cx="0" cy="0"/>
+          <a:chOff x="0" y="0"/>
+          <a:chExt cx="0" cy="0"/>
+        </a:xfrm>
+      </p:grpSpPr>
+      <p:sp>
+        <p:nvSpPr>
+          <p:cNvPr id="2" name="Slide Image Placeholder 1"/>
+          <p:cNvSpPr>
+            <a:spLocks noGrp="1" noRot="1" noChangeAspect="1"/>
+          </p:cNvSpPr>
+          <p:nvPr>
+            <p:ph type="sldImg"/>
+          </p:nvPr>
+        </p:nvSpPr>
+        <p:spPr/>
+      </p:sp>
+      <p:sp>
+        <p:nvSpPr>
+          <p:cNvPr id="3" name="Notes Placeholder 2"/>
+          <p:cNvSpPr>
+            <a:spLocks noGrp="1"/>
+          </p:cNvSpPr>
+          <p:nvPr>
+            <p:ph type="body" idx="1"/>
+          </p:nvPr>
+        </p:nvSpPr>
+        <p:spPr/>
+        <p:txBody>
+          <a:bodyPr/>
+          <a:lstStyle/>
+          <a:p>
+            <a:pPr marL="0" marR="0" indent="0" algn="l" defTabSz="457200" rtl="0" eaLnBrk="1" fontAlgn="auto" latinLnBrk="0" hangingPunct="1">
+              <a:lnSpc>
+                <a:spcPct val="100000"/>
+              </a:lnSpc>
+              <a:spcBef>
+                <a:spcPts val="0"/>
+              </a:spcBef>
+              <a:spcAft>
+                <a:spcPts val="0"/>
+              </a:spcAft>
+              <a:buClrTx/>
+              <a:buSzTx/>
+              <a:buFontTx/>
+              <a:buNone/>
+              <a:tabLst/>
+              <a:defRPr/>
+            </a:pPr>
+            <a:r>
+              <a:rPr lang="en-US" baseline="0" dirty="0" err="1" smtClean="0"/>
+              <a:t>Jeder</a:t>
+            </a:r>
+            <a:r>
+              <a:rPr lang="en-US" baseline="0" dirty="0" smtClean="0"/>
+              <a:t> Sensor </a:t>
+            </a:r>
+            <a:r>
+              <a:rPr lang="en-US" baseline="0" dirty="0" err="1" smtClean="0"/>
+              <a:t>wird</a:t>
+            </a:r>
+            <a:r>
+              <a:rPr lang="en-US" baseline="0" dirty="0" smtClean="0"/>
+              <a:t> </a:t>
+            </a:r>
+            <a:r>
+              <a:rPr lang="en-US" baseline="0" dirty="0" err="1" smtClean="0"/>
+              <a:t>mit</a:t>
+            </a:r>
+            <a:r>
+              <a:rPr lang="en-US" baseline="0" dirty="0" smtClean="0"/>
+              <a:t> </a:t>
+            </a:r>
+            <a:r>
+              <a:rPr lang="en-US" baseline="0" dirty="0" err="1" smtClean="0"/>
+              <a:t>einem</a:t>
+            </a:r>
+            <a:r>
+              <a:rPr lang="en-US" baseline="0" dirty="0" smtClean="0"/>
+              <a:t> </a:t>
+            </a:r>
+            <a:r>
+              <a:rPr lang="en-US" baseline="0" dirty="0" err="1" smtClean="0"/>
+              <a:t>Mikroprozessor</a:t>
+            </a:r>
+            <a:r>
+              <a:rPr lang="en-US" baseline="0" dirty="0" smtClean="0"/>
+              <a:t> </a:t>
+            </a:r>
+            <a:r>
+              <a:rPr lang="en-US" baseline="0" dirty="0" err="1" smtClean="0"/>
+              <a:t>bestückt</a:t>
+            </a:r>
+            <a:r>
+              <a:rPr lang="en-US" baseline="0" dirty="0" smtClean="0"/>
+              <a:t>, der die </a:t>
+            </a:r>
+            <a:r>
+              <a:rPr lang="en-US" baseline="0" dirty="0" err="1" smtClean="0"/>
+              <a:t>Auswertung</a:t>
+            </a:r>
+            <a:r>
+              <a:rPr lang="en-US" baseline="0" dirty="0" smtClean="0"/>
+              <a:t> </a:t>
+            </a:r>
+            <a:r>
+              <a:rPr lang="en-US" baseline="0" dirty="0" err="1" smtClean="0"/>
+              <a:t>vornimmt</a:t>
+            </a:r>
+            <a:r>
+              <a:rPr lang="en-US" baseline="0" dirty="0" smtClean="0"/>
+              <a:t>. Der </a:t>
+            </a:r>
+            <a:r>
+              <a:rPr lang="en-US" baseline="0" dirty="0" err="1" smtClean="0"/>
+              <a:t>Rechner</a:t>
+            </a:r>
+            <a:r>
+              <a:rPr lang="en-US" baseline="0" dirty="0" smtClean="0"/>
+              <a:t> </a:t>
+            </a:r>
+            <a:r>
+              <a:rPr lang="en-US" baseline="0" dirty="0" err="1" smtClean="0"/>
+              <a:t>für</a:t>
+            </a:r>
+            <a:r>
+              <a:rPr lang="en-US" baseline="0" dirty="0" smtClean="0"/>
+              <a:t> die </a:t>
+            </a:r>
+            <a:r>
+              <a:rPr lang="en-US" baseline="0" dirty="0" err="1" smtClean="0"/>
+              <a:t>Datensammlung</a:t>
+            </a:r>
+            <a:r>
+              <a:rPr lang="en-US" baseline="0" dirty="0" smtClean="0"/>
+              <a:t> </a:t>
+            </a:r>
+            <a:r>
+              <a:rPr lang="en-US" baseline="0" dirty="0" err="1" smtClean="0"/>
+              <a:t>erhält</a:t>
+            </a:r>
+            <a:r>
+              <a:rPr lang="en-US" baseline="0" dirty="0" smtClean="0"/>
+              <a:t> so </a:t>
+            </a:r>
+            <a:r>
+              <a:rPr lang="en-US" baseline="0" dirty="0" err="1" smtClean="0"/>
+              <a:t>nur</a:t>
+            </a:r>
+            <a:r>
+              <a:rPr lang="en-US" baseline="0" dirty="0" smtClean="0"/>
+              <a:t> </a:t>
+            </a:r>
+            <a:r>
+              <a:rPr lang="en-US" baseline="0" dirty="0" err="1" smtClean="0"/>
+              <a:t>noch</a:t>
+            </a:r>
+            <a:r>
+              <a:rPr lang="en-US" baseline="0" dirty="0" smtClean="0"/>
+              <a:t> die per </a:t>
+            </a:r>
+            <a:r>
+              <a:rPr lang="en-US" baseline="0" dirty="0" err="1" smtClean="0"/>
+              <a:t>Detailstufen</a:t>
+            </a:r>
+            <a:r>
+              <a:rPr lang="en-US" baseline="0" dirty="0" smtClean="0"/>
+              <a:t> </a:t>
+            </a:r>
+            <a:r>
+              <a:rPr lang="en-US" baseline="0" dirty="0" err="1" smtClean="0"/>
+              <a:t>gewählten</a:t>
+            </a:r>
+            <a:r>
+              <a:rPr lang="en-US" baseline="0" dirty="0" smtClean="0"/>
+              <a:t> </a:t>
+            </a:r>
+            <a:r>
+              <a:rPr lang="en-US" baseline="0" dirty="0" err="1" smtClean="0"/>
+              <a:t>Informationen</a:t>
+            </a:r>
+            <a:r>
+              <a:rPr lang="en-US" baseline="0" dirty="0" smtClean="0"/>
+              <a:t> und muss </a:t>
+            </a:r>
+            <a:r>
+              <a:rPr lang="en-US" baseline="0" dirty="0" err="1" smtClean="0"/>
+              <a:t>diese</a:t>
+            </a:r>
+            <a:r>
+              <a:rPr lang="en-US" baseline="0" dirty="0" smtClean="0"/>
+              <a:t> </a:t>
+            </a:r>
+            <a:r>
+              <a:rPr lang="en-US" baseline="0" dirty="0" err="1" smtClean="0"/>
+              <a:t>nur</a:t>
+            </a:r>
+            <a:r>
+              <a:rPr lang="en-US" baseline="0" dirty="0" smtClean="0"/>
+              <a:t> </a:t>
+            </a:r>
+            <a:r>
+              <a:rPr lang="en-US" baseline="0" dirty="0" err="1" smtClean="0"/>
+              <a:t>noch</a:t>
+            </a:r>
+            <a:r>
+              <a:rPr lang="en-US" baseline="0" dirty="0" smtClean="0"/>
+              <a:t> </a:t>
+            </a:r>
+            <a:r>
+              <a:rPr lang="en-US" baseline="0" dirty="0" err="1" smtClean="0"/>
+              <a:t>speichern</a:t>
+            </a:r>
+            <a:r>
+              <a:rPr lang="en-US" baseline="0" dirty="0" smtClean="0"/>
+              <a:t>.</a:t>
+            </a:r>
+          </a:p>
+          <a:p>
+            <a:pPr marL="0" marR="0" indent="0" algn="l" defTabSz="457200" rtl="0" eaLnBrk="1" fontAlgn="auto" latinLnBrk="0" hangingPunct="1">
+              <a:lnSpc>
+                <a:spcPct val="100000"/>
+              </a:lnSpc>
+              <a:spcBef>
+                <a:spcPts val="0"/>
+              </a:spcBef>
+              <a:spcAft>
+                <a:spcPts val="0"/>
+              </a:spcAft>
+              <a:buClrTx/>
+              <a:buSzTx/>
+              <a:buFontTx/>
+              <a:buNone/>
+              <a:tabLst/>
+              <a:defRPr/>
+            </a:pPr>
+            <a:endParaRPr lang="en-US" baseline="0" dirty="0" smtClean="0"/>
+          </a:p>
+          <a:p>
+            <a:pPr marL="0" marR="0" indent="0" algn="l" defTabSz="457200" rtl="0" eaLnBrk="1" fontAlgn="auto" latinLnBrk="0" hangingPunct="1">
+              <a:lnSpc>
+                <a:spcPct val="100000"/>
+              </a:lnSpc>
+              <a:spcBef>
+                <a:spcPts val="0"/>
+              </a:spcBef>
+              <a:spcAft>
+                <a:spcPts val="0"/>
+              </a:spcAft>
+              <a:buClrTx/>
+              <a:buSzTx/>
+              <a:buFontTx/>
+              <a:buNone/>
+              <a:tabLst/>
+              <a:defRPr/>
+            </a:pPr>
+            <a:r>
+              <a:rPr lang="en-US" baseline="0" dirty="0" err="1" smtClean="0"/>
+              <a:t>Datentransfer</a:t>
+            </a:r>
+            <a:r>
+              <a:rPr lang="en-US" baseline="0" dirty="0" smtClean="0"/>
+              <a:t> </a:t>
+            </a:r>
+            <a:r>
+              <a:rPr lang="en-US" baseline="0" dirty="0" err="1" smtClean="0"/>
+              <a:t>erfolgt</a:t>
+            </a:r>
+            <a:r>
+              <a:rPr lang="en-US" baseline="0" dirty="0" smtClean="0"/>
+              <a:t> </a:t>
+            </a:r>
+            <a:r>
+              <a:rPr lang="en-US" baseline="0" dirty="0" err="1" smtClean="0"/>
+              <a:t>nur</a:t>
+            </a:r>
+            <a:r>
+              <a:rPr lang="en-US" baseline="0" dirty="0" smtClean="0"/>
+              <a:t> </a:t>
+            </a:r>
+            <a:r>
+              <a:rPr lang="en-US" baseline="0" dirty="0" err="1" smtClean="0"/>
+              <a:t>noch</a:t>
+            </a:r>
+            <a:r>
+              <a:rPr lang="en-US" baseline="0" dirty="0" smtClean="0"/>
+              <a:t> </a:t>
+            </a:r>
+            <a:r>
+              <a:rPr lang="en-US" baseline="0" dirty="0" err="1" smtClean="0"/>
+              <a:t>für</a:t>
+            </a:r>
+            <a:r>
+              <a:rPr lang="en-US" baseline="0" dirty="0" smtClean="0"/>
+              <a:t> </a:t>
+            </a:r>
+            <a:r>
+              <a:rPr lang="en-US" baseline="0" dirty="0" err="1" smtClean="0"/>
+              <a:t>zu</a:t>
+            </a:r>
+            <a:r>
+              <a:rPr lang="en-US" baseline="0" dirty="0" smtClean="0"/>
+              <a:t> </a:t>
+            </a:r>
+            <a:r>
+              <a:rPr lang="en-US" baseline="0" dirty="0" err="1" smtClean="0"/>
+              <a:t>speichernde</a:t>
+            </a:r>
+            <a:r>
+              <a:rPr lang="en-US" baseline="0" dirty="0" smtClean="0"/>
+              <a:t> </a:t>
+            </a:r>
+            <a:r>
+              <a:rPr lang="en-US" baseline="0" dirty="0" err="1" smtClean="0"/>
+              <a:t>Daten</a:t>
+            </a:r>
+            <a:r>
+              <a:rPr lang="en-US" baseline="0" dirty="0" smtClean="0"/>
+              <a:t> </a:t>
+            </a:r>
+            <a:r>
+              <a:rPr lang="en-US" baseline="0" dirty="0" smtClean="0">
+                <a:sym typeface="Wingdings"/>
+              </a:rPr>
+              <a:t> </a:t>
+            </a:r>
+            <a:r>
+              <a:rPr lang="en-US" baseline="0" dirty="0" err="1" smtClean="0">
+                <a:sym typeface="Wingdings"/>
+              </a:rPr>
+              <a:t>Bussystem</a:t>
+            </a:r>
+            <a:r>
+              <a:rPr lang="en-US" baseline="0" dirty="0" smtClean="0">
+                <a:sym typeface="Wingdings"/>
+              </a:rPr>
+              <a:t> </a:t>
+            </a:r>
+            <a:r>
+              <a:rPr lang="en-US" baseline="0" dirty="0" err="1" smtClean="0">
+                <a:sym typeface="Wingdings"/>
+              </a:rPr>
+              <a:t>möglich</a:t>
+            </a:r>
+            <a:r>
+              <a:rPr lang="en-US" baseline="0" dirty="0" smtClean="0">
+                <a:sym typeface="Wingdings"/>
+              </a:rPr>
+              <a:t>, </a:t>
+            </a:r>
+            <a:r>
+              <a:rPr lang="en-US" baseline="0" dirty="0" err="1" smtClean="0">
+                <a:sym typeface="Wingdings"/>
+              </a:rPr>
+              <a:t>weniger</a:t>
+            </a:r>
+            <a:r>
+              <a:rPr lang="en-US" baseline="0" dirty="0" smtClean="0">
+                <a:sym typeface="Wingdings"/>
+              </a:rPr>
+              <a:t> </a:t>
+            </a:r>
+            <a:r>
+              <a:rPr lang="en-US" baseline="0" dirty="0" err="1" smtClean="0">
+                <a:sym typeface="Wingdings"/>
+              </a:rPr>
+              <a:t>Kabel</a:t>
+            </a:r>
+            <a:endParaRPr lang="en-US" baseline="0" dirty="0" smtClean="0">
+              <a:sym typeface="Wingdings"/>
+            </a:endParaRPr>
+          </a:p>
+          <a:p>
+            <a:pPr marL="0" marR="0" indent="0" algn="l" defTabSz="457200" rtl="0" eaLnBrk="1" fontAlgn="auto" latinLnBrk="0" hangingPunct="1">
+              <a:lnSpc>
+                <a:spcPct val="100000"/>
+              </a:lnSpc>
+              <a:spcBef>
+                <a:spcPts val="0"/>
+              </a:spcBef>
+              <a:spcAft>
+                <a:spcPts val="0"/>
+              </a:spcAft>
+              <a:buClrTx/>
+              <a:buSzTx/>
+              <a:buFontTx/>
+              <a:buNone/>
+              <a:tabLst/>
+              <a:defRPr/>
+            </a:pPr>
+            <a:endParaRPr lang="en-US" dirty="0" smtClean="0"/>
+          </a:p>
+          <a:p>
+            <a:r>
+              <a:rPr lang="en-US" dirty="0" err="1" smtClean="0"/>
+              <a:t>Über</a:t>
+            </a:r>
+            <a:r>
+              <a:rPr lang="en-US" dirty="0" smtClean="0"/>
+              <a:t> </a:t>
+            </a:r>
+            <a:r>
+              <a:rPr lang="en-US" dirty="0" err="1" smtClean="0"/>
+              <a:t>Detailstufen</a:t>
+            </a:r>
+            <a:r>
+              <a:rPr lang="en-US" baseline="0" dirty="0" smtClean="0"/>
+              <a:t> </a:t>
+            </a:r>
+            <a:r>
+              <a:rPr lang="en-US" baseline="0" dirty="0" err="1" smtClean="0"/>
+              <a:t>kann</a:t>
+            </a:r>
+            <a:r>
+              <a:rPr lang="en-US" baseline="0" dirty="0" smtClean="0"/>
+              <a:t> die Rate der </a:t>
+            </a:r>
+            <a:r>
+              <a:rPr lang="en-US" baseline="0" dirty="0" err="1" smtClean="0"/>
+              <a:t>anfallenden</a:t>
+            </a:r>
+            <a:r>
+              <a:rPr lang="en-US" baseline="0" dirty="0" smtClean="0"/>
+              <a:t> </a:t>
+            </a:r>
+            <a:r>
+              <a:rPr lang="en-US" baseline="0" dirty="0" err="1" smtClean="0"/>
+              <a:t>Daten</a:t>
+            </a:r>
+            <a:r>
+              <a:rPr lang="en-US" baseline="0" dirty="0" smtClean="0"/>
+              <a:t> und </a:t>
+            </a:r>
+            <a:r>
+              <a:rPr lang="en-US" baseline="0" dirty="0" err="1" smtClean="0"/>
+              <a:t>damit</a:t>
+            </a:r>
+            <a:r>
+              <a:rPr lang="en-US" baseline="0" dirty="0" smtClean="0"/>
+              <a:t> die </a:t>
+            </a:r>
+            <a:r>
+              <a:rPr lang="en-US" baseline="0" dirty="0" err="1" smtClean="0"/>
+              <a:t>Reichweite</a:t>
+            </a:r>
+            <a:r>
+              <a:rPr lang="en-US" baseline="0" dirty="0" smtClean="0"/>
+              <a:t> des </a:t>
+            </a:r>
+            <a:r>
+              <a:rPr lang="en-US" baseline="0" dirty="0" err="1" smtClean="0"/>
+              <a:t>Speichers</a:t>
+            </a:r>
+            <a:r>
+              <a:rPr lang="en-US" baseline="0" dirty="0" smtClean="0"/>
+              <a:t> </a:t>
+            </a:r>
+            <a:r>
+              <a:rPr lang="en-US" baseline="0" dirty="0" err="1" smtClean="0"/>
+              <a:t>beeinflusst</a:t>
+            </a:r>
+            <a:r>
+              <a:rPr lang="en-US" baseline="0" dirty="0" smtClean="0"/>
+              <a:t> </a:t>
+            </a:r>
+            <a:r>
+              <a:rPr lang="en-US" baseline="0" dirty="0" err="1" smtClean="0"/>
+              <a:t>werden</a:t>
+            </a:r>
+            <a:r>
+              <a:rPr lang="en-US" baseline="0" dirty="0" smtClean="0"/>
+              <a:t>.</a:t>
+            </a:r>
+          </a:p>
+          <a:p>
+            <a:endParaRPr lang="en-US" baseline="0" dirty="0" smtClean="0"/>
+          </a:p>
+          <a:p>
+            <a:r>
+              <a:rPr lang="en-US" baseline="0" dirty="0" smtClean="0"/>
+              <a:t>Wahl </a:t>
+            </a:r>
+            <a:r>
+              <a:rPr lang="en-US" baseline="0" dirty="0" err="1" smtClean="0"/>
+              <a:t>eines</a:t>
+            </a:r>
+            <a:r>
+              <a:rPr lang="en-US" baseline="0" dirty="0" smtClean="0"/>
+              <a:t> </a:t>
+            </a:r>
+            <a:r>
+              <a:rPr lang="en-US" baseline="0" dirty="0" err="1" smtClean="0"/>
+              <a:t>kleineren</a:t>
+            </a:r>
+            <a:r>
+              <a:rPr lang="en-US" baseline="0" dirty="0" smtClean="0"/>
+              <a:t> Sensors </a:t>
+            </a:r>
+            <a:r>
+              <a:rPr lang="en-US" baseline="0" dirty="0" err="1" smtClean="0"/>
+              <a:t>ermöglich</a:t>
+            </a:r>
+            <a:r>
+              <a:rPr lang="en-US" baseline="0" dirty="0" smtClean="0"/>
+              <a:t> die </a:t>
+            </a:r>
+            <a:r>
+              <a:rPr lang="en-US" baseline="0" dirty="0" err="1" smtClean="0"/>
+              <a:t>Verkleinerung</a:t>
+            </a:r>
+            <a:r>
+              <a:rPr lang="en-US" baseline="0" dirty="0" smtClean="0"/>
+              <a:t> der </a:t>
+            </a:r>
+            <a:r>
+              <a:rPr lang="en-US" baseline="0" dirty="0" err="1" smtClean="0"/>
+              <a:t>Messinstallation</a:t>
+            </a:r>
+            <a:r>
+              <a:rPr lang="en-US" baseline="0" dirty="0" smtClean="0"/>
+              <a:t>.</a:t>
+            </a:r>
+            <a:endParaRPr lang="en-US" dirty="0"/>
+          </a:p>
+        </p:txBody>
+      </p:sp>
+      <p:sp>
+        <p:nvSpPr>
+          <p:cNvPr id="4" name="Slide Number Placeholder 3"/>
+          <p:cNvSpPr>
+            <a:spLocks noGrp="1"/>
+          </p:cNvSpPr>
+          <p:nvPr>
+            <p:ph type="sldNum" sz="quarter" idx="10"/>
+          </p:nvPr>
+        </p:nvSpPr>
+        <p:spPr/>
+        <p:txBody>
+          <a:bodyPr/>
+          <a:lstStyle/>
+          <a:p>
+            <a:fld id="{E7AE4CB0-9792-D74D-9E49-F892F9A51ADF}" type="slidenum">
+              <a:rPr lang="en-US" smtClean="0"/>
+              <a:t>9</a:t>
+            </a:fld>
+            <a:endParaRPr lang="en-US"/>
+          </a:p>
+        </p:txBody>
+      </p:sp>
+    </p:spTree>
+    <p:extLst>
+      <p:ext uri="{BB962C8B-B14F-4D97-AF65-F5344CB8AC3E}">
+        <p14:creationId xmlns:p14="http://schemas.microsoft.com/office/powerpoint/2010/main" val="3511734802"/>
       </p:ext>
     </p:extLst>
   </p:cSld>
@@ -5940,6 +7891,13 @@
   <p:clrMapOvr>
     <a:masterClrMapping/>
   </p:clrMapOvr>
+  <p:timing>
+    <p:tnLst>
+      <p:par>
+        <p:cTn xmlns:p14="http://schemas.microsoft.com/office/powerpoint/2010/main" id="1" dur="indefinite" restart="never" nodeType="tmRoot"/>
+      </p:par>
+    </p:tnLst>
+  </p:timing>
 </p:sld>
 </file>
 
@@ -5976,10 +7934,10 @@
           <a:lstStyle/>
           <a:p>
             <a:r>
-              <a:rPr lang="de-CH" smtClean="0"/>
-              <a:t>Hardware – Sensor</a:t>
-            </a:r>
-            <a:endParaRPr lang="de-CH"/>
+              <a:rPr lang="de-CH" dirty="0" smtClean="0"/>
+              <a:t>Hardware</a:t>
+            </a:r>
+            <a:endParaRPr lang="de-CH" dirty="0"/>
           </a:p>
         </p:txBody>
       </p:sp>
@@ -6000,17 +7958,148 @@
           <a:p>
             <a:r>
               <a:rPr lang="de-CH" dirty="0" smtClean="0"/>
-              <a:t>MEMS-Sensor</a:t>
-            </a:r>
-          </a:p>
-          <a:p>
+              <a:t>MEMS Beschleunigungs-Sensor</a:t>
+            </a:r>
+          </a:p>
+          <a:p>
+            <a:r>
+              <a:rPr lang="de-CH" dirty="0" err="1" smtClean="0"/>
+              <a:t>QuickStartBoard</a:t>
+            </a:r>
             <a:r>
               <a:rPr lang="de-CH" dirty="0" smtClean="0"/>
-              <a:t>TODO erklären</a:t>
-            </a:r>
+              <a:t> NXP LPC4088 (ARM Cortex M4)</a:t>
+            </a:r>
+          </a:p>
+          <a:p>
+            <a:r>
+              <a:rPr lang="de-CH" dirty="0" smtClean="0"/>
+              <a:t>CAN-Bus</a:t>
+            </a:r>
+            <a:endParaRPr lang="de-CH" dirty="0" smtClean="0"/>
           </a:p>
           <a:p>
             <a:endParaRPr lang="de-CH" dirty="0"/>
+          </a:p>
+        </p:txBody>
+      </p:sp>
+      <p:pic>
+        <p:nvPicPr>
+          <p:cNvPr id="4" name="Picture 3" descr="EVAL-ADXL001.jpg"/>
+          <p:cNvPicPr>
+            <a:picLocks noChangeAspect="1"/>
+          </p:cNvPicPr>
+          <p:nvPr/>
+        </p:nvPicPr>
+        <p:blipFill>
+          <a:blip r:embed="rId3">
+            <a:extLst>
+              <a:ext uri="{28A0092B-C50C-407E-A947-70E740481C1C}">
+                <a14:useLocalDpi xmlns:a14="http://schemas.microsoft.com/office/drawing/2010/main" val="0"/>
+              </a:ext>
+            </a:extLst>
+          </a:blip>
+          <a:stretch>
+            <a:fillRect/>
+          </a:stretch>
+        </p:blipFill>
+        <p:spPr>
+          <a:xfrm>
+            <a:off x="625153" y="3789040"/>
+            <a:ext cx="1524000" cy="1534160"/>
+          </a:xfrm>
+          <a:prstGeom prst="rect">
+            <a:avLst/>
+          </a:prstGeom>
+        </p:spPr>
+      </p:pic>
+      <p:pic>
+        <p:nvPicPr>
+          <p:cNvPr id="5" name="Picture 4" descr="OM13063_mbed_lpc4088_0.png"/>
+          <p:cNvPicPr>
+            <a:picLocks noChangeAspect="1"/>
+          </p:cNvPicPr>
+          <p:nvPr/>
+        </p:nvPicPr>
+        <p:blipFill>
+          <a:blip r:embed="rId4">
+            <a:extLst>
+              <a:ext uri="{28A0092B-C50C-407E-A947-70E740481C1C}">
+                <a14:useLocalDpi xmlns:a14="http://schemas.microsoft.com/office/drawing/2010/main" val="0"/>
+              </a:ext>
+            </a:extLst>
+          </a:blip>
+          <a:stretch>
+            <a:fillRect/>
+          </a:stretch>
+        </p:blipFill>
+        <p:spPr>
+          <a:xfrm>
+            <a:off x="2483768" y="3573016"/>
+            <a:ext cx="6241777" cy="1817918"/>
+          </a:xfrm>
+          <a:prstGeom prst="rect">
+            <a:avLst/>
+          </a:prstGeom>
+        </p:spPr>
+      </p:pic>
+      <p:sp>
+        <p:nvSpPr>
+          <p:cNvPr id="6" name="TextBox 5"/>
+          <p:cNvSpPr txBox="1"/>
+          <p:nvPr/>
+        </p:nvSpPr>
+        <p:spPr>
+          <a:xfrm>
+            <a:off x="827584" y="5373216"/>
+            <a:ext cx="1266743" cy="276999"/>
+          </a:xfrm>
+          <a:prstGeom prst="rect">
+            <a:avLst/>
+          </a:prstGeom>
+          <a:noFill/>
+        </p:spPr>
+        <p:txBody>
+          <a:bodyPr wrap="none" rtlCol="0">
+            <a:spAutoFit/>
+          </a:bodyPr>
+          <a:lstStyle/>
+          <a:p>
+            <a:r>
+              <a:rPr lang="en-US" sz="1200" dirty="0" smtClean="0"/>
+              <a:t>Analog Devices</a:t>
+            </a:r>
+            <a:endParaRPr lang="en-US" sz="1200" dirty="0"/>
+          </a:p>
+        </p:txBody>
+      </p:sp>
+      <p:sp>
+        <p:nvSpPr>
+          <p:cNvPr id="7" name="TextBox 6"/>
+          <p:cNvSpPr txBox="1"/>
+          <p:nvPr/>
+        </p:nvSpPr>
+        <p:spPr>
+          <a:xfrm>
+            <a:off x="8100392" y="5373216"/>
+            <a:ext cx="498303" cy="276999"/>
+          </a:xfrm>
+          <a:prstGeom prst="rect">
+            <a:avLst/>
+          </a:prstGeom>
+          <a:noFill/>
+        </p:spPr>
+        <p:txBody>
+          <a:bodyPr wrap="none" rtlCol="0">
+            <a:spAutoFit/>
+          </a:bodyPr>
+          <a:lstStyle/>
+          <a:p>
+            <a:r>
+              <a:rPr lang="en-US" sz="1200" dirty="0" smtClean="0"/>
+              <a:t>NXP</a:t>
+            </a:r>
+            <a:endParaRPr lang="en-US" sz="1200" dirty="0"/>
           </a:p>
         </p:txBody>
       </p:sp>
@@ -6067,8 +8156,12 @@
           <a:lstStyle/>
           <a:p>
             <a:r>
+              <a:rPr lang="de-CH" dirty="0"/>
+              <a:t>Software – </a:t>
+            </a:r>
+            <a:r>
               <a:rPr lang="de-CH" dirty="0" smtClean="0"/>
-              <a:t>Hardware – Prozessor</a:t>
+              <a:t>Prozesse ??? TK</a:t>
             </a:r>
             <a:endParaRPr lang="de-CH" dirty="0"/>
           </a:p>
@@ -6089,20 +8182,27 @@
           <a:bodyPr/>
           <a:lstStyle/>
           <a:p>
-            <a:endParaRPr lang="de-CH" dirty="0"/>
+            <a:endParaRPr lang="de-CH"/>
           </a:p>
         </p:txBody>
       </p:sp>
     </p:spTree>
     <p:extLst>
       <p:ext uri="{BB962C8B-B14F-4D97-AF65-F5344CB8AC3E}">
-        <p14:creationId xmlns:p14="http://schemas.microsoft.com/office/powerpoint/2010/main" val="1810721059"/>
+        <p14:creationId xmlns:p14="http://schemas.microsoft.com/office/powerpoint/2010/main" val="1260210459"/>
       </p:ext>
     </p:extLst>
   </p:cSld>
   <p:clrMapOvr>
     <a:masterClrMapping/>
   </p:clrMapOvr>
+  <p:timing>
+    <p:tnLst>
+      <p:par>
+        <p:cTn xmlns:p14="http://schemas.microsoft.com/office/powerpoint/2010/main" id="1" dur="indefinite" restart="never" nodeType="tmRoot"/>
+      </p:par>
+    </p:tnLst>
+  </p:timing>
 </p:sld>
 </file>
 
@@ -6139,64 +8239,53 @@
           <a:lstStyle/>
           <a:p>
             <a:r>
-              <a:rPr lang="de-CH" smtClean="0"/>
-              <a:t>Hardware – Bussystem</a:t>
-            </a:r>
+              <a:rPr lang="de-CH" dirty="0"/>
+              <a:t>Software – CAN-</a:t>
+            </a:r>
+            <a:r>
+              <a:rPr lang="de-CH" dirty="0" smtClean="0"/>
+              <a:t>Protokoll TK</a:t>
+            </a:r>
+            <a:endParaRPr lang="de-CH" dirty="0"/>
+          </a:p>
+        </p:txBody>
+      </p:sp>
+      <p:sp>
+        <p:nvSpPr>
+          <p:cNvPr id="3" name="Content Placeholder 2"/>
+          <p:cNvSpPr>
+            <a:spLocks noGrp="1"/>
+          </p:cNvSpPr>
+          <p:nvPr>
+            <p:ph idx="1"/>
+          </p:nvPr>
+        </p:nvSpPr>
+        <p:spPr/>
+        <p:txBody>
+          <a:bodyPr/>
+          <a:lstStyle/>
+          <a:p>
             <a:endParaRPr lang="de-CH"/>
-          </a:p>
-        </p:txBody>
-      </p:sp>
-      <p:sp>
-        <p:nvSpPr>
-          <p:cNvPr id="3" name="Content Placeholder 2"/>
-          <p:cNvSpPr>
-            <a:spLocks noGrp="1"/>
-          </p:cNvSpPr>
-          <p:nvPr>
-            <p:ph idx="1"/>
-          </p:nvPr>
-        </p:nvSpPr>
-        <p:spPr/>
-        <p:txBody>
-          <a:bodyPr/>
-          <a:lstStyle/>
-          <a:p>
-            <a:r>
-              <a:rPr lang="de-CH" dirty="0" smtClean="0"/>
-              <a:t>CAN Bus</a:t>
-            </a:r>
-          </a:p>
-          <a:p>
-            <a:r>
-              <a:rPr lang="de-CH" dirty="0" smtClean="0"/>
-              <a:t>Bandbreite</a:t>
-            </a:r>
-          </a:p>
-          <a:p>
-            <a:r>
-              <a:rPr lang="de-CH" dirty="0" smtClean="0"/>
-              <a:t>Reichweite</a:t>
-            </a:r>
-          </a:p>
-          <a:p>
-            <a:r>
-              <a:rPr lang="de-CH" dirty="0" err="1" smtClean="0"/>
-              <a:t>etc</a:t>
-            </a:r>
-            <a:endParaRPr lang="de-CH" dirty="0" smtClean="0"/>
           </a:p>
         </p:txBody>
       </p:sp>
     </p:spTree>
     <p:extLst>
       <p:ext uri="{BB962C8B-B14F-4D97-AF65-F5344CB8AC3E}">
-        <p14:creationId xmlns:p14="http://schemas.microsoft.com/office/powerpoint/2010/main" val="4035484517"/>
+        <p14:creationId xmlns:p14="http://schemas.microsoft.com/office/powerpoint/2010/main" val="924349587"/>
       </p:ext>
     </p:extLst>
   </p:cSld>
   <p:clrMapOvr>
     <a:masterClrMapping/>
   </p:clrMapOvr>
+  <p:timing>
+    <p:tnLst>
+      <p:par>
+        <p:cTn xmlns:p14="http://schemas.microsoft.com/office/powerpoint/2010/main" id="1" dur="indefinite" restart="never" nodeType="tmRoot"/>
+      </p:par>
+    </p:tnLst>
+  </p:timing>
 </p:sld>
 </file>
 
@@ -6238,7 +8327,7 @@
             </a:r>
             <a:r>
               <a:rPr lang="de-CH" dirty="0" smtClean="0"/>
-              <a:t>Prozesse ??? TK</a:t>
+              <a:t>Ereigniserkennung</a:t>
             </a:r>
             <a:endParaRPr lang="de-CH" dirty="0"/>
           </a:p>
@@ -6259,90 +8348,57 @@
           <a:bodyPr/>
           <a:lstStyle/>
           <a:p>
-            <a:endParaRPr lang="de-CH"/>
-          </a:p>
-        </p:txBody>
-      </p:sp>
-    </p:spTree>
-    <p:extLst>
-      <p:ext uri="{BB962C8B-B14F-4D97-AF65-F5344CB8AC3E}">
-        <p14:creationId xmlns:p14="http://schemas.microsoft.com/office/powerpoint/2010/main" val="1260210459"/>
-      </p:ext>
-    </p:extLst>
-  </p:cSld>
-  <p:clrMapOvr>
-    <a:masterClrMapping/>
-  </p:clrMapOvr>
-  <p:timing>
-    <p:tnLst>
-      <p:par>
-        <p:cTn xmlns:p14="http://schemas.microsoft.com/office/powerpoint/2010/main" id="1" dur="indefinite" restart="never" nodeType="tmRoot"/>
-      </p:par>
-    </p:tnLst>
-  </p:timing>
-</p:sld>
-</file>
-
-<file path=ppt/slides/slide14.xml><?xml version="1.0" encoding="utf-8"?>
-<p:sld xmlns:a="http://schemas.openxmlformats.org/drawingml/2006/main" xmlns:r="http://schemas.openxmlformats.org/officeDocument/2006/relationships" xmlns:p="http://schemas.openxmlformats.org/presentationml/2006/main">
-  <p:cSld>
-    <p:spTree>
-      <p:nvGrpSpPr>
-        <p:cNvPr id="1" name=""/>
-        <p:cNvGrpSpPr/>
-        <p:nvPr/>
-      </p:nvGrpSpPr>
-      <p:grpSpPr>
-        <a:xfrm>
-          <a:off x="0" y="0"/>
-          <a:ext cx="0" cy="0"/>
-          <a:chOff x="0" y="0"/>
-          <a:chExt cx="0" cy="0"/>
-        </a:xfrm>
-      </p:grpSpPr>
-      <p:sp>
-        <p:nvSpPr>
-          <p:cNvPr id="2" name="Title 1"/>
-          <p:cNvSpPr>
-            <a:spLocks noGrp="1"/>
-          </p:cNvSpPr>
-          <p:nvPr>
-            <p:ph type="title"/>
-          </p:nvPr>
-        </p:nvSpPr>
-        <p:spPr/>
-        <p:txBody>
-          <a:bodyPr/>
-          <a:lstStyle/>
-          <a:p>
-            <a:r>
-              <a:rPr lang="de-CH" dirty="0"/>
-              <a:t>Software – CAN-</a:t>
+            <a:r>
+              <a:rPr lang="de-CH" b="1" dirty="0" smtClean="0"/>
+              <a:t>Bisher: Hilbert-Transformation</a:t>
             </a:r>
             <a:r>
               <a:rPr lang="de-CH" dirty="0" smtClean="0"/>
-              <a:t>Protokoll TK</a:t>
-            </a:r>
-            <a:endParaRPr lang="de-CH" dirty="0"/>
-          </a:p>
-        </p:txBody>
-      </p:sp>
-      <p:sp>
-        <p:nvSpPr>
-          <p:cNvPr id="3" name="Content Placeholder 2"/>
-          <p:cNvSpPr>
-            <a:spLocks noGrp="1"/>
-          </p:cNvSpPr>
-          <p:nvPr>
-            <p:ph idx="1"/>
-          </p:nvPr>
-        </p:nvSpPr>
-        <p:spPr/>
-        <p:txBody>
-          <a:bodyPr/>
-          <a:lstStyle/>
-          <a:p>
-            <a:endParaRPr lang="de-CH"/>
+              <a:t/>
+            </a:r>
+            <a:br>
+              <a:rPr lang="de-CH" dirty="0" smtClean="0"/>
+            </a:br>
+            <a:r>
+              <a:rPr lang="de-CH" dirty="0" smtClean="0"/>
+              <a:t>Aufwand je nach Blockgrösse</a:t>
+            </a:r>
+            <a:br>
+              <a:rPr lang="de-CH" dirty="0" smtClean="0"/>
+            </a:br>
+            <a:r>
+              <a:rPr lang="de-CH" dirty="0" smtClean="0"/>
+              <a:t>Bei 128 Samples: 14 komplexe Multiplikationen/Additionen pro Sample</a:t>
+            </a:r>
+          </a:p>
+          <a:p>
+            <a:r>
+              <a:rPr lang="de-CH" b="1" dirty="0" smtClean="0"/>
+              <a:t>Neu: State </a:t>
+            </a:r>
+            <a:r>
+              <a:rPr lang="de-CH" b="1" dirty="0" err="1" smtClean="0"/>
+              <a:t>Machine</a:t>
+            </a:r>
+            <a:r>
+              <a:rPr lang="de-CH" b="1" dirty="0"/>
+              <a:t/>
+            </a:r>
+            <a:br>
+              <a:rPr lang="de-CH" b="1" dirty="0"/>
+            </a:br>
+            <a:r>
+              <a:rPr lang="de-CH" dirty="0" smtClean="0"/>
+              <a:t>Aufwand konstant</a:t>
+            </a:r>
+            <a:br>
+              <a:rPr lang="de-CH" dirty="0" smtClean="0"/>
+            </a:br>
+            <a:r>
+              <a:rPr lang="de-CH" dirty="0" smtClean="0"/>
+              <a:t>2 Vergleichsoperationen pro Sample</a:t>
+            </a:r>
+            <a:endParaRPr lang="de-CH" b="1" dirty="0" smtClean="0"/>
           </a:p>
         </p:txBody>
       </p:sp>
@@ -6366,223 +8422,7 @@
 </p:sld>
 </file>
 
-<file path=ppt/slides/slide15.xml><?xml version="1.0" encoding="utf-8"?>
-<p:sld xmlns:a="http://schemas.openxmlformats.org/drawingml/2006/main" xmlns:r="http://schemas.openxmlformats.org/officeDocument/2006/relationships" xmlns:p="http://schemas.openxmlformats.org/presentationml/2006/main">
-  <p:cSld>
-    <p:spTree>
-      <p:nvGrpSpPr>
-        <p:cNvPr id="1" name=""/>
-        <p:cNvGrpSpPr/>
-        <p:nvPr/>
-      </p:nvGrpSpPr>
-      <p:grpSpPr>
-        <a:xfrm>
-          <a:off x="0" y="0"/>
-          <a:ext cx="0" cy="0"/>
-          <a:chOff x="0" y="0"/>
-          <a:chExt cx="0" cy="0"/>
-        </a:xfrm>
-      </p:grpSpPr>
-      <p:sp>
-        <p:nvSpPr>
-          <p:cNvPr id="2" name="Title 1"/>
-          <p:cNvSpPr>
-            <a:spLocks noGrp="1"/>
-          </p:cNvSpPr>
-          <p:nvPr>
-            <p:ph type="title"/>
-          </p:nvPr>
-        </p:nvSpPr>
-        <p:spPr/>
-        <p:txBody>
-          <a:bodyPr/>
-          <a:lstStyle/>
-          <a:p>
-            <a:r>
-              <a:rPr lang="de-CH" dirty="0"/>
-              <a:t>Software – </a:t>
-            </a:r>
-            <a:r>
-              <a:rPr lang="de-CH" dirty="0" smtClean="0"/>
-              <a:t>Ereigniserkennung</a:t>
-            </a:r>
-            <a:endParaRPr lang="de-CH" dirty="0"/>
-          </a:p>
-        </p:txBody>
-      </p:sp>
-      <p:sp>
-        <p:nvSpPr>
-          <p:cNvPr id="3" name="Content Placeholder 2"/>
-          <p:cNvSpPr>
-            <a:spLocks noGrp="1"/>
-          </p:cNvSpPr>
-          <p:nvPr>
-            <p:ph idx="1"/>
-          </p:nvPr>
-        </p:nvSpPr>
-        <p:spPr/>
-        <p:txBody>
-          <a:bodyPr/>
-          <a:lstStyle/>
-          <a:p>
-            <a:r>
-              <a:rPr lang="de-CH" b="1" dirty="0" smtClean="0"/>
-              <a:t>Bisher: Hilbert-Transformation</a:t>
-            </a:r>
-            <a:r>
-              <a:rPr lang="de-CH" dirty="0" smtClean="0"/>
-              <a:t/>
-            </a:r>
-            <a:br>
-              <a:rPr lang="de-CH" dirty="0" smtClean="0"/>
-            </a:br>
-            <a:r>
-              <a:rPr lang="de-CH" dirty="0" smtClean="0"/>
-              <a:t>Aufwand je nach Blockgrösse</a:t>
-            </a:r>
-            <a:br>
-              <a:rPr lang="de-CH" dirty="0" smtClean="0"/>
-            </a:br>
-            <a:r>
-              <a:rPr lang="de-CH" dirty="0" smtClean="0"/>
-              <a:t>Bei 128 Samples: 7 komplexe Multiplikationen/Additionen pro Sample</a:t>
-            </a:r>
-          </a:p>
-          <a:p>
-            <a:r>
-              <a:rPr lang="de-CH" b="1" dirty="0" smtClean="0"/>
-              <a:t>Neu: State </a:t>
-            </a:r>
-            <a:r>
-              <a:rPr lang="de-CH" b="1" dirty="0" err="1" smtClean="0"/>
-              <a:t>Machine</a:t>
-            </a:r>
-            <a:r>
-              <a:rPr lang="de-CH" b="1" dirty="0"/>
-              <a:t/>
-            </a:r>
-            <a:br>
-              <a:rPr lang="de-CH" b="1" dirty="0"/>
-            </a:br>
-            <a:r>
-              <a:rPr lang="de-CH" dirty="0" smtClean="0"/>
-              <a:t>Aufwand konstant</a:t>
-            </a:r>
-            <a:br>
-              <a:rPr lang="de-CH" dirty="0" smtClean="0"/>
-            </a:br>
-            <a:r>
-              <a:rPr lang="de-CH" dirty="0" smtClean="0"/>
-              <a:t>2 Vergleichsoperationen pro Sample</a:t>
-            </a:r>
-            <a:endParaRPr lang="de-CH" b="1" dirty="0" smtClean="0"/>
-          </a:p>
-        </p:txBody>
-      </p:sp>
-    </p:spTree>
-    <p:extLst>
-      <p:ext uri="{BB962C8B-B14F-4D97-AF65-F5344CB8AC3E}">
-        <p14:creationId xmlns:p14="http://schemas.microsoft.com/office/powerpoint/2010/main" val="924349587"/>
-      </p:ext>
-    </p:extLst>
-  </p:cSld>
-  <p:clrMapOvr>
-    <a:masterClrMapping/>
-  </p:clrMapOvr>
-  <p:timing>
-    <p:tnLst>
-      <p:par>
-        <p:cTn xmlns:p14="http://schemas.microsoft.com/office/powerpoint/2010/main" id="1" dur="indefinite" restart="never" nodeType="tmRoot"/>
-      </p:par>
-    </p:tnLst>
-  </p:timing>
-</p:sld>
-</file>
-
-<file path=ppt/slides/slide16.xml><?xml version="1.0" encoding="utf-8"?>
-<p:sld xmlns:a="http://schemas.openxmlformats.org/drawingml/2006/main" xmlns:r="http://schemas.openxmlformats.org/officeDocument/2006/relationships" xmlns:p="http://schemas.openxmlformats.org/presentationml/2006/main">
-  <p:cSld>
-    <p:spTree>
-      <p:nvGrpSpPr>
-        <p:cNvPr id="1" name=""/>
-        <p:cNvGrpSpPr/>
-        <p:nvPr/>
-      </p:nvGrpSpPr>
-      <p:grpSpPr>
-        <a:xfrm>
-          <a:off x="0" y="0"/>
-          <a:ext cx="0" cy="0"/>
-          <a:chOff x="0" y="0"/>
-          <a:chExt cx="0" cy="0"/>
-        </a:xfrm>
-      </p:grpSpPr>
-      <p:sp>
-        <p:nvSpPr>
-          <p:cNvPr id="2" name="Title 1"/>
-          <p:cNvSpPr>
-            <a:spLocks noGrp="1"/>
-          </p:cNvSpPr>
-          <p:nvPr>
-            <p:ph type="title"/>
-          </p:nvPr>
-        </p:nvSpPr>
-        <p:spPr/>
-        <p:txBody>
-          <a:bodyPr/>
-          <a:lstStyle/>
-          <a:p>
-            <a:r>
-              <a:rPr lang="de-CH" dirty="0" smtClean="0"/>
-              <a:t>Ereigniserkennung – Parameter</a:t>
-            </a:r>
-            <a:endParaRPr lang="de-CH" dirty="0"/>
-          </a:p>
-        </p:txBody>
-      </p:sp>
-      <p:pic>
-        <p:nvPicPr>
-          <p:cNvPr id="4" name="Picture 3" descr="impact_params.png"/>
-          <p:cNvPicPr>
-            <a:picLocks noChangeAspect="1"/>
-          </p:cNvPicPr>
-          <p:nvPr/>
-        </p:nvPicPr>
-        <p:blipFill>
-          <a:blip r:embed="rId2">
-            <a:extLst>
-              <a:ext uri="{28A0092B-C50C-407E-A947-70E740481C1C}">
-                <a14:useLocalDpi xmlns:a14="http://schemas.microsoft.com/office/drawing/2010/main" val="0"/>
-              </a:ext>
-            </a:extLst>
-          </a:blip>
-          <a:stretch>
-            <a:fillRect/>
-          </a:stretch>
-        </p:blipFill>
-        <p:spPr>
-          <a:xfrm>
-            <a:off x="971600" y="1371600"/>
-            <a:ext cx="7315200" cy="5486400"/>
-          </a:xfrm>
-          <a:prstGeom prst="rect">
-            <a:avLst/>
-          </a:prstGeom>
-        </p:spPr>
-      </p:pic>
-    </p:spTree>
-    <p:extLst>
-      <p:ext uri="{BB962C8B-B14F-4D97-AF65-F5344CB8AC3E}">
-        <p14:creationId xmlns:p14="http://schemas.microsoft.com/office/powerpoint/2010/main" val="1237968806"/>
-      </p:ext>
-    </p:extLst>
-  </p:cSld>
-  <p:clrMapOvr>
-    <a:masterClrMapping/>
-  </p:clrMapOvr>
-</p:sld>
-</file>
-
-<file path=ppt/slides/slide17.xml><?xml version="1.0" encoding="utf-8"?>
+<file path=ppt/slides/slide14.xml><?xml version="1.0" encoding="utf-8"?>
 <p:sld xmlns:a="http://schemas.openxmlformats.org/drawingml/2006/main" xmlns:r="http://schemas.openxmlformats.org/officeDocument/2006/relationships" xmlns:p="http://schemas.openxmlformats.org/presentationml/2006/main">
   <p:cSld>
     <p:spTree>
@@ -6639,10 +8479,17 @@
   <p:clrMapOvr>
     <a:masterClrMapping/>
   </p:clrMapOvr>
+  <p:timing>
+    <p:tnLst>
+      <p:par>
+        <p:cTn xmlns:p14="http://schemas.microsoft.com/office/powerpoint/2010/main" id="1" dur="indefinite" restart="never" nodeType="tmRoot"/>
+      </p:par>
+    </p:tnLst>
+  </p:timing>
 </p:sld>
 </file>
 
-<file path=ppt/slides/slide18.xml><?xml version="1.0" encoding="utf-8"?>
+<file path=ppt/slides/slide15.xml><?xml version="1.0" encoding="utf-8"?>
 <p:sld xmlns:a="http://schemas.openxmlformats.org/drawingml/2006/main" xmlns:r="http://schemas.openxmlformats.org/officeDocument/2006/relationships" xmlns:p="http://schemas.openxmlformats.org/presentationml/2006/main">
   <p:cSld>
     <p:spTree>
@@ -6675,12 +8522,110 @@
           <a:lstStyle/>
           <a:p>
             <a:r>
+              <a:rPr lang="de-CH" dirty="0" smtClean="0"/>
+              <a:t>Ereigniserkennung – Parameter</a:t>
+            </a:r>
+            <a:endParaRPr lang="de-CH" dirty="0"/>
+          </a:p>
+        </p:txBody>
+      </p:sp>
+      <p:pic>
+        <p:nvPicPr>
+          <p:cNvPr id="4" name="Picture 3" descr="impact_params.png"/>
+          <p:cNvPicPr>
+            <a:picLocks noChangeAspect="1"/>
+          </p:cNvPicPr>
+          <p:nvPr/>
+        </p:nvPicPr>
+        <p:blipFill>
+          <a:blip r:embed="rId3">
+            <a:extLst>
+              <a:ext uri="{28A0092B-C50C-407E-A947-70E740481C1C}">
+                <a14:useLocalDpi xmlns:a14="http://schemas.microsoft.com/office/drawing/2010/main" val="0"/>
+              </a:ext>
+            </a:extLst>
+          </a:blip>
+          <a:stretch>
+            <a:fillRect/>
+          </a:stretch>
+        </p:blipFill>
+        <p:spPr>
+          <a:xfrm>
+            <a:off x="971600" y="1371600"/>
+            <a:ext cx="7315200" cy="5486400"/>
+          </a:xfrm>
+          <a:prstGeom prst="rect">
+            <a:avLst/>
+          </a:prstGeom>
+        </p:spPr>
+      </p:pic>
+    </p:spTree>
+    <p:extLst>
+      <p:ext uri="{BB962C8B-B14F-4D97-AF65-F5344CB8AC3E}">
+        <p14:creationId xmlns:p14="http://schemas.microsoft.com/office/powerpoint/2010/main" val="1237968806"/>
+      </p:ext>
+    </p:extLst>
+  </p:cSld>
+  <p:clrMapOvr>
+    <a:masterClrMapping/>
+  </p:clrMapOvr>
+  <p:timing>
+    <p:tnLst>
+      <p:par>
+        <p:cTn xmlns:p14="http://schemas.microsoft.com/office/powerpoint/2010/main" id="1" dur="indefinite" restart="never" nodeType="tmRoot"/>
+      </p:par>
+    </p:tnLst>
+  </p:timing>
+</p:sld>
+</file>
+
+<file path=ppt/slides/slide16.xml><?xml version="1.0" encoding="utf-8"?>
+<p:sld xmlns:a="http://schemas.openxmlformats.org/drawingml/2006/main" xmlns:r="http://schemas.openxmlformats.org/officeDocument/2006/relationships" xmlns:p="http://schemas.openxmlformats.org/presentationml/2006/main">
+  <p:cSld>
+    <p:spTree>
+      <p:nvGrpSpPr>
+        <p:cNvPr id="1" name=""/>
+        <p:cNvGrpSpPr/>
+        <p:nvPr/>
+      </p:nvGrpSpPr>
+      <p:grpSpPr>
+        <a:xfrm>
+          <a:off x="0" y="0"/>
+          <a:ext cx="0" cy="0"/>
+          <a:chOff x="0" y="0"/>
+          <a:chExt cx="0" cy="0"/>
+        </a:xfrm>
+      </p:grpSpPr>
+      <p:sp>
+        <p:nvSpPr>
+          <p:cNvPr id="2" name="Title 1"/>
+          <p:cNvSpPr>
+            <a:spLocks noGrp="1"/>
+          </p:cNvSpPr>
+          <p:nvPr>
+            <p:ph type="title"/>
+          </p:nvPr>
+        </p:nvSpPr>
+        <p:spPr/>
+        <p:txBody>
+          <a:bodyPr/>
+          <a:lstStyle/>
+          <a:p>
+            <a:r>
               <a:rPr lang="de-CH" dirty="0"/>
               <a:t>Software – </a:t>
             </a:r>
             <a:r>
               <a:rPr lang="de-CH" dirty="0" smtClean="0"/>
-              <a:t>Detailstufen</a:t>
+              <a:t>Detailstufen: ‚</a:t>
+            </a:r>
+            <a:r>
+              <a:rPr lang="de-CH" dirty="0" err="1" smtClean="0"/>
+              <a:t>raw</a:t>
+            </a:r>
+            <a:r>
+              <a:rPr lang="de-CH" dirty="0" smtClean="0"/>
+              <a:t>‘</a:t>
             </a:r>
             <a:endParaRPr lang="de-CH" dirty="0"/>
           </a:p>
@@ -6695,7 +8640,7 @@
           <p:nvPr/>
         </p:nvPicPr>
         <p:blipFill>
-          <a:blip r:embed="rId2">
+          <a:blip r:embed="rId3">
             <a:extLst>
               <a:ext uri="{28A0092B-C50C-407E-A947-70E740481C1C}">
                 <a14:useLocalDpi xmlns:a14="http://schemas.microsoft.com/office/drawing/2010/main" val="0"/>
@@ -6736,7 +8681,7 @@
 </p:sld>
 </file>
 
-<file path=ppt/slides/slide19.xml><?xml version="1.0" encoding="utf-8"?>
+<file path=ppt/slides/slide17.xml><?xml version="1.0" encoding="utf-8"?>
 <p:sld xmlns:a="http://schemas.openxmlformats.org/drawingml/2006/main" xmlns:r="http://schemas.openxmlformats.org/officeDocument/2006/relationships" xmlns:p="http://schemas.openxmlformats.org/presentationml/2006/main">
   <p:cSld>
     <p:spTree>
@@ -6777,12 +8722,16 @@
               <a:t>– </a:t>
             </a:r>
             <a:r>
-              <a:rPr lang="de-CH" dirty="0"/>
-              <a:t>Detailstufen </a:t>
-            </a:r>
-            <a:r>
               <a:rPr lang="de-CH" dirty="0" smtClean="0"/>
-              <a:t>(2)</a:t>
+              <a:t>Detailstufen: ‚</a:t>
+            </a:r>
+            <a:r>
+              <a:rPr lang="de-CH" dirty="0" err="1" smtClean="0"/>
+              <a:t>detailed</a:t>
+            </a:r>
+            <a:r>
+              <a:rPr lang="de-CH" dirty="0" smtClean="0"/>
+              <a:t>‘</a:t>
             </a:r>
             <a:endParaRPr lang="de-CH" dirty="0"/>
           </a:p>
@@ -6797,7 +8746,7 @@
           <p:nvPr/>
         </p:nvPicPr>
         <p:blipFill>
-          <a:blip r:embed="rId2">
+          <a:blip r:embed="rId3">
             <a:extLst>
               <a:ext uri="{28A0092B-C50C-407E-A947-70E740481C1C}">
                 <a14:useLocalDpi xmlns:a14="http://schemas.microsoft.com/office/drawing/2010/main" val="0"/>
@@ -6838,7 +8787,7 @@
 </p:sld>
 </file>
 
-<file path=ppt/slides/slide2.xml><?xml version="1.0" encoding="utf-8"?>
+<file path=ppt/slides/slide18.xml><?xml version="1.0" encoding="utf-8"?>
 <p:sld xmlns:a="http://schemas.openxmlformats.org/drawingml/2006/main" xmlns:r="http://schemas.openxmlformats.org/officeDocument/2006/relationships" xmlns:p="http://schemas.openxmlformats.org/presentationml/2006/main">
   <p:cSld>
     <p:spTree>
@@ -6871,144 +8820,6 @@
           <a:lstStyle/>
           <a:p>
             <a:r>
-              <a:rPr lang="de-CH" smtClean="0"/>
-              <a:t>Inhalt</a:t>
-            </a:r>
-            <a:endParaRPr lang="de-CH"/>
-          </a:p>
-        </p:txBody>
-      </p:sp>
-      <p:sp>
-        <p:nvSpPr>
-          <p:cNvPr id="3" name="Content Placeholder 2"/>
-          <p:cNvSpPr>
-            <a:spLocks noGrp="1"/>
-          </p:cNvSpPr>
-          <p:nvPr>
-            <p:ph idx="1"/>
-          </p:nvPr>
-        </p:nvSpPr>
-        <p:spPr/>
-        <p:txBody>
-          <a:bodyPr/>
-          <a:lstStyle/>
-          <a:p>
-            <a:pPr marL="514350" indent="-514350">
-              <a:buFont typeface="+mj-lt"/>
-              <a:buAutoNum type="arabicPeriod"/>
-            </a:pPr>
-            <a:r>
-              <a:rPr lang="de-CH" dirty="0" smtClean="0"/>
-              <a:t>Problemstellung</a:t>
-            </a:r>
-          </a:p>
-          <a:p>
-            <a:pPr marL="514350" indent="-514350">
-              <a:buFont typeface="+mj-lt"/>
-              <a:buAutoNum type="arabicPeriod"/>
-            </a:pPr>
-            <a:r>
-              <a:rPr lang="de-CH" dirty="0" smtClean="0"/>
-              <a:t>Lösungsidee</a:t>
-            </a:r>
-          </a:p>
-          <a:p>
-            <a:pPr marL="514350" indent="-514350">
-              <a:buFont typeface="+mj-lt"/>
-              <a:buAutoNum type="arabicPeriod"/>
-            </a:pPr>
-            <a:r>
-              <a:rPr lang="de-CH" dirty="0" smtClean="0"/>
-              <a:t>Hardware</a:t>
-            </a:r>
-          </a:p>
-          <a:p>
-            <a:pPr marL="514350" indent="-514350">
-              <a:buFont typeface="+mj-lt"/>
-              <a:buAutoNum type="arabicPeriod"/>
-            </a:pPr>
-            <a:r>
-              <a:rPr lang="de-CH" dirty="0" smtClean="0"/>
-              <a:t>Software</a:t>
-            </a:r>
-          </a:p>
-          <a:p>
-            <a:pPr marL="514350" indent="-514350">
-              <a:buFont typeface="+mj-lt"/>
-              <a:buAutoNum type="arabicPeriod"/>
-            </a:pPr>
-            <a:r>
-              <a:rPr lang="de-CH" dirty="0" smtClean="0"/>
-              <a:t>Testfälle</a:t>
-            </a:r>
-            <a:endParaRPr lang="de-CH" dirty="0" smtClean="0"/>
-          </a:p>
-          <a:p>
-            <a:pPr marL="514350" indent="-514350">
-              <a:buFont typeface="+mj-lt"/>
-              <a:buAutoNum type="arabicPeriod"/>
-            </a:pPr>
-            <a:r>
-              <a:rPr lang="de-CH" dirty="0" smtClean="0"/>
-              <a:t>Demonstration</a:t>
-            </a:r>
-            <a:endParaRPr lang="de-CH" dirty="0"/>
-          </a:p>
-        </p:txBody>
-      </p:sp>
-    </p:spTree>
-    <p:extLst>
-      <p:ext uri="{BB962C8B-B14F-4D97-AF65-F5344CB8AC3E}">
-        <p14:creationId xmlns:p14="http://schemas.microsoft.com/office/powerpoint/2010/main" val="3008796813"/>
-      </p:ext>
-    </p:extLst>
-  </p:cSld>
-  <p:clrMapOvr>
-    <a:masterClrMapping/>
-  </p:clrMapOvr>
-  <p:timing>
-    <p:tnLst>
-      <p:par>
-        <p:cTn xmlns:p14="http://schemas.microsoft.com/office/powerpoint/2010/main" id="1" dur="indefinite" restart="never" nodeType="tmRoot"/>
-      </p:par>
-    </p:tnLst>
-  </p:timing>
-</p:sld>
-</file>
-
-<file path=ppt/slides/slide20.xml><?xml version="1.0" encoding="utf-8"?>
-<p:sld xmlns:a="http://schemas.openxmlformats.org/drawingml/2006/main" xmlns:r="http://schemas.openxmlformats.org/officeDocument/2006/relationships" xmlns:p="http://schemas.openxmlformats.org/presentationml/2006/main">
-  <p:cSld>
-    <p:spTree>
-      <p:nvGrpSpPr>
-        <p:cNvPr id="1" name=""/>
-        <p:cNvGrpSpPr/>
-        <p:nvPr/>
-      </p:nvGrpSpPr>
-      <p:grpSpPr>
-        <a:xfrm>
-          <a:off x="0" y="0"/>
-          <a:ext cx="0" cy="0"/>
-          <a:chOff x="0" y="0"/>
-          <a:chExt cx="0" cy="0"/>
-        </a:xfrm>
-      </p:grpSpPr>
-      <p:sp>
-        <p:nvSpPr>
-          <p:cNvPr id="2" name="Title 1"/>
-          <p:cNvSpPr>
-            <a:spLocks noGrp="1"/>
-          </p:cNvSpPr>
-          <p:nvPr>
-            <p:ph type="title"/>
-          </p:nvPr>
-        </p:nvSpPr>
-        <p:spPr/>
-        <p:txBody>
-          <a:bodyPr/>
-          <a:lstStyle/>
-          <a:p>
-            <a:r>
               <a:rPr lang="de-CH" dirty="0"/>
               <a:t>Software </a:t>
             </a:r>
@@ -7017,12 +8828,16 @@
               <a:t>– </a:t>
             </a:r>
             <a:r>
-              <a:rPr lang="de-CH" dirty="0"/>
-              <a:t>Detailstufen </a:t>
-            </a:r>
-            <a:r>
               <a:rPr lang="de-CH" dirty="0" smtClean="0"/>
-              <a:t>(3)</a:t>
+              <a:t>Detailstufen: ‚</a:t>
+            </a:r>
+            <a:r>
+              <a:rPr lang="de-CH" dirty="0" err="1" smtClean="0"/>
+              <a:t>peaks</a:t>
+            </a:r>
+            <a:r>
+              <a:rPr lang="de-CH" dirty="0" smtClean="0"/>
+              <a:t>‘</a:t>
             </a:r>
             <a:endParaRPr lang="de-CH" dirty="0"/>
           </a:p>
@@ -7037,7 +8852,7 @@
           <p:nvPr/>
         </p:nvPicPr>
         <p:blipFill>
-          <a:blip r:embed="rId2">
+          <a:blip r:embed="rId3">
             <a:extLst>
               <a:ext uri="{28A0092B-C50C-407E-A947-70E740481C1C}">
                 <a14:useLocalDpi xmlns:a14="http://schemas.microsoft.com/office/drawing/2010/main" val="0"/>
@@ -7078,7 +8893,7 @@
 </p:sld>
 </file>
 
-<file path=ppt/slides/slide21.xml><?xml version="1.0" encoding="utf-8"?>
+<file path=ppt/slides/slide19.xml><?xml version="1.0" encoding="utf-8"?>
 <p:sld xmlns:a="http://schemas.openxmlformats.org/drawingml/2006/main" xmlns:r="http://schemas.openxmlformats.org/officeDocument/2006/relationships" xmlns:p="http://schemas.openxmlformats.org/presentationml/2006/main">
   <p:cSld>
     <p:spTree>
@@ -7119,12 +8934,16 @@
               <a:t>– </a:t>
             </a:r>
             <a:r>
-              <a:rPr lang="de-CH" dirty="0"/>
-              <a:t>Detailstufen </a:t>
-            </a:r>
-            <a:r>
               <a:rPr lang="de-CH" dirty="0" smtClean="0"/>
-              <a:t>(4)</a:t>
+              <a:t>Detailstufen: ‚</a:t>
+            </a:r>
+            <a:r>
+              <a:rPr lang="de-CH" dirty="0" err="1" smtClean="0"/>
+              <a:t>sparse</a:t>
+            </a:r>
+            <a:r>
+              <a:rPr lang="de-CH" dirty="0" smtClean="0"/>
+              <a:t>‘</a:t>
             </a:r>
             <a:endParaRPr lang="de-CH" dirty="0"/>
           </a:p>
@@ -7139,7 +8958,7 @@
           <p:nvPr/>
         </p:nvPicPr>
         <p:blipFill>
-          <a:blip r:embed="rId2">
+          <a:blip r:embed="rId3">
             <a:extLst>
               <a:ext uri="{28A0092B-C50C-407E-A947-70E740481C1C}">
                 <a14:useLocalDpi xmlns:a14="http://schemas.microsoft.com/office/drawing/2010/main" val="0"/>
@@ -7180,7 +8999,145 @@
 </p:sld>
 </file>
 
-<file path=ppt/slides/slide22.xml><?xml version="1.0" encoding="utf-8"?>
+<file path=ppt/slides/slide2.xml><?xml version="1.0" encoding="utf-8"?>
+<p:sld xmlns:a="http://schemas.openxmlformats.org/drawingml/2006/main" xmlns:r="http://schemas.openxmlformats.org/officeDocument/2006/relationships" xmlns:p="http://schemas.openxmlformats.org/presentationml/2006/main">
+  <p:cSld>
+    <p:spTree>
+      <p:nvGrpSpPr>
+        <p:cNvPr id="1" name=""/>
+        <p:cNvGrpSpPr/>
+        <p:nvPr/>
+      </p:nvGrpSpPr>
+      <p:grpSpPr>
+        <a:xfrm>
+          <a:off x="0" y="0"/>
+          <a:ext cx="0" cy="0"/>
+          <a:chOff x="0" y="0"/>
+          <a:chExt cx="0" cy="0"/>
+        </a:xfrm>
+      </p:grpSpPr>
+      <p:sp>
+        <p:nvSpPr>
+          <p:cNvPr id="2" name="Title 1"/>
+          <p:cNvSpPr>
+            <a:spLocks noGrp="1"/>
+          </p:cNvSpPr>
+          <p:nvPr>
+            <p:ph type="title"/>
+          </p:nvPr>
+        </p:nvSpPr>
+        <p:spPr/>
+        <p:txBody>
+          <a:bodyPr/>
+          <a:lstStyle/>
+          <a:p>
+            <a:r>
+              <a:rPr lang="de-CH" smtClean="0"/>
+              <a:t>Inhalt</a:t>
+            </a:r>
+            <a:endParaRPr lang="de-CH"/>
+          </a:p>
+        </p:txBody>
+      </p:sp>
+      <p:sp>
+        <p:nvSpPr>
+          <p:cNvPr id="3" name="Content Placeholder 2"/>
+          <p:cNvSpPr>
+            <a:spLocks noGrp="1"/>
+          </p:cNvSpPr>
+          <p:nvPr>
+            <p:ph idx="1"/>
+          </p:nvPr>
+        </p:nvSpPr>
+        <p:spPr/>
+        <p:txBody>
+          <a:bodyPr/>
+          <a:lstStyle/>
+          <a:p>
+            <a:pPr marL="514350" indent="-514350">
+              <a:buFont typeface="+mj-lt"/>
+              <a:buAutoNum type="arabicPeriod"/>
+            </a:pPr>
+            <a:r>
+              <a:rPr lang="de-CH" dirty="0" smtClean="0"/>
+              <a:t>Problemstellung</a:t>
+            </a:r>
+          </a:p>
+          <a:p>
+            <a:pPr marL="514350" indent="-514350">
+              <a:buFont typeface="+mj-lt"/>
+              <a:buAutoNum type="arabicPeriod"/>
+            </a:pPr>
+            <a:r>
+              <a:rPr lang="de-CH" dirty="0" smtClean="0"/>
+              <a:t>Lösungsidee</a:t>
+            </a:r>
+          </a:p>
+          <a:p>
+            <a:pPr marL="514350" indent="-514350">
+              <a:buFont typeface="+mj-lt"/>
+              <a:buAutoNum type="arabicPeriod"/>
+            </a:pPr>
+            <a:r>
+              <a:rPr lang="de-CH" dirty="0" smtClean="0"/>
+              <a:t>Hardware</a:t>
+            </a:r>
+          </a:p>
+          <a:p>
+            <a:pPr marL="514350" indent="-514350">
+              <a:buFont typeface="+mj-lt"/>
+              <a:buAutoNum type="arabicPeriod"/>
+            </a:pPr>
+            <a:r>
+              <a:rPr lang="de-CH" dirty="0" smtClean="0"/>
+              <a:t>Software</a:t>
+            </a:r>
+          </a:p>
+          <a:p>
+            <a:pPr marL="514350" indent="-514350">
+              <a:buFont typeface="+mj-lt"/>
+              <a:buAutoNum type="arabicPeriod"/>
+            </a:pPr>
+            <a:r>
+              <a:rPr lang="de-CH" dirty="0" smtClean="0"/>
+              <a:t>Testfälle</a:t>
+            </a:r>
+            <a:endParaRPr lang="de-CH" dirty="0" smtClean="0"/>
+          </a:p>
+          <a:p>
+            <a:pPr marL="514350" indent="-514350">
+              <a:buFont typeface="+mj-lt"/>
+              <a:buAutoNum type="arabicPeriod"/>
+            </a:pPr>
+            <a:r>
+              <a:rPr lang="de-CH" dirty="0" smtClean="0"/>
+              <a:t>Demonstration</a:t>
+            </a:r>
+            <a:endParaRPr lang="de-CH" dirty="0"/>
+          </a:p>
+        </p:txBody>
+      </p:sp>
+    </p:spTree>
+    <p:extLst>
+      <p:ext uri="{BB962C8B-B14F-4D97-AF65-F5344CB8AC3E}">
+        <p14:creationId xmlns:p14="http://schemas.microsoft.com/office/powerpoint/2010/main" val="3008796813"/>
+      </p:ext>
+    </p:extLst>
+  </p:cSld>
+  <p:clrMapOvr>
+    <a:masterClrMapping/>
+  </p:clrMapOvr>
+  <p:timing>
+    <p:tnLst>
+      <p:par>
+        <p:cTn xmlns:p14="http://schemas.microsoft.com/office/powerpoint/2010/main" id="1" dur="indefinite" restart="never" nodeType="tmRoot"/>
+      </p:par>
+    </p:tnLst>
+  </p:timing>
+</p:sld>
+</file>
+
+<file path=ppt/slides/slide20.xml><?xml version="1.0" encoding="utf-8"?>
 <p:sld xmlns:a="http://schemas.openxmlformats.org/drawingml/2006/main" xmlns:r="http://schemas.openxmlformats.org/officeDocument/2006/relationships" xmlns:p="http://schemas.openxmlformats.org/presentationml/2006/main">
   <p:cSld>
     <p:spTree>
@@ -7518,6 +9475,371 @@
   <p:clrMapOvr>
     <a:masterClrMapping/>
   </p:clrMapOvr>
+  <p:timing>
+    <p:tnLst>
+      <p:par>
+        <p:cTn xmlns:p14="http://schemas.microsoft.com/office/powerpoint/2010/main" id="1" dur="indefinite" restart="never" nodeType="tmRoot"/>
+      </p:par>
+    </p:tnLst>
+  </p:timing>
+</p:sld>
+</file>
+
+<file path=ppt/slides/slide21.xml><?xml version="1.0" encoding="utf-8"?>
+<p:sld xmlns:a="http://schemas.openxmlformats.org/drawingml/2006/main" xmlns:r="http://schemas.openxmlformats.org/officeDocument/2006/relationships" xmlns:p="http://schemas.openxmlformats.org/presentationml/2006/main">
+  <p:cSld>
+    <p:spTree>
+      <p:nvGrpSpPr>
+        <p:cNvPr id="1" name=""/>
+        <p:cNvGrpSpPr/>
+        <p:nvPr/>
+      </p:nvGrpSpPr>
+      <p:grpSpPr>
+        <a:xfrm>
+          <a:off x="0" y="0"/>
+          <a:ext cx="0" cy="0"/>
+          <a:chOff x="0" y="0"/>
+          <a:chExt cx="0" cy="0"/>
+        </a:xfrm>
+      </p:grpSpPr>
+      <p:sp>
+        <p:nvSpPr>
+          <p:cNvPr id="2" name="Title 1"/>
+          <p:cNvSpPr>
+            <a:spLocks noGrp="1"/>
+          </p:cNvSpPr>
+          <p:nvPr>
+            <p:ph type="title"/>
+          </p:nvPr>
+        </p:nvSpPr>
+        <p:spPr/>
+        <p:txBody>
+          <a:bodyPr/>
+          <a:lstStyle/>
+          <a:p>
+            <a:r>
+              <a:rPr lang="de-CH" dirty="0" smtClean="0"/>
+              <a:t>Testfälle – Datenlogger</a:t>
+            </a:r>
+            <a:endParaRPr lang="de-CH" dirty="0"/>
+          </a:p>
+        </p:txBody>
+      </p:sp>
+      <p:sp>
+        <p:nvSpPr>
+          <p:cNvPr id="3" name="Content Placeholder 2"/>
+          <p:cNvSpPr>
+            <a:spLocks noGrp="1"/>
+          </p:cNvSpPr>
+          <p:nvPr>
+            <p:ph idx="1"/>
+          </p:nvPr>
+        </p:nvSpPr>
+        <p:spPr/>
+        <p:txBody>
+          <a:bodyPr/>
+          <a:lstStyle/>
+          <a:p>
+            <a:r>
+              <a:rPr lang="de-CH" dirty="0" smtClean="0">
+                <a:latin typeface="Zapf Dingbats"/>
+                <a:ea typeface="Zapf Dingbats"/>
+                <a:cs typeface="Zapf Dingbats"/>
+                <a:sym typeface="Zapf Dingbats"/>
+              </a:rPr>
+              <a:t>✔</a:t>
+            </a:r>
+            <a:r>
+              <a:rPr lang="de-CH" dirty="0">
+                <a:sym typeface="Zapf Dingbats"/>
+              </a:rPr>
+              <a:t> </a:t>
+            </a:r>
+            <a:r>
+              <a:rPr lang="de-CH" dirty="0" smtClean="0"/>
+              <a:t>T130 interne Uhr</a:t>
+            </a:r>
+            <a:br>
+              <a:rPr lang="de-CH" dirty="0" smtClean="0"/>
+            </a:br>
+            <a:r>
+              <a:rPr lang="de-CH" dirty="0" smtClean="0"/>
+              <a:t>Fehlgang innert 12 h: &lt; 1 s</a:t>
+            </a:r>
+            <a:endParaRPr lang="de-CH" dirty="0"/>
+          </a:p>
+          <a:p>
+            <a:r>
+              <a:rPr lang="de-CH" dirty="0">
+                <a:latin typeface="Zapf Dingbats"/>
+                <a:ea typeface="Zapf Dingbats"/>
+                <a:cs typeface="Zapf Dingbats"/>
+                <a:sym typeface="Zapf Dingbats"/>
+              </a:rPr>
+              <a:t>✔</a:t>
+            </a:r>
+            <a:r>
+              <a:rPr lang="de-CH" dirty="0">
+                <a:sym typeface="Zapf Dingbats"/>
+              </a:rPr>
+              <a:t> </a:t>
+            </a:r>
+            <a:r>
+              <a:rPr lang="de-CH" dirty="0" smtClean="0"/>
+              <a:t>T140 </a:t>
+            </a:r>
+            <a:r>
+              <a:rPr lang="de-CH" dirty="0" err="1"/>
+              <a:t>Timestamp</a:t>
+            </a:r>
+            <a:r>
+              <a:rPr lang="de-CH" dirty="0"/>
+              <a:t> </a:t>
+            </a:r>
+            <a:r>
+              <a:rPr lang="de-CH" dirty="0" err="1" smtClean="0"/>
+              <a:t>zurücksetzen</a:t>
+            </a:r>
+            <a:r>
+              <a:rPr lang="de-CH" dirty="0" smtClean="0"/>
+              <a:t/>
+            </a:r>
+            <a:br>
+              <a:rPr lang="de-CH" dirty="0" smtClean="0"/>
+            </a:br>
+            <a:r>
+              <a:rPr lang="de-CH" dirty="0" smtClean="0"/>
+              <a:t>Wird korrekt zurückgesetzt</a:t>
+            </a:r>
+            <a:endParaRPr lang="de-CH" dirty="0"/>
+          </a:p>
+          <a:p>
+            <a:r>
+              <a:rPr lang="de-CH" dirty="0">
+                <a:latin typeface="Zapf Dingbats"/>
+                <a:ea typeface="Zapf Dingbats"/>
+                <a:cs typeface="Zapf Dingbats"/>
+                <a:sym typeface="Zapf Dingbats"/>
+              </a:rPr>
+              <a:t>✔</a:t>
+            </a:r>
+            <a:r>
+              <a:rPr lang="de-CH" dirty="0">
+                <a:sym typeface="Zapf Dingbats"/>
+              </a:rPr>
+              <a:t> </a:t>
+            </a:r>
+            <a:r>
+              <a:rPr lang="de-CH" dirty="0" smtClean="0"/>
+              <a:t>T170 </a:t>
+            </a:r>
+            <a:r>
+              <a:rPr lang="de-CH" dirty="0"/>
+              <a:t>Steuerung Detail-</a:t>
+            </a:r>
+            <a:r>
+              <a:rPr lang="de-CH" dirty="0" smtClean="0"/>
+              <a:t>Level</a:t>
+            </a:r>
+            <a:br>
+              <a:rPr lang="de-CH" dirty="0" smtClean="0"/>
+            </a:br>
+            <a:r>
+              <a:rPr lang="de-CH" dirty="0" smtClean="0"/>
+              <a:t>Detail-Level wird übernommen.</a:t>
+            </a:r>
+            <a:endParaRPr lang="de-CH" dirty="0"/>
+          </a:p>
+          <a:p>
+            <a:r>
+              <a:rPr lang="de-CH" dirty="0">
+                <a:latin typeface="Zapf Dingbats"/>
+                <a:ea typeface="Zapf Dingbats"/>
+                <a:cs typeface="Zapf Dingbats"/>
+                <a:sym typeface="Zapf Dingbats"/>
+              </a:rPr>
+              <a:t>✔</a:t>
+            </a:r>
+            <a:r>
+              <a:rPr lang="de-CH" dirty="0">
+                <a:sym typeface="Zapf Dingbats"/>
+              </a:rPr>
+              <a:t> </a:t>
+            </a:r>
+            <a:r>
+              <a:rPr lang="de-CH" dirty="0" smtClean="0"/>
+              <a:t>T180 </a:t>
+            </a:r>
+            <a:r>
+              <a:rPr lang="de-CH" dirty="0"/>
+              <a:t>Daten sammeln und </a:t>
+            </a:r>
+            <a:r>
+              <a:rPr lang="de-CH" dirty="0" smtClean="0"/>
+              <a:t>speichern</a:t>
+            </a:r>
+            <a:br>
+              <a:rPr lang="de-CH" dirty="0" smtClean="0"/>
+            </a:br>
+            <a:r>
+              <a:rPr lang="de-CH" dirty="0" smtClean="0"/>
+              <a:t>Dateien erstellt, Daten gespeichert.</a:t>
+            </a:r>
+            <a:endParaRPr lang="de-CH" dirty="0"/>
+          </a:p>
+          <a:p>
+            <a:endParaRPr lang="de-CH" dirty="0"/>
+          </a:p>
+        </p:txBody>
+      </p:sp>
+    </p:spTree>
+    <p:extLst>
+      <p:ext uri="{BB962C8B-B14F-4D97-AF65-F5344CB8AC3E}">
+        <p14:creationId xmlns:p14="http://schemas.microsoft.com/office/powerpoint/2010/main" val="3748049790"/>
+      </p:ext>
+    </p:extLst>
+  </p:cSld>
+  <p:clrMapOvr>
+    <a:masterClrMapping/>
+  </p:clrMapOvr>
+  <p:timing>
+    <p:tnLst>
+      <p:par>
+        <p:cTn xmlns:p14="http://schemas.microsoft.com/office/powerpoint/2010/main" id="1" dur="indefinite" restart="never" nodeType="tmRoot"/>
+      </p:par>
+    </p:tnLst>
+  </p:timing>
+</p:sld>
+</file>
+
+<file path=ppt/slides/slide22.xml><?xml version="1.0" encoding="utf-8"?>
+<p:sld xmlns:a="http://schemas.openxmlformats.org/drawingml/2006/main" xmlns:r="http://schemas.openxmlformats.org/officeDocument/2006/relationships" xmlns:p="http://schemas.openxmlformats.org/presentationml/2006/main">
+  <p:cSld>
+    <p:spTree>
+      <p:nvGrpSpPr>
+        <p:cNvPr id="1" name=""/>
+        <p:cNvGrpSpPr/>
+        <p:nvPr/>
+      </p:nvGrpSpPr>
+      <p:grpSpPr>
+        <a:xfrm>
+          <a:off x="0" y="0"/>
+          <a:ext cx="0" cy="0"/>
+          <a:chOff x="0" y="0"/>
+          <a:chExt cx="0" cy="0"/>
+        </a:xfrm>
+      </p:grpSpPr>
+      <p:sp>
+        <p:nvSpPr>
+          <p:cNvPr id="2" name="Title 1"/>
+          <p:cNvSpPr>
+            <a:spLocks noGrp="1"/>
+          </p:cNvSpPr>
+          <p:nvPr>
+            <p:ph type="title"/>
+          </p:nvPr>
+        </p:nvSpPr>
+        <p:spPr/>
+        <p:txBody>
+          <a:bodyPr/>
+          <a:lstStyle/>
+          <a:p>
+            <a:r>
+              <a:rPr lang="de-CH" dirty="0" smtClean="0"/>
+              <a:t>Testfälle – Sensoreinheit</a:t>
+            </a:r>
+            <a:endParaRPr lang="de-CH" dirty="0"/>
+          </a:p>
+        </p:txBody>
+      </p:sp>
+      <p:sp>
+        <p:nvSpPr>
+          <p:cNvPr id="3" name="Content Placeholder 2"/>
+          <p:cNvSpPr>
+            <a:spLocks noGrp="1"/>
+          </p:cNvSpPr>
+          <p:nvPr>
+            <p:ph idx="1"/>
+          </p:nvPr>
+        </p:nvSpPr>
+        <p:spPr/>
+        <p:txBody>
+          <a:bodyPr/>
+          <a:lstStyle/>
+          <a:p>
+            <a:r>
+              <a:rPr lang="de-CH" dirty="0">
+                <a:latin typeface="Zapf Dingbats"/>
+                <a:ea typeface="Zapf Dingbats"/>
+                <a:cs typeface="Zapf Dingbats"/>
+                <a:sym typeface="Zapf Dingbats"/>
+              </a:rPr>
+              <a:t>✔</a:t>
+            </a:r>
+            <a:r>
+              <a:rPr lang="de-CH" dirty="0">
+                <a:sym typeface="Zapf Dingbats"/>
+              </a:rPr>
+              <a:t> </a:t>
+            </a:r>
+            <a:r>
+              <a:rPr lang="de-CH" dirty="0" smtClean="0"/>
+              <a:t>T430 </a:t>
+            </a:r>
+            <a:r>
+              <a:rPr lang="de-CH" dirty="0" err="1" smtClean="0"/>
+              <a:t>Datenübertragung</a:t>
+            </a:r>
+            <a:r>
+              <a:rPr lang="de-CH" dirty="0" smtClean="0"/>
+              <a:t/>
+            </a:r>
+            <a:br>
+              <a:rPr lang="de-CH" dirty="0" smtClean="0"/>
+            </a:br>
+            <a:r>
+              <a:rPr lang="de-CH" dirty="0" smtClean="0"/>
+              <a:t>Ereignisse entsprechend Detail-Level gespeichert</a:t>
+            </a:r>
+            <a:endParaRPr lang="de-CH" dirty="0"/>
+          </a:p>
+          <a:p>
+            <a:r>
+              <a:rPr lang="de-CH" dirty="0"/>
+              <a:t>T450 </a:t>
+            </a:r>
+            <a:r>
+              <a:rPr lang="de-CH" dirty="0" smtClean="0"/>
+              <a:t>Rohdatenaufzeichnung</a:t>
+            </a:r>
+            <a:br>
+              <a:rPr lang="de-CH" dirty="0" smtClean="0"/>
+            </a:br>
+            <a:r>
+              <a:rPr lang="de-CH" dirty="0" smtClean="0"/>
+              <a:t>TODO</a:t>
+            </a:r>
+            <a:endParaRPr lang="de-CH" dirty="0"/>
+          </a:p>
+        </p:txBody>
+      </p:sp>
+    </p:spTree>
+    <p:extLst>
+      <p:ext uri="{BB962C8B-B14F-4D97-AF65-F5344CB8AC3E}">
+        <p14:creationId xmlns:p14="http://schemas.microsoft.com/office/powerpoint/2010/main" val="1870321715"/>
+      </p:ext>
+    </p:extLst>
+  </p:cSld>
+  <p:clrMapOvr>
+    <a:masterClrMapping/>
+  </p:clrMapOvr>
+  <p:timing>
+    <p:tnLst>
+      <p:par>
+        <p:cTn xmlns:p14="http://schemas.microsoft.com/office/powerpoint/2010/main" id="1" dur="indefinite" restart="never" nodeType="tmRoot"/>
+      </p:par>
+    </p:tnLst>
+  </p:timing>
 </p:sld>
 </file>
 
@@ -7555,7 +9877,7 @@
           <a:p>
             <a:r>
               <a:rPr lang="de-CH" dirty="0" smtClean="0"/>
-              <a:t>Testfälle – Datenlogger</a:t>
+              <a:t>Testfälle – Nichtfunktional</a:t>
             </a:r>
             <a:endParaRPr lang="de-CH" dirty="0"/>
           </a:p>
@@ -7577,153 +9899,16 @@
           <a:lstStyle/>
           <a:p>
             <a:r>
-              <a:rPr lang="de-CH" dirty="0" smtClean="0">
-                <a:latin typeface="Zapf Dingbats"/>
-                <a:ea typeface="Zapf Dingbats"/>
-                <a:cs typeface="Zapf Dingbats"/>
-                <a:sym typeface="Zapf Dingbats"/>
-              </a:rPr>
-              <a:t>✔</a:t>
-            </a:r>
-            <a:r>
-              <a:rPr lang="de-CH" dirty="0">
-                <a:sym typeface="Zapf Dingbats"/>
-              </a:rPr>
-              <a:t> </a:t>
-            </a:r>
-            <a:r>
               <a:rPr lang="de-CH" dirty="0" smtClean="0"/>
-              <a:t>T130 Uhrzeit</a:t>
+              <a:t>Leistungsaufnahme</a:t>
             </a:r>
             <a:br>
               <a:rPr lang="de-CH" dirty="0" smtClean="0"/>
             </a:br>
             <a:r>
               <a:rPr lang="de-CH" dirty="0" smtClean="0"/>
-              <a:t>Fehlgang innert 12 h: TODO</a:t>
-            </a:r>
-            <a:endParaRPr lang="de-CH" dirty="0"/>
-          </a:p>
-          <a:p>
-            <a:r>
-              <a:rPr lang="de-CH" dirty="0">
-                <a:latin typeface="Zapf Dingbats"/>
-                <a:ea typeface="Zapf Dingbats"/>
-                <a:cs typeface="Zapf Dingbats"/>
-                <a:sym typeface="Zapf Dingbats"/>
-              </a:rPr>
-              <a:t>✔</a:t>
-            </a:r>
-            <a:r>
-              <a:rPr lang="de-CH" dirty="0">
-                <a:sym typeface="Zapf Dingbats"/>
-              </a:rPr>
-              <a:t> </a:t>
-            </a:r>
-            <a:r>
-              <a:rPr lang="de-CH" dirty="0" smtClean="0"/>
-              <a:t>T140 </a:t>
-            </a:r>
-            <a:r>
-              <a:rPr lang="de-CH" dirty="0" err="1"/>
-              <a:t>Timestamp</a:t>
-            </a:r>
-            <a:r>
-              <a:rPr lang="de-CH" dirty="0"/>
-              <a:t> </a:t>
-            </a:r>
-            <a:r>
-              <a:rPr lang="de-CH" dirty="0" err="1" smtClean="0"/>
-              <a:t>zurücksetzen</a:t>
-            </a:r>
-            <a:r>
-              <a:rPr lang="de-CH" dirty="0" smtClean="0"/>
-              <a:t/>
-            </a:r>
-            <a:br>
-              <a:rPr lang="de-CH" dirty="0" smtClean="0"/>
-            </a:br>
-            <a:r>
-              <a:rPr lang="de-CH" dirty="0" smtClean="0"/>
-              <a:t>Wird korrekt zurückgesetzt</a:t>
-            </a:r>
-            <a:endParaRPr lang="de-CH" dirty="0"/>
-          </a:p>
-          <a:p>
-            <a:r>
-              <a:rPr lang="de-CH" dirty="0">
-                <a:latin typeface="Zapf Dingbats"/>
-                <a:ea typeface="Zapf Dingbats"/>
-                <a:cs typeface="Zapf Dingbats"/>
-                <a:sym typeface="Zapf Dingbats"/>
-              </a:rPr>
-              <a:t>✔</a:t>
-            </a:r>
-            <a:r>
-              <a:rPr lang="de-CH" dirty="0">
-                <a:sym typeface="Zapf Dingbats"/>
-              </a:rPr>
-              <a:t> </a:t>
-            </a:r>
-            <a:r>
-              <a:rPr lang="de-CH" dirty="0" smtClean="0"/>
-              <a:t>T170 </a:t>
-            </a:r>
-            <a:r>
-              <a:rPr lang="de-CH" dirty="0"/>
-              <a:t>Steuerung Detail-</a:t>
-            </a:r>
-            <a:r>
-              <a:rPr lang="de-CH" dirty="0" smtClean="0"/>
-              <a:t>Level</a:t>
-            </a:r>
-            <a:br>
-              <a:rPr lang="de-CH" dirty="0" smtClean="0"/>
-            </a:br>
-            <a:r>
-              <a:rPr lang="de-CH" dirty="0" smtClean="0"/>
-              <a:t>Detail-Level wird übernommen.</a:t>
-            </a:r>
-            <a:endParaRPr lang="de-CH" dirty="0"/>
-          </a:p>
-          <a:p>
-            <a:r>
-              <a:rPr lang="de-CH" dirty="0">
-                <a:latin typeface="Zapf Dingbats"/>
-                <a:ea typeface="Zapf Dingbats"/>
-                <a:cs typeface="Zapf Dingbats"/>
-                <a:sym typeface="Zapf Dingbats"/>
-              </a:rPr>
-              <a:t>✔</a:t>
-            </a:r>
-            <a:r>
-              <a:rPr lang="de-CH" dirty="0">
-                <a:sym typeface="Zapf Dingbats"/>
-              </a:rPr>
-              <a:t> </a:t>
-            </a:r>
-            <a:r>
-              <a:rPr lang="de-CH" dirty="0" smtClean="0"/>
-              <a:t>T180 </a:t>
-            </a:r>
-            <a:r>
-              <a:rPr lang="de-CH" dirty="0"/>
-              <a:t>Daten sammeln und </a:t>
-            </a:r>
-            <a:r>
-              <a:rPr lang="de-CH" dirty="0" smtClean="0"/>
-              <a:t>speichern</a:t>
-            </a:r>
-            <a:br>
-              <a:rPr lang="de-CH" dirty="0" smtClean="0"/>
-            </a:br>
-            <a:r>
-              <a:rPr lang="de-CH" dirty="0" smtClean="0"/>
-              <a:t>Dateien erstellt, Daten gespeichert.</a:t>
-            </a:r>
-            <a:endParaRPr lang="de-CH" dirty="0"/>
-          </a:p>
-          <a:p>
+              <a:t>1 Logger + 2 Sensoreinheiten: TODO mW</a:t>
+            </a:r>
             <a:endParaRPr lang="de-CH" dirty="0"/>
           </a:p>
         </p:txBody>
@@ -7731,7 +9916,7 @@
     </p:spTree>
     <p:extLst>
       <p:ext uri="{BB962C8B-B14F-4D97-AF65-F5344CB8AC3E}">
-        <p14:creationId xmlns:p14="http://schemas.microsoft.com/office/powerpoint/2010/main" val="3748049790"/>
+        <p14:creationId xmlns:p14="http://schemas.microsoft.com/office/powerpoint/2010/main" val="1360111987"/>
       </p:ext>
     </p:extLst>
   </p:cSld>
@@ -7782,7 +9967,7 @@
           <a:p>
             <a:r>
               <a:rPr lang="de-CH" dirty="0" smtClean="0"/>
-              <a:t>Testfälle – Sensoreinheit</a:t>
+              <a:t>Ausblick</a:t>
             </a:r>
             <a:endParaRPr lang="de-CH" dirty="0"/>
           </a:p>
@@ -7804,53 +9989,39 @@
           <a:lstStyle/>
           <a:p>
             <a:r>
-              <a:rPr lang="de-CH" dirty="0">
-                <a:latin typeface="Zapf Dingbats"/>
-                <a:ea typeface="Zapf Dingbats"/>
-                <a:cs typeface="Zapf Dingbats"/>
-                <a:sym typeface="Zapf Dingbats"/>
-              </a:rPr>
-              <a:t>✔</a:t>
-            </a:r>
-            <a:r>
-              <a:rPr lang="de-CH" dirty="0">
-                <a:sym typeface="Zapf Dingbats"/>
-              </a:rPr>
-              <a:t> </a:t>
-            </a:r>
-            <a:r>
               <a:rPr lang="de-CH" dirty="0" smtClean="0"/>
-              <a:t>T430 </a:t>
-            </a:r>
-            <a:r>
-              <a:rPr lang="de-CH" dirty="0" err="1" smtClean="0"/>
-              <a:t>Datenübertragung</a:t>
-            </a:r>
+              <a:t>Tests an VAW</a:t>
+            </a:r>
+          </a:p>
+          <a:p>
             <a:r>
               <a:rPr lang="de-CH" dirty="0" smtClean="0"/>
-              <a:t/>
-            </a:r>
-            <a:br>
+              <a:t>Energie-Effizienz verbessern</a:t>
+            </a:r>
+          </a:p>
+          <a:p>
+            <a:r>
               <a:rPr lang="de-CH" dirty="0" smtClean="0"/>
-            </a:br>
+              <a:t>Mehr Bedienungskomfort</a:t>
+            </a:r>
+          </a:p>
+          <a:p>
             <a:r>
               <a:rPr lang="de-CH" dirty="0" smtClean="0"/>
-              <a:t>Ereignisse entsprechend Detail-Level gespeichert</a:t>
-            </a:r>
-            <a:endParaRPr lang="de-CH" dirty="0"/>
-          </a:p>
-          <a:p>
-            <a:r>
-              <a:rPr lang="de-CH" dirty="0"/>
-              <a:t>T450 </a:t>
-            </a:r>
+              <a:t>Mehrere Sensoren an einer Sensoreinheit</a:t>
+            </a:r>
+          </a:p>
+          <a:p>
             <a:r>
               <a:rPr lang="de-CH" dirty="0" smtClean="0"/>
-              <a:t>Rohdatenaufzeichnung</a:t>
-            </a:r>
-            <a:br>
+              <a:t>Miniaturisierung, Serienreife</a:t>
+            </a:r>
+          </a:p>
+          <a:p>
+            <a:r>
               <a:rPr lang="de-CH" dirty="0" smtClean="0"/>
-            </a:br>
+              <a:t>Automatisierte Anpassung der Detail-Level</a:t>
+            </a:r>
             <a:endParaRPr lang="de-CH" dirty="0"/>
           </a:p>
         </p:txBody>
@@ -7858,7 +10029,7 @@
     </p:spTree>
     <p:extLst>
       <p:ext uri="{BB962C8B-B14F-4D97-AF65-F5344CB8AC3E}">
-        <p14:creationId xmlns:p14="http://schemas.microsoft.com/office/powerpoint/2010/main" val="1870321715"/>
+        <p14:creationId xmlns:p14="http://schemas.microsoft.com/office/powerpoint/2010/main" val="4090861093"/>
       </p:ext>
     </p:extLst>
   </p:cSld>
@@ -7909,114 +10080,40 @@
           <a:p>
             <a:r>
               <a:rPr lang="de-CH" dirty="0" smtClean="0"/>
-              <a:t>Testfälle – Nichtfunktional</a:t>
+              <a:t>Vorführung</a:t>
             </a:r>
             <a:endParaRPr lang="de-CH" dirty="0"/>
           </a:p>
         </p:txBody>
       </p:sp>
-      <p:sp>
-        <p:nvSpPr>
-          <p:cNvPr id="3" name="Content Placeholder 2"/>
-          <p:cNvSpPr>
-            <a:spLocks noGrp="1"/>
-          </p:cNvSpPr>
+      <p:pic>
+        <p:nvPicPr>
+          <p:cNvPr id="4" name="Content Placeholder 3" descr="vroom.jpg"/>
+          <p:cNvPicPr>
+            <a:picLocks noGrp="1" noChangeAspect="1"/>
+          </p:cNvPicPr>
           <p:nvPr>
             <p:ph idx="1"/>
           </p:nvPr>
-        </p:nvSpPr>
-        <p:spPr/>
-        <p:txBody>
-          <a:bodyPr/>
-          <a:lstStyle/>
-          <a:p>
-            <a:r>
-              <a:rPr lang="de-CH" dirty="0" smtClean="0"/>
-              <a:t>Leistungsaufnahme</a:t>
-            </a:r>
-            <a:br>
-              <a:rPr lang="de-CH" dirty="0" smtClean="0"/>
-            </a:br>
-            <a:r>
-              <a:rPr lang="de-CH" dirty="0" smtClean="0"/>
-              <a:t>1 Logger + 2 Sensoreinheiten: TODO mW</a:t>
-            </a:r>
-            <a:endParaRPr lang="de-CH" dirty="0"/>
-          </a:p>
-        </p:txBody>
-      </p:sp>
-    </p:spTree>
-    <p:extLst>
-      <p:ext uri="{BB962C8B-B14F-4D97-AF65-F5344CB8AC3E}">
-        <p14:creationId xmlns:p14="http://schemas.microsoft.com/office/powerpoint/2010/main" val="1360111987"/>
-      </p:ext>
-    </p:extLst>
-  </p:cSld>
-  <p:clrMapOvr>
-    <a:masterClrMapping/>
-  </p:clrMapOvr>
-</p:sld>
-</file>
-
-<file path=ppt/slides/slide26.xml><?xml version="1.0" encoding="utf-8"?>
-<p:sld xmlns:a="http://schemas.openxmlformats.org/drawingml/2006/main" xmlns:r="http://schemas.openxmlformats.org/officeDocument/2006/relationships" xmlns:p="http://schemas.openxmlformats.org/presentationml/2006/main">
-  <p:cSld>
-    <p:spTree>
-      <p:nvGrpSpPr>
-        <p:cNvPr id="1" name=""/>
-        <p:cNvGrpSpPr/>
-        <p:nvPr/>
-      </p:nvGrpSpPr>
-      <p:grpSpPr>
-        <a:xfrm>
-          <a:off x="0" y="0"/>
-          <a:ext cx="0" cy="0"/>
-          <a:chOff x="0" y="0"/>
-          <a:chExt cx="0" cy="0"/>
-        </a:xfrm>
-      </p:grpSpPr>
-      <p:sp>
-        <p:nvSpPr>
-          <p:cNvPr id="2" name="Title 1"/>
-          <p:cNvSpPr>
-            <a:spLocks noGrp="1"/>
-          </p:cNvSpPr>
-          <p:nvPr>
-            <p:ph type="title"/>
-          </p:nvPr>
-        </p:nvSpPr>
-        <p:spPr/>
-        <p:txBody>
-          <a:bodyPr/>
-          <a:lstStyle/>
-          <a:p>
-            <a:r>
-              <a:rPr lang="de-CH" dirty="0" smtClean="0"/>
-              <a:t>Vorführung</a:t>
-            </a:r>
-            <a:endParaRPr lang="de-CH" dirty="0"/>
-          </a:p>
-        </p:txBody>
-      </p:sp>
-      <p:sp>
-        <p:nvSpPr>
-          <p:cNvPr id="3" name="Content Placeholder 2"/>
-          <p:cNvSpPr>
-            <a:spLocks noGrp="1"/>
-          </p:cNvSpPr>
-          <p:nvPr>
-            <p:ph idx="1"/>
-          </p:nvPr>
-        </p:nvSpPr>
-        <p:spPr/>
-        <p:txBody>
-          <a:bodyPr/>
-          <a:lstStyle/>
-          <a:p>
-            <a:endParaRPr lang="de-CH" dirty="0"/>
-          </a:p>
-        </p:txBody>
-      </p:sp>
+        </p:nvPicPr>
+        <p:blipFill rotWithShape="1">
+          <a:blip r:embed="rId2">
+            <a:extLst>
+              <a:ext uri="{28A0092B-C50C-407E-A947-70E740481C1C}">
+                <a14:useLocalDpi xmlns:a14="http://schemas.microsoft.com/office/drawing/2010/main" val="0"/>
+              </a:ext>
+            </a:extLst>
+          </a:blip>
+          <a:srcRect l="8748" t="4867" r="3236" b="4867"/>
+          <a:stretch/>
+        </p:blipFill>
+        <p:spPr>
+          <a:xfrm>
+            <a:off x="889000" y="1628775"/>
+            <a:ext cx="7858125" cy="4537075"/>
+          </a:xfrm>
+        </p:spPr>
+      </p:pic>
     </p:spTree>
     <p:extLst>
       <p:ext uri="{BB962C8B-B14F-4D97-AF65-F5344CB8AC3E}">
@@ -8228,6 +10325,13 @@
   <p:clrMapOvr>
     <a:masterClrMapping/>
   </p:clrMapOvr>
+  <p:timing>
+    <p:tnLst>
+      <p:par>
+        <p:cTn xmlns:p14="http://schemas.microsoft.com/office/powerpoint/2010/main" id="1" dur="indefinite" restart="never" nodeType="tmRoot"/>
+      </p:par>
+    </p:tnLst>
+  </p:timing>
 </p:sld>
 </file>
 
@@ -8300,6 +10404,44 @@
         </p:blipFill>
         <p:spPr/>
       </p:pic>
+      <p:sp>
+        <p:nvSpPr>
+          <p:cNvPr id="5" name="TextBox 4"/>
+          <p:cNvSpPr txBox="1"/>
+          <p:nvPr/>
+        </p:nvSpPr>
+        <p:spPr>
+          <a:xfrm>
+            <a:off x="6012160" y="6237312"/>
+            <a:ext cx="1556836" cy="276999"/>
+          </a:xfrm>
+          <a:prstGeom prst="rect">
+            <a:avLst/>
+          </a:prstGeom>
+          <a:noFill/>
+        </p:spPr>
+        <p:txBody>
+          <a:bodyPr wrap="none" rtlCol="0">
+            <a:spAutoFit/>
+          </a:bodyPr>
+          <a:lstStyle/>
+          <a:p>
+            <a:r>
+              <a:rPr lang="en-US" sz="1200" dirty="0" smtClean="0"/>
+              <a:t>Bruno </a:t>
+            </a:r>
+            <a:r>
+              <a:rPr lang="en-US" sz="1200" dirty="0" err="1" smtClean="0"/>
+              <a:t>Fritschi</a:t>
+            </a:r>
+            <a:r>
+              <a:rPr lang="en-US" sz="1200" dirty="0" smtClean="0"/>
+              <a:t>, WSL</a:t>
+            </a:r>
+            <a:endParaRPr lang="en-US" sz="1200" dirty="0"/>
+          </a:p>
+        </p:txBody>
+      </p:sp>
     </p:spTree>
     <p:extLst>
       <p:ext uri="{BB962C8B-B14F-4D97-AF65-F5344CB8AC3E}">
@@ -8310,6 +10452,13 @@
   <p:clrMapOvr>
     <a:masterClrMapping/>
   </p:clrMapOvr>
+  <p:timing>
+    <p:tnLst>
+      <p:par>
+        <p:cTn xmlns:p14="http://schemas.microsoft.com/office/powerpoint/2010/main" id="1" dur="indefinite" restart="never" nodeType="tmRoot"/>
+      </p:par>
+    </p:tnLst>
+  </p:timing>
 </p:sld>
 </file>
 
@@ -8378,6 +10527,44 @@
         </p:blipFill>
         <p:spPr/>
       </p:pic>
+      <p:sp>
+        <p:nvSpPr>
+          <p:cNvPr id="5" name="TextBox 4"/>
+          <p:cNvSpPr txBox="1"/>
+          <p:nvPr/>
+        </p:nvSpPr>
+        <p:spPr>
+          <a:xfrm>
+            <a:off x="7452320" y="6237312"/>
+            <a:ext cx="1556836" cy="276999"/>
+          </a:xfrm>
+          <a:prstGeom prst="rect">
+            <a:avLst/>
+          </a:prstGeom>
+          <a:noFill/>
+        </p:spPr>
+        <p:txBody>
+          <a:bodyPr wrap="none" rtlCol="0">
+            <a:spAutoFit/>
+          </a:bodyPr>
+          <a:lstStyle/>
+          <a:p>
+            <a:r>
+              <a:rPr lang="en-US" sz="1200" dirty="0" smtClean="0"/>
+              <a:t>Bruno </a:t>
+            </a:r>
+            <a:r>
+              <a:rPr lang="en-US" sz="1200" dirty="0" err="1" smtClean="0"/>
+              <a:t>Fritschi</a:t>
+            </a:r>
+            <a:r>
+              <a:rPr lang="en-US" sz="1200" dirty="0" smtClean="0"/>
+              <a:t>, WSL</a:t>
+            </a:r>
+            <a:endParaRPr lang="en-US" sz="1200" dirty="0"/>
+          </a:p>
+        </p:txBody>
+      </p:sp>
     </p:spTree>
     <p:extLst>
       <p:ext uri="{BB962C8B-B14F-4D97-AF65-F5344CB8AC3E}">
@@ -8388,6 +10575,13 @@
   <p:clrMapOvr>
     <a:masterClrMapping/>
   </p:clrMapOvr>
+  <p:timing>
+    <p:tnLst>
+      <p:par>
+        <p:cTn xmlns:p14="http://schemas.microsoft.com/office/powerpoint/2010/main" id="1" dur="indefinite" restart="never" nodeType="tmRoot"/>
+      </p:par>
+    </p:tnLst>
+  </p:timing>
 </p:sld>
 </file>
 
@@ -8454,6 +10648,44 @@
         </p:blipFill>
         <p:spPr/>
       </p:pic>
+      <p:sp>
+        <p:nvSpPr>
+          <p:cNvPr id="5" name="TextBox 4"/>
+          <p:cNvSpPr txBox="1"/>
+          <p:nvPr/>
+        </p:nvSpPr>
+        <p:spPr>
+          <a:xfrm>
+            <a:off x="5508104" y="6237312"/>
+            <a:ext cx="1556836" cy="276999"/>
+          </a:xfrm>
+          <a:prstGeom prst="rect">
+            <a:avLst/>
+          </a:prstGeom>
+          <a:noFill/>
+        </p:spPr>
+        <p:txBody>
+          <a:bodyPr wrap="none" rtlCol="0">
+            <a:spAutoFit/>
+          </a:bodyPr>
+          <a:lstStyle/>
+          <a:p>
+            <a:r>
+              <a:rPr lang="en-US" sz="1200" dirty="0" smtClean="0"/>
+              <a:t>Bruno </a:t>
+            </a:r>
+            <a:r>
+              <a:rPr lang="en-US" sz="1200" dirty="0" err="1" smtClean="0"/>
+              <a:t>Fritschi</a:t>
+            </a:r>
+            <a:r>
+              <a:rPr lang="en-US" sz="1200" dirty="0" smtClean="0"/>
+              <a:t>, WSL</a:t>
+            </a:r>
+            <a:endParaRPr lang="en-US" sz="1200" dirty="0"/>
+          </a:p>
+        </p:txBody>
+      </p:sp>
     </p:spTree>
     <p:extLst>
       <p:ext uri="{BB962C8B-B14F-4D97-AF65-F5344CB8AC3E}">
@@ -8464,6 +10696,13 @@
   <p:clrMapOvr>
     <a:masterClrMapping/>
   </p:clrMapOvr>
+  <p:timing>
+    <p:tnLst>
+      <p:par>
+        <p:cTn xmlns:p14="http://schemas.microsoft.com/office/powerpoint/2010/main" id="1" dur="indefinite" restart="never" nodeType="tmRoot"/>
+      </p:par>
+    </p:tnLst>
+  </p:timing>
 </p:sld>
 </file>
 
@@ -8540,8 +10779,8 @@
         </p:nvSpPr>
         <p:spPr>
           <a:xfrm>
-            <a:off x="7380312" y="5229200"/>
-            <a:ext cx="1467068" cy="276999"/>
+            <a:off x="6156176" y="5229200"/>
+            <a:ext cx="2685351" cy="276999"/>
           </a:xfrm>
           <a:prstGeom prst="rect">
             <a:avLst/>
@@ -8556,7 +10795,11 @@
           <a:p>
             <a:r>
               <a:rPr lang="en-US" sz="1200" dirty="0" smtClean="0"/>
-              <a:t>Carlos Wyss, WSL</a:t>
+              <a:t>Carlos Wyss, </a:t>
+            </a:r>
+            <a:r>
+              <a:rPr lang="en-US" sz="1200" dirty="0" smtClean="0"/>
+              <a:t>WSL, work in progress</a:t>
             </a:r>
             <a:endParaRPr lang="en-US" sz="1200" dirty="0"/>
           </a:p>
@@ -8572,6 +10815,13 @@
   <p:clrMapOvr>
     <a:masterClrMapping/>
   </p:clrMapOvr>
+  <p:timing>
+    <p:tnLst>
+      <p:par>
+        <p:cTn xmlns:p14="http://schemas.microsoft.com/office/powerpoint/2010/main" id="1" dur="indefinite" restart="never" nodeType="tmRoot"/>
+      </p:par>
+    </p:tnLst>
+  </p:timing>
 </p:sld>
 </file>
 

--- a/9001_Praesentation/Praesentation.pptx
+++ b/9001_Praesentation/Praesentation.pptx
@@ -246,7 +246,7 @@
           <a:p>
             <a:fld id="{831B083F-09BF-2249-A576-FD88D29AF165}" type="datetimeFigureOut">
               <a:rPr lang="en-US" smtClean="0"/>
-              <a:t>18.01.15</a:t>
+              <a:t>1/19/2015</a:t>
             </a:fld>
             <a:endParaRPr lang="en-US"/>
           </a:p>
@@ -405,7 +405,7 @@
           <a:p>
             <a:fld id="{E7AE4CB0-9792-D74D-9E49-F892F9A51ADF}" type="slidenum">
               <a:rPr lang="en-US" smtClean="0"/>
-              <a:t>‹#›</a:t>
+              <a:t>‹Nr.›</a:t>
             </a:fld>
             <a:endParaRPr lang="en-US"/>
           </a:p>
@@ -658,11 +658,7 @@
           <a:p>
             <a:r>
               <a:rPr lang="en-US" baseline="0" dirty="0" smtClean="0"/>
-              <a:t>5 x 5 x 2.4 mm </a:t>
-            </a:r>
-            <a:r>
-              <a:rPr lang="en-US" baseline="0" dirty="0" smtClean="0"/>
-              <a:t>grosser </a:t>
+              <a:t>5 x 5 x 2.4 mm grosser </a:t>
             </a:r>
             <a:r>
               <a:rPr lang="en-US" baseline="0" dirty="0" err="1" smtClean="0"/>
@@ -2732,11 +2728,7 @@
             </a:r>
             <a:r>
               <a:rPr lang="en-US" baseline="0" dirty="0" smtClean="0"/>
-              <a:t>)</a:t>
-            </a:r>
-            <a:r>
-              <a:rPr lang="en-US" baseline="0" dirty="0" smtClean="0"/>
-              <a:t>, </a:t>
+              <a:t>), </a:t>
             </a:r>
             <a:r>
               <a:rPr lang="en-US" baseline="0" dirty="0" err="1" smtClean="0"/>
@@ -2948,11 +2940,7 @@
             </a:r>
             <a:r>
               <a:rPr lang="en-US" baseline="0" dirty="0" smtClean="0"/>
-              <a:t> </a:t>
-            </a:r>
-            <a:r>
-              <a:rPr lang="en-US" baseline="0" dirty="0" smtClean="0"/>
-              <a:t>muss </a:t>
+              <a:t> muss </a:t>
             </a:r>
             <a:r>
               <a:rPr lang="en-US" baseline="0" dirty="0" err="1" smtClean="0"/>
@@ -5118,7 +5106,7 @@
               <a:pPr>
                 <a:defRPr/>
               </a:pPr>
-              <a:t>18.01.15</a:t>
+              <a:t>19.01.2015</a:t>
             </a:fld>
             <a:endParaRPr lang="de-DE"/>
           </a:p>
@@ -5177,7 +5165,7 @@
               <a:pPr>
                 <a:defRPr/>
               </a:pPr>
-              <a:t>‹#›</a:t>
+              <a:t>‹Nr.›</a:t>
             </a:fld>
             <a:endParaRPr dirty="0"/>
           </a:p>
@@ -5315,7 +5303,7 @@
               <a:pPr>
                 <a:defRPr/>
               </a:pPr>
-              <a:t>18.01.15</a:t>
+              <a:t>19.01.2015</a:t>
             </a:fld>
             <a:endParaRPr lang="de-DE"/>
           </a:p>
@@ -5374,7 +5362,7 @@
               <a:pPr>
                 <a:defRPr/>
               </a:pPr>
-              <a:t>‹#›</a:t>
+              <a:t>‹Nr.›</a:t>
             </a:fld>
             <a:endParaRPr dirty="0"/>
           </a:p>
@@ -5473,7 +5461,7 @@
               <a:pPr>
                 <a:defRPr/>
               </a:pPr>
-              <a:t>18.01.15</a:t>
+              <a:t>19.01.2015</a:t>
             </a:fld>
             <a:endParaRPr lang="de-DE"/>
           </a:p>
@@ -5532,7 +5520,7 @@
               <a:pPr>
                 <a:defRPr/>
               </a:pPr>
-              <a:t>‹#›</a:t>
+              <a:t>‹Nr.›</a:t>
             </a:fld>
             <a:endParaRPr dirty="0"/>
           </a:p>
@@ -5744,7 +5732,7 @@
               <a:pPr>
                 <a:defRPr/>
               </a:pPr>
-              <a:t>18.01.15</a:t>
+              <a:t>19.01.2015</a:t>
             </a:fld>
             <a:endParaRPr lang="de-DE"/>
           </a:p>
@@ -5803,7 +5791,7 @@
               <a:pPr>
                 <a:defRPr/>
               </a:pPr>
-              <a:t>‹#›</a:t>
+              <a:t>‹Nr.›</a:t>
             </a:fld>
             <a:endParaRPr dirty="0"/>
           </a:p>
@@ -5889,7 +5877,7 @@
               <a:pPr>
                 <a:defRPr/>
               </a:pPr>
-              <a:t>18.01.15</a:t>
+              <a:t>19.01.2015</a:t>
             </a:fld>
             <a:endParaRPr lang="de-DE"/>
           </a:p>
@@ -5948,7 +5936,7 @@
               <a:pPr>
                 <a:defRPr/>
               </a:pPr>
-              <a:t>‹#›</a:t>
+              <a:t>‹Nr.›</a:t>
             </a:fld>
             <a:endParaRPr dirty="0"/>
           </a:p>
@@ -6011,7 +5999,7 @@
               <a:pPr>
                 <a:defRPr/>
               </a:pPr>
-              <a:t>18.01.15</a:t>
+              <a:t>19.01.2015</a:t>
             </a:fld>
             <a:endParaRPr lang="de-DE"/>
           </a:p>
@@ -6070,7 +6058,7 @@
               <a:pPr>
                 <a:defRPr/>
               </a:pPr>
-              <a:t>‹#›</a:t>
+              <a:t>‹Nr.›</a:t>
             </a:fld>
             <a:endParaRPr dirty="0"/>
           </a:p>
@@ -6291,7 +6279,7 @@
               <a:pPr>
                 <a:defRPr/>
               </a:pPr>
-              <a:t>18.01.15</a:t>
+              <a:t>19.01.2015</a:t>
             </a:fld>
             <a:endParaRPr lang="de-DE"/>
           </a:p>
@@ -6350,7 +6338,7 @@
               <a:pPr>
                 <a:defRPr/>
               </a:pPr>
-              <a:t>‹#›</a:t>
+              <a:t>‹Nr.›</a:t>
             </a:fld>
             <a:endParaRPr dirty="0"/>
           </a:p>
@@ -6626,7 +6614,7 @@
               <a:pPr>
                 <a:defRPr/>
               </a:pPr>
-              <a:t>18.01.15</a:t>
+              <a:t>19.01.2015</a:t>
             </a:fld>
             <a:endParaRPr lang="de-DE"/>
           </a:p>
@@ -6685,7 +6673,7 @@
               <a:pPr>
                 <a:defRPr/>
               </a:pPr>
-              <a:t>‹#›</a:t>
+              <a:t>‹Nr.›</a:t>
             </a:fld>
             <a:endParaRPr dirty="0"/>
           </a:p>
@@ -6813,7 +6801,7 @@
               <a:pPr>
                 <a:defRPr/>
               </a:pPr>
-              <a:t>18.01.15</a:t>
+              <a:t>19.01.2015</a:t>
             </a:fld>
             <a:endParaRPr lang="de-DE"/>
           </a:p>
@@ -6872,7 +6860,7 @@
               <a:pPr>
                 <a:defRPr/>
               </a:pPr>
-              <a:t>‹#›</a:t>
+              <a:t>‹Nr.›</a:t>
             </a:fld>
             <a:endParaRPr dirty="0"/>
           </a:p>
@@ -6990,14 +6978,14 @@
             <a:noFill/>
           </a:ln>
           <a:extLst>
-            <a:ext uri="{909E8E84-426E-40dd-AFC4-6F175D3DCCD1}">
+            <a:ext uri="{909E8E84-426E-40DD-AFC4-6F175D3DCCD1}">
               <a14:hiddenFill xmlns:a14="http://schemas.microsoft.com/office/drawing/2010/main">
                 <a:solidFill>
                   <a:srgbClr val="FFFFFF"/>
                 </a:solidFill>
               </a14:hiddenFill>
             </a:ext>
-            <a:ext uri="{91240B29-F687-4f45-9708-019B960494DF}">
+            <a:ext uri="{91240B29-F687-4F45-9708-019B960494DF}">
               <a14:hiddenLine xmlns:a14="http://schemas.microsoft.com/office/drawing/2010/main" w="9525">
                 <a:solidFill>
                   <a:srgbClr val="000000"/>
@@ -7048,14 +7036,14 @@
             <a:noFill/>
           </a:ln>
           <a:extLst>
-            <a:ext uri="{909E8E84-426E-40dd-AFC4-6F175D3DCCD1}">
+            <a:ext uri="{909E8E84-426E-40DD-AFC4-6F175D3DCCD1}">
               <a14:hiddenFill xmlns:a14="http://schemas.microsoft.com/office/drawing/2010/main">
                 <a:solidFill>
                   <a:srgbClr val="FFFFFF"/>
                 </a:solidFill>
               </a14:hiddenFill>
             </a:ext>
-            <a:ext uri="{91240B29-F687-4f45-9708-019B960494DF}">
+            <a:ext uri="{91240B29-F687-4F45-9708-019B960494DF}">
               <a14:hiddenLine xmlns:a14="http://schemas.microsoft.com/office/drawing/2010/main" w="9525">
                 <a:solidFill>
                   <a:srgbClr val="000000"/>
@@ -7143,7 +7131,7 @@
               <a:pPr>
                 <a:defRPr/>
               </a:pPr>
-              <a:t>18.01.15</a:t>
+              <a:t>19.01.2015</a:t>
             </a:fld>
             <a:endParaRPr lang="de-CH" noProof="0"/>
           </a:p>
@@ -7244,7 +7232,7 @@
               <a:pPr>
                 <a:defRPr/>
               </a:pPr>
-              <a:t>‹#›</a:t>
+              <a:t>‹Nr.›</a:t>
             </a:fld>
             <a:endParaRPr lang="de-CH" noProof="0"/>
           </a:p>
@@ -7318,14 +7306,14 @@
           </a:ln>
           <a:effectLst/>
           <a:extLst>
-            <a:ext uri="{909E8E84-426E-40dd-AFC4-6F175D3DCCD1}">
+            <a:ext uri="{909E8E84-426E-40DD-AFC4-6F175D3DCCD1}">
               <a14:hiddenFill xmlns:a14="http://schemas.microsoft.com/office/drawing/2010/main">
                 <a:solidFill>
                   <a:schemeClr val="accent1"/>
                 </a:solidFill>
               </a14:hiddenFill>
             </a:ext>
-            <a:ext uri="{91240B29-F687-4f45-9708-019B960494DF}">
+            <a:ext uri="{91240B29-F687-4F45-9708-019B960494DF}">
               <a14:hiddenLine xmlns:a14="http://schemas.microsoft.com/office/drawing/2010/main" w="9525">
                 <a:solidFill>
                   <a:schemeClr val="tx1"/>
@@ -7335,7 +7323,7 @@
                 <a:tailEnd/>
               </a14:hiddenLine>
             </a:ext>
-            <a:ext uri="{AF507438-7753-43e0-B8FC-AC1667EBCBE1}">
+            <a:ext uri="{AF507438-7753-43E0-B8FC-AC1667EBCBE1}">
               <a14:hiddenEffects xmlns:a14="http://schemas.microsoft.com/office/drawing/2010/main">
                 <a:effectLst>
                   <a:outerShdw dist="35921" dir="2700000" algn="ctr" rotWithShape="0">
@@ -7894,7 +7882,7 @@
   <p:timing>
     <p:tnLst>
       <p:par>
-        <p:cTn xmlns:p14="http://schemas.microsoft.com/office/powerpoint/2010/main" id="1" dur="indefinite" restart="never" nodeType="tmRoot"/>
+        <p:cTn id="1" dur="indefinite" restart="never" nodeType="tmRoot"/>
       </p:par>
     </p:tnLst>
   </p:timing>
@@ -7976,7 +7964,6 @@
               <a:rPr lang="de-CH" dirty="0" smtClean="0"/>
               <a:t>CAN-Bus</a:t>
             </a:r>
-            <a:endParaRPr lang="de-CH" dirty="0" smtClean="0"/>
           </a:p>
           <a:p>
             <a:endParaRPr lang="de-CH" dirty="0"/>
@@ -8116,7 +8103,7 @@
   <p:timing>
     <p:tnLst>
       <p:par>
-        <p:cTn xmlns:p14="http://schemas.microsoft.com/office/powerpoint/2010/main" id="1" dur="indefinite" restart="never" nodeType="tmRoot"/>
+        <p:cTn id="1" dur="indefinite" restart="never" nodeType="tmRoot"/>
       </p:par>
     </p:tnLst>
   </p:timing>
@@ -8177,12 +8164,41 @@
             <p:ph idx="1"/>
           </p:nvPr>
         </p:nvSpPr>
-        <p:spPr/>
+        <p:spPr>
+          <a:xfrm>
+            <a:off x="180404" y="1628775"/>
+            <a:ext cx="8928100" cy="4537075"/>
+          </a:xfrm>
+        </p:spPr>
         <p:txBody>
           <a:bodyPr/>
           <a:lstStyle/>
           <a:p>
-            <a:endParaRPr lang="de-CH"/>
+            <a:r>
+              <a:rPr lang="de-CH" dirty="0" smtClean="0"/>
+              <a:t>Unterscheidung Threads </a:t>
+            </a:r>
+            <a:r>
+              <a:rPr lang="de-CH" dirty="0" err="1" smtClean="0"/>
+              <a:t>vs</a:t>
+            </a:r>
+            <a:r>
+              <a:rPr lang="de-CH" dirty="0" smtClean="0"/>
+              <a:t> Task, wir haben Threads</a:t>
+            </a:r>
+          </a:p>
+          <a:p>
+            <a:r>
+              <a:rPr lang="de-CH" dirty="0" smtClean="0"/>
+              <a:t>Abbildung 8.4 genau erklären</a:t>
+            </a:r>
+          </a:p>
+          <a:p>
+            <a:r>
+              <a:rPr lang="de-CH" dirty="0" smtClean="0"/>
+              <a:t>Kommunikation Threads mit Bushandler</a:t>
+            </a:r>
+            <a:endParaRPr lang="de-CH" dirty="0"/>
           </a:p>
         </p:txBody>
       </p:sp>
@@ -8199,7 +8215,7 @@
   <p:timing>
     <p:tnLst>
       <p:par>
-        <p:cTn xmlns:p14="http://schemas.microsoft.com/office/powerpoint/2010/main" id="1" dur="indefinite" restart="never" nodeType="tmRoot"/>
+        <p:cTn id="1" dur="indefinite" restart="never" nodeType="tmRoot"/>
       </p:par>
     </p:tnLst>
   </p:timing>
@@ -8265,7 +8281,24 @@
           <a:bodyPr/>
           <a:lstStyle/>
           <a:p>
-            <a:endParaRPr lang="de-CH"/>
+            <a:r>
+              <a:rPr lang="de-CH" dirty="0" smtClean="0"/>
+              <a:t>Erweiterung CAN-Treiber um Filterfunktion</a:t>
+            </a:r>
+          </a:p>
+          <a:p>
+            <a:r>
+              <a:rPr lang="de-CH" dirty="0" smtClean="0"/>
+              <a:t>Ergänzung CAN-IP mit Absenderidentifikation (statt reine </a:t>
+            </a:r>
+            <a:r>
+              <a:rPr lang="de-CH" dirty="0" err="1" smtClean="0"/>
+              <a:t>Messagebasierte</a:t>
+            </a:r>
+            <a:r>
+              <a:rPr lang="de-CH" dirty="0" smtClean="0"/>
+              <a:t> Identifikation)</a:t>
+            </a:r>
           </a:p>
         </p:txBody>
       </p:sp>
@@ -8282,7 +8315,7 @@
   <p:timing>
     <p:tnLst>
       <p:par>
-        <p:cTn xmlns:p14="http://schemas.microsoft.com/office/powerpoint/2010/main" id="1" dur="indefinite" restart="never" nodeType="tmRoot"/>
+        <p:cTn id="1" dur="indefinite" restart="never" nodeType="tmRoot"/>
       </p:par>
     </p:tnLst>
   </p:timing>
@@ -8415,7 +8448,7 @@
   <p:timing>
     <p:tnLst>
       <p:par>
-        <p:cTn xmlns:p14="http://schemas.microsoft.com/office/powerpoint/2010/main" id="1" dur="indefinite" restart="never" nodeType="tmRoot"/>
+        <p:cTn id="1" dur="indefinite" restart="never" nodeType="tmRoot"/>
       </p:par>
     </p:tnLst>
   </p:timing>
@@ -8482,7 +8515,7 @@
   <p:timing>
     <p:tnLst>
       <p:par>
-        <p:cTn xmlns:p14="http://schemas.microsoft.com/office/powerpoint/2010/main" id="1" dur="indefinite" restart="never" nodeType="tmRoot"/>
+        <p:cTn id="1" dur="indefinite" restart="never" nodeType="tmRoot"/>
       </p:par>
     </p:tnLst>
   </p:timing>
@@ -8572,7 +8605,7 @@
   <p:timing>
     <p:tnLst>
       <p:par>
-        <p:cTn xmlns:p14="http://schemas.microsoft.com/office/powerpoint/2010/main" id="1" dur="indefinite" restart="never" nodeType="tmRoot"/>
+        <p:cTn id="1" dur="indefinite" restart="never" nodeType="tmRoot"/>
       </p:par>
     </p:tnLst>
   </p:timing>
@@ -8674,7 +8707,7 @@
   <p:timing>
     <p:tnLst>
       <p:par>
-        <p:cTn xmlns:p14="http://schemas.microsoft.com/office/powerpoint/2010/main" id="1" dur="indefinite" restart="never" nodeType="tmRoot"/>
+        <p:cTn id="1" dur="indefinite" restart="never" nodeType="tmRoot"/>
       </p:par>
     </p:tnLst>
   </p:timing>
@@ -8719,11 +8752,7 @@
             </a:r>
             <a:r>
               <a:rPr lang="de-CH" dirty="0" smtClean="0"/>
-              <a:t>– </a:t>
-            </a:r>
-            <a:r>
-              <a:rPr lang="de-CH" dirty="0" smtClean="0"/>
-              <a:t>Detailstufen: ‚</a:t>
+              <a:t>– Detailstufen: ‚</a:t>
             </a:r>
             <a:r>
               <a:rPr lang="de-CH" dirty="0" err="1" smtClean="0"/>
@@ -8780,7 +8809,7 @@
   <p:timing>
     <p:tnLst>
       <p:par>
-        <p:cTn xmlns:p14="http://schemas.microsoft.com/office/powerpoint/2010/main" id="1" dur="indefinite" restart="never" nodeType="tmRoot"/>
+        <p:cTn id="1" dur="indefinite" restart="never" nodeType="tmRoot"/>
       </p:par>
     </p:tnLst>
   </p:timing>
@@ -8825,11 +8854,7 @@
             </a:r>
             <a:r>
               <a:rPr lang="de-CH" dirty="0" smtClean="0"/>
-              <a:t>– </a:t>
-            </a:r>
-            <a:r>
-              <a:rPr lang="de-CH" dirty="0" smtClean="0"/>
-              <a:t>Detailstufen: ‚</a:t>
+              <a:t>– Detailstufen: ‚</a:t>
             </a:r>
             <a:r>
               <a:rPr lang="de-CH" dirty="0" err="1" smtClean="0"/>
@@ -8886,7 +8911,7 @@
   <p:timing>
     <p:tnLst>
       <p:par>
-        <p:cTn xmlns:p14="http://schemas.microsoft.com/office/powerpoint/2010/main" id="1" dur="indefinite" restart="never" nodeType="tmRoot"/>
+        <p:cTn id="1" dur="indefinite" restart="never" nodeType="tmRoot"/>
       </p:par>
     </p:tnLst>
   </p:timing>
@@ -8931,11 +8956,7 @@
             </a:r>
             <a:r>
               <a:rPr lang="de-CH" dirty="0" smtClean="0"/>
-              <a:t>– </a:t>
-            </a:r>
-            <a:r>
-              <a:rPr lang="de-CH" dirty="0" smtClean="0"/>
-              <a:t>Detailstufen: ‚</a:t>
+              <a:t>– Detailstufen: ‚</a:t>
             </a:r>
             <a:r>
               <a:rPr lang="de-CH" dirty="0" err="1" smtClean="0"/>
@@ -8992,7 +9013,7 @@
   <p:timing>
     <p:tnLst>
       <p:par>
-        <p:cTn xmlns:p14="http://schemas.microsoft.com/office/powerpoint/2010/main" id="1" dur="indefinite" restart="never" nodeType="tmRoot"/>
+        <p:cTn id="1" dur="indefinite" restart="never" nodeType="tmRoot"/>
       </p:par>
     </p:tnLst>
   </p:timing>
@@ -9102,7 +9123,6 @@
               <a:rPr lang="de-CH" dirty="0" smtClean="0"/>
               <a:t>Testfälle</a:t>
             </a:r>
-            <a:endParaRPr lang="de-CH" dirty="0" smtClean="0"/>
           </a:p>
           <a:p>
             <a:pPr marL="514350" indent="-514350">
@@ -9130,7 +9150,7 @@
   <p:timing>
     <p:tnLst>
       <p:par>
-        <p:cTn xmlns:p14="http://schemas.microsoft.com/office/powerpoint/2010/main" id="1" dur="indefinite" restart="never" nodeType="tmRoot"/>
+        <p:cTn id="1" dur="indefinite" restart="never" nodeType="tmRoot"/>
       </p:par>
     </p:tnLst>
   </p:timing>
@@ -9478,7 +9498,7 @@
   <p:timing>
     <p:tnLst>
       <p:par>
-        <p:cTn xmlns:p14="http://schemas.microsoft.com/office/powerpoint/2010/main" id="1" dur="indefinite" restart="never" nodeType="tmRoot"/>
+        <p:cTn id="1" dur="indefinite" restart="never" nodeType="tmRoot"/>
       </p:par>
     </p:tnLst>
   </p:timing>
@@ -9705,7 +9725,7 @@
   <p:timing>
     <p:tnLst>
       <p:par>
-        <p:cTn xmlns:p14="http://schemas.microsoft.com/office/powerpoint/2010/main" id="1" dur="indefinite" restart="never" nodeType="tmRoot"/>
+        <p:cTn id="1" dur="indefinite" restart="never" nodeType="tmRoot"/>
       </p:par>
     </p:tnLst>
   </p:timing>
@@ -9836,7 +9856,7 @@
   <p:timing>
     <p:tnLst>
       <p:par>
-        <p:cTn xmlns:p14="http://schemas.microsoft.com/office/powerpoint/2010/main" id="1" dur="indefinite" restart="never" nodeType="tmRoot"/>
+        <p:cTn id="1" dur="indefinite" restart="never" nodeType="tmRoot"/>
       </p:par>
     </p:tnLst>
   </p:timing>
@@ -9926,7 +9946,7 @@
   <p:timing>
     <p:tnLst>
       <p:par>
-        <p:cTn xmlns:p14="http://schemas.microsoft.com/office/powerpoint/2010/main" id="1" dur="indefinite" restart="never" nodeType="tmRoot"/>
+        <p:cTn id="1" dur="indefinite" restart="never" nodeType="tmRoot"/>
       </p:par>
     </p:tnLst>
   </p:timing>
@@ -10039,7 +10059,7 @@
   <p:timing>
     <p:tnLst>
       <p:par>
-        <p:cTn xmlns:p14="http://schemas.microsoft.com/office/powerpoint/2010/main" id="1" dur="indefinite" restart="never" nodeType="tmRoot"/>
+        <p:cTn id="1" dur="indefinite" restart="never" nodeType="tmRoot"/>
       </p:par>
     </p:tnLst>
   </p:timing>
@@ -10127,7 +10147,7 @@
   <p:timing>
     <p:tnLst>
       <p:par>
-        <p:cTn xmlns:p14="http://schemas.microsoft.com/office/powerpoint/2010/main" id="1" dur="indefinite" restart="never" nodeType="tmRoot"/>
+        <p:cTn id="1" dur="indefinite" restart="never" nodeType="tmRoot"/>
       </p:par>
     </p:tnLst>
   </p:timing>
@@ -10227,7 +10247,7 @@
   <p:timing>
     <p:tnLst>
       <p:par>
-        <p:cTn xmlns:p14="http://schemas.microsoft.com/office/powerpoint/2010/main" id="1" dur="indefinite" restart="never" nodeType="tmRoot"/>
+        <p:cTn id="1" dur="indefinite" restart="never" nodeType="tmRoot"/>
       </p:par>
     </p:tnLst>
   </p:timing>
@@ -10328,7 +10348,7 @@
   <p:timing>
     <p:tnLst>
       <p:par>
-        <p:cTn xmlns:p14="http://schemas.microsoft.com/office/powerpoint/2010/main" id="1" dur="indefinite" restart="never" nodeType="tmRoot"/>
+        <p:cTn id="1" dur="indefinite" restart="never" nodeType="tmRoot"/>
       </p:par>
     </p:tnLst>
   </p:timing>
@@ -10455,7 +10475,7 @@
   <p:timing>
     <p:tnLst>
       <p:par>
-        <p:cTn xmlns:p14="http://schemas.microsoft.com/office/powerpoint/2010/main" id="1" dur="indefinite" restart="never" nodeType="tmRoot"/>
+        <p:cTn id="1" dur="indefinite" restart="never" nodeType="tmRoot"/>
       </p:par>
     </p:tnLst>
   </p:timing>
@@ -10578,7 +10598,7 @@
   <p:timing>
     <p:tnLst>
       <p:par>
-        <p:cTn xmlns:p14="http://schemas.microsoft.com/office/powerpoint/2010/main" id="1" dur="indefinite" restart="never" nodeType="tmRoot"/>
+        <p:cTn id="1" dur="indefinite" restart="never" nodeType="tmRoot"/>
       </p:par>
     </p:tnLst>
   </p:timing>
@@ -10699,7 +10719,7 @@
   <p:timing>
     <p:tnLst>
       <p:par>
-        <p:cTn xmlns:p14="http://schemas.microsoft.com/office/powerpoint/2010/main" id="1" dur="indefinite" restart="never" nodeType="tmRoot"/>
+        <p:cTn id="1" dur="indefinite" restart="never" nodeType="tmRoot"/>
       </p:par>
     </p:tnLst>
   </p:timing>
@@ -10795,11 +10815,7 @@
           <a:p>
             <a:r>
               <a:rPr lang="en-US" sz="1200" dirty="0" smtClean="0"/>
-              <a:t>Carlos Wyss, </a:t>
-            </a:r>
-            <a:r>
-              <a:rPr lang="en-US" sz="1200" dirty="0" smtClean="0"/>
-              <a:t>WSL, work in progress</a:t>
+              <a:t>Carlos Wyss, WSL, work in progress</a:t>
             </a:r>
             <a:endParaRPr lang="en-US" sz="1200" dirty="0"/>
           </a:p>
@@ -10818,7 +10834,7 @@
   <p:timing>
     <p:tnLst>
       <p:par>
-        <p:cTn xmlns:p14="http://schemas.microsoft.com/office/powerpoint/2010/main" id="1" dur="indefinite" restart="never" nodeType="tmRoot"/>
+        <p:cTn id="1" dur="indefinite" restart="never" nodeType="tmRoot"/>
       </p:par>
     </p:tnLst>
   </p:timing>
@@ -10976,7 +10992,7 @@
   <p:timing>
     <p:tnLst>
       <p:par>
-        <p:cTn xmlns:p14="http://schemas.microsoft.com/office/powerpoint/2010/main" id="1" dur="indefinite" restart="never" nodeType="tmRoot"/>
+        <p:cTn id="1" dur="indefinite" restart="never" nodeType="tmRoot"/>
       </p:par>
     </p:tnLst>
   </p:timing>
